--- a/tasks5.pptx
+++ b/tasks5.pptx
@@ -5,15 +5,23 @@
     <p:sldMasterId id="2147483648" r:id="rId1"/>
   </p:sldMasterIdLst>
   <p:sldIdLst>
-    <p:sldId id="272" r:id="rId2"/>
-    <p:sldId id="262" r:id="rId3"/>
-    <p:sldId id="260" r:id="rId4"/>
-    <p:sldId id="264" r:id="rId5"/>
-    <p:sldId id="265" r:id="rId6"/>
-    <p:sldId id="273" r:id="rId7"/>
-    <p:sldId id="270" r:id="rId8"/>
-    <p:sldId id="269" r:id="rId9"/>
-    <p:sldId id="267" r:id="rId10"/>
+    <p:sldId id="260" r:id="rId2"/>
+    <p:sldId id="261" r:id="rId3"/>
+    <p:sldId id="264" r:id="rId4"/>
+    <p:sldId id="277" r:id="rId5"/>
+    <p:sldId id="276" r:id="rId6"/>
+    <p:sldId id="265" r:id="rId7"/>
+    <p:sldId id="268" r:id="rId8"/>
+    <p:sldId id="272" r:id="rId9"/>
+    <p:sldId id="273" r:id="rId10"/>
+    <p:sldId id="274" r:id="rId11"/>
+    <p:sldId id="267" r:id="rId12"/>
+    <p:sldId id="271" r:id="rId13"/>
+    <p:sldId id="269" r:id="rId14"/>
+    <p:sldId id="263" r:id="rId15"/>
+    <p:sldId id="278" r:id="rId16"/>
+    <p:sldId id="275" r:id="rId17"/>
+    <p:sldId id="279" r:id="rId18"/>
   </p:sldIdLst>
   <p:sldSz cx="12192000" cy="6858000"/>
   <p:notesSz cx="6858000" cy="9144000"/>
@@ -269,7 +277,7 @@
           <a:p>
             <a:fld id="{4C324CBA-B5F8-49E4-A74D-FDDDFCEF0F4B}" type="datetimeFigureOut">
               <a:rPr lang="en-GB" smtClean="0"/>
-              <a:t>23/08/2021</a:t>
+              <a:t>25/08/2021</a:t>
             </a:fld>
             <a:endParaRPr lang="en-GB"/>
           </a:p>
@@ -469,7 +477,7 @@
           <a:p>
             <a:fld id="{4C324CBA-B5F8-49E4-A74D-FDDDFCEF0F4B}" type="datetimeFigureOut">
               <a:rPr lang="en-GB" smtClean="0"/>
-              <a:t>23/08/2021</a:t>
+              <a:t>25/08/2021</a:t>
             </a:fld>
             <a:endParaRPr lang="en-GB"/>
           </a:p>
@@ -679,7 +687,7 @@
           <a:p>
             <a:fld id="{4C324CBA-B5F8-49E4-A74D-FDDDFCEF0F4B}" type="datetimeFigureOut">
               <a:rPr lang="en-GB" smtClean="0"/>
-              <a:t>23/08/2021</a:t>
+              <a:t>25/08/2021</a:t>
             </a:fld>
             <a:endParaRPr lang="en-GB"/>
           </a:p>
@@ -879,7 +887,7 @@
           <a:p>
             <a:fld id="{4C324CBA-B5F8-49E4-A74D-FDDDFCEF0F4B}" type="datetimeFigureOut">
               <a:rPr lang="en-GB" smtClean="0"/>
-              <a:t>23/08/2021</a:t>
+              <a:t>25/08/2021</a:t>
             </a:fld>
             <a:endParaRPr lang="en-GB"/>
           </a:p>
@@ -1155,7 +1163,7 @@
           <a:p>
             <a:fld id="{4C324CBA-B5F8-49E4-A74D-FDDDFCEF0F4B}" type="datetimeFigureOut">
               <a:rPr lang="en-GB" smtClean="0"/>
-              <a:t>23/08/2021</a:t>
+              <a:t>25/08/2021</a:t>
             </a:fld>
             <a:endParaRPr lang="en-GB"/>
           </a:p>
@@ -1423,7 +1431,7 @@
           <a:p>
             <a:fld id="{4C324CBA-B5F8-49E4-A74D-FDDDFCEF0F4B}" type="datetimeFigureOut">
               <a:rPr lang="en-GB" smtClean="0"/>
-              <a:t>23/08/2021</a:t>
+              <a:t>25/08/2021</a:t>
             </a:fld>
             <a:endParaRPr lang="en-GB"/>
           </a:p>
@@ -1838,7 +1846,7 @@
           <a:p>
             <a:fld id="{4C324CBA-B5F8-49E4-A74D-FDDDFCEF0F4B}" type="datetimeFigureOut">
               <a:rPr lang="en-GB" smtClean="0"/>
-              <a:t>23/08/2021</a:t>
+              <a:t>25/08/2021</a:t>
             </a:fld>
             <a:endParaRPr lang="en-GB"/>
           </a:p>
@@ -1980,7 +1988,7 @@
           <a:p>
             <a:fld id="{4C324CBA-B5F8-49E4-A74D-FDDDFCEF0F4B}" type="datetimeFigureOut">
               <a:rPr lang="en-GB" smtClean="0"/>
-              <a:t>23/08/2021</a:t>
+              <a:t>25/08/2021</a:t>
             </a:fld>
             <a:endParaRPr lang="en-GB"/>
           </a:p>
@@ -2093,7 +2101,7 @@
           <a:p>
             <a:fld id="{4C324CBA-B5F8-49E4-A74D-FDDDFCEF0F4B}" type="datetimeFigureOut">
               <a:rPr lang="en-GB" smtClean="0"/>
-              <a:t>23/08/2021</a:t>
+              <a:t>25/08/2021</a:t>
             </a:fld>
             <a:endParaRPr lang="en-GB"/>
           </a:p>
@@ -2406,7 +2414,7 @@
           <a:p>
             <a:fld id="{4C324CBA-B5F8-49E4-A74D-FDDDFCEF0F4B}" type="datetimeFigureOut">
               <a:rPr lang="en-GB" smtClean="0"/>
-              <a:t>23/08/2021</a:t>
+              <a:t>25/08/2021</a:t>
             </a:fld>
             <a:endParaRPr lang="en-GB"/>
           </a:p>
@@ -2695,7 +2703,7 @@
           <a:p>
             <a:fld id="{4C324CBA-B5F8-49E4-A74D-FDDDFCEF0F4B}" type="datetimeFigureOut">
               <a:rPr lang="en-GB" smtClean="0"/>
-              <a:t>23/08/2021</a:t>
+              <a:t>25/08/2021</a:t>
             </a:fld>
             <a:endParaRPr lang="en-GB"/>
           </a:p>
@@ -2940,7 +2948,7 @@
             <a:fld id="{4C324CBA-B5F8-49E4-A74D-FDDDFCEF0F4B}" type="datetimeFigureOut">
               <a:rPr lang="en-GB" smtClean="0"/>
               <a:pPr/>
-              <a:t>23/08/2021</a:t>
+              <a:t>25/08/2021</a:t>
             </a:fld>
             <a:endParaRPr lang="en-GB" dirty="0"/>
           </a:p>
@@ -3375,7 +3383,7 @@
         <p:spPr>
           <a:xfrm>
             <a:off x="696000" y="729000"/>
-            <a:ext cx="10800000" cy="1631216"/>
+            <a:ext cx="10800000" cy="3016210"/>
           </a:xfrm>
           <a:prstGeom prst="rect">
             <a:avLst/>
@@ -3441,8 +3449,26 @@
             </a:endParaRPr>
           </a:p>
           <a:p>
-            <a:pPr marL="0" indent="0">
-              <a:buNone/>
+            <a:pPr marL="742950" indent="-742950">
+              <a:buFont typeface="+mj-lt"/>
+              <a:buAutoNum type="arabicPeriod"/>
+            </a:pPr>
+            <a:r>
+              <a:rPr lang="en-GB" sz="3000" dirty="0">
+                <a:solidFill>
+                  <a:prstClr val="black"/>
+                </a:solidFill>
+                <a:latin typeface="Atkinson Hyperlegible" pitchFamily="50" charset="0"/>
+                <a:ea typeface="+mj-ea"/>
+                <a:cs typeface="+mj-cs"/>
+              </a:rPr>
+              <a:t>)CLEAR your workspace</a:t>
+            </a:r>
+          </a:p>
+          <a:p>
+            <a:pPr marL="742950" indent="-742950">
+              <a:buFont typeface="+mj-lt"/>
+              <a:buAutoNum type="arabicPeriod"/>
             </a:pPr>
             <a:endParaRPr lang="en-GB" sz="3000" dirty="0">
               <a:solidFill>
@@ -3454,8 +3480,9 @@
             </a:endParaRPr>
           </a:p>
           <a:p>
-            <a:pPr marL="0" indent="0">
-              <a:buNone/>
+            <a:pPr marL="742950" indent="-742950">
+              <a:buFont typeface="+mj-lt"/>
+              <a:buAutoNum type="arabicPeriod"/>
             </a:pPr>
             <a:r>
               <a:rPr lang="en-GB" sz="3000" dirty="0">
@@ -3466,10 +3493,40 @@
                 <a:ea typeface="+mj-ea"/>
                 <a:cs typeface="+mj-cs"/>
               </a:rPr>
-              <a:t>Clear your workspace</a:t>
+              <a:t>)SAVE your workspace with a workspace ID like </a:t>
+            </a:r>
+            <a:r>
+              <a:rPr lang="en-GB" sz="3000" b="1" dirty="0">
+                <a:solidFill>
+                  <a:prstClr val="black"/>
+                </a:solidFill>
+                <a:latin typeface="Atkinson Hyperlegible" pitchFamily="50" charset="0"/>
+                <a:ea typeface="+mj-ea"/>
+                <a:cs typeface="+mj-cs"/>
+              </a:rPr>
+              <a:t>your_name_tasks5.dws</a:t>
             </a:r>
             <a:endParaRPr lang="en-GB" sz="3000" dirty="0">
-              <a:latin typeface="APL385 Unicode" panose="020B0709000202000203" pitchFamily="49" charset="0"/>
+              <a:solidFill>
+                <a:prstClr val="black"/>
+              </a:solidFill>
+              <a:latin typeface="Atkinson Hyperlegible" pitchFamily="50" charset="0"/>
+              <a:ea typeface="+mj-ea"/>
+              <a:cs typeface="+mj-cs"/>
+            </a:endParaRPr>
+          </a:p>
+          <a:p>
+            <a:pPr marL="742950" indent="-742950">
+              <a:buFont typeface="+mj-lt"/>
+              <a:buAutoNum type="arabicPeriod"/>
+            </a:pPr>
+            <a:endParaRPr lang="en-GB" sz="3000" dirty="0">
+              <a:solidFill>
+                <a:prstClr val="black"/>
+              </a:solidFill>
+              <a:latin typeface="Atkinson Hyperlegible" pitchFamily="50" charset="0"/>
+              <a:ea typeface="+mj-ea"/>
+              <a:cs typeface="+mj-cs"/>
             </a:endParaRPr>
           </a:p>
         </p:txBody>
@@ -3477,7 +3534,7 @@
     </p:spTree>
     <p:extLst>
       <p:ext uri="{BB962C8B-B14F-4D97-AF65-F5344CB8AC3E}">
-        <p14:creationId xmlns:p14="http://schemas.microsoft.com/office/powerpoint/2010/main" val="1171132841"/>
+        <p14:creationId xmlns:p14="http://schemas.microsoft.com/office/powerpoint/2010/main" val="1928722547"/>
       </p:ext>
     </p:extLst>
   </p:cSld>
@@ -3487,7 +3544,553 @@
 </p:sld>
 </file>
 
-<file path=ppt/slides/slide2.xml><?xml version="1.0" encoding="utf-8"?>
+<file path=ppt/slides/slide10.xml><?xml version="1.0" encoding="utf-8"?>
+<p:sld xmlns:a="http://schemas.openxmlformats.org/drawingml/2006/main" xmlns:r="http://schemas.openxmlformats.org/officeDocument/2006/relationships" xmlns:p="http://schemas.openxmlformats.org/presentationml/2006/main">
+  <p:cSld>
+    <p:spTree>
+      <p:nvGrpSpPr>
+        <p:cNvPr id="1" name=""/>
+        <p:cNvGrpSpPr/>
+        <p:nvPr/>
+      </p:nvGrpSpPr>
+      <p:grpSpPr>
+        <a:xfrm>
+          <a:off x="0" y="0"/>
+          <a:ext cx="0" cy="0"/>
+          <a:chOff x="0" y="0"/>
+          <a:chExt cx="0" cy="0"/>
+        </a:xfrm>
+      </p:grpSpPr>
+      <p:sp>
+        <p:nvSpPr>
+          <p:cNvPr id="2" name="TextBox 1">
+            <a:extLst>
+              <a:ext uri="{FF2B5EF4-FFF2-40B4-BE49-F238E27FC236}">
+                <a16:creationId xmlns:a16="http://schemas.microsoft.com/office/drawing/2014/main" id="{ABB6BDA9-D3EC-48B2-8801-3CE10D1D5391}"/>
+              </a:ext>
+            </a:extLst>
+          </p:cNvPr>
+          <p:cNvSpPr txBox="1"/>
+          <p:nvPr/>
+        </p:nvSpPr>
+        <p:spPr>
+          <a:xfrm>
+            <a:off x="696000" y="369000"/>
+            <a:ext cx="10800000" cy="6124754"/>
+          </a:xfrm>
+          <a:prstGeom prst="rect">
+            <a:avLst/>
+          </a:prstGeom>
+          <a:noFill/>
+        </p:spPr>
+        <p:txBody>
+          <a:bodyPr wrap="square" rtlCol="0">
+            <a:spAutoFit/>
+          </a:bodyPr>
+          <a:lstStyle/>
+          <a:p>
+            <a:pPr marL="0" indent="0" algn="ctr">
+              <a:buNone/>
+            </a:pPr>
+            <a:r>
+              <a:rPr kumimoji="0" lang="en-GB" sz="4000" b="1" i="0" u="none" strike="noStrike" kern="1200" cap="none" spc="0" normalizeH="0" baseline="0" noProof="0" dirty="0">
+                <a:ln>
+                  <a:noFill/>
+                </a:ln>
+                <a:solidFill>
+                  <a:prstClr val="black"/>
+                </a:solidFill>
+                <a:effectLst/>
+                <a:uLnTx/>
+                <a:uFillTx/>
+                <a:latin typeface="Atkinson Hyperlegible" pitchFamily="50" charset="0"/>
+                <a:ea typeface="+mj-ea"/>
+                <a:cs typeface="+mj-cs"/>
+              </a:rPr>
+              <a:t>Task </a:t>
+            </a:r>
+            <a:fld id="{C4A595E0-68AA-423E-BAF3-3392370CE250}" type="slidenum">
+              <a:rPr kumimoji="0" lang="en-GB" sz="4000" b="1" i="0" u="none" strike="noStrike" kern="1200" cap="none" spc="0" normalizeH="0" baseline="0" noProof="0" smtClean="0">
+                <a:ln>
+                  <a:noFill/>
+                </a:ln>
+                <a:solidFill>
+                  <a:prstClr val="black"/>
+                </a:solidFill>
+                <a:effectLst/>
+                <a:uLnTx/>
+                <a:uFillTx/>
+                <a:latin typeface="Atkinson Hyperlegible" pitchFamily="50" charset="0"/>
+                <a:ea typeface="+mj-ea"/>
+                <a:cs typeface="+mj-cs"/>
+              </a:rPr>
+              <a:t>10</a:t>
+            </a:fld>
+            <a:endParaRPr kumimoji="0" lang="en-GB" sz="4000" b="1" i="0" u="none" strike="noStrike" kern="1200" cap="none" spc="0" normalizeH="0" baseline="0" noProof="0" dirty="0">
+              <a:ln>
+                <a:noFill/>
+              </a:ln>
+              <a:solidFill>
+                <a:prstClr val="black"/>
+              </a:solidFill>
+              <a:effectLst/>
+              <a:uLnTx/>
+              <a:uFillTx/>
+              <a:latin typeface="Atkinson Hyperlegible" pitchFamily="50" charset="0"/>
+              <a:ea typeface="+mj-ea"/>
+              <a:cs typeface="+mj-cs"/>
+            </a:endParaRPr>
+          </a:p>
+          <a:p>
+            <a:pPr marL="0" indent="0">
+              <a:buNone/>
+            </a:pPr>
+            <a:r>
+              <a:rPr kumimoji="0" lang="en-US" sz="2200" i="0" u="none" strike="noStrike" kern="1200" cap="none" spc="0" normalizeH="0" baseline="0" noProof="0" dirty="0">
+                <a:ln>
+                  <a:noFill/>
+                </a:ln>
+                <a:solidFill>
+                  <a:prstClr val="black"/>
+                </a:solidFill>
+                <a:effectLst/>
+                <a:uLnTx/>
+                <a:uFillTx/>
+                <a:latin typeface="Atkinson Hyperlegible" pitchFamily="50" charset="0"/>
+                <a:ea typeface="+mj-ea"/>
+                <a:cs typeface="+mj-cs"/>
+              </a:rPr>
+              <a:t>Define a function </a:t>
+            </a:r>
+            <a:r>
+              <a:rPr lang="en-US" sz="2200" dirty="0" err="1">
+                <a:solidFill>
+                  <a:prstClr val="black"/>
+                </a:solidFill>
+                <a:latin typeface="Atkinson Hyperlegible" pitchFamily="50" charset="0"/>
+                <a:ea typeface="+mj-ea"/>
+                <a:cs typeface="+mj-cs"/>
+              </a:rPr>
+              <a:t>MatrixSortedDownBy</a:t>
+            </a:r>
+            <a:r>
+              <a:rPr kumimoji="0" lang="en-US" sz="2200" i="0" u="none" strike="noStrike" kern="1200" cap="none" spc="0" normalizeH="0" baseline="0" noProof="0" dirty="0">
+                <a:ln>
+                  <a:noFill/>
+                </a:ln>
+                <a:solidFill>
+                  <a:prstClr val="black"/>
+                </a:solidFill>
+                <a:effectLst/>
+                <a:uLnTx/>
+                <a:uFillTx/>
+                <a:latin typeface="Atkinson Hyperlegible" pitchFamily="50" charset="0"/>
+                <a:ea typeface="+mj-ea"/>
+                <a:cs typeface="+mj-cs"/>
+              </a:rPr>
+              <a:t> that takes a character matrix on the left and a numeric vector on the right. It should reorder the rows of the matrix </a:t>
+            </a:r>
+            <a:r>
+              <a:rPr lang="en-US" sz="2200" dirty="0">
+                <a:solidFill>
+                  <a:prstClr val="black"/>
+                </a:solidFill>
+                <a:latin typeface="Atkinson Hyperlegible" pitchFamily="50" charset="0"/>
+                <a:ea typeface="+mj-ea"/>
+                <a:cs typeface="+mj-cs"/>
+              </a:rPr>
+              <a:t>so that the row corresponding to the highest number comes first</a:t>
+            </a:r>
+            <a:r>
+              <a:rPr kumimoji="0" lang="en-US" sz="2200" i="0" u="none" strike="noStrike" kern="1200" cap="none" spc="0" normalizeH="0" baseline="0" noProof="0" dirty="0">
+                <a:ln>
+                  <a:noFill/>
+                </a:ln>
+                <a:solidFill>
+                  <a:prstClr val="black"/>
+                </a:solidFill>
+                <a:effectLst/>
+                <a:uLnTx/>
+                <a:uFillTx/>
+                <a:latin typeface="Atkinson Hyperlegible" pitchFamily="50" charset="0"/>
+                <a:ea typeface="+mj-ea"/>
+                <a:cs typeface="+mj-cs"/>
+              </a:rPr>
+              <a:t>.</a:t>
+            </a:r>
+          </a:p>
+          <a:p>
+            <a:pPr marL="0" indent="0">
+              <a:buNone/>
+            </a:pPr>
+            <a:r>
+              <a:rPr kumimoji="0" lang="en-US" sz="2200" i="0" u="none" strike="noStrike" kern="1200" cap="none" spc="0" normalizeH="0" baseline="0" noProof="0" dirty="0">
+                <a:ln>
+                  <a:noFill/>
+                </a:ln>
+                <a:solidFill>
+                  <a:prstClr val="black"/>
+                </a:solidFill>
+                <a:effectLst/>
+                <a:uLnTx/>
+                <a:uFillTx/>
+                <a:latin typeface="APL385 Unicode" panose="020B0709000202000203" pitchFamily="49" charset="0"/>
+                <a:ea typeface="+mj-ea"/>
+                <a:cs typeface="+mj-cs"/>
+              </a:rPr>
+              <a:t>      products ← 5 6⍴'coffeebread curry beans milk  '</a:t>
+            </a:r>
+          </a:p>
+          <a:p>
+            <a:pPr marL="0" indent="0">
+              <a:buNone/>
+            </a:pPr>
+            <a:r>
+              <a:rPr kumimoji="0" lang="en-US" sz="2200" i="0" u="none" strike="noStrike" kern="1200" cap="none" spc="0" normalizeH="0" baseline="0" noProof="0" dirty="0">
+                <a:ln>
+                  <a:noFill/>
+                </a:ln>
+                <a:solidFill>
+                  <a:prstClr val="black"/>
+                </a:solidFill>
+                <a:effectLst/>
+                <a:uLnTx/>
+                <a:uFillTx/>
+                <a:latin typeface="APL385 Unicode" panose="020B0709000202000203" pitchFamily="49" charset="0"/>
+                <a:ea typeface="+mj-ea"/>
+                <a:cs typeface="+mj-cs"/>
+              </a:rPr>
+              <a:t>      products </a:t>
+            </a:r>
+            <a:r>
+              <a:rPr lang="en-US" sz="2200" dirty="0" err="1">
+                <a:solidFill>
+                  <a:prstClr val="black"/>
+                </a:solidFill>
+                <a:latin typeface="Atkinson Hyperlegible" pitchFamily="50" charset="0"/>
+                <a:ea typeface="+mj-ea"/>
+                <a:cs typeface="+mj-cs"/>
+              </a:rPr>
+              <a:t>MatrixSortedDownBy</a:t>
+            </a:r>
+            <a:r>
+              <a:rPr kumimoji="0" lang="en-US" sz="2200" i="0" u="none" strike="noStrike" kern="1200" cap="none" spc="0" normalizeH="0" baseline="0" noProof="0" dirty="0">
+                <a:ln>
+                  <a:noFill/>
+                </a:ln>
+                <a:solidFill>
+                  <a:prstClr val="black"/>
+                </a:solidFill>
+                <a:effectLst/>
+                <a:uLnTx/>
+                <a:uFillTx/>
+                <a:latin typeface="APL385 Unicode" panose="020B0709000202000203" pitchFamily="49" charset="0"/>
+                <a:ea typeface="+mj-ea"/>
+                <a:cs typeface="+mj-cs"/>
+              </a:rPr>
+              <a:t> 1 2 3 4 5</a:t>
+            </a:r>
+          </a:p>
+          <a:p>
+            <a:pPr marL="0" indent="0">
+              <a:buNone/>
+            </a:pPr>
+            <a:r>
+              <a:rPr kumimoji="0" lang="en-US" sz="2200" i="0" u="none" strike="noStrike" kern="1200" cap="none" spc="0" normalizeH="0" baseline="0" noProof="0" dirty="0">
+                <a:ln>
+                  <a:noFill/>
+                </a:ln>
+                <a:solidFill>
+                  <a:prstClr val="black"/>
+                </a:solidFill>
+                <a:effectLst/>
+                <a:uLnTx/>
+                <a:uFillTx/>
+                <a:latin typeface="APL385 Unicode" panose="020B0709000202000203" pitchFamily="49" charset="0"/>
+                <a:ea typeface="+mj-ea"/>
+                <a:cs typeface="+mj-cs"/>
+              </a:rPr>
+              <a:t>milk</a:t>
+            </a:r>
+          </a:p>
+          <a:p>
+            <a:pPr marL="0" indent="0">
+              <a:buNone/>
+            </a:pPr>
+            <a:r>
+              <a:rPr kumimoji="0" lang="en-US" sz="2200" i="0" u="none" strike="noStrike" kern="1200" cap="none" spc="0" normalizeH="0" baseline="0" noProof="0" dirty="0">
+                <a:ln>
+                  <a:noFill/>
+                </a:ln>
+                <a:solidFill>
+                  <a:prstClr val="black"/>
+                </a:solidFill>
+                <a:effectLst/>
+                <a:uLnTx/>
+                <a:uFillTx/>
+                <a:latin typeface="APL385 Unicode" panose="020B0709000202000203" pitchFamily="49" charset="0"/>
+                <a:ea typeface="+mj-ea"/>
+                <a:cs typeface="+mj-cs"/>
+              </a:rPr>
+              <a:t>beans</a:t>
+            </a:r>
+          </a:p>
+          <a:p>
+            <a:pPr marL="0" indent="0">
+              <a:buNone/>
+            </a:pPr>
+            <a:r>
+              <a:rPr kumimoji="0" lang="en-US" sz="2200" i="0" u="none" strike="noStrike" kern="1200" cap="none" spc="0" normalizeH="0" baseline="0" noProof="0" dirty="0">
+                <a:ln>
+                  <a:noFill/>
+                </a:ln>
+                <a:solidFill>
+                  <a:prstClr val="black"/>
+                </a:solidFill>
+                <a:effectLst/>
+                <a:uLnTx/>
+                <a:uFillTx/>
+                <a:latin typeface="APL385 Unicode" panose="020B0709000202000203" pitchFamily="49" charset="0"/>
+                <a:ea typeface="+mj-ea"/>
+                <a:cs typeface="+mj-cs"/>
+              </a:rPr>
+              <a:t>curry</a:t>
+            </a:r>
+          </a:p>
+          <a:p>
+            <a:pPr marL="0" indent="0">
+              <a:buNone/>
+            </a:pPr>
+            <a:r>
+              <a:rPr kumimoji="0" lang="en-US" sz="2200" i="0" u="none" strike="noStrike" kern="1200" cap="none" spc="0" normalizeH="0" baseline="0" noProof="0" dirty="0">
+                <a:ln>
+                  <a:noFill/>
+                </a:ln>
+                <a:solidFill>
+                  <a:prstClr val="black"/>
+                </a:solidFill>
+                <a:effectLst/>
+                <a:uLnTx/>
+                <a:uFillTx/>
+                <a:latin typeface="APL385 Unicode" panose="020B0709000202000203" pitchFamily="49" charset="0"/>
+                <a:ea typeface="+mj-ea"/>
+                <a:cs typeface="+mj-cs"/>
+              </a:rPr>
+              <a:t>bread</a:t>
+            </a:r>
+          </a:p>
+          <a:p>
+            <a:pPr marL="0" indent="0">
+              <a:buNone/>
+            </a:pPr>
+            <a:r>
+              <a:rPr kumimoji="0" lang="en-US" sz="2200" i="0" u="none" strike="noStrike" kern="1200" cap="none" spc="0" normalizeH="0" baseline="0" noProof="0" dirty="0">
+                <a:ln>
+                  <a:noFill/>
+                </a:ln>
+                <a:solidFill>
+                  <a:prstClr val="black"/>
+                </a:solidFill>
+                <a:effectLst/>
+                <a:uLnTx/>
+                <a:uFillTx/>
+                <a:latin typeface="APL385 Unicode" panose="020B0709000202000203" pitchFamily="49" charset="0"/>
+                <a:ea typeface="+mj-ea"/>
+                <a:cs typeface="+mj-cs"/>
+              </a:rPr>
+              <a:t>coffee</a:t>
+            </a:r>
+          </a:p>
+          <a:p>
+            <a:pPr marL="0" indent="0">
+              <a:buNone/>
+            </a:pPr>
+            <a:r>
+              <a:rPr kumimoji="0" lang="en-US" sz="2200" i="0" u="none" strike="noStrike" kern="1200" cap="none" spc="0" normalizeH="0" baseline="0" noProof="0" dirty="0">
+                <a:ln>
+                  <a:noFill/>
+                </a:ln>
+                <a:solidFill>
+                  <a:prstClr val="black"/>
+                </a:solidFill>
+                <a:effectLst/>
+                <a:uLnTx/>
+                <a:uFillTx/>
+                <a:latin typeface="APL385 Unicode" panose="020B0709000202000203" pitchFamily="49" charset="0"/>
+                <a:ea typeface="+mj-ea"/>
+                <a:cs typeface="+mj-cs"/>
+              </a:rPr>
+              <a:t>      products </a:t>
+            </a:r>
+            <a:r>
+              <a:rPr lang="en-US" sz="2200" dirty="0" err="1">
+                <a:solidFill>
+                  <a:prstClr val="black"/>
+                </a:solidFill>
+                <a:latin typeface="Atkinson Hyperlegible" pitchFamily="50" charset="0"/>
+                <a:ea typeface="+mj-ea"/>
+                <a:cs typeface="+mj-cs"/>
+              </a:rPr>
+              <a:t>MatrixSortedDownBy</a:t>
+            </a:r>
+            <a:r>
+              <a:rPr kumimoji="0" lang="en-US" sz="2200" i="0" u="none" strike="noStrike" kern="1200" cap="none" spc="0" normalizeH="0" baseline="0" noProof="0" dirty="0">
+                <a:ln>
+                  <a:noFill/>
+                </a:ln>
+                <a:solidFill>
+                  <a:prstClr val="black"/>
+                </a:solidFill>
+                <a:effectLst/>
+                <a:uLnTx/>
+                <a:uFillTx/>
+                <a:latin typeface="APL385 Unicode" panose="020B0709000202000203" pitchFamily="49" charset="0"/>
+                <a:ea typeface="+mj-ea"/>
+                <a:cs typeface="+mj-cs"/>
+              </a:rPr>
+              <a:t> 5 1 3 4 2</a:t>
+            </a:r>
+          </a:p>
+          <a:p>
+            <a:pPr marL="0" indent="0">
+              <a:buNone/>
+            </a:pPr>
+            <a:r>
+              <a:rPr kumimoji="0" lang="en-US" sz="2200" i="0" u="none" strike="noStrike" kern="1200" cap="none" spc="0" normalizeH="0" baseline="0" noProof="0" dirty="0">
+                <a:ln>
+                  <a:noFill/>
+                </a:ln>
+                <a:solidFill>
+                  <a:prstClr val="black"/>
+                </a:solidFill>
+                <a:effectLst/>
+                <a:uLnTx/>
+                <a:uFillTx/>
+                <a:latin typeface="APL385 Unicode" panose="020B0709000202000203" pitchFamily="49" charset="0"/>
+                <a:ea typeface="+mj-ea"/>
+                <a:cs typeface="+mj-cs"/>
+              </a:rPr>
+              <a:t>coffee</a:t>
+            </a:r>
+          </a:p>
+          <a:p>
+            <a:pPr marL="0" indent="0">
+              <a:buNone/>
+            </a:pPr>
+            <a:r>
+              <a:rPr kumimoji="0" lang="en-US" sz="2200" i="0" u="none" strike="noStrike" kern="1200" cap="none" spc="0" normalizeH="0" baseline="0" noProof="0" dirty="0">
+                <a:ln>
+                  <a:noFill/>
+                </a:ln>
+                <a:solidFill>
+                  <a:prstClr val="black"/>
+                </a:solidFill>
+                <a:effectLst/>
+                <a:uLnTx/>
+                <a:uFillTx/>
+                <a:latin typeface="APL385 Unicode" panose="020B0709000202000203" pitchFamily="49" charset="0"/>
+                <a:ea typeface="+mj-ea"/>
+                <a:cs typeface="+mj-cs"/>
+              </a:rPr>
+              <a:t>beans</a:t>
+            </a:r>
+          </a:p>
+          <a:p>
+            <a:pPr marL="0" indent="0">
+              <a:buNone/>
+            </a:pPr>
+            <a:r>
+              <a:rPr kumimoji="0" lang="en-US" sz="2200" i="0" u="none" strike="noStrike" kern="1200" cap="none" spc="0" normalizeH="0" baseline="0" noProof="0" dirty="0">
+                <a:ln>
+                  <a:noFill/>
+                </a:ln>
+                <a:solidFill>
+                  <a:prstClr val="black"/>
+                </a:solidFill>
+                <a:effectLst/>
+                <a:uLnTx/>
+                <a:uFillTx/>
+                <a:latin typeface="APL385 Unicode" panose="020B0709000202000203" pitchFamily="49" charset="0"/>
+                <a:ea typeface="+mj-ea"/>
+                <a:cs typeface="+mj-cs"/>
+              </a:rPr>
+              <a:t>curry</a:t>
+            </a:r>
+          </a:p>
+          <a:p>
+            <a:pPr marL="0" indent="0">
+              <a:buNone/>
+            </a:pPr>
+            <a:r>
+              <a:rPr kumimoji="0" lang="en-US" sz="2200" i="0" u="none" strike="noStrike" kern="1200" cap="none" spc="0" normalizeH="0" baseline="0" noProof="0" dirty="0">
+                <a:ln>
+                  <a:noFill/>
+                </a:ln>
+                <a:solidFill>
+                  <a:prstClr val="black"/>
+                </a:solidFill>
+                <a:effectLst/>
+                <a:uLnTx/>
+                <a:uFillTx/>
+                <a:latin typeface="APL385 Unicode" panose="020B0709000202000203" pitchFamily="49" charset="0"/>
+                <a:ea typeface="+mj-ea"/>
+                <a:cs typeface="+mj-cs"/>
+              </a:rPr>
+              <a:t>milk</a:t>
+            </a:r>
+          </a:p>
+          <a:p>
+            <a:pPr marL="0" indent="0">
+              <a:buNone/>
+            </a:pPr>
+            <a:r>
+              <a:rPr kumimoji="0" lang="en-US" sz="2200" i="0" u="none" strike="noStrike" kern="1200" cap="none" spc="0" normalizeH="0" baseline="0" noProof="0" dirty="0">
+                <a:ln>
+                  <a:noFill/>
+                </a:ln>
+                <a:solidFill>
+                  <a:prstClr val="black"/>
+                </a:solidFill>
+                <a:effectLst/>
+                <a:uLnTx/>
+                <a:uFillTx/>
+                <a:latin typeface="APL385 Unicode" panose="020B0709000202000203" pitchFamily="49" charset="0"/>
+                <a:ea typeface="+mj-ea"/>
+                <a:cs typeface="+mj-cs"/>
+              </a:rPr>
+              <a:t>bread</a:t>
+            </a:r>
+            <a:endParaRPr kumimoji="0" lang="en-GB" sz="2200" i="0" u="none" strike="noStrike" kern="1200" cap="none" spc="0" normalizeH="0" baseline="0" noProof="0" dirty="0">
+              <a:ln>
+                <a:noFill/>
+              </a:ln>
+              <a:solidFill>
+                <a:prstClr val="black"/>
+              </a:solidFill>
+              <a:effectLst/>
+              <a:uLnTx/>
+              <a:uFillTx/>
+              <a:latin typeface="APL385 Unicode" panose="020B0709000202000203" pitchFamily="49" charset="0"/>
+              <a:ea typeface="+mj-ea"/>
+              <a:cs typeface="+mj-cs"/>
+            </a:endParaRPr>
+          </a:p>
+        </p:txBody>
+      </p:sp>
+    </p:spTree>
+    <p:extLst>
+      <p:ext uri="{BB962C8B-B14F-4D97-AF65-F5344CB8AC3E}">
+        <p14:creationId xmlns:p14="http://schemas.microsoft.com/office/powerpoint/2010/main" val="3799855510"/>
+      </p:ext>
+    </p:extLst>
+  </p:cSld>
+  <p:clrMapOvr>
+    <a:masterClrMapping/>
+  </p:clrMapOvr>
+</p:sld>
+</file>
+
+<file path=ppt/slides/slide11.xml><?xml version="1.0" encoding="utf-8"?>
 <p:sld xmlns:a="http://schemas.openxmlformats.org/drawingml/2006/main" xmlns:r="http://schemas.openxmlformats.org/officeDocument/2006/relationships" xmlns:p="http://schemas.openxmlformats.org/presentationml/2006/main">
   <p:cSld>
     <p:spTree>
@@ -3519,7 +4122,7 @@
         <p:spPr>
           <a:xfrm>
             <a:off x="696000" y="729000"/>
-            <a:ext cx="10800000" cy="5786199"/>
+            <a:ext cx="10800000" cy="5447645"/>
           </a:xfrm>
           <a:prstGeom prst="rect">
             <a:avLst/>
@@ -3567,7 +4170,7 @@
                 <a:ea typeface="+mj-ea"/>
                 <a:cs typeface="+mj-cs"/>
               </a:rPr>
-              <a:t>2</a:t>
+              <a:t>11</a:t>
             </a:fld>
             <a:endParaRPr kumimoji="0" lang="en-GB" sz="4000" b="1" i="0" u="none" strike="noStrike" kern="1200" cap="none" spc="0" normalizeH="0" baseline="0" noProof="0" dirty="0">
               <a:ln>
@@ -3585,11 +4188,8 @@
             </a:endParaRPr>
           </a:p>
           <a:p>
-            <a:pPr marL="0" indent="0">
-              <a:buNone/>
-            </a:pPr>
-            <a:r>
-              <a:rPr lang="en-GB" sz="3000" dirty="0">
+            <a:r>
+              <a:rPr lang="en-GB" sz="2200" dirty="0">
                 <a:solidFill>
                   <a:prstClr val="black"/>
                 </a:solidFill>
@@ -3597,74 +4197,11 @@
                 <a:ea typeface="+mj-ea"/>
                 <a:cs typeface="+mj-cs"/>
               </a:rPr>
-              <a:t>Define a function Multiples to return only elements of </a:t>
-            </a:r>
-            <a:r>
-              <a:rPr lang="en-GB" sz="3000" dirty="0">
-                <a:solidFill>
-                  <a:prstClr val="black"/>
-                </a:solidFill>
-                <a:latin typeface="APL385 Unicode" panose="020B0709000202000203" pitchFamily="49" charset="0"/>
-                <a:ea typeface="+mj-ea"/>
-                <a:cs typeface="+mj-cs"/>
-              </a:rPr>
-              <a:t>⍵</a:t>
-            </a:r>
-            <a:r>
-              <a:rPr lang="en-GB" sz="3000" dirty="0">
-                <a:solidFill>
-                  <a:prstClr val="black"/>
-                </a:solidFill>
-                <a:latin typeface="Atkinson Hyperlegible" pitchFamily="50" charset="0"/>
-                <a:ea typeface="+mj-ea"/>
-                <a:cs typeface="+mj-cs"/>
-              </a:rPr>
-              <a:t> that are exact multiples of </a:t>
-            </a:r>
-            <a:r>
-              <a:rPr lang="en-GB" sz="3000" dirty="0">
-                <a:solidFill>
-                  <a:prstClr val="black"/>
-                </a:solidFill>
-                <a:latin typeface="APL385 Unicode" panose="020B0709000202000203" pitchFamily="49" charset="0"/>
-                <a:ea typeface="+mj-ea"/>
-                <a:cs typeface="+mj-cs"/>
-              </a:rPr>
-              <a:t>⍺</a:t>
-            </a:r>
-            <a:r>
-              <a:rPr lang="en-GB" sz="3000" dirty="0">
-                <a:solidFill>
-                  <a:prstClr val="black"/>
-                </a:solidFill>
-                <a:latin typeface="Atkinson Hyperlegible" pitchFamily="50" charset="0"/>
-                <a:ea typeface="+mj-ea"/>
-                <a:cs typeface="+mj-cs"/>
-              </a:rPr>
-              <a:t>.</a:t>
-            </a:r>
-          </a:p>
-          <a:p>
-            <a:pPr marL="0" indent="0">
-              <a:buNone/>
-            </a:pPr>
-            <a:r>
-              <a:rPr lang="en-GB" sz="3000" dirty="0">
-                <a:solidFill>
-                  <a:prstClr val="black"/>
-                </a:solidFill>
-                <a:latin typeface="Atkinson Hyperlegible" pitchFamily="50" charset="0"/>
-                <a:ea typeface="+mj-ea"/>
-                <a:cs typeface="+mj-cs"/>
-              </a:rPr>
-              <a:t>For example,</a:t>
-            </a:r>
-          </a:p>
-          <a:p>
-            <a:pPr marL="0" indent="0">
-              <a:buNone/>
-            </a:pPr>
-            <a:endParaRPr lang="en-GB" sz="3000" dirty="0">
+              <a:t>The 3D array rain gives the monthly rainfall in millimetres over 7 years for 5 countries.</a:t>
+            </a:r>
+          </a:p>
+          <a:p>
+            <a:endParaRPr lang="en-GB" sz="2200" dirty="0">
               <a:solidFill>
                 <a:prstClr val="black"/>
               </a:solidFill>
@@ -3674,26 +4211,164 @@
             </a:endParaRPr>
           </a:p>
           <a:p>
-            <a:pPr marL="0" indent="0">
-              <a:buNone/>
-            </a:pPr>
-            <a:r>
-              <a:rPr lang="en-GB" sz="3000" dirty="0">
-                <a:solidFill>
-                  <a:prstClr val="black"/>
-                </a:solidFill>
-                <a:latin typeface="APL385 Unicode" panose="020B0709000202000203" pitchFamily="49" charset="0"/>
-                <a:ea typeface="+mj-ea"/>
-                <a:cs typeface="+mj-cs"/>
-              </a:rPr>
-              <a:t>      mat ← 4 3⍴6 9 9 10 9 1 3 5 3 6 7 3</a:t>
-            </a:r>
-          </a:p>
-          <a:p>
-            <a:pPr marL="0" indent="0">
-              <a:buNone/>
-            </a:pPr>
-            <a:endParaRPr lang="en-GB" sz="3000" dirty="0">
+            <a:r>
+              <a:rPr lang="en-GB" sz="2200" dirty="0">
+                <a:solidFill>
+                  <a:prstClr val="black"/>
+                </a:solidFill>
+                <a:latin typeface="APL385 Unicode" panose="020B0709000202000203" pitchFamily="49" charset="0"/>
+                <a:ea typeface="+mj-ea"/>
+                <a:cs typeface="+mj-cs"/>
+              </a:rPr>
+              <a:t>      ⎕RL←42</a:t>
+            </a:r>
+          </a:p>
+          <a:p>
+            <a:r>
+              <a:rPr lang="en-GB" sz="2200" dirty="0">
+                <a:solidFill>
+                  <a:prstClr val="black"/>
+                </a:solidFill>
+                <a:latin typeface="APL385 Unicode" panose="020B0709000202000203" pitchFamily="49" charset="0"/>
+                <a:ea typeface="+mj-ea"/>
+                <a:cs typeface="+mj-cs"/>
+              </a:rPr>
+              <a:t>      rain ←?7 5 12⍴250</a:t>
+            </a:r>
+          </a:p>
+          <a:p>
+            <a:endParaRPr lang="en-GB" sz="2200" dirty="0">
+              <a:solidFill>
+                <a:prstClr val="black"/>
+              </a:solidFill>
+              <a:latin typeface="Atkinson Hyperlegible" pitchFamily="50" charset="0"/>
+              <a:ea typeface="+mj-ea"/>
+              <a:cs typeface="+mj-cs"/>
+            </a:endParaRPr>
+          </a:p>
+          <a:p>
+            <a:r>
+              <a:rPr lang="en-GB" sz="2200" dirty="0">
+                <a:solidFill>
+                  <a:prstClr val="black"/>
+                </a:solidFill>
+                <a:latin typeface="Atkinson Hyperlegible" pitchFamily="50" charset="0"/>
+                <a:ea typeface="+mj-ea"/>
+                <a:cs typeface="+mj-cs"/>
+              </a:rPr>
+              <a:t>Write a function to find the average monthly rainfall for each individual month in each of the 5 countries.</a:t>
+            </a:r>
+          </a:p>
+          <a:p>
+            <a:endParaRPr lang="en-GB" sz="2200" dirty="0">
+              <a:solidFill>
+                <a:prstClr val="black"/>
+              </a:solidFill>
+              <a:latin typeface="Atkinson Hyperlegible" pitchFamily="50" charset="0"/>
+              <a:ea typeface="+mj-ea"/>
+              <a:cs typeface="+mj-cs"/>
+            </a:endParaRPr>
+          </a:p>
+          <a:p>
+            <a:r>
+              <a:rPr lang="en-US" sz="2200" dirty="0">
+                <a:solidFill>
+                  <a:prstClr val="black"/>
+                </a:solidFill>
+                <a:latin typeface="APL385 Unicode" panose="020B0709000202000203" pitchFamily="49" charset="0"/>
+                <a:ea typeface="+mj-ea"/>
+                <a:cs typeface="+mj-cs"/>
+              </a:rPr>
+              <a:t>      ⌊ </a:t>
+            </a:r>
+            <a:r>
+              <a:rPr lang="en-US" sz="2200" dirty="0" err="1">
+                <a:solidFill>
+                  <a:prstClr val="black"/>
+                </a:solidFill>
+                <a:latin typeface="APL385 Unicode" panose="020B0709000202000203" pitchFamily="49" charset="0"/>
+                <a:ea typeface="+mj-ea"/>
+                <a:cs typeface="+mj-cs"/>
+              </a:rPr>
+              <a:t>MonthAvg</a:t>
+            </a:r>
+            <a:r>
+              <a:rPr lang="en-US" sz="2200" dirty="0">
+                <a:solidFill>
+                  <a:prstClr val="black"/>
+                </a:solidFill>
+                <a:latin typeface="APL385 Unicode" panose="020B0709000202000203" pitchFamily="49" charset="0"/>
+                <a:ea typeface="+mj-ea"/>
+                <a:cs typeface="+mj-cs"/>
+              </a:rPr>
+              <a:t> rain</a:t>
+            </a:r>
+          </a:p>
+          <a:p>
+            <a:r>
+              <a:rPr lang="en-US" sz="2200" dirty="0">
+                <a:solidFill>
+                  <a:prstClr val="black"/>
+                </a:solidFill>
+                <a:latin typeface="APL385 Unicode" panose="020B0709000202000203" pitchFamily="49" charset="0"/>
+                <a:ea typeface="+mj-ea"/>
+                <a:cs typeface="+mj-cs"/>
+              </a:rPr>
+              <a:t>117 137 125 106 130 133 172 118  91 140 133 113</a:t>
+            </a:r>
+          </a:p>
+          <a:p>
+            <a:r>
+              <a:rPr lang="en-US" sz="2200" dirty="0">
+                <a:solidFill>
+                  <a:prstClr val="black"/>
+                </a:solidFill>
+                <a:latin typeface="APL385 Unicode" panose="020B0709000202000203" pitchFamily="49" charset="0"/>
+                <a:ea typeface="+mj-ea"/>
+                <a:cs typeface="+mj-cs"/>
+              </a:rPr>
+              <a:t>116 146 102 147 105  73 111 138 158 128 144 126</a:t>
+            </a:r>
+          </a:p>
+          <a:p>
+            <a:r>
+              <a:rPr lang="en-US" sz="2200" dirty="0">
+                <a:solidFill>
+                  <a:prstClr val="black"/>
+                </a:solidFill>
+                <a:latin typeface="APL385 Unicode" panose="020B0709000202000203" pitchFamily="49" charset="0"/>
+                <a:ea typeface="+mj-ea"/>
+                <a:cs typeface="+mj-cs"/>
+              </a:rPr>
+              <a:t>124 106 126 101 172 126 182 109 174 126  59 135</a:t>
+            </a:r>
+          </a:p>
+          <a:p>
+            <a:r>
+              <a:rPr lang="en-US" sz="2200" dirty="0">
+                <a:solidFill>
+                  <a:prstClr val="black"/>
+                </a:solidFill>
+                <a:latin typeface="APL385 Unicode" panose="020B0709000202000203" pitchFamily="49" charset="0"/>
+                <a:ea typeface="+mj-ea"/>
+                <a:cs typeface="+mj-cs"/>
+              </a:rPr>
+              <a:t>109 121 192 138 100 131  68 156 123 140 110 159</a:t>
+            </a:r>
+          </a:p>
+          <a:p>
+            <a:r>
+              <a:rPr lang="en-US" sz="2200" dirty="0">
+                <a:solidFill>
+                  <a:prstClr val="black"/>
+                </a:solidFill>
+                <a:latin typeface="APL385 Unicode" panose="020B0709000202000203" pitchFamily="49" charset="0"/>
+                <a:ea typeface="+mj-ea"/>
+                <a:cs typeface="+mj-cs"/>
+              </a:rPr>
+              <a:t>121 120 138 147  75 132 111 102 118 117 157 109</a:t>
+            </a:r>
+            <a:endParaRPr lang="en-GB" sz="2200" dirty="0">
               <a:solidFill>
                 <a:prstClr val="black"/>
               </a:solidFill>
@@ -3702,79 +4377,12 @@
               <a:cs typeface="+mj-cs"/>
             </a:endParaRPr>
           </a:p>
-          <a:p>
-            <a:pPr marL="0" indent="0">
-              <a:buNone/>
-            </a:pPr>
-            <a:r>
-              <a:rPr lang="en-GB" sz="3000" dirty="0">
-                <a:solidFill>
-                  <a:prstClr val="black"/>
-                </a:solidFill>
-                <a:latin typeface="APL385 Unicode" panose="020B0709000202000203" pitchFamily="49" charset="0"/>
-                <a:ea typeface="+mj-ea"/>
-                <a:cs typeface="+mj-cs"/>
-              </a:rPr>
-              <a:t>      7 Multiples 6 12 14 8 21 42 56 97 13</a:t>
-            </a:r>
-          </a:p>
-          <a:p>
-            <a:pPr marL="0" indent="0">
-              <a:buNone/>
-            </a:pPr>
-            <a:r>
-              <a:rPr lang="en-GB" sz="3000" dirty="0">
-                <a:solidFill>
-                  <a:prstClr val="black"/>
-                </a:solidFill>
-                <a:latin typeface="APL385 Unicode" panose="020B0709000202000203" pitchFamily="49" charset="0"/>
-                <a:ea typeface="+mj-ea"/>
-                <a:cs typeface="+mj-cs"/>
-              </a:rPr>
-              <a:t>14 21 42 56</a:t>
-            </a:r>
-          </a:p>
-          <a:p>
-            <a:pPr marL="0" indent="0">
-              <a:buNone/>
-            </a:pPr>
-            <a:endParaRPr lang="en-GB" sz="3000" dirty="0">
-              <a:solidFill>
-                <a:prstClr val="black"/>
-              </a:solidFill>
-              <a:latin typeface="APL385 Unicode" panose="020B0709000202000203" pitchFamily="49" charset="0"/>
-              <a:ea typeface="+mj-ea"/>
-              <a:cs typeface="+mj-cs"/>
-            </a:endParaRPr>
-          </a:p>
-          <a:p>
-            <a:pPr marL="0" indent="0">
-              <a:buNone/>
-            </a:pPr>
-            <a:r>
-              <a:rPr lang="en-GB" sz="3000" dirty="0">
-                <a:latin typeface="APL385 Unicode" panose="020B0709000202000203" pitchFamily="49" charset="0"/>
-              </a:rPr>
-              <a:t>      3 Multiples mat</a:t>
-            </a:r>
-          </a:p>
-          <a:p>
-            <a:pPr marL="0" indent="0">
-              <a:buNone/>
-            </a:pPr>
-            <a:r>
-              <a:rPr lang="en-GB" sz="3000" dirty="0">
-                <a:latin typeface="APL385 Unicode" panose="020B0709000202000203" pitchFamily="49" charset="0"/>
-              </a:rPr>
-              <a:t>6 9 9 9 3 3 6 3</a:t>
-            </a:r>
-          </a:p>
         </p:txBody>
       </p:sp>
     </p:spTree>
     <p:extLst>
       <p:ext uri="{BB962C8B-B14F-4D97-AF65-F5344CB8AC3E}">
-        <p14:creationId xmlns:p14="http://schemas.microsoft.com/office/powerpoint/2010/main" val="3082564230"/>
+        <p14:creationId xmlns:p14="http://schemas.microsoft.com/office/powerpoint/2010/main" val="2692196276"/>
       </p:ext>
     </p:extLst>
   </p:cSld>
@@ -3784,7 +4392,7 @@
 </p:sld>
 </file>
 
-<file path=ppt/slides/slide3.xml><?xml version="1.0" encoding="utf-8"?>
+<file path=ppt/slides/slide12.xml><?xml version="1.0" encoding="utf-8"?>
 <p:sld xmlns:a="http://schemas.openxmlformats.org/drawingml/2006/main" xmlns:r="http://schemas.openxmlformats.org/officeDocument/2006/relationships" xmlns:p="http://schemas.openxmlformats.org/presentationml/2006/main">
   <p:cSld>
     <p:spTree>
@@ -3816,7 +4424,7 @@
         <p:spPr>
           <a:xfrm>
             <a:off x="696000" y="729000"/>
-            <a:ext cx="10800000" cy="5786199"/>
+            <a:ext cx="10800000" cy="3754874"/>
           </a:xfrm>
           <a:prstGeom prst="rect">
             <a:avLst/>
@@ -3864,7 +4472,7 @@
                 <a:ea typeface="+mj-ea"/>
                 <a:cs typeface="+mj-cs"/>
               </a:rPr>
-              <a:t>3</a:t>
+              <a:t>12</a:t>
             </a:fld>
             <a:endParaRPr kumimoji="0" lang="en-GB" sz="4000" b="1" i="0" u="none" strike="noStrike" kern="1200" cap="none" spc="0" normalizeH="0" baseline="0" noProof="0" dirty="0">
               <a:ln>
@@ -3882,11 +4490,8 @@
             </a:endParaRPr>
           </a:p>
           <a:p>
-            <a:pPr marL="0" indent="0">
-              <a:buNone/>
-            </a:pPr>
-            <a:r>
-              <a:rPr lang="en-GB" sz="4000" dirty="0">
+            <a:r>
+              <a:rPr lang="en-GB" sz="2200" dirty="0">
                 <a:solidFill>
                   <a:prstClr val="black"/>
                 </a:solidFill>
@@ -3894,278 +4499,111 @@
                 <a:ea typeface="+mj-ea"/>
                 <a:cs typeface="+mj-cs"/>
               </a:rPr>
-              <a:t>Define a function </a:t>
-            </a:r>
-            <a:r>
-              <a:rPr lang="en-GB" sz="4000" dirty="0" err="1">
-                <a:solidFill>
-                  <a:prstClr val="black"/>
-                </a:solidFill>
-                <a:latin typeface="APL385 Unicode" panose="020B0709000202000203" pitchFamily="49" charset="0"/>
-                <a:ea typeface="+mj-ea"/>
-                <a:cs typeface="+mj-cs"/>
-              </a:rPr>
-              <a:t>DropEvery</a:t>
-            </a:r>
-            <a:r>
-              <a:rPr lang="en-GB" sz="4000" dirty="0">
-                <a:solidFill>
-                  <a:prstClr val="black"/>
-                </a:solidFill>
-                <a:latin typeface="APL385 Unicode" panose="020B0709000202000203" pitchFamily="49" charset="0"/>
-                <a:ea typeface="+mj-ea"/>
-                <a:cs typeface="+mj-cs"/>
-              </a:rPr>
-              <a:t> </a:t>
-            </a:r>
-            <a:r>
-              <a:rPr lang="en-GB" sz="4000" dirty="0">
-                <a:solidFill>
-                  <a:prstClr val="black"/>
-                </a:solidFill>
-                <a:latin typeface="Atkinson Hyperlegible" pitchFamily="50" charset="0"/>
-                <a:ea typeface="+mj-ea"/>
-                <a:cs typeface="+mj-cs"/>
-              </a:rPr>
-              <a:t>to remove every </a:t>
-            </a:r>
-            <a:r>
-              <a:rPr lang="en-GB" sz="4000" dirty="0">
-                <a:solidFill>
-                  <a:prstClr val="black"/>
-                </a:solidFill>
-                <a:latin typeface="APL385 Unicode" panose="020B0709000202000203" pitchFamily="49" charset="0"/>
-                <a:ea typeface="+mj-ea"/>
-                <a:cs typeface="+mj-cs"/>
-              </a:rPr>
-              <a:t>⍵</a:t>
-            </a:r>
-            <a:r>
-              <a:rPr lang="en-GB" sz="4000" dirty="0">
-                <a:solidFill>
-                  <a:prstClr val="black"/>
-                </a:solidFill>
-                <a:latin typeface="Atkinson Hyperlegible" pitchFamily="50" charset="0"/>
-                <a:ea typeface="+mj-ea"/>
-                <a:cs typeface="+mj-cs"/>
-              </a:rPr>
-              <a:t>-</a:t>
-            </a:r>
-            <a:r>
-              <a:rPr lang="en-GB" sz="4000" dirty="0" err="1">
-                <a:solidFill>
-                  <a:prstClr val="black"/>
-                </a:solidFill>
-                <a:latin typeface="Atkinson Hyperlegible" pitchFamily="50" charset="0"/>
-                <a:ea typeface="+mj-ea"/>
-                <a:cs typeface="+mj-cs"/>
-              </a:rPr>
-              <a:t>th</a:t>
-            </a:r>
-            <a:r>
-              <a:rPr lang="en-GB" sz="4000" dirty="0">
-                <a:solidFill>
-                  <a:prstClr val="black"/>
-                </a:solidFill>
-                <a:latin typeface="Atkinson Hyperlegible" pitchFamily="50" charset="0"/>
-                <a:ea typeface="+mj-ea"/>
-                <a:cs typeface="+mj-cs"/>
-              </a:rPr>
-              <a:t> number from </a:t>
-            </a:r>
-            <a:r>
-              <a:rPr lang="en-GB" sz="4000" dirty="0">
-                <a:solidFill>
-                  <a:prstClr val="black"/>
-                </a:solidFill>
-                <a:latin typeface="APL385 Unicode" panose="020B0709000202000203" pitchFamily="49" charset="0"/>
-                <a:ea typeface="+mj-ea"/>
-                <a:cs typeface="+mj-cs"/>
-              </a:rPr>
-              <a:t>⍺</a:t>
-            </a:r>
-          </a:p>
-          <a:p>
-            <a:pPr marL="0" indent="0">
-              <a:buNone/>
-            </a:pPr>
-            <a:endParaRPr lang="en-GB" sz="4000" dirty="0">
+              <a:t>Assign scalar numeric values (single numbers) to the variables years, countries and months such that the rain data can be summarised as follows:</a:t>
+            </a:r>
+          </a:p>
+          <a:p>
+            <a:endParaRPr lang="en-GB" sz="2200" dirty="0">
               <a:solidFill>
                 <a:prstClr val="black"/>
               </a:solidFill>
-              <a:latin typeface="APL385 Unicode" panose="020B0709000202000203" pitchFamily="49" charset="0"/>
+              <a:latin typeface="Atkinson Hyperlegible" pitchFamily="50" charset="0"/>
               <a:ea typeface="+mj-ea"/>
               <a:cs typeface="+mj-cs"/>
             </a:endParaRPr>
           </a:p>
           <a:p>
-            <a:pPr marL="0" indent="0">
-              <a:buNone/>
-            </a:pPr>
-            <a:r>
-              <a:rPr lang="en-GB" sz="3500" dirty="0">
-                <a:solidFill>
-                  <a:prstClr val="black"/>
-                </a:solidFill>
-                <a:latin typeface="APL385 Unicode" panose="020B0709000202000203" pitchFamily="49" charset="0"/>
-                <a:ea typeface="+mj-ea"/>
-                <a:cs typeface="+mj-cs"/>
-              </a:rPr>
-              <a:t>      (⍳10) </a:t>
-            </a:r>
-            <a:r>
-              <a:rPr lang="en-GB" sz="3500" dirty="0" err="1">
-                <a:solidFill>
-                  <a:prstClr val="black"/>
-                </a:solidFill>
-                <a:latin typeface="APL385 Unicode" panose="020B0709000202000203" pitchFamily="49" charset="0"/>
-                <a:ea typeface="+mj-ea"/>
-                <a:cs typeface="+mj-cs"/>
-              </a:rPr>
-              <a:t>DropEvery</a:t>
-            </a:r>
-            <a:r>
-              <a:rPr lang="en-GB" sz="3500" dirty="0">
-                <a:solidFill>
-                  <a:prstClr val="black"/>
-                </a:solidFill>
-                <a:latin typeface="APL385 Unicode" panose="020B0709000202000203" pitchFamily="49" charset="0"/>
-                <a:ea typeface="+mj-ea"/>
-                <a:cs typeface="+mj-cs"/>
-              </a:rPr>
-              <a:t> 4</a:t>
-            </a:r>
-          </a:p>
-          <a:p>
-            <a:pPr marL="0" indent="0">
-              <a:buNone/>
-            </a:pPr>
-            <a:r>
-              <a:rPr lang="en-GB" sz="3500" dirty="0">
-                <a:solidFill>
-                  <a:prstClr val="black"/>
-                </a:solidFill>
-                <a:latin typeface="APL385 Unicode" panose="020B0709000202000203" pitchFamily="49" charset="0"/>
-                <a:ea typeface="+mj-ea"/>
-                <a:cs typeface="+mj-cs"/>
-              </a:rPr>
-              <a:t>1 2 3 5 6 7 9 10</a:t>
-            </a:r>
-          </a:p>
-          <a:p>
-            <a:pPr marL="0" indent="0">
-              <a:buNone/>
-            </a:pPr>
-            <a:r>
-              <a:rPr lang="en-GB" sz="3500" dirty="0">
-                <a:solidFill>
-                  <a:prstClr val="black"/>
-                </a:solidFill>
-                <a:latin typeface="APL385 Unicode" panose="020B0709000202000203" pitchFamily="49" charset="0"/>
-                <a:ea typeface="+mj-ea"/>
-                <a:cs typeface="+mj-cs"/>
-              </a:rPr>
-              <a:t>      (⍳15) </a:t>
-            </a:r>
-            <a:r>
-              <a:rPr lang="en-GB" sz="3500" dirty="0" err="1">
-                <a:solidFill>
-                  <a:prstClr val="black"/>
-                </a:solidFill>
-                <a:latin typeface="APL385 Unicode" panose="020B0709000202000203" pitchFamily="49" charset="0"/>
-                <a:ea typeface="+mj-ea"/>
-                <a:cs typeface="+mj-cs"/>
-              </a:rPr>
-              <a:t>DropEvery</a:t>
-            </a:r>
-            <a:r>
-              <a:rPr lang="en-GB" sz="3500" dirty="0">
-                <a:solidFill>
-                  <a:prstClr val="black"/>
-                </a:solidFill>
-                <a:latin typeface="APL385 Unicode" panose="020B0709000202000203" pitchFamily="49" charset="0"/>
-                <a:ea typeface="+mj-ea"/>
-                <a:cs typeface="+mj-cs"/>
-              </a:rPr>
-              <a:t> 3</a:t>
-            </a:r>
-          </a:p>
-          <a:p>
-            <a:pPr marL="0" indent="0">
-              <a:buNone/>
-            </a:pPr>
-            <a:r>
-              <a:rPr lang="en-GB" sz="3500" dirty="0">
-                <a:solidFill>
-                  <a:prstClr val="black"/>
-                </a:solidFill>
-                <a:latin typeface="APL385 Unicode" panose="020B0709000202000203" pitchFamily="49" charset="0"/>
-                <a:ea typeface="+mj-ea"/>
-                <a:cs typeface="+mj-cs"/>
-              </a:rPr>
-              <a:t>1 2 4 5 7 8 10 11 13 14</a:t>
-            </a:r>
-          </a:p>
-          <a:p>
-            <a:pPr marL="0" indent="0">
-              <a:buNone/>
-            </a:pPr>
-            <a:r>
-              <a:rPr lang="en-GB" sz="3500" dirty="0">
-                <a:solidFill>
-                  <a:prstClr val="black"/>
-                </a:solidFill>
-                <a:latin typeface="APL385 Unicode" panose="020B0709000202000203" pitchFamily="49" charset="0"/>
-                <a:ea typeface="+mj-ea"/>
-                <a:cs typeface="+mj-cs"/>
-              </a:rPr>
-              <a:t>      6 2 9 4 1 2 6 </a:t>
-            </a:r>
-            <a:r>
-              <a:rPr lang="en-GB" sz="3500" dirty="0" err="1">
-                <a:solidFill>
-                  <a:prstClr val="black"/>
-                </a:solidFill>
-                <a:latin typeface="APL385 Unicode" panose="020B0709000202000203" pitchFamily="49" charset="0"/>
-                <a:ea typeface="+mj-ea"/>
-                <a:cs typeface="+mj-cs"/>
-              </a:rPr>
-              <a:t>DropEvery</a:t>
-            </a:r>
-            <a:r>
-              <a:rPr lang="en-GB" sz="3500" dirty="0">
-                <a:solidFill>
-                  <a:prstClr val="black"/>
-                </a:solidFill>
-                <a:latin typeface="APL385 Unicode" panose="020B0709000202000203" pitchFamily="49" charset="0"/>
-                <a:ea typeface="+mj-ea"/>
-                <a:cs typeface="+mj-cs"/>
-              </a:rPr>
-              <a:t> 2</a:t>
-            </a:r>
-          </a:p>
-          <a:p>
-            <a:pPr marL="0" indent="0">
-              <a:buNone/>
-            </a:pPr>
-            <a:r>
-              <a:rPr lang="en-GB" sz="3500" dirty="0">
-                <a:solidFill>
-                  <a:prstClr val="black"/>
-                </a:solidFill>
-                <a:latin typeface="APL385 Unicode" panose="020B0709000202000203" pitchFamily="49" charset="0"/>
-                <a:ea typeface="+mj-ea"/>
-                <a:cs typeface="+mj-cs"/>
-              </a:rPr>
-              <a:t>6 9 1 6</a:t>
-            </a:r>
+            <a:r>
+              <a:rPr lang="en-US" sz="2200" dirty="0">
+                <a:solidFill>
+                  <a:prstClr val="black"/>
+                </a:solidFill>
+                <a:latin typeface="Atkinson Hyperlegible" pitchFamily="50" charset="0"/>
+                <a:ea typeface="+mj-ea"/>
+                <a:cs typeface="+mj-cs"/>
+              </a:rPr>
+              <a:t> ⍴+/[years]rain   ⍝ Sum over years</a:t>
+            </a:r>
+          </a:p>
+          <a:p>
+            <a:r>
+              <a:rPr lang="en-US" sz="2200" dirty="0">
+                <a:solidFill>
+                  <a:prstClr val="black"/>
+                </a:solidFill>
+                <a:latin typeface="Atkinson Hyperlegible" pitchFamily="50" charset="0"/>
+                <a:ea typeface="+mj-ea"/>
+                <a:cs typeface="+mj-cs"/>
+              </a:rPr>
+              <a:t>5 12</a:t>
+            </a:r>
+          </a:p>
+          <a:p>
+            <a:r>
+              <a:rPr lang="en-US" sz="2200" dirty="0">
+                <a:solidFill>
+                  <a:prstClr val="black"/>
+                </a:solidFill>
+                <a:latin typeface="Atkinson Hyperlegible" pitchFamily="50" charset="0"/>
+                <a:ea typeface="+mj-ea"/>
+                <a:cs typeface="+mj-cs"/>
+              </a:rPr>
+              <a:t>      ⍴+/[countries]rain   ⍝ Sum over countries</a:t>
+            </a:r>
+          </a:p>
+          <a:p>
+            <a:r>
+              <a:rPr lang="en-US" sz="2200" dirty="0">
+                <a:solidFill>
+                  <a:prstClr val="black"/>
+                </a:solidFill>
+                <a:latin typeface="Atkinson Hyperlegible" pitchFamily="50" charset="0"/>
+                <a:ea typeface="+mj-ea"/>
+                <a:cs typeface="+mj-cs"/>
+              </a:rPr>
+              <a:t>7 12</a:t>
+            </a:r>
+          </a:p>
+          <a:p>
+            <a:r>
+              <a:rPr lang="en-US" sz="2200" dirty="0">
+                <a:solidFill>
+                  <a:prstClr val="black"/>
+                </a:solidFill>
+                <a:latin typeface="Atkinson Hyperlegible" pitchFamily="50" charset="0"/>
+                <a:ea typeface="+mj-ea"/>
+                <a:cs typeface="+mj-cs"/>
+              </a:rPr>
+              <a:t>      ⍴⌈/[months]rain   ⍝ Max over month</a:t>
+            </a:r>
+          </a:p>
+          <a:p>
+            <a:r>
+              <a:rPr lang="en-US" sz="2200" dirty="0">
+                <a:solidFill>
+                  <a:prstClr val="black"/>
+                </a:solidFill>
+                <a:latin typeface="Atkinson Hyperlegible" pitchFamily="50" charset="0"/>
+                <a:ea typeface="+mj-ea"/>
+                <a:cs typeface="+mj-cs"/>
+              </a:rPr>
+              <a:t>7 5</a:t>
+            </a:r>
+            <a:endParaRPr lang="en-GB" sz="2200" dirty="0">
+              <a:solidFill>
+                <a:prstClr val="black"/>
+              </a:solidFill>
+              <a:latin typeface="Atkinson Hyperlegible" pitchFamily="50" charset="0"/>
+              <a:ea typeface="+mj-ea"/>
+              <a:cs typeface="+mj-cs"/>
+            </a:endParaRPr>
           </a:p>
         </p:txBody>
       </p:sp>
     </p:spTree>
     <p:extLst>
       <p:ext uri="{BB962C8B-B14F-4D97-AF65-F5344CB8AC3E}">
-        <p14:creationId xmlns:p14="http://schemas.microsoft.com/office/powerpoint/2010/main" val="1928722547"/>
+        <p14:creationId xmlns:p14="http://schemas.microsoft.com/office/powerpoint/2010/main" val="2131061728"/>
       </p:ext>
     </p:extLst>
   </p:cSld>
@@ -4175,7 +4613,7 @@
 </p:sld>
 </file>
 
-<file path=ppt/slides/slide4.xml><?xml version="1.0" encoding="utf-8"?>
+<file path=ppt/slides/slide13.xml><?xml version="1.0" encoding="utf-8"?>
 <p:sld xmlns:a="http://schemas.openxmlformats.org/drawingml/2006/main" xmlns:r="http://schemas.openxmlformats.org/officeDocument/2006/relationships" xmlns:p="http://schemas.openxmlformats.org/presentationml/2006/main">
   <p:cSld>
     <p:spTree>
@@ -4207,7 +4645,7 @@
         <p:spPr>
           <a:xfrm>
             <a:off x="696000" y="729000"/>
-            <a:ext cx="10800000" cy="5786199"/>
+            <a:ext cx="10800000" cy="5940088"/>
           </a:xfrm>
           <a:prstGeom prst="rect">
             <a:avLst/>
@@ -4255,7 +4693,7 @@
                 <a:ea typeface="+mj-ea"/>
                 <a:cs typeface="+mj-cs"/>
               </a:rPr>
-              <a:t>4</a:t>
+              <a:t>13</a:t>
             </a:fld>
             <a:endParaRPr kumimoji="0" lang="en-GB" sz="4000" b="1" i="0" u="none" strike="noStrike" kern="1200" cap="none" spc="0" normalizeH="0" baseline="0" noProof="0" dirty="0">
               <a:ln>
@@ -4273,11 +4711,8 @@
             </a:endParaRPr>
           </a:p>
           <a:p>
-            <a:pPr marL="0" indent="0">
-              <a:buNone/>
-            </a:pPr>
-            <a:r>
-              <a:rPr lang="en-GB" sz="3000" dirty="0">
+            <a:r>
+              <a:rPr lang="en-GB" sz="2000" dirty="0">
                 <a:solidFill>
                   <a:prstClr val="black"/>
                 </a:solidFill>
@@ -4285,102 +4720,11 @@
                 <a:ea typeface="+mj-ea"/>
                 <a:cs typeface="+mj-cs"/>
               </a:rPr>
-              <a:t>Define a function </a:t>
-            </a:r>
-            <a:r>
-              <a:rPr lang="en-GB" sz="3000" dirty="0">
-                <a:solidFill>
-                  <a:prstClr val="black"/>
-                </a:solidFill>
-                <a:latin typeface="APL385 Unicode" panose="020B0709000202000203" pitchFamily="49" charset="0"/>
-                <a:ea typeface="+mj-ea"/>
-                <a:cs typeface="+mj-cs"/>
-              </a:rPr>
-              <a:t>To</a:t>
-            </a:r>
-            <a:r>
-              <a:rPr lang="en-GB" sz="3000" dirty="0">
-                <a:solidFill>
-                  <a:prstClr val="black"/>
-                </a:solidFill>
-                <a:latin typeface="Atkinson Hyperlegible" pitchFamily="50" charset="0"/>
-                <a:ea typeface="+mj-ea"/>
-                <a:cs typeface="+mj-cs"/>
-              </a:rPr>
-              <a:t> which produces integers from </a:t>
-            </a:r>
-            <a:r>
-              <a:rPr lang="en-GB" sz="3000" dirty="0">
-                <a:solidFill>
-                  <a:prstClr val="black"/>
-                </a:solidFill>
-                <a:latin typeface="APL385 Unicode" panose="020B0709000202000203" pitchFamily="49" charset="0"/>
-                <a:ea typeface="+mj-ea"/>
-                <a:cs typeface="+mj-cs"/>
-              </a:rPr>
-              <a:t>⍺</a:t>
-            </a:r>
-            <a:r>
-              <a:rPr lang="en-GB" sz="3000" dirty="0">
-                <a:solidFill>
-                  <a:prstClr val="black"/>
-                </a:solidFill>
-                <a:latin typeface="Atkinson Hyperlegible" pitchFamily="50" charset="0"/>
-                <a:ea typeface="+mj-ea"/>
-                <a:cs typeface="+mj-cs"/>
-              </a:rPr>
-              <a:t> to </a:t>
-            </a:r>
-            <a:r>
-              <a:rPr lang="en-GB" sz="3000" dirty="0">
-                <a:solidFill>
-                  <a:prstClr val="black"/>
-                </a:solidFill>
-                <a:latin typeface="APL385 Unicode" panose="020B0709000202000203" pitchFamily="49" charset="0"/>
-                <a:ea typeface="+mj-ea"/>
-                <a:cs typeface="+mj-cs"/>
-              </a:rPr>
-              <a:t>⍵</a:t>
-            </a:r>
-            <a:r>
-              <a:rPr lang="en-GB" sz="3000" dirty="0">
-                <a:solidFill>
-                  <a:prstClr val="black"/>
-                </a:solidFill>
-                <a:latin typeface="Atkinson Hyperlegible" pitchFamily="50" charset="0"/>
-                <a:ea typeface="+mj-ea"/>
-                <a:cs typeface="+mj-cs"/>
-              </a:rPr>
-              <a:t> inclusive. You may assume that (</a:t>
-            </a:r>
-            <a:r>
-              <a:rPr lang="en-GB" sz="3000" dirty="0">
-                <a:solidFill>
-                  <a:prstClr val="black"/>
-                </a:solidFill>
-                <a:latin typeface="APL385 Unicode" panose="020B0709000202000203" pitchFamily="49" charset="0"/>
-                <a:ea typeface="+mj-ea"/>
-                <a:cs typeface="+mj-cs"/>
-              </a:rPr>
-              <a:t>⍺ &lt; ⍵</a:t>
-            </a:r>
-            <a:r>
-              <a:rPr lang="en-GB" sz="3000" dirty="0">
-                <a:solidFill>
-                  <a:prstClr val="black"/>
-                </a:solidFill>
-                <a:latin typeface="Atkinson Hyperlegible" pitchFamily="50" charset="0"/>
-                <a:ea typeface="+mj-ea"/>
-                <a:cs typeface="+mj-cs"/>
-              </a:rPr>
-              <a:t>):</a:t>
-            </a:r>
-          </a:p>
-          <a:p>
-            <a:pPr marL="0" indent="0">
-              <a:buNone/>
-            </a:pPr>
-            <a:endParaRPr lang="en-GB" sz="3000" dirty="0">
+              <a:t>Write a function to find the average over an axis specified by a character scalar ⍺, with 'Y' representing Years, 'C' representing Countries, and 'M' representing Months.</a:t>
+            </a:r>
+          </a:p>
+          <a:p>
+            <a:endParaRPr lang="en-GB" sz="2000" dirty="0">
               <a:solidFill>
                 <a:prstClr val="black"/>
               </a:solidFill>
@@ -4391,32 +4735,54 @@
           </a:p>
           <a:p>
             <a:r>
-              <a:rPr lang="en-US" sz="3000" dirty="0">
-                <a:solidFill>
-                  <a:prstClr val="black"/>
-                </a:solidFill>
-                <a:latin typeface="APL385 Unicode" panose="020B0709000202000203" pitchFamily="49" charset="0"/>
-                <a:ea typeface="+mj-ea"/>
-                <a:cs typeface="+mj-cs"/>
-              </a:rPr>
-              <a:t>      1 To 5</a:t>
-            </a:r>
-          </a:p>
-          <a:p>
-            <a:r>
-              <a:rPr lang="en-US" sz="3000" dirty="0">
-                <a:solidFill>
-                  <a:prstClr val="black"/>
-                </a:solidFill>
-                <a:latin typeface="APL385 Unicode" panose="020B0709000202000203" pitchFamily="49" charset="0"/>
-                <a:ea typeface="+mj-ea"/>
-                <a:cs typeface="+mj-cs"/>
-              </a:rPr>
-              <a:t>1 2 3 4 5</a:t>
-            </a:r>
-          </a:p>
-          <a:p>
-            <a:endParaRPr lang="en-US" sz="3000" dirty="0">
+              <a:rPr lang="en-GB" sz="2000" dirty="0">
+                <a:solidFill>
+                  <a:prstClr val="black"/>
+                </a:solidFill>
+                <a:latin typeface="APL385 Unicode" panose="020B0709000202000203" pitchFamily="49" charset="0"/>
+                <a:ea typeface="+mj-ea"/>
+                <a:cs typeface="+mj-cs"/>
+              </a:rPr>
+              <a:t>      ⍴ 'Y' </a:t>
+            </a:r>
+            <a:r>
+              <a:rPr lang="en-GB" sz="2000" dirty="0" err="1">
+                <a:solidFill>
+                  <a:prstClr val="black"/>
+                </a:solidFill>
+                <a:latin typeface="APL385 Unicode" panose="020B0709000202000203" pitchFamily="49" charset="0"/>
+                <a:ea typeface="+mj-ea"/>
+                <a:cs typeface="+mj-cs"/>
+              </a:rPr>
+              <a:t>Avg</a:t>
+            </a:r>
+            <a:r>
+              <a:rPr lang="en-GB" sz="2000" dirty="0">
+                <a:solidFill>
+                  <a:prstClr val="black"/>
+                </a:solidFill>
+                <a:latin typeface="APL385 Unicode" panose="020B0709000202000203" pitchFamily="49" charset="0"/>
+                <a:ea typeface="+mj-ea"/>
+                <a:cs typeface="+mj-cs"/>
+              </a:rPr>
+              <a:t> rain   ⍝ Average over years</a:t>
+            </a:r>
+          </a:p>
+          <a:p>
+            <a:r>
+              <a:rPr lang="en-GB" sz="2000" dirty="0">
+                <a:solidFill>
+                  <a:prstClr val="black"/>
+                </a:solidFill>
+                <a:latin typeface="APL385 Unicode" panose="020B0709000202000203" pitchFamily="49" charset="0"/>
+                <a:ea typeface="+mj-ea"/>
+                <a:cs typeface="+mj-cs"/>
+              </a:rPr>
+              <a:t>5 12</a:t>
+            </a:r>
+          </a:p>
+          <a:p>
+            <a:endParaRPr lang="en-GB" sz="2000" dirty="0">
               <a:solidFill>
                 <a:prstClr val="black"/>
               </a:solidFill>
@@ -4427,32 +4793,108 @@
           </a:p>
           <a:p>
             <a:r>
-              <a:rPr lang="en-US" sz="3000" dirty="0">
-                <a:solidFill>
-                  <a:prstClr val="black"/>
-                </a:solidFill>
-                <a:latin typeface="APL385 Unicode" panose="020B0709000202000203" pitchFamily="49" charset="0"/>
-                <a:ea typeface="+mj-ea"/>
-                <a:cs typeface="+mj-cs"/>
-              </a:rPr>
-              <a:t>      ¯3 To 5</a:t>
-            </a:r>
-          </a:p>
-          <a:p>
-            <a:r>
-              <a:rPr lang="en-US" sz="3000" dirty="0">
-                <a:solidFill>
-                  <a:prstClr val="black"/>
-                </a:solidFill>
-                <a:latin typeface="APL385 Unicode" panose="020B0709000202000203" pitchFamily="49" charset="0"/>
-                <a:ea typeface="+mj-ea"/>
-                <a:cs typeface="+mj-cs"/>
-              </a:rPr>
-              <a:t>¯3 ¯2 ¯1 0 1 2 3 4 5</a:t>
-            </a:r>
-          </a:p>
-          <a:p>
-            <a:endParaRPr lang="en-US" sz="3000" dirty="0">
+              <a:rPr lang="en-US" sz="2000" dirty="0">
+                <a:solidFill>
+                  <a:prstClr val="black"/>
+                </a:solidFill>
+                <a:latin typeface="APL385 Unicode" panose="020B0709000202000203" pitchFamily="49" charset="0"/>
+                <a:ea typeface="+mj-ea"/>
+                <a:cs typeface="+mj-cs"/>
+              </a:rPr>
+              <a:t>      ⌊0.5+ 'C' Avg rain   ⍝ Average over countries</a:t>
+            </a:r>
+          </a:p>
+          <a:p>
+            <a:r>
+              <a:rPr lang="en-US" sz="2000" dirty="0">
+                <a:solidFill>
+                  <a:prstClr val="black"/>
+                </a:solidFill>
+                <a:latin typeface="APL385 Unicode" panose="020B0709000202000203" pitchFamily="49" charset="0"/>
+                <a:ea typeface="+mj-ea"/>
+                <a:cs typeface="+mj-cs"/>
+              </a:rPr>
+              <a:t> 76 142 122 132 126 123 151 152  94  93  25 109</a:t>
+            </a:r>
+          </a:p>
+          <a:p>
+            <a:r>
+              <a:rPr lang="en-US" sz="2000" dirty="0">
+                <a:solidFill>
+                  <a:prstClr val="black"/>
+                </a:solidFill>
+                <a:latin typeface="APL385 Unicode" panose="020B0709000202000203" pitchFamily="49" charset="0"/>
+                <a:ea typeface="+mj-ea"/>
+                <a:cs typeface="+mj-cs"/>
+              </a:rPr>
+              <a:t>154 112 126 146  75 128 135 122 122  97 131 137</a:t>
+            </a:r>
+          </a:p>
+          <a:p>
+            <a:r>
+              <a:rPr lang="en-US" sz="2000" dirty="0">
+                <a:solidFill>
+                  <a:prstClr val="black"/>
+                </a:solidFill>
+                <a:latin typeface="APL385 Unicode" panose="020B0709000202000203" pitchFamily="49" charset="0"/>
+                <a:ea typeface="+mj-ea"/>
+                <a:cs typeface="+mj-cs"/>
+              </a:rPr>
+              <a:t>109 138  97 177 139  87 151 151 179 116 165 142</a:t>
+            </a:r>
+          </a:p>
+          <a:p>
+            <a:r>
+              <a:rPr lang="en-US" sz="2000" dirty="0">
+                <a:solidFill>
+                  <a:prstClr val="black"/>
+                </a:solidFill>
+                <a:latin typeface="APL385 Unicode" panose="020B0709000202000203" pitchFamily="49" charset="0"/>
+                <a:ea typeface="+mj-ea"/>
+                <a:cs typeface="+mj-cs"/>
+              </a:rPr>
+              <a:t>167 117 202 157 170 101 117  76 112 110 121 131</a:t>
+            </a:r>
+          </a:p>
+          <a:p>
+            <a:r>
+              <a:rPr lang="en-US" sz="2000" dirty="0">
+                <a:solidFill>
+                  <a:prstClr val="black"/>
+                </a:solidFill>
+                <a:latin typeface="APL385 Unicode" panose="020B0709000202000203" pitchFamily="49" charset="0"/>
+                <a:ea typeface="+mj-ea"/>
+                <a:cs typeface="+mj-cs"/>
+              </a:rPr>
+              <a:t>138 171 141  87  76 115  76 116 109 172 115 106</a:t>
+            </a:r>
+          </a:p>
+          <a:p>
+            <a:r>
+              <a:rPr lang="en-US" sz="2000" dirty="0">
+                <a:solidFill>
+                  <a:prstClr val="black"/>
+                </a:solidFill>
+                <a:latin typeface="APL385 Unicode" panose="020B0709000202000203" pitchFamily="49" charset="0"/>
+                <a:ea typeface="+mj-ea"/>
+                <a:cs typeface="+mj-cs"/>
+              </a:rPr>
+              <a:t> 83  85 129  73 102 183  93  85 154 125 163  89</a:t>
+            </a:r>
+          </a:p>
+          <a:p>
+            <a:r>
+              <a:rPr lang="en-US" sz="2000" dirty="0">
+                <a:solidFill>
+                  <a:prstClr val="black"/>
+                </a:solidFill>
+                <a:latin typeface="APL385 Unicode" panose="020B0709000202000203" pitchFamily="49" charset="0"/>
+                <a:ea typeface="+mj-ea"/>
+                <a:cs typeface="+mj-cs"/>
+              </a:rPr>
+              <a:t> 98 118 142 125 131  99 182 173 163 202 127 189</a:t>
+            </a:r>
+            <a:endParaRPr lang="en-GB" sz="2000" dirty="0">
               <a:solidFill>
                 <a:prstClr val="black"/>
               </a:solidFill>
@@ -4462,29 +4904,61 @@
             </a:endParaRPr>
           </a:p>
           <a:p>
-            <a:r>
-              <a:rPr lang="en-US" sz="3000" dirty="0">
-                <a:solidFill>
-                  <a:prstClr val="black"/>
-                </a:solidFill>
-                <a:latin typeface="APL385 Unicode" panose="020B0709000202000203" pitchFamily="49" charset="0"/>
-                <a:ea typeface="+mj-ea"/>
-                <a:cs typeface="+mj-cs"/>
-              </a:rPr>
-              <a:t>      ¯10 To ¯6</a:t>
-            </a:r>
-          </a:p>
-          <a:p>
-            <a:r>
-              <a:rPr lang="en-US" sz="3000" dirty="0">
-                <a:solidFill>
-                  <a:prstClr val="black"/>
-                </a:solidFill>
-                <a:latin typeface="APL385 Unicode" panose="020B0709000202000203" pitchFamily="49" charset="0"/>
-                <a:ea typeface="+mj-ea"/>
-                <a:cs typeface="+mj-cs"/>
-              </a:rPr>
-              <a:t>¯10 ¯9 ¯8 ¯7 ¯6</a:t>
+            <a:endParaRPr lang="en-GB" sz="2000" dirty="0">
+              <a:solidFill>
+                <a:prstClr val="black"/>
+              </a:solidFill>
+              <a:latin typeface="APL385 Unicode" panose="020B0709000202000203" pitchFamily="49" charset="0"/>
+              <a:ea typeface="+mj-ea"/>
+              <a:cs typeface="+mj-cs"/>
+            </a:endParaRPr>
+          </a:p>
+          <a:p>
+            <a:r>
+              <a:rPr lang="en-GB" sz="2000" dirty="0">
+                <a:solidFill>
+                  <a:prstClr val="black"/>
+                </a:solidFill>
+                <a:latin typeface="APL385 Unicode" panose="020B0709000202000203" pitchFamily="49" charset="0"/>
+                <a:ea typeface="+mj-ea"/>
+                <a:cs typeface="+mj-cs"/>
+              </a:rPr>
+              <a:t>     ⍴ 'M' </a:t>
+            </a:r>
+            <a:r>
+              <a:rPr lang="en-GB" sz="2000" dirty="0" err="1">
+                <a:solidFill>
+                  <a:prstClr val="black"/>
+                </a:solidFill>
+                <a:latin typeface="APL385 Unicode" panose="020B0709000202000203" pitchFamily="49" charset="0"/>
+                <a:ea typeface="+mj-ea"/>
+                <a:cs typeface="+mj-cs"/>
+              </a:rPr>
+              <a:t>Avg</a:t>
+            </a:r>
+            <a:r>
+              <a:rPr lang="en-GB" sz="2000" dirty="0">
+                <a:solidFill>
+                  <a:prstClr val="black"/>
+                </a:solidFill>
+                <a:latin typeface="APL385 Unicode" panose="020B0709000202000203" pitchFamily="49" charset="0"/>
+                <a:ea typeface="+mj-ea"/>
+                <a:cs typeface="+mj-cs"/>
+              </a:rPr>
+              <a:t> rain   ⍝ Average over months</a:t>
+            </a:r>
+          </a:p>
+          <a:p>
+            <a:r>
+              <a:rPr lang="en-GB" sz="2000" dirty="0">
+                <a:solidFill>
+                  <a:prstClr val="black"/>
+                </a:solidFill>
+                <a:latin typeface="APL385 Unicode" panose="020B0709000202000203" pitchFamily="49" charset="0"/>
+                <a:ea typeface="+mj-ea"/>
+                <a:cs typeface="+mj-cs"/>
+              </a:rPr>
+              <a:t>7 5</a:t>
             </a:r>
           </a:p>
         </p:txBody>
@@ -4492,7 +4966,7 @@
     </p:spTree>
     <p:extLst>
       <p:ext uri="{BB962C8B-B14F-4D97-AF65-F5344CB8AC3E}">
-        <p14:creationId xmlns:p14="http://schemas.microsoft.com/office/powerpoint/2010/main" val="2960505146"/>
+        <p14:creationId xmlns:p14="http://schemas.microsoft.com/office/powerpoint/2010/main" val="2663833754"/>
       </p:ext>
     </p:extLst>
   </p:cSld>
@@ -4502,7 +4976,7 @@
 </p:sld>
 </file>
 
-<file path=ppt/slides/slide5.xml><?xml version="1.0" encoding="utf-8"?>
+<file path=ppt/slides/slide14.xml><?xml version="1.0" encoding="utf-8"?>
 <p:sld xmlns:a="http://schemas.openxmlformats.org/drawingml/2006/main" xmlns:r="http://schemas.openxmlformats.org/officeDocument/2006/relationships" xmlns:p="http://schemas.openxmlformats.org/presentationml/2006/main">
   <p:cSld>
     <p:spTree>
@@ -4534,7 +5008,7 @@
         <p:spPr>
           <a:xfrm>
             <a:off x="696000" y="729000"/>
-            <a:ext cx="10800000" cy="5601533"/>
+            <a:ext cx="10800000" cy="2862322"/>
           </a:xfrm>
           <a:prstGeom prst="rect">
             <a:avLst/>
@@ -4582,40 +5056,29 @@
                 <a:ea typeface="+mj-ea"/>
                 <a:cs typeface="+mj-cs"/>
               </a:rPr>
-              <a:t>5</a:t>
+              <a:t>14</a:t>
             </a:fld>
-            <a:endParaRPr kumimoji="0" lang="en-GB" sz="4000" b="1" i="0" u="none" strike="noStrike" kern="1200" cap="none" spc="0" normalizeH="0" baseline="0" noProof="0" dirty="0">
-              <a:ln>
-                <a:noFill/>
-              </a:ln>
-              <a:solidFill>
-                <a:prstClr val="black"/>
-              </a:solidFill>
-              <a:effectLst/>
-              <a:uLnTx/>
-              <a:uFillTx/>
-              <a:latin typeface="Atkinson Hyperlegible" pitchFamily="50" charset="0"/>
-              <a:ea typeface="+mj-ea"/>
-              <a:cs typeface="+mj-cs"/>
-            </a:endParaRPr>
-          </a:p>
-          <a:p>
-            <a:pPr marL="0" indent="0">
-              <a:buNone/>
-            </a:pPr>
-            <a:r>
-              <a:rPr lang="en-GB" sz="3000" dirty="0">
-                <a:solidFill>
-                  <a:prstClr val="black"/>
-                </a:solidFill>
+            <a:r>
+              <a:rPr kumimoji="0" lang="en-GB" sz="4000" b="1" i="0" u="none" strike="noStrike" kern="1200" cap="none" spc="0" normalizeH="0" baseline="0" noProof="0" dirty="0">
+                <a:ln>
+                  <a:noFill/>
+                </a:ln>
+                <a:solidFill>
+                  <a:prstClr val="black"/>
+                </a:solidFill>
+                <a:effectLst/>
+                <a:uLnTx/>
+                <a:uFillTx/>
                 <a:latin typeface="Atkinson Hyperlegible" pitchFamily="50" charset="0"/>
                 <a:ea typeface="+mj-ea"/>
                 <a:cs typeface="+mj-cs"/>
               </a:rPr>
-              <a:t>Define a function </a:t>
-            </a:r>
-            <a:r>
-              <a:rPr lang="en-GB" sz="3000" dirty="0" err="1">
+              <a:t> (bonus)</a:t>
+            </a:r>
+          </a:p>
+          <a:p>
+            <a:r>
+              <a:rPr lang="en-GB" sz="2000" dirty="0">
                 <a:solidFill>
                   <a:prstClr val="black"/>
                 </a:solidFill>
@@ -4623,85 +5086,11 @@
                 <a:ea typeface="+mj-ea"/>
                 <a:cs typeface="+mj-cs"/>
               </a:rPr>
-              <a:t>ThatHave</a:t>
-            </a:r>
-            <a:r>
-              <a:rPr lang="en-GB" sz="3000" dirty="0">
-                <a:solidFill>
-                  <a:prstClr val="black"/>
-                </a:solidFill>
-                <a:latin typeface="Atkinson Hyperlegible" pitchFamily="50" charset="0"/>
-                <a:ea typeface="+mj-ea"/>
-                <a:cs typeface="+mj-cs"/>
-              </a:rPr>
-              <a:t> to select rows of a text matrix </a:t>
-            </a:r>
-            <a:r>
-              <a:rPr lang="en-GB" sz="3000" dirty="0">
-                <a:solidFill>
-                  <a:prstClr val="black"/>
-                </a:solidFill>
-                <a:latin typeface="APL385 Unicode" panose="020B0709000202000203" pitchFamily="49" charset="0"/>
-                <a:ea typeface="+mj-ea"/>
-                <a:cs typeface="+mj-cs"/>
-              </a:rPr>
-              <a:t>⍺ </a:t>
-            </a:r>
-            <a:r>
-              <a:rPr lang="en-GB" sz="3000" dirty="0">
-                <a:solidFill>
-                  <a:prstClr val="black"/>
-                </a:solidFill>
-                <a:latin typeface="Atkinson Hyperlegible" pitchFamily="50" charset="0"/>
-                <a:ea typeface="+mj-ea"/>
-                <a:cs typeface="+mj-cs"/>
-              </a:rPr>
-              <a:t>which contain the character </a:t>
-            </a:r>
-            <a:r>
-              <a:rPr lang="en-GB" sz="3000" dirty="0">
-                <a:solidFill>
-                  <a:prstClr val="black"/>
-                </a:solidFill>
-                <a:latin typeface="APL385 Unicode" panose="020B0709000202000203" pitchFamily="49" charset="0"/>
-                <a:ea typeface="+mj-ea"/>
-                <a:cs typeface="+mj-cs"/>
-              </a:rPr>
-              <a:t>⍵</a:t>
-            </a:r>
-            <a:r>
-              <a:rPr lang="en-GB" sz="3000" dirty="0">
-                <a:solidFill>
-                  <a:prstClr val="black"/>
-                </a:solidFill>
-                <a:latin typeface="Atkinson Hyperlegible" pitchFamily="50" charset="0"/>
-                <a:ea typeface="+mj-ea"/>
-                <a:cs typeface="+mj-cs"/>
-              </a:rPr>
-              <a:t>:</a:t>
-            </a:r>
-          </a:p>
-          <a:p>
-            <a:pPr marL="0" indent="0">
-              <a:buNone/>
-            </a:pPr>
-            <a:r>
-              <a:rPr lang="en-GB" sz="3000" dirty="0">
-                <a:solidFill>
-                  <a:prstClr val="black"/>
-                </a:solidFill>
-                <a:latin typeface="Atkinson Hyperlegible" pitchFamily="50" charset="0"/>
-                <a:ea typeface="+mj-ea"/>
-                <a:cs typeface="+mj-cs"/>
-              </a:rPr>
-              <a:t>For example,</a:t>
-            </a:r>
-          </a:p>
-          <a:p>
-            <a:pPr marL="0" indent="0">
-              <a:buNone/>
-            </a:pPr>
-            <a:endParaRPr lang="en-GB" sz="3000" dirty="0">
+              <a:t>Define the following arrays in your workspace:</a:t>
+            </a:r>
+          </a:p>
+          <a:p>
+            <a:endParaRPr lang="en-GB" sz="2000" dirty="0">
               <a:solidFill>
                 <a:prstClr val="black"/>
               </a:solidFill>
@@ -4711,219 +5100,107 @@
             </a:endParaRPr>
           </a:p>
           <a:p>
-            <a:pPr marL="0" indent="0">
-              <a:buNone/>
-            </a:pPr>
-            <a:r>
-              <a:rPr lang="en-GB" sz="2200" dirty="0">
-                <a:solidFill>
-                  <a:prstClr val="black"/>
-                </a:solidFill>
-                <a:latin typeface="APL385 Unicode" panose="020B0709000202000203" pitchFamily="49" charset="0"/>
-                <a:ea typeface="+mj-ea"/>
-                <a:cs typeface="+mj-cs"/>
-              </a:rPr>
-              <a:t>      names ← 6 7⍴'Rich   Pav    </a:t>
-            </a:r>
-            <a:r>
-              <a:rPr lang="en-GB" sz="2200" dirty="0" err="1">
-                <a:solidFill>
-                  <a:prstClr val="black"/>
-                </a:solidFill>
-                <a:latin typeface="APL385 Unicode" panose="020B0709000202000203" pitchFamily="49" charset="0"/>
-                <a:ea typeface="+mj-ea"/>
-                <a:cs typeface="+mj-cs"/>
-              </a:rPr>
-              <a:t>HardeepAdam</a:t>
-            </a:r>
-            <a:r>
-              <a:rPr lang="en-GB" sz="2200" dirty="0">
-                <a:solidFill>
-                  <a:prstClr val="black"/>
-                </a:solidFill>
-                <a:latin typeface="APL385 Unicode" panose="020B0709000202000203" pitchFamily="49" charset="0"/>
-                <a:ea typeface="+mj-ea"/>
-                <a:cs typeface="+mj-cs"/>
-              </a:rPr>
-              <a:t>   Sally  Rodrigo'</a:t>
-            </a:r>
-          </a:p>
-          <a:p>
-            <a:pPr marL="0" indent="0">
-              <a:buNone/>
-            </a:pPr>
-            <a:r>
-              <a:rPr lang="en-US" sz="2200" dirty="0">
-                <a:solidFill>
-                  <a:prstClr val="black"/>
-                </a:solidFill>
-                <a:latin typeface="APL385 Unicode" panose="020B0709000202000203" pitchFamily="49" charset="0"/>
-                <a:ea typeface="+mj-ea"/>
-                <a:cs typeface="+mj-cs"/>
-              </a:rPr>
-              <a:t>      names </a:t>
-            </a:r>
-            <a:r>
-              <a:rPr lang="en-US" sz="2200" dirty="0" err="1">
-                <a:solidFill>
-                  <a:prstClr val="black"/>
-                </a:solidFill>
-                <a:latin typeface="APL385 Unicode" panose="020B0709000202000203" pitchFamily="49" charset="0"/>
-                <a:ea typeface="+mj-ea"/>
-                <a:cs typeface="+mj-cs"/>
-              </a:rPr>
-              <a:t>ThatHave</a:t>
-            </a:r>
-            <a:r>
-              <a:rPr lang="en-US" sz="2200" dirty="0">
-                <a:solidFill>
-                  <a:prstClr val="black"/>
-                </a:solidFill>
-                <a:latin typeface="APL385 Unicode" panose="020B0709000202000203" pitchFamily="49" charset="0"/>
-                <a:ea typeface="+mj-ea"/>
-                <a:cs typeface="+mj-cs"/>
-              </a:rPr>
-              <a:t> 'R'</a:t>
-            </a:r>
-          </a:p>
-          <a:p>
-            <a:pPr marL="0" indent="0">
-              <a:buNone/>
-            </a:pPr>
-            <a:r>
-              <a:rPr lang="en-US" sz="2200" dirty="0">
-                <a:solidFill>
-                  <a:prstClr val="black"/>
-                </a:solidFill>
-                <a:latin typeface="APL385 Unicode" panose="020B0709000202000203" pitchFamily="49" charset="0"/>
-                <a:ea typeface="+mj-ea"/>
-                <a:cs typeface="+mj-cs"/>
-              </a:rPr>
-              <a:t>Rich   </a:t>
-            </a:r>
-          </a:p>
-          <a:p>
-            <a:pPr marL="0" indent="0">
-              <a:buNone/>
-            </a:pPr>
-            <a:r>
-              <a:rPr lang="en-US" sz="2200" dirty="0">
-                <a:solidFill>
-                  <a:prstClr val="black"/>
-                </a:solidFill>
-                <a:latin typeface="APL385 Unicode" panose="020B0709000202000203" pitchFamily="49" charset="0"/>
-                <a:ea typeface="+mj-ea"/>
-                <a:cs typeface="+mj-cs"/>
-              </a:rPr>
-              <a:t>Rodrigo</a:t>
-            </a:r>
-          </a:p>
-          <a:p>
-            <a:pPr marL="0" indent="0">
-              <a:buNone/>
-            </a:pPr>
-            <a:r>
-              <a:rPr lang="en-US" sz="2200" dirty="0">
-                <a:solidFill>
-                  <a:prstClr val="black"/>
-                </a:solidFill>
-                <a:latin typeface="APL385 Unicode" panose="020B0709000202000203" pitchFamily="49" charset="0"/>
-                <a:ea typeface="+mj-ea"/>
-                <a:cs typeface="+mj-cs"/>
-              </a:rPr>
-              <a:t>      names </a:t>
-            </a:r>
-            <a:r>
-              <a:rPr lang="en-US" sz="2200" dirty="0" err="1">
-                <a:solidFill>
-                  <a:prstClr val="black"/>
-                </a:solidFill>
-                <a:latin typeface="APL385 Unicode" panose="020B0709000202000203" pitchFamily="49" charset="0"/>
-                <a:ea typeface="+mj-ea"/>
-                <a:cs typeface="+mj-cs"/>
-              </a:rPr>
-              <a:t>ThatHave</a:t>
-            </a:r>
-            <a:r>
-              <a:rPr lang="en-US" sz="2200" dirty="0">
-                <a:solidFill>
-                  <a:prstClr val="black"/>
-                </a:solidFill>
-                <a:latin typeface="APL385 Unicode" panose="020B0709000202000203" pitchFamily="49" charset="0"/>
-                <a:ea typeface="+mj-ea"/>
-                <a:cs typeface="+mj-cs"/>
-              </a:rPr>
-              <a:t> 'a'</a:t>
-            </a:r>
-          </a:p>
-          <a:p>
-            <a:pPr marL="0" indent="0">
-              <a:buNone/>
-            </a:pPr>
-            <a:r>
-              <a:rPr lang="en-US" sz="2200" dirty="0">
-                <a:solidFill>
-                  <a:prstClr val="black"/>
-                </a:solidFill>
-                <a:latin typeface="APL385 Unicode" panose="020B0709000202000203" pitchFamily="49" charset="0"/>
-                <a:ea typeface="+mj-ea"/>
-                <a:cs typeface="+mj-cs"/>
-              </a:rPr>
-              <a:t>Pav    </a:t>
-            </a:r>
-          </a:p>
-          <a:p>
-            <a:pPr marL="0" indent="0">
-              <a:buNone/>
-            </a:pPr>
-            <a:r>
-              <a:rPr lang="en-US" sz="2200" dirty="0">
-                <a:solidFill>
-                  <a:prstClr val="black"/>
-                </a:solidFill>
-                <a:latin typeface="APL385 Unicode" panose="020B0709000202000203" pitchFamily="49" charset="0"/>
-                <a:ea typeface="+mj-ea"/>
-                <a:cs typeface="+mj-cs"/>
-              </a:rPr>
-              <a:t>Hardeep</a:t>
-            </a:r>
-          </a:p>
-          <a:p>
-            <a:pPr marL="0" indent="0">
-              <a:buNone/>
-            </a:pPr>
-            <a:r>
-              <a:rPr lang="en-US" sz="2200" dirty="0">
-                <a:solidFill>
-                  <a:prstClr val="black"/>
-                </a:solidFill>
-                <a:latin typeface="APL385 Unicode" panose="020B0709000202000203" pitchFamily="49" charset="0"/>
-                <a:ea typeface="+mj-ea"/>
-                <a:cs typeface="+mj-cs"/>
-              </a:rPr>
-              <a:t>Adam   </a:t>
-            </a:r>
-          </a:p>
-          <a:p>
-            <a:pPr marL="0" indent="0">
-              <a:buNone/>
-            </a:pPr>
-            <a:r>
-              <a:rPr lang="en-US" sz="2200" dirty="0">
-                <a:solidFill>
-                  <a:prstClr val="black"/>
-                </a:solidFill>
-                <a:latin typeface="APL385 Unicode" panose="020B0709000202000203" pitchFamily="49" charset="0"/>
-                <a:ea typeface="+mj-ea"/>
-                <a:cs typeface="+mj-cs"/>
-              </a:rPr>
-              <a:t>Sally </a:t>
-            </a:r>
-            <a:endParaRPr lang="en-GB" sz="2200" dirty="0">
+            <a:r>
+              <a:rPr lang="en-GB" sz="2000" dirty="0">
+                <a:solidFill>
+                  <a:prstClr val="black"/>
+                </a:solidFill>
+                <a:latin typeface="APL385 Unicode" panose="020B0709000202000203" pitchFamily="49" charset="0"/>
+                <a:ea typeface="+mj-ea"/>
+                <a:cs typeface="+mj-cs"/>
+              </a:rPr>
+              <a:t>	fruits←4 7⍴'Apples </a:t>
+            </a:r>
+            <a:r>
+              <a:rPr lang="en-GB" sz="2000" dirty="0" err="1">
+                <a:solidFill>
+                  <a:prstClr val="black"/>
+                </a:solidFill>
+                <a:latin typeface="APL385 Unicode" panose="020B0709000202000203" pitchFamily="49" charset="0"/>
+                <a:ea typeface="+mj-ea"/>
+                <a:cs typeface="+mj-cs"/>
+              </a:rPr>
+              <a:t>MangoesOrangesBananas</a:t>
+            </a:r>
+            <a:r>
+              <a:rPr lang="en-GB" sz="2000" dirty="0">
+                <a:solidFill>
+                  <a:prstClr val="black"/>
+                </a:solidFill>
+                <a:latin typeface="APL385 Unicode" panose="020B0709000202000203" pitchFamily="49" charset="0"/>
+                <a:ea typeface="+mj-ea"/>
+                <a:cs typeface="+mj-cs"/>
+              </a:rPr>
+              <a:t>'</a:t>
+            </a:r>
+          </a:p>
+          <a:p>
+            <a:r>
+              <a:rPr lang="en-GB" sz="2000" dirty="0">
+                <a:solidFill>
+                  <a:prstClr val="black"/>
+                </a:solidFill>
+                <a:latin typeface="APL385 Unicode" panose="020B0709000202000203" pitchFamily="49" charset="0"/>
+                <a:ea typeface="+mj-ea"/>
+                <a:cs typeface="+mj-cs"/>
+              </a:rPr>
+              <a:t>	days←7 3⍴'SunMonTueWedThuFriSat'</a:t>
+            </a:r>
+          </a:p>
+          <a:p>
+            <a:r>
+              <a:rPr lang="en-GB" sz="2000" dirty="0">
+                <a:solidFill>
+                  <a:prstClr val="black"/>
+                </a:solidFill>
+                <a:latin typeface="APL385 Unicode" panose="020B0709000202000203" pitchFamily="49" charset="0"/>
+                <a:ea typeface="+mj-ea"/>
+                <a:cs typeface="+mj-cs"/>
+              </a:rPr>
+              <a:t>	names←3 7⍴'Adam   </a:t>
+            </a:r>
+            <a:r>
+              <a:rPr lang="en-GB" sz="2000" dirty="0" err="1">
+                <a:solidFill>
+                  <a:prstClr val="black"/>
+                </a:solidFill>
+                <a:latin typeface="APL385 Unicode" panose="020B0709000202000203" pitchFamily="49" charset="0"/>
+                <a:ea typeface="+mj-ea"/>
+                <a:cs typeface="+mj-cs"/>
+              </a:rPr>
+              <a:t>RodrigoRich</a:t>
+            </a:r>
+            <a:r>
+              <a:rPr lang="en-GB" sz="2000" dirty="0">
+                <a:solidFill>
+                  <a:prstClr val="black"/>
+                </a:solidFill>
+                <a:latin typeface="APL385 Unicode" panose="020B0709000202000203" pitchFamily="49" charset="0"/>
+                <a:ea typeface="+mj-ea"/>
+                <a:cs typeface="+mj-cs"/>
+              </a:rPr>
+              <a:t>   '</a:t>
+            </a:r>
+          </a:p>
+          <a:p>
+            <a:r>
+              <a:rPr lang="en-GB" sz="2000" dirty="0">
+                <a:solidFill>
+                  <a:prstClr val="black"/>
+                </a:solidFill>
+                <a:latin typeface="APL385 Unicode" panose="020B0709000202000203" pitchFamily="49" charset="0"/>
+                <a:ea typeface="+mj-ea"/>
+                <a:cs typeface="+mj-cs"/>
+              </a:rPr>
+              <a:t>	⎕rl←42 ⋄ ate←?3 4 7⍴3</a:t>
+            </a:r>
+          </a:p>
+          <a:p>
+            <a:endParaRPr lang="en-GB" sz="2000" dirty="0">
               <a:solidFill>
                 <a:prstClr val="black"/>
               </a:solidFill>
-              <a:latin typeface="APL385 Unicode" panose="020B0709000202000203" pitchFamily="49" charset="0"/>
+              <a:latin typeface="Atkinson Hyperlegible" pitchFamily="50" charset="0"/>
               <a:ea typeface="+mj-ea"/>
               <a:cs typeface="+mj-cs"/>
             </a:endParaRPr>
@@ -4933,7 +5210,7 @@
     </p:spTree>
     <p:extLst>
       <p:ext uri="{BB962C8B-B14F-4D97-AF65-F5344CB8AC3E}">
-        <p14:creationId xmlns:p14="http://schemas.microsoft.com/office/powerpoint/2010/main" val="619560983"/>
+        <p14:creationId xmlns:p14="http://schemas.microsoft.com/office/powerpoint/2010/main" val="3722585423"/>
       </p:ext>
     </p:extLst>
   </p:cSld>
@@ -4943,7 +5220,7 @@
 </p:sld>
 </file>
 
-<file path=ppt/slides/slide6.xml><?xml version="1.0" encoding="utf-8"?>
+<file path=ppt/slides/slide15.xml><?xml version="1.0" encoding="utf-8"?>
 <p:sld xmlns:a="http://schemas.openxmlformats.org/drawingml/2006/main" xmlns:r="http://schemas.openxmlformats.org/officeDocument/2006/relationships" xmlns:p="http://schemas.openxmlformats.org/presentationml/2006/main">
   <p:cSld>
     <p:spTree>
@@ -4975,7 +5252,7 @@
         <p:spPr>
           <a:xfrm>
             <a:off x="696000" y="729000"/>
-            <a:ext cx="10800000" cy="5786199"/>
+            <a:ext cx="10800000" cy="3939540"/>
           </a:xfrm>
           <a:prstGeom prst="rect">
             <a:avLst/>
@@ -5023,40 +5300,29 @@
                 <a:ea typeface="+mj-ea"/>
                 <a:cs typeface="+mj-cs"/>
               </a:rPr>
-              <a:t>6</a:t>
+              <a:t>15</a:t>
             </a:fld>
-            <a:endParaRPr kumimoji="0" lang="en-GB" sz="4000" b="1" i="0" u="none" strike="noStrike" kern="1200" cap="none" spc="0" normalizeH="0" baseline="0" noProof="0" dirty="0">
-              <a:ln>
-                <a:noFill/>
-              </a:ln>
-              <a:solidFill>
-                <a:prstClr val="black"/>
-              </a:solidFill>
-              <a:effectLst/>
-              <a:uLnTx/>
-              <a:uFillTx/>
-              <a:latin typeface="Atkinson Hyperlegible" pitchFamily="50" charset="0"/>
-              <a:ea typeface="+mj-ea"/>
-              <a:cs typeface="+mj-cs"/>
-            </a:endParaRPr>
-          </a:p>
-          <a:p>
-            <a:pPr marL="0" indent="0">
-              <a:buNone/>
-            </a:pPr>
-            <a:r>
-              <a:rPr lang="en-GB" sz="3000" dirty="0">
-                <a:solidFill>
-                  <a:prstClr val="black"/>
-                </a:solidFill>
+            <a:r>
+              <a:rPr kumimoji="0" lang="en-GB" sz="4000" b="1" i="0" u="none" strike="noStrike" kern="1200" cap="none" spc="0" normalizeH="0" baseline="0" noProof="0" dirty="0">
+                <a:ln>
+                  <a:noFill/>
+                </a:ln>
+                <a:solidFill>
+                  <a:prstClr val="black"/>
+                </a:solidFill>
+                <a:effectLst/>
+                <a:uLnTx/>
+                <a:uFillTx/>
                 <a:latin typeface="Atkinson Hyperlegible" pitchFamily="50" charset="0"/>
                 <a:ea typeface="+mj-ea"/>
                 <a:cs typeface="+mj-cs"/>
               </a:rPr>
-              <a:t>Define a function </a:t>
-            </a:r>
-            <a:r>
-              <a:rPr lang="en-GB" sz="3000" dirty="0" err="1">
+              <a:t> (bonus)</a:t>
+            </a:r>
+          </a:p>
+          <a:p>
+            <a:r>
+              <a:rPr lang="en-GB" sz="2000" dirty="0">
                 <a:solidFill>
                   <a:prstClr val="black"/>
                 </a:solidFill>
@@ -5064,84 +5330,10 @@
                 <a:ea typeface="+mj-ea"/>
                 <a:cs typeface="+mj-cs"/>
               </a:rPr>
-              <a:t>OfLength</a:t>
-            </a:r>
-            <a:r>
-              <a:rPr lang="en-GB" sz="3000" dirty="0">
-                <a:solidFill>
-                  <a:prstClr val="black"/>
-                </a:solidFill>
-                <a:latin typeface="Atkinson Hyperlegible" pitchFamily="50" charset="0"/>
-                <a:ea typeface="+mj-ea"/>
-                <a:cs typeface="+mj-cs"/>
-              </a:rPr>
-              <a:t> to select rows of a text matrix </a:t>
-            </a:r>
-            <a:r>
-              <a:rPr lang="en-GB" sz="3000" dirty="0">
-                <a:solidFill>
-                  <a:prstClr val="black"/>
-                </a:solidFill>
-                <a:latin typeface="APL385 Unicode" panose="020B0709000202000203" pitchFamily="49" charset="0"/>
-                <a:ea typeface="+mj-ea"/>
-                <a:cs typeface="+mj-cs"/>
-              </a:rPr>
-              <a:t>⍺ </a:t>
-            </a:r>
-            <a:r>
-              <a:rPr lang="en-GB" sz="3000" dirty="0">
-                <a:solidFill>
-                  <a:prstClr val="black"/>
-                </a:solidFill>
-                <a:latin typeface="Atkinson Hyperlegible" pitchFamily="50" charset="0"/>
-                <a:ea typeface="+mj-ea"/>
-                <a:cs typeface="+mj-cs"/>
-              </a:rPr>
-              <a:t>where text (non spaces) are of length </a:t>
-            </a:r>
-            <a:r>
-              <a:rPr lang="en-GB" sz="3000" dirty="0">
-                <a:solidFill>
-                  <a:prstClr val="black"/>
-                </a:solidFill>
-                <a:latin typeface="APL385 Unicode" panose="020B0709000202000203" pitchFamily="49" charset="0"/>
-                <a:ea typeface="+mj-ea"/>
-                <a:cs typeface="+mj-cs"/>
-              </a:rPr>
-              <a:t>⍵</a:t>
-            </a:r>
-            <a:r>
-              <a:rPr lang="en-GB" sz="3000" dirty="0">
-                <a:solidFill>
-                  <a:prstClr val="black"/>
-                </a:solidFill>
-                <a:latin typeface="Atkinson Hyperlegible" pitchFamily="50" charset="0"/>
-                <a:ea typeface="+mj-ea"/>
-                <a:cs typeface="+mj-cs"/>
-              </a:rPr>
-              <a:t>:</a:t>
-            </a:r>
-          </a:p>
-          <a:p>
-            <a:pPr marL="0" indent="0">
-              <a:buNone/>
-            </a:pPr>
-            <a:r>
-              <a:rPr lang="en-GB" sz="3000" dirty="0">
-                <a:solidFill>
-                  <a:prstClr val="black"/>
-                </a:solidFill>
-                <a:latin typeface="Atkinson Hyperlegible" pitchFamily="50" charset="0"/>
-                <a:ea typeface="+mj-ea"/>
-                <a:cs typeface="+mj-cs"/>
-              </a:rPr>
-              <a:t>For example,</a:t>
-            </a:r>
-          </a:p>
-          <a:p>
-            <a:pPr marL="0" indent="0">
-              <a:buNone/>
-            </a:pPr>
+              <a:t>Write a function to determine who ate the most throughout the week, when only counting fruits listed in the character matrix ⍵.</a:t>
+            </a:r>
+          </a:p>
+          <a:p>
             <a:endParaRPr lang="en-GB" sz="2000" dirty="0">
               <a:solidFill>
                 <a:prstClr val="black"/>
@@ -5152,49 +5344,43 @@
             </a:endParaRPr>
           </a:p>
           <a:p>
-            <a:pPr marL="0" indent="0">
-              <a:buNone/>
-            </a:pPr>
-            <a:r>
-              <a:rPr lang="en-US" sz="2000" dirty="0">
-                <a:solidFill>
-                  <a:prstClr val="black"/>
-                </a:solidFill>
-                <a:latin typeface="APL385 Unicode" panose="020B0709000202000203" pitchFamily="49" charset="0"/>
-                <a:ea typeface="+mj-ea"/>
-                <a:cs typeface="+mj-cs"/>
-              </a:rPr>
-              <a:t>      names </a:t>
-            </a:r>
-            <a:r>
-              <a:rPr lang="en-US" sz="2000" dirty="0" err="1">
-                <a:solidFill>
-                  <a:prstClr val="black"/>
-                </a:solidFill>
-                <a:latin typeface="APL385 Unicode" panose="020B0709000202000203" pitchFamily="49" charset="0"/>
-                <a:ea typeface="+mj-ea"/>
-                <a:cs typeface="+mj-cs"/>
-              </a:rPr>
-              <a:t>OfLength</a:t>
-            </a:r>
-            <a:r>
-              <a:rPr lang="en-US" sz="2000" dirty="0">
-                <a:solidFill>
-                  <a:prstClr val="black"/>
-                </a:solidFill>
-                <a:latin typeface="APL385 Unicode" panose="020B0709000202000203" pitchFamily="49" charset="0"/>
-                <a:ea typeface="+mj-ea"/>
-                <a:cs typeface="+mj-cs"/>
-              </a:rPr>
-              <a:t> 4</a:t>
-            </a:r>
-          </a:p>
-          <a:p>
-            <a:pPr marL="0" indent="0">
-              <a:buNone/>
-            </a:pPr>
-            <a:r>
-              <a:rPr lang="en-US" sz="2000" dirty="0">
+            <a:r>
+              <a:rPr lang="en-GB" sz="2000" dirty="0">
+                <a:solidFill>
+                  <a:prstClr val="black"/>
+                </a:solidFill>
+                <a:latin typeface="APL385 Unicode" panose="020B0709000202000203" pitchFamily="49" charset="0"/>
+                <a:ea typeface="+mj-ea"/>
+                <a:cs typeface="+mj-cs"/>
+              </a:rPr>
+              <a:t>      </a:t>
+            </a:r>
+            <a:r>
+              <a:rPr lang="en-GB" sz="2000" dirty="0" err="1">
+                <a:solidFill>
+                  <a:prstClr val="black"/>
+                </a:solidFill>
+                <a:latin typeface="APL385 Unicode" panose="020B0709000202000203" pitchFamily="49" charset="0"/>
+                <a:ea typeface="+mj-ea"/>
+                <a:cs typeface="+mj-cs"/>
+              </a:rPr>
+              <a:t>WhoAteMost</a:t>
+            </a:r>
+            <a:r>
+              <a:rPr lang="en-GB" sz="2000" dirty="0">
+                <a:solidFill>
+                  <a:prstClr val="black"/>
+                </a:solidFill>
+                <a:latin typeface="APL385 Unicode" panose="020B0709000202000203" pitchFamily="49" charset="0"/>
+                <a:ea typeface="+mj-ea"/>
+                <a:cs typeface="+mj-cs"/>
+              </a:rPr>
+              <a:t> 1 7⍴'Bananas'</a:t>
+            </a:r>
+          </a:p>
+          <a:p>
+            <a:r>
+              <a:rPr lang="en-GB" sz="2000" dirty="0">
                 <a:solidFill>
                   <a:prstClr val="black"/>
                 </a:solidFill>
@@ -5206,11 +5392,43 @@
             </a:r>
           </a:p>
           <a:p>
-            <a:pPr marL="0" indent="0">
-              <a:buNone/>
-            </a:pPr>
-            <a:r>
-              <a:rPr lang="en-US" sz="2000" dirty="0">
+            <a:r>
+              <a:rPr lang="en-GB" sz="2000" dirty="0">
+                <a:solidFill>
+                  <a:prstClr val="black"/>
+                </a:solidFill>
+                <a:latin typeface="APL385 Unicode" panose="020B0709000202000203" pitchFamily="49" charset="0"/>
+                <a:ea typeface="+mj-ea"/>
+                <a:cs typeface="+mj-cs"/>
+              </a:rPr>
+              <a:t>      </a:t>
+            </a:r>
+            <a:r>
+              <a:rPr lang="en-GB" sz="2000" dirty="0" err="1">
+                <a:solidFill>
+                  <a:prstClr val="black"/>
+                </a:solidFill>
+                <a:latin typeface="APL385 Unicode" panose="020B0709000202000203" pitchFamily="49" charset="0"/>
+                <a:ea typeface="+mj-ea"/>
+                <a:cs typeface="+mj-cs"/>
+              </a:rPr>
+              <a:t>WhoAteMost</a:t>
+            </a:r>
+            <a:r>
+              <a:rPr lang="en-GB" sz="2000" dirty="0">
+                <a:solidFill>
+                  <a:prstClr val="black"/>
+                </a:solidFill>
+                <a:latin typeface="APL385 Unicode" panose="020B0709000202000203" pitchFamily="49" charset="0"/>
+                <a:ea typeface="+mj-ea"/>
+                <a:cs typeface="+mj-cs"/>
+              </a:rPr>
+              <a:t> 2 7⍴'OrangesMangoes'</a:t>
+            </a:r>
+          </a:p>
+          <a:p>
+            <a:r>
+              <a:rPr lang="en-GB" sz="2000" dirty="0">
                 <a:solidFill>
                   <a:prstClr val="black"/>
                 </a:solidFill>
@@ -5222,202 +5440,77 @@
             </a:r>
           </a:p>
           <a:p>
-            <a:pPr marL="0" indent="0">
-              <a:buNone/>
-            </a:pPr>
-            <a:r>
-              <a:rPr lang="en-US" sz="2000" dirty="0">
-                <a:solidFill>
-                  <a:prstClr val="black"/>
-                </a:solidFill>
-                <a:latin typeface="APL385 Unicode" panose="020B0709000202000203" pitchFamily="49" charset="0"/>
-                <a:ea typeface="+mj-ea"/>
-                <a:cs typeface="+mj-cs"/>
-              </a:rPr>
-              <a:t>      names </a:t>
-            </a:r>
-            <a:r>
-              <a:rPr lang="en-US" sz="2000" dirty="0" err="1">
-                <a:solidFill>
-                  <a:prstClr val="black"/>
-                </a:solidFill>
-                <a:latin typeface="APL385 Unicode" panose="020B0709000202000203" pitchFamily="49" charset="0"/>
-                <a:ea typeface="+mj-ea"/>
-                <a:cs typeface="+mj-cs"/>
-              </a:rPr>
-              <a:t>OfLength</a:t>
-            </a:r>
-            <a:r>
-              <a:rPr lang="en-US" sz="2000" dirty="0">
-                <a:solidFill>
-                  <a:prstClr val="black"/>
-                </a:solidFill>
-                <a:latin typeface="APL385 Unicode" panose="020B0709000202000203" pitchFamily="49" charset="0"/>
-                <a:ea typeface="+mj-ea"/>
-                <a:cs typeface="+mj-cs"/>
-              </a:rPr>
-              <a:t> 7</a:t>
-            </a:r>
-          </a:p>
-          <a:p>
-            <a:pPr marL="0" indent="0">
-              <a:buNone/>
-            </a:pPr>
-            <a:r>
-              <a:rPr lang="en-US" sz="2000" dirty="0">
-                <a:solidFill>
-                  <a:prstClr val="black"/>
-                </a:solidFill>
-                <a:latin typeface="APL385 Unicode" panose="020B0709000202000203" pitchFamily="49" charset="0"/>
-                <a:ea typeface="+mj-ea"/>
-                <a:cs typeface="+mj-cs"/>
-              </a:rPr>
-              <a:t>Hardeep</a:t>
-            </a:r>
-          </a:p>
-          <a:p>
-            <a:pPr marL="0" indent="0">
-              <a:buNone/>
-            </a:pPr>
-            <a:r>
-              <a:rPr lang="en-US" sz="2000" dirty="0">
-                <a:solidFill>
-                  <a:prstClr val="black"/>
-                </a:solidFill>
-                <a:latin typeface="APL385 Unicode" panose="020B0709000202000203" pitchFamily="49" charset="0"/>
-                <a:ea typeface="+mj-ea"/>
-                <a:cs typeface="+mj-cs"/>
-              </a:rPr>
-              <a:t>Rodrigo</a:t>
-            </a:r>
-          </a:p>
-          <a:p>
-            <a:pPr marL="0" indent="0">
-              <a:buNone/>
-            </a:pPr>
-            <a:endParaRPr lang="en-US" sz="2000" dirty="0">
+            <a:r>
+              <a:rPr lang="en-GB" sz="2000" dirty="0">
+                <a:solidFill>
+                  <a:prstClr val="black"/>
+                </a:solidFill>
+                <a:latin typeface="APL385 Unicode" panose="020B0709000202000203" pitchFamily="49" charset="0"/>
+                <a:ea typeface="+mj-ea"/>
+                <a:cs typeface="+mj-cs"/>
+              </a:rPr>
+              <a:t>      </a:t>
+            </a:r>
+            <a:r>
+              <a:rPr lang="en-GB" sz="2000" dirty="0" err="1">
+                <a:solidFill>
+                  <a:prstClr val="black"/>
+                </a:solidFill>
+                <a:latin typeface="APL385 Unicode" panose="020B0709000202000203" pitchFamily="49" charset="0"/>
+                <a:ea typeface="+mj-ea"/>
+                <a:cs typeface="+mj-cs"/>
+              </a:rPr>
+              <a:t>WhoAteMost</a:t>
+            </a:r>
+            <a:r>
+              <a:rPr lang="en-GB" sz="2000" dirty="0">
+                <a:solidFill>
+                  <a:prstClr val="black"/>
+                </a:solidFill>
+                <a:latin typeface="APL385 Unicode" panose="020B0709000202000203" pitchFamily="49" charset="0"/>
+                <a:ea typeface="+mj-ea"/>
+                <a:cs typeface="+mj-cs"/>
+              </a:rPr>
+              <a:t> 1 7⍴'Oranges'</a:t>
+            </a:r>
+          </a:p>
+          <a:p>
+            <a:r>
+              <a:rPr lang="en-GB" sz="2000" dirty="0">
+                <a:solidFill>
+                  <a:prstClr val="black"/>
+                </a:solidFill>
+                <a:latin typeface="APL385 Unicode" panose="020B0709000202000203" pitchFamily="49" charset="0"/>
+                <a:ea typeface="+mj-ea"/>
+                <a:cs typeface="+mj-cs"/>
+              </a:rPr>
+              <a:t>Adam </a:t>
+            </a:r>
+            <a:endParaRPr lang="en-GB" sz="2000" dirty="0">
               <a:solidFill>
                 <a:prstClr val="black"/>
               </a:solidFill>
-              <a:latin typeface="APL385 Unicode" panose="020B0709000202000203" pitchFamily="49" charset="0"/>
+              <a:latin typeface="Atkinson Hyperlegible" pitchFamily="50" charset="0"/>
               <a:ea typeface="+mj-ea"/>
               <a:cs typeface="+mj-cs"/>
             </a:endParaRPr>
           </a:p>
           <a:p>
-            <a:pPr marL="0" indent="0">
-              <a:buNone/>
-            </a:pPr>
-            <a:r>
-              <a:rPr lang="en-GB" sz="2000" dirty="0">
-                <a:solidFill>
-                  <a:prstClr val="black"/>
-                </a:solidFill>
-                <a:latin typeface="APL385 Unicode" panose="020B0709000202000203" pitchFamily="49" charset="0"/>
-                <a:ea typeface="+mj-ea"/>
-                <a:cs typeface="+mj-cs"/>
-              </a:rPr>
-              <a:t>      (7 5⍴'applecat  dog  </a:t>
-            </a:r>
-            <a:r>
-              <a:rPr lang="en-GB" sz="2000" dirty="0" err="1">
-                <a:solidFill>
-                  <a:prstClr val="black"/>
-                </a:solidFill>
-                <a:latin typeface="APL385 Unicode" panose="020B0709000202000203" pitchFamily="49" charset="0"/>
-                <a:ea typeface="+mj-ea"/>
-                <a:cs typeface="+mj-cs"/>
-              </a:rPr>
-              <a:t>lemurfrog</a:t>
-            </a:r>
-            <a:r>
-              <a:rPr lang="en-GB" sz="2000" dirty="0">
-                <a:solidFill>
-                  <a:prstClr val="black"/>
-                </a:solidFill>
-                <a:latin typeface="APL385 Unicode" panose="020B0709000202000203" pitchFamily="49" charset="0"/>
-                <a:ea typeface="+mj-ea"/>
-                <a:cs typeface="+mj-cs"/>
-              </a:rPr>
-              <a:t> safe lemon') </a:t>
-            </a:r>
-            <a:r>
-              <a:rPr lang="en-GB" sz="2000" dirty="0" err="1">
-                <a:solidFill>
-                  <a:prstClr val="black"/>
-                </a:solidFill>
-                <a:latin typeface="APL385 Unicode" panose="020B0709000202000203" pitchFamily="49" charset="0"/>
-                <a:ea typeface="+mj-ea"/>
-                <a:cs typeface="+mj-cs"/>
-              </a:rPr>
-              <a:t>OfLength</a:t>
-            </a:r>
-            <a:r>
-              <a:rPr lang="en-GB" sz="2000" dirty="0">
-                <a:solidFill>
-                  <a:prstClr val="black"/>
-                </a:solidFill>
-                <a:latin typeface="APL385 Unicode" panose="020B0709000202000203" pitchFamily="49" charset="0"/>
-                <a:ea typeface="+mj-ea"/>
-                <a:cs typeface="+mj-cs"/>
-              </a:rPr>
-              <a:t> 5</a:t>
-            </a:r>
-          </a:p>
-          <a:p>
-            <a:pPr marL="0" indent="0">
-              <a:buNone/>
-            </a:pPr>
-            <a:r>
-              <a:rPr lang="en-GB" sz="2000" dirty="0">
-                <a:solidFill>
-                  <a:prstClr val="black"/>
-                </a:solidFill>
-                <a:latin typeface="APL385 Unicode" panose="020B0709000202000203" pitchFamily="49" charset="0"/>
-                <a:ea typeface="+mj-ea"/>
-                <a:cs typeface="+mj-cs"/>
-              </a:rPr>
-              <a:t>apple</a:t>
-            </a:r>
-          </a:p>
-          <a:p>
-            <a:pPr marL="0" indent="0">
-              <a:buNone/>
-            </a:pPr>
-            <a:r>
-              <a:rPr lang="en-GB" sz="2000" dirty="0">
-                <a:solidFill>
-                  <a:prstClr val="black"/>
-                </a:solidFill>
-                <a:latin typeface="APL385 Unicode" panose="020B0709000202000203" pitchFamily="49" charset="0"/>
-                <a:ea typeface="+mj-ea"/>
-                <a:cs typeface="+mj-cs"/>
-              </a:rPr>
-              <a:t>lemur</a:t>
-            </a:r>
-          </a:p>
-          <a:p>
-            <a:pPr marL="0" indent="0">
-              <a:buNone/>
-            </a:pPr>
-            <a:r>
-              <a:rPr lang="en-GB" sz="2000" dirty="0">
-                <a:solidFill>
-                  <a:prstClr val="black"/>
-                </a:solidFill>
-                <a:latin typeface="APL385 Unicode" panose="020B0709000202000203" pitchFamily="49" charset="0"/>
-                <a:ea typeface="+mj-ea"/>
-                <a:cs typeface="+mj-cs"/>
-              </a:rPr>
-              <a:t>lemon</a:t>
-            </a:r>
+            <a:endParaRPr lang="en-GB" sz="3000" dirty="0">
+              <a:solidFill>
+                <a:prstClr val="black"/>
+              </a:solidFill>
+              <a:latin typeface="Atkinson Hyperlegible" pitchFamily="50" charset="0"/>
+              <a:ea typeface="+mj-ea"/>
+              <a:cs typeface="+mj-cs"/>
+            </a:endParaRPr>
           </a:p>
         </p:txBody>
       </p:sp>
     </p:spTree>
     <p:extLst>
       <p:ext uri="{BB962C8B-B14F-4D97-AF65-F5344CB8AC3E}">
-        <p14:creationId xmlns:p14="http://schemas.microsoft.com/office/powerpoint/2010/main" val="3201290508"/>
+        <p14:creationId xmlns:p14="http://schemas.microsoft.com/office/powerpoint/2010/main" val="751814329"/>
       </p:ext>
     </p:extLst>
   </p:cSld>
@@ -5427,7 +5520,7 @@
 </p:sld>
 </file>
 
-<file path=ppt/slides/slide7.xml><?xml version="1.0" encoding="utf-8"?>
+<file path=ppt/slides/slide16.xml><?xml version="1.0" encoding="utf-8"?>
 <p:sld xmlns:a="http://schemas.openxmlformats.org/drawingml/2006/main" xmlns:r="http://schemas.openxmlformats.org/officeDocument/2006/relationships" xmlns:p="http://schemas.openxmlformats.org/presentationml/2006/main">
   <p:cSld>
     <p:spTree>
@@ -5459,7 +5552,7 @@
         <p:spPr>
           <a:xfrm>
             <a:off x="696000" y="729000"/>
-            <a:ext cx="10800000" cy="5324535"/>
+            <a:ext cx="10800000" cy="2092881"/>
           </a:xfrm>
           <a:prstGeom prst="rect">
             <a:avLst/>
@@ -5507,82 +5600,28 @@
                 <a:ea typeface="+mj-ea"/>
                 <a:cs typeface="+mj-cs"/>
               </a:rPr>
-              <a:t>7</a:t>
+              <a:t>16</a:t>
             </a:fld>
-            <a:endParaRPr kumimoji="0" lang="en-GB" sz="4000" b="1" i="0" u="none" strike="noStrike" kern="1200" cap="none" spc="0" normalizeH="0" baseline="0" noProof="0" dirty="0">
-              <a:ln>
-                <a:noFill/>
-              </a:ln>
-              <a:solidFill>
-                <a:prstClr val="black"/>
-              </a:solidFill>
-              <a:effectLst/>
-              <a:uLnTx/>
-              <a:uFillTx/>
-              <a:latin typeface="Atkinson Hyperlegible" pitchFamily="50" charset="0"/>
-              <a:ea typeface="+mj-ea"/>
-              <a:cs typeface="+mj-cs"/>
-            </a:endParaRPr>
-          </a:p>
-          <a:p>
-            <a:pPr marL="0" indent="0">
-              <a:buNone/>
-            </a:pPr>
-            <a:r>
-              <a:rPr lang="en-GB" sz="3000" dirty="0">
-                <a:solidFill>
-                  <a:prstClr val="black"/>
-                </a:solidFill>
+            <a:r>
+              <a:rPr kumimoji="0" lang="en-GB" sz="4000" b="1" i="0" u="none" strike="noStrike" kern="1200" cap="none" spc="0" normalizeH="0" baseline="0" noProof="0" dirty="0">
+                <a:ln>
+                  <a:noFill/>
+                </a:ln>
+                <a:solidFill>
+                  <a:prstClr val="black"/>
+                </a:solidFill>
+                <a:effectLst/>
+                <a:uLnTx/>
+                <a:uFillTx/>
                 <a:latin typeface="Atkinson Hyperlegible" pitchFamily="50" charset="0"/>
                 <a:ea typeface="+mj-ea"/>
                 <a:cs typeface="+mj-cs"/>
               </a:rPr>
-              <a:t>Define a function </a:t>
-            </a:r>
-            <a:r>
-              <a:rPr lang="en-GB" sz="3000" dirty="0" err="1">
-                <a:solidFill>
-                  <a:prstClr val="black"/>
-                </a:solidFill>
-                <a:latin typeface="Atkinson Hyperlegible" pitchFamily="50" charset="0"/>
-                <a:ea typeface="+mj-ea"/>
-                <a:cs typeface="+mj-cs"/>
-              </a:rPr>
-              <a:t>IsLate</a:t>
-            </a:r>
-            <a:r>
-              <a:rPr lang="en-GB" sz="3000" dirty="0">
-                <a:solidFill>
-                  <a:prstClr val="black"/>
-                </a:solidFill>
-                <a:latin typeface="Atkinson Hyperlegible" pitchFamily="50" charset="0"/>
-                <a:ea typeface="+mj-ea"/>
-                <a:cs typeface="+mj-cs"/>
-              </a:rPr>
-              <a:t> to tell if a time is early (before 6) or late (after 20) or good (any other time):</a:t>
-            </a:r>
-          </a:p>
-          <a:p>
-            <a:pPr marL="0" indent="0">
-              <a:buNone/>
-            </a:pPr>
-            <a:r>
-              <a:rPr lang="en-GB" sz="3000" dirty="0">
-                <a:solidFill>
-                  <a:prstClr val="black"/>
-                </a:solidFill>
-                <a:latin typeface="Atkinson Hyperlegible" pitchFamily="50" charset="0"/>
-                <a:ea typeface="+mj-ea"/>
-                <a:cs typeface="+mj-cs"/>
-              </a:rPr>
-              <a:t>For example,</a:t>
-            </a:r>
-          </a:p>
-          <a:p>
-            <a:pPr marL="0" indent="0">
-              <a:buNone/>
-            </a:pPr>
-            <a:endParaRPr lang="en-US" sz="3000" dirty="0">
+              <a:t> (bonus)</a:t>
+            </a:r>
+          </a:p>
+          <a:p>
+            <a:endParaRPr lang="en-GB" sz="3000" dirty="0">
               <a:solidFill>
                 <a:prstClr val="black"/>
               </a:solidFill>
@@ -5597,148 +5636,19 @@
                 <a:solidFill>
                   <a:prstClr val="black"/>
                 </a:solidFill>
-                <a:latin typeface="APL385 Unicode" panose="020B0709000202000203" pitchFamily="49" charset="0"/>
-                <a:ea typeface="+mj-ea"/>
-                <a:cs typeface="+mj-cs"/>
-              </a:rPr>
-              <a:t>      </a:t>
-            </a:r>
-            <a:r>
-              <a:rPr lang="en-US" sz="3000" dirty="0" err="1">
-                <a:solidFill>
-                  <a:prstClr val="black"/>
-                </a:solidFill>
-                <a:latin typeface="APL385 Unicode" panose="020B0709000202000203" pitchFamily="49" charset="0"/>
-                <a:ea typeface="+mj-ea"/>
-                <a:cs typeface="+mj-cs"/>
-              </a:rPr>
-              <a:t>IsLate</a:t>
-            </a:r>
-            <a:r>
-              <a:rPr lang="en-US" sz="3000" dirty="0">
-                <a:solidFill>
-                  <a:prstClr val="black"/>
-                </a:solidFill>
-                <a:latin typeface="APL385 Unicode" panose="020B0709000202000203" pitchFamily="49" charset="0"/>
-                <a:ea typeface="+mj-ea"/>
-                <a:cs typeface="+mj-cs"/>
-              </a:rPr>
-              <a:t> </a:t>
-            </a:r>
-            <a:r>
-              <a:rPr lang="en-GB" sz="3000" dirty="0">
-                <a:solidFill>
-                  <a:prstClr val="black"/>
-                </a:solidFill>
-                <a:latin typeface="APL385 Unicode" panose="020B0709000202000203" pitchFamily="49" charset="0"/>
-                <a:ea typeface="+mj-ea"/>
-                <a:cs typeface="+mj-cs"/>
-              </a:rPr>
-              <a:t>4 10 21 15 23</a:t>
-            </a:r>
-            <a:endParaRPr lang="en-US" sz="3000" dirty="0">
-              <a:solidFill>
-                <a:prstClr val="black"/>
-              </a:solidFill>
-              <a:latin typeface="APL385 Unicode" panose="020B0709000202000203" pitchFamily="49" charset="0"/>
-              <a:ea typeface="+mj-ea"/>
-              <a:cs typeface="+mj-cs"/>
-            </a:endParaRPr>
-          </a:p>
-          <a:p>
-            <a:pPr marL="0" indent="0">
-              <a:buNone/>
-            </a:pPr>
-            <a:r>
-              <a:rPr lang="en-US" sz="3000" dirty="0">
-                <a:solidFill>
-                  <a:prstClr val="black"/>
-                </a:solidFill>
-                <a:latin typeface="APL385 Unicode" panose="020B0709000202000203" pitchFamily="49" charset="0"/>
-                <a:ea typeface="+mj-ea"/>
-                <a:cs typeface="+mj-cs"/>
-              </a:rPr>
-              <a:t>Early</a:t>
-            </a:r>
-          </a:p>
-          <a:p>
-            <a:pPr marL="0" indent="0">
-              <a:buNone/>
-            </a:pPr>
-            <a:r>
-              <a:rPr lang="en-US" sz="3000" dirty="0">
-                <a:solidFill>
-                  <a:prstClr val="black"/>
-                </a:solidFill>
-                <a:latin typeface="APL385 Unicode" panose="020B0709000202000203" pitchFamily="49" charset="0"/>
-                <a:ea typeface="+mj-ea"/>
-                <a:cs typeface="+mj-cs"/>
-              </a:rPr>
-              <a:t>Good </a:t>
-            </a:r>
-          </a:p>
-          <a:p>
-            <a:pPr marL="0" indent="0">
-              <a:buNone/>
-            </a:pPr>
-            <a:r>
-              <a:rPr lang="en-US" sz="3000" dirty="0">
-                <a:solidFill>
-                  <a:prstClr val="black"/>
-                </a:solidFill>
-                <a:latin typeface="APL385 Unicode" panose="020B0709000202000203" pitchFamily="49" charset="0"/>
-                <a:ea typeface="+mj-ea"/>
-                <a:cs typeface="+mj-cs"/>
-              </a:rPr>
-              <a:t>Late </a:t>
-            </a:r>
-          </a:p>
-          <a:p>
-            <a:pPr marL="0" indent="0">
-              <a:buNone/>
-            </a:pPr>
-            <a:r>
-              <a:rPr lang="en-US" sz="3000" dirty="0">
-                <a:solidFill>
-                  <a:prstClr val="black"/>
-                </a:solidFill>
-                <a:latin typeface="APL385 Unicode" panose="020B0709000202000203" pitchFamily="49" charset="0"/>
-                <a:ea typeface="+mj-ea"/>
-                <a:cs typeface="+mj-cs"/>
-              </a:rPr>
-              <a:t>Good </a:t>
-            </a:r>
-          </a:p>
-          <a:p>
-            <a:pPr marL="0" indent="0">
-              <a:buNone/>
-            </a:pPr>
-            <a:r>
-              <a:rPr lang="en-US" sz="3000" dirty="0">
-                <a:solidFill>
-                  <a:prstClr val="black"/>
-                </a:solidFill>
-                <a:latin typeface="APL385 Unicode" panose="020B0709000202000203" pitchFamily="49" charset="0"/>
-                <a:ea typeface="+mj-ea"/>
-                <a:cs typeface="+mj-cs"/>
-              </a:rPr>
-              <a:t>Late </a:t>
-            </a:r>
-            <a:endParaRPr lang="en-GB" sz="3000" dirty="0">
-              <a:solidFill>
-                <a:prstClr val="black"/>
-              </a:solidFill>
-              <a:latin typeface="APL385 Unicode" panose="020B0709000202000203" pitchFamily="49" charset="0"/>
-              <a:ea typeface="+mj-ea"/>
-              <a:cs typeface="+mj-cs"/>
-            </a:endParaRPr>
+                <a:latin typeface="Atkinson Hyperlegible" pitchFamily="50" charset="0"/>
+                <a:ea typeface="+mj-ea"/>
+                <a:cs typeface="+mj-cs"/>
+              </a:rPr>
+              <a:t>Write a function to determine who ate the most fruit ⍵ on weekdays ⍺</a:t>
+            </a:r>
           </a:p>
         </p:txBody>
       </p:sp>
     </p:spTree>
     <p:extLst>
       <p:ext uri="{BB962C8B-B14F-4D97-AF65-F5344CB8AC3E}">
-        <p14:creationId xmlns:p14="http://schemas.microsoft.com/office/powerpoint/2010/main" val="140218917"/>
+        <p14:creationId xmlns:p14="http://schemas.microsoft.com/office/powerpoint/2010/main" val="1082277888"/>
       </p:ext>
     </p:extLst>
   </p:cSld>
@@ -5748,243 +5658,7 @@
 </p:sld>
 </file>
 
-<file path=ppt/slides/slide8.xml><?xml version="1.0" encoding="utf-8"?>
-<p:sld xmlns:a="http://schemas.openxmlformats.org/drawingml/2006/main" xmlns:r="http://schemas.openxmlformats.org/officeDocument/2006/relationships" xmlns:p="http://schemas.openxmlformats.org/presentationml/2006/main">
-  <p:cSld>
-    <p:spTree>
-      <p:nvGrpSpPr>
-        <p:cNvPr id="1" name=""/>
-        <p:cNvGrpSpPr/>
-        <p:nvPr/>
-      </p:nvGrpSpPr>
-      <p:grpSpPr>
-        <a:xfrm>
-          <a:off x="0" y="0"/>
-          <a:ext cx="0" cy="0"/>
-          <a:chOff x="0" y="0"/>
-          <a:chExt cx="0" cy="0"/>
-        </a:xfrm>
-      </p:grpSpPr>
-      <p:sp>
-        <p:nvSpPr>
-          <p:cNvPr id="2" name="TextBox 1">
-            <a:extLst>
-              <a:ext uri="{FF2B5EF4-FFF2-40B4-BE49-F238E27FC236}">
-                <a16:creationId xmlns:a16="http://schemas.microsoft.com/office/drawing/2014/main" id="{ABB6BDA9-D3EC-48B2-8801-3CE10D1D5391}"/>
-              </a:ext>
-            </a:extLst>
-          </p:cNvPr>
-          <p:cNvSpPr txBox="1"/>
-          <p:nvPr/>
-        </p:nvSpPr>
-        <p:spPr>
-          <a:xfrm>
-            <a:off x="696000" y="729000"/>
-            <a:ext cx="10800000" cy="2523768"/>
-          </a:xfrm>
-          <a:prstGeom prst="rect">
-            <a:avLst/>
-          </a:prstGeom>
-          <a:noFill/>
-        </p:spPr>
-        <p:txBody>
-          <a:bodyPr wrap="square" rtlCol="0">
-            <a:spAutoFit/>
-          </a:bodyPr>
-          <a:lstStyle/>
-          <a:p>
-            <a:pPr marL="0" indent="0" algn="ctr">
-              <a:buNone/>
-            </a:pPr>
-            <a:r>
-              <a:rPr kumimoji="0" lang="en-GB" sz="4000" b="1" i="0" u="none" strike="noStrike" kern="1200" cap="none" spc="0" normalizeH="0" baseline="0" noProof="0" dirty="0">
-                <a:ln>
-                  <a:noFill/>
-                </a:ln>
-                <a:solidFill>
-                  <a:prstClr val="black"/>
-                </a:solidFill>
-                <a:effectLst/>
-                <a:uLnTx/>
-                <a:uFillTx/>
-                <a:latin typeface="Atkinson Hyperlegible" pitchFamily="50" charset="0"/>
-                <a:ea typeface="+mj-ea"/>
-                <a:cs typeface="+mj-cs"/>
-              </a:rPr>
-              <a:t>Task </a:t>
-            </a:r>
-            <a:fld id="{C4A595E0-68AA-423E-BAF3-3392370CE250}" type="slidenum">
-              <a:rPr kumimoji="0" lang="en-GB" sz="4000" b="1" i="0" u="none" strike="noStrike" kern="1200" cap="none" spc="0" normalizeH="0" baseline="0" noProof="0" smtClean="0">
-                <a:ln>
-                  <a:noFill/>
-                </a:ln>
-                <a:solidFill>
-                  <a:prstClr val="black"/>
-                </a:solidFill>
-                <a:effectLst/>
-                <a:uLnTx/>
-                <a:uFillTx/>
-                <a:latin typeface="Atkinson Hyperlegible" pitchFamily="50" charset="0"/>
-                <a:ea typeface="+mj-ea"/>
-                <a:cs typeface="+mj-cs"/>
-              </a:rPr>
-              <a:t>8</a:t>
-            </a:fld>
-            <a:endParaRPr kumimoji="0" lang="en-GB" sz="4000" b="1" i="0" u="none" strike="noStrike" kern="1200" cap="none" spc="0" normalizeH="0" baseline="0" noProof="0" dirty="0">
-              <a:ln>
-                <a:noFill/>
-              </a:ln>
-              <a:solidFill>
-                <a:prstClr val="black"/>
-              </a:solidFill>
-              <a:effectLst/>
-              <a:uLnTx/>
-              <a:uFillTx/>
-              <a:latin typeface="Atkinson Hyperlegible" pitchFamily="50" charset="0"/>
-              <a:ea typeface="+mj-ea"/>
-              <a:cs typeface="+mj-cs"/>
-            </a:endParaRPr>
-          </a:p>
-          <a:p>
-            <a:pPr marL="0" indent="0">
-              <a:buNone/>
-            </a:pPr>
-            <a:r>
-              <a:rPr lang="en-GB" sz="3000" dirty="0">
-                <a:solidFill>
-                  <a:prstClr val="black"/>
-                </a:solidFill>
-                <a:latin typeface="Atkinson Hyperlegible" pitchFamily="50" charset="0"/>
-                <a:ea typeface="+mj-ea"/>
-                <a:cs typeface="+mj-cs"/>
-              </a:rPr>
-              <a:t>Define the following arrays in your workspace:</a:t>
-            </a:r>
-          </a:p>
-          <a:p>
-            <a:pPr marL="0" indent="0">
-              <a:buNone/>
-            </a:pPr>
-            <a:r>
-              <a:rPr lang="en-GB" sz="2200" dirty="0">
-                <a:solidFill>
-                  <a:prstClr val="black"/>
-                </a:solidFill>
-                <a:latin typeface="APL385 Unicode" panose="020B0709000202000203" pitchFamily="49" charset="0"/>
-                <a:ea typeface="+mj-ea"/>
-                <a:cs typeface="+mj-cs"/>
-              </a:rPr>
-              <a:t>	fruits←4 7⍴'Apples </a:t>
-            </a:r>
-            <a:r>
-              <a:rPr lang="en-GB" sz="2200" dirty="0" err="1">
-                <a:solidFill>
-                  <a:prstClr val="black"/>
-                </a:solidFill>
-                <a:latin typeface="APL385 Unicode" panose="020B0709000202000203" pitchFamily="49" charset="0"/>
-                <a:ea typeface="+mj-ea"/>
-                <a:cs typeface="+mj-cs"/>
-              </a:rPr>
-              <a:t>MangoesOrangesBananas</a:t>
-            </a:r>
-            <a:r>
-              <a:rPr lang="en-GB" sz="2200" dirty="0">
-                <a:solidFill>
-                  <a:prstClr val="black"/>
-                </a:solidFill>
-                <a:latin typeface="APL385 Unicode" panose="020B0709000202000203" pitchFamily="49" charset="0"/>
-                <a:ea typeface="+mj-ea"/>
-                <a:cs typeface="+mj-cs"/>
-              </a:rPr>
-              <a:t>'</a:t>
-            </a:r>
-          </a:p>
-          <a:p>
-            <a:pPr marL="0" indent="0">
-              <a:buNone/>
-            </a:pPr>
-            <a:r>
-              <a:rPr lang="en-GB" sz="2200" dirty="0">
-                <a:solidFill>
-                  <a:prstClr val="black"/>
-                </a:solidFill>
-                <a:latin typeface="APL385 Unicode" panose="020B0709000202000203" pitchFamily="49" charset="0"/>
-                <a:ea typeface="+mj-ea"/>
-                <a:cs typeface="+mj-cs"/>
-              </a:rPr>
-              <a:t>	days←7 3⍴'SunMonTueWedThuFriSat'</a:t>
-            </a:r>
-          </a:p>
-          <a:p>
-            <a:pPr marL="0" indent="0">
-              <a:buNone/>
-            </a:pPr>
-            <a:r>
-              <a:rPr lang="en-GB" sz="2200" dirty="0">
-                <a:solidFill>
-                  <a:prstClr val="black"/>
-                </a:solidFill>
-                <a:latin typeface="APL385 Unicode" panose="020B0709000202000203" pitchFamily="49" charset="0"/>
-                <a:ea typeface="+mj-ea"/>
-                <a:cs typeface="+mj-cs"/>
-              </a:rPr>
-              <a:t>	names←3 7⍴'Adam   </a:t>
-            </a:r>
-            <a:r>
-              <a:rPr lang="en-GB" sz="2200" dirty="0" err="1">
-                <a:solidFill>
-                  <a:prstClr val="black"/>
-                </a:solidFill>
-                <a:latin typeface="APL385 Unicode" panose="020B0709000202000203" pitchFamily="49" charset="0"/>
-                <a:ea typeface="+mj-ea"/>
-                <a:cs typeface="+mj-cs"/>
-              </a:rPr>
-              <a:t>RodrigoRich</a:t>
-            </a:r>
-            <a:r>
-              <a:rPr lang="en-GB" sz="2200" dirty="0">
-                <a:solidFill>
-                  <a:prstClr val="black"/>
-                </a:solidFill>
-                <a:latin typeface="APL385 Unicode" panose="020B0709000202000203" pitchFamily="49" charset="0"/>
-                <a:ea typeface="+mj-ea"/>
-                <a:cs typeface="+mj-cs"/>
-              </a:rPr>
-              <a:t>   '</a:t>
-            </a:r>
-          </a:p>
-          <a:p>
-            <a:pPr marL="0" indent="0">
-              <a:buNone/>
-            </a:pPr>
-            <a:r>
-              <a:rPr lang="en-GB" sz="2200" dirty="0">
-                <a:solidFill>
-                  <a:prstClr val="black"/>
-                </a:solidFill>
-                <a:latin typeface="APL385 Unicode" panose="020B0709000202000203" pitchFamily="49" charset="0"/>
-                <a:ea typeface="+mj-ea"/>
-                <a:cs typeface="+mj-cs"/>
-              </a:rPr>
-              <a:t>	⎕RL←42 ⋄ ate←?3 4 7⍴3</a:t>
-            </a:r>
-          </a:p>
-        </p:txBody>
-      </p:sp>
-    </p:spTree>
-    <p:extLst>
-      <p:ext uri="{BB962C8B-B14F-4D97-AF65-F5344CB8AC3E}">
-        <p14:creationId xmlns:p14="http://schemas.microsoft.com/office/powerpoint/2010/main" val="2172920762"/>
-      </p:ext>
-    </p:extLst>
-  </p:cSld>
-  <p:clrMapOvr>
-    <a:masterClrMapping/>
-  </p:clrMapOvr>
-</p:sld>
-</file>
-
-<file path=ppt/slides/slide9.xml><?xml version="1.0" encoding="utf-8"?>
+<file path=ppt/slides/slide17.xml><?xml version="1.0" encoding="utf-8"?>
 <p:sld xmlns:a="http://schemas.openxmlformats.org/drawingml/2006/main" xmlns:r="http://schemas.openxmlformats.org/officeDocument/2006/relationships" xmlns:p="http://schemas.openxmlformats.org/presentationml/2006/main">
   <p:cSld>
     <p:spTree>
@@ -6064,6 +5738,2147 @@
                 <a:ea typeface="+mj-ea"/>
                 <a:cs typeface="+mj-cs"/>
               </a:rPr>
+              <a:t>17</a:t>
+            </a:fld>
+            <a:r>
+              <a:rPr kumimoji="0" lang="en-GB" sz="4000" b="1" i="0" u="none" strike="noStrike" kern="1200" cap="none" spc="0" normalizeH="0" baseline="0" noProof="0" dirty="0">
+                <a:ln>
+                  <a:noFill/>
+                </a:ln>
+                <a:solidFill>
+                  <a:prstClr val="black"/>
+                </a:solidFill>
+                <a:effectLst/>
+                <a:uLnTx/>
+                <a:uFillTx/>
+                <a:latin typeface="Atkinson Hyperlegible" pitchFamily="50" charset="0"/>
+                <a:ea typeface="+mj-ea"/>
+                <a:cs typeface="+mj-cs"/>
+              </a:rPr>
+              <a:t> (bonus)</a:t>
+            </a:r>
+          </a:p>
+          <a:p>
+            <a:endParaRPr lang="en-US" sz="3000" dirty="0">
+              <a:solidFill>
+                <a:prstClr val="black"/>
+              </a:solidFill>
+              <a:latin typeface="Atkinson Hyperlegible" pitchFamily="50" charset="0"/>
+              <a:ea typeface="+mj-ea"/>
+              <a:cs typeface="+mj-cs"/>
+            </a:endParaRPr>
+          </a:p>
+          <a:p>
+            <a:r>
+              <a:rPr lang="en-US" sz="3000" dirty="0">
+                <a:solidFill>
+                  <a:prstClr val="black"/>
+                </a:solidFill>
+                <a:latin typeface="Atkinson Hyperlegible" pitchFamily="50" charset="0"/>
+                <a:ea typeface="+mj-ea"/>
+                <a:cs typeface="+mj-cs"/>
+              </a:rPr>
+              <a:t>Write a function to determine the day on which people with names given in matrix ⍺ ate most of fruits given in matrix ⍵</a:t>
+            </a:r>
+          </a:p>
+          <a:p>
+            <a:endParaRPr lang="en-GB" sz="3000" dirty="0">
+              <a:solidFill>
+                <a:prstClr val="black"/>
+              </a:solidFill>
+              <a:latin typeface="Atkinson Hyperlegible" pitchFamily="50" charset="0"/>
+              <a:ea typeface="+mj-ea"/>
+              <a:cs typeface="+mj-cs"/>
+            </a:endParaRPr>
+          </a:p>
+        </p:txBody>
+      </p:sp>
+    </p:spTree>
+    <p:extLst>
+      <p:ext uri="{BB962C8B-B14F-4D97-AF65-F5344CB8AC3E}">
+        <p14:creationId xmlns:p14="http://schemas.microsoft.com/office/powerpoint/2010/main" val="2113611106"/>
+      </p:ext>
+    </p:extLst>
+  </p:cSld>
+  <p:clrMapOvr>
+    <a:masterClrMapping/>
+  </p:clrMapOvr>
+</p:sld>
+</file>
+
+<file path=ppt/slides/slide2.xml><?xml version="1.0" encoding="utf-8"?>
+<p:sld xmlns:a="http://schemas.openxmlformats.org/drawingml/2006/main" xmlns:r="http://schemas.openxmlformats.org/officeDocument/2006/relationships" xmlns:p="http://schemas.openxmlformats.org/presentationml/2006/main">
+  <p:cSld>
+    <p:spTree>
+      <p:nvGrpSpPr>
+        <p:cNvPr id="1" name=""/>
+        <p:cNvGrpSpPr/>
+        <p:nvPr/>
+      </p:nvGrpSpPr>
+      <p:grpSpPr>
+        <a:xfrm>
+          <a:off x="0" y="0"/>
+          <a:ext cx="0" cy="0"/>
+          <a:chOff x="0" y="0"/>
+          <a:chExt cx="0" cy="0"/>
+        </a:xfrm>
+      </p:grpSpPr>
+      <p:sp>
+        <p:nvSpPr>
+          <p:cNvPr id="2" name="TextBox 1">
+            <a:extLst>
+              <a:ext uri="{FF2B5EF4-FFF2-40B4-BE49-F238E27FC236}">
+                <a16:creationId xmlns:a16="http://schemas.microsoft.com/office/drawing/2014/main" id="{ABB6BDA9-D3EC-48B2-8801-3CE10D1D5391}"/>
+              </a:ext>
+            </a:extLst>
+          </p:cNvPr>
+          <p:cNvSpPr txBox="1"/>
+          <p:nvPr/>
+        </p:nvSpPr>
+        <p:spPr>
+          <a:xfrm>
+            <a:off x="696000" y="729000"/>
+            <a:ext cx="10800000" cy="6709529"/>
+          </a:xfrm>
+          <a:prstGeom prst="rect">
+            <a:avLst/>
+          </a:prstGeom>
+          <a:noFill/>
+        </p:spPr>
+        <p:txBody>
+          <a:bodyPr wrap="square" rtlCol="0">
+            <a:spAutoFit/>
+          </a:bodyPr>
+          <a:lstStyle/>
+          <a:p>
+            <a:pPr marL="0" indent="0" algn="ctr">
+              <a:buNone/>
+            </a:pPr>
+            <a:r>
+              <a:rPr kumimoji="0" lang="en-GB" sz="4000" b="1" i="0" u="none" strike="noStrike" kern="1200" cap="none" spc="0" normalizeH="0" baseline="0" noProof="0" dirty="0">
+                <a:ln>
+                  <a:noFill/>
+                </a:ln>
+                <a:solidFill>
+                  <a:prstClr val="black"/>
+                </a:solidFill>
+                <a:effectLst/>
+                <a:uLnTx/>
+                <a:uFillTx/>
+                <a:latin typeface="Atkinson Hyperlegible" pitchFamily="50" charset="0"/>
+                <a:ea typeface="+mj-ea"/>
+                <a:cs typeface="+mj-cs"/>
+              </a:rPr>
+              <a:t>Task </a:t>
+            </a:r>
+            <a:fld id="{C4A595E0-68AA-423E-BAF3-3392370CE250}" type="slidenum">
+              <a:rPr kumimoji="0" lang="en-GB" sz="4000" b="1" i="0" u="none" strike="noStrike" kern="1200" cap="none" spc="0" normalizeH="0" baseline="0" noProof="0" smtClean="0">
+                <a:ln>
+                  <a:noFill/>
+                </a:ln>
+                <a:solidFill>
+                  <a:prstClr val="black"/>
+                </a:solidFill>
+                <a:effectLst/>
+                <a:uLnTx/>
+                <a:uFillTx/>
+                <a:latin typeface="Atkinson Hyperlegible" pitchFamily="50" charset="0"/>
+                <a:ea typeface="+mj-ea"/>
+                <a:cs typeface="+mj-cs"/>
+              </a:rPr>
+              <a:t>2</a:t>
+            </a:fld>
+            <a:endParaRPr kumimoji="0" lang="en-GB" sz="4000" b="1" i="0" u="none" strike="noStrike" kern="1200" cap="none" spc="0" normalizeH="0" baseline="0" noProof="0" dirty="0">
+              <a:ln>
+                <a:noFill/>
+              </a:ln>
+              <a:solidFill>
+                <a:prstClr val="black"/>
+              </a:solidFill>
+              <a:effectLst/>
+              <a:uLnTx/>
+              <a:uFillTx/>
+              <a:latin typeface="Atkinson Hyperlegible" pitchFamily="50" charset="0"/>
+              <a:ea typeface="+mj-ea"/>
+              <a:cs typeface="+mj-cs"/>
+            </a:endParaRPr>
+          </a:p>
+          <a:p>
+            <a:pPr marL="742950" indent="-742950">
+              <a:buFont typeface="+mj-lt"/>
+              <a:buAutoNum type="arabicPeriod"/>
+            </a:pPr>
+            <a:r>
+              <a:rPr lang="en-GB" sz="2400" dirty="0">
+                <a:solidFill>
+                  <a:prstClr val="black"/>
+                </a:solidFill>
+                <a:latin typeface="Atkinson Hyperlegible" pitchFamily="50" charset="0"/>
+                <a:ea typeface="+mj-ea"/>
+                <a:cs typeface="+mj-cs"/>
+              </a:rPr>
+              <a:t>Create a character vector called "task2"</a:t>
+            </a:r>
+          </a:p>
+          <a:p>
+            <a:pPr marL="742950" indent="-742950">
+              <a:buFont typeface="+mj-lt"/>
+              <a:buAutoNum type="arabicPeriod"/>
+            </a:pPr>
+            <a:r>
+              <a:rPr lang="en-GB" sz="2400" dirty="0">
+                <a:solidFill>
+                  <a:prstClr val="black"/>
+                </a:solidFill>
+                <a:latin typeface="Atkinson Hyperlegible" pitchFamily="50" charset="0"/>
+                <a:ea typeface="+mj-ea"/>
+                <a:cs typeface="+mj-cs"/>
+              </a:rPr>
+              <a:t>Do </a:t>
+            </a:r>
+            <a:r>
+              <a:rPr lang="en-GB" sz="2400" dirty="0">
+                <a:solidFill>
+                  <a:prstClr val="black"/>
+                </a:solidFill>
+                <a:latin typeface="APL385 Unicode" panose="020B0709000202000203" pitchFamily="49" charset="0"/>
+                <a:ea typeface="+mj-ea"/>
+                <a:cs typeface="+mj-cs"/>
+              </a:rPr>
+              <a:t>)ED task2</a:t>
+            </a:r>
+          </a:p>
+          <a:p>
+            <a:pPr marL="742950" indent="-742950">
+              <a:buFont typeface="+mj-lt"/>
+              <a:buAutoNum type="arabicPeriod"/>
+            </a:pPr>
+            <a:r>
+              <a:rPr lang="en-GB" sz="2400" dirty="0">
+                <a:solidFill>
+                  <a:prstClr val="black"/>
+                </a:solidFill>
+                <a:latin typeface="Atkinson Hyperlegible" pitchFamily="50" charset="0"/>
+                <a:ea typeface="+mj-ea"/>
+                <a:cs typeface="+mj-cs"/>
+              </a:rPr>
+              <a:t>Write 2 APL expressions which return the following vectors and matrix:</a:t>
+            </a:r>
+          </a:p>
+          <a:p>
+            <a:pPr lvl="1"/>
+            <a:endParaRPr lang="en-GB" sz="2400" dirty="0">
+              <a:solidFill>
+                <a:prstClr val="black"/>
+              </a:solidFill>
+              <a:latin typeface="APL385 Unicode" panose="020B0709000202000203" pitchFamily="49" charset="0"/>
+              <a:ea typeface="+mj-ea"/>
+              <a:cs typeface="+mj-cs"/>
+            </a:endParaRPr>
+          </a:p>
+          <a:p>
+            <a:pPr lvl="1"/>
+            <a:r>
+              <a:rPr lang="en-GB" sz="2400" dirty="0">
+                <a:solidFill>
+                  <a:prstClr val="black"/>
+                </a:solidFill>
+                <a:latin typeface="APL385 Unicode" panose="020B0709000202000203" pitchFamily="49" charset="0"/>
+                <a:ea typeface="+mj-ea"/>
+                <a:cs typeface="+mj-cs"/>
+              </a:rPr>
+              <a:t>1 2 3 4 5 11 12 13 14 15 21 22 23 24 25</a:t>
+            </a:r>
+          </a:p>
+          <a:p>
+            <a:pPr lvl="1"/>
+            <a:endParaRPr lang="en-GB" sz="2400" dirty="0">
+              <a:solidFill>
+                <a:prstClr val="black"/>
+              </a:solidFill>
+              <a:latin typeface="APL385 Unicode" panose="020B0709000202000203" pitchFamily="49" charset="0"/>
+              <a:ea typeface="+mj-ea"/>
+              <a:cs typeface="+mj-cs"/>
+            </a:endParaRPr>
+          </a:p>
+          <a:p>
+            <a:pPr lvl="1"/>
+            <a:r>
+              <a:rPr lang="en-GB" sz="2400" dirty="0" err="1">
+                <a:solidFill>
+                  <a:prstClr val="black"/>
+                </a:solidFill>
+                <a:latin typeface="APL385 Unicode" panose="020B0709000202000203" pitchFamily="49" charset="0"/>
+                <a:ea typeface="+mj-ea"/>
+                <a:cs typeface="+mj-cs"/>
+              </a:rPr>
+              <a:t>eee</a:t>
+            </a:r>
+            <a:endParaRPr lang="en-GB" sz="2400" dirty="0">
+              <a:solidFill>
+                <a:prstClr val="black"/>
+              </a:solidFill>
+              <a:latin typeface="APL385 Unicode" panose="020B0709000202000203" pitchFamily="49" charset="0"/>
+              <a:ea typeface="+mj-ea"/>
+              <a:cs typeface="+mj-cs"/>
+            </a:endParaRPr>
+          </a:p>
+          <a:p>
+            <a:pPr lvl="1"/>
+            <a:r>
+              <a:rPr lang="en-GB" sz="2400" dirty="0" err="1">
+                <a:solidFill>
+                  <a:prstClr val="black"/>
+                </a:solidFill>
+                <a:latin typeface="APL385 Unicode" panose="020B0709000202000203" pitchFamily="49" charset="0"/>
+                <a:ea typeface="+mj-ea"/>
+                <a:cs typeface="+mj-cs"/>
+              </a:rPr>
+              <a:t>eeH</a:t>
+            </a:r>
+            <a:endParaRPr lang="en-GB" sz="2400" dirty="0">
+              <a:solidFill>
+                <a:prstClr val="black"/>
+              </a:solidFill>
+              <a:latin typeface="APL385 Unicode" panose="020B0709000202000203" pitchFamily="49" charset="0"/>
+              <a:ea typeface="+mj-ea"/>
+              <a:cs typeface="+mj-cs"/>
+            </a:endParaRPr>
+          </a:p>
+          <a:p>
+            <a:pPr lvl="1"/>
+            <a:r>
+              <a:rPr lang="en-GB" sz="2400" dirty="0" err="1">
+                <a:solidFill>
+                  <a:prstClr val="black"/>
+                </a:solidFill>
+                <a:latin typeface="APL385 Unicode" panose="020B0709000202000203" pitchFamily="49" charset="0"/>
+                <a:ea typeface="+mj-ea"/>
+                <a:cs typeface="+mj-cs"/>
+              </a:rPr>
+              <a:t>HHd</a:t>
+            </a:r>
+            <a:endParaRPr lang="en-GB" sz="2400" dirty="0">
+              <a:solidFill>
+                <a:prstClr val="black"/>
+              </a:solidFill>
+              <a:latin typeface="APL385 Unicode" panose="020B0709000202000203" pitchFamily="49" charset="0"/>
+              <a:ea typeface="+mj-ea"/>
+              <a:cs typeface="+mj-cs"/>
+            </a:endParaRPr>
+          </a:p>
+          <a:p>
+            <a:pPr lvl="1"/>
+            <a:r>
+              <a:rPr lang="en-GB" sz="2400" dirty="0" err="1">
+                <a:solidFill>
+                  <a:prstClr val="black"/>
+                </a:solidFill>
+                <a:latin typeface="APL385 Unicode" panose="020B0709000202000203" pitchFamily="49" charset="0"/>
+                <a:ea typeface="+mj-ea"/>
+                <a:cs typeface="+mj-cs"/>
+              </a:rPr>
+              <a:t>ddd</a:t>
+            </a:r>
+            <a:endParaRPr lang="en-GB" sz="2400" dirty="0">
+              <a:solidFill>
+                <a:prstClr val="black"/>
+              </a:solidFill>
+              <a:latin typeface="APL385 Unicode" panose="020B0709000202000203" pitchFamily="49" charset="0"/>
+              <a:ea typeface="+mj-ea"/>
+              <a:cs typeface="+mj-cs"/>
+            </a:endParaRPr>
+          </a:p>
+          <a:p>
+            <a:pPr lvl="1"/>
+            <a:r>
+              <a:rPr lang="en-GB" sz="2400" dirty="0" err="1">
+                <a:solidFill>
+                  <a:prstClr val="black"/>
+                </a:solidFill>
+                <a:latin typeface="APL385 Unicode" panose="020B0709000202000203" pitchFamily="49" charset="0"/>
+                <a:ea typeface="+mj-ea"/>
+                <a:cs typeface="+mj-cs"/>
+              </a:rPr>
+              <a:t>ddd</a:t>
+            </a:r>
+            <a:endParaRPr lang="en-GB" sz="2400" dirty="0">
+              <a:solidFill>
+                <a:prstClr val="black"/>
+              </a:solidFill>
+              <a:latin typeface="APL385 Unicode" panose="020B0709000202000203" pitchFamily="49" charset="0"/>
+              <a:ea typeface="+mj-ea"/>
+              <a:cs typeface="+mj-cs"/>
+            </a:endParaRPr>
+          </a:p>
+          <a:p>
+            <a:pPr lvl="1"/>
+            <a:endParaRPr lang="en-GB" sz="2400" dirty="0">
+              <a:solidFill>
+                <a:prstClr val="black"/>
+              </a:solidFill>
+              <a:latin typeface="Atkinson Hyperlegible" pitchFamily="50" charset="0"/>
+              <a:ea typeface="+mj-ea"/>
+              <a:cs typeface="+mj-cs"/>
+            </a:endParaRPr>
+          </a:p>
+          <a:p>
+            <a:pPr marL="742950" indent="-742950">
+              <a:buFont typeface="+mj-lt"/>
+              <a:buAutoNum type="arabicPeriod"/>
+            </a:pPr>
+            <a:r>
+              <a:rPr lang="en-GB" sz="2400" dirty="0">
+                <a:solidFill>
+                  <a:prstClr val="black"/>
+                </a:solidFill>
+                <a:latin typeface="Atkinson Hyperlegible" pitchFamily="50" charset="0"/>
+                <a:ea typeface="+mj-ea"/>
+                <a:cs typeface="+mj-cs"/>
+              </a:rPr>
+              <a:t>Try to make your code as short as possible</a:t>
+            </a:r>
+          </a:p>
+          <a:p>
+            <a:pPr marL="742950" indent="-742950">
+              <a:buFont typeface="+mj-lt"/>
+              <a:buAutoNum type="arabicPeriod"/>
+            </a:pPr>
+            <a:r>
+              <a:rPr lang="en-GB" sz="2400" dirty="0">
+                <a:solidFill>
+                  <a:prstClr val="black"/>
+                </a:solidFill>
+                <a:latin typeface="Atkinson Hyperlegible" pitchFamily="50" charset="0"/>
+                <a:ea typeface="+mj-ea"/>
+                <a:cs typeface="+mj-cs"/>
+              </a:rPr>
+              <a:t>Press Esc (top-left of keyboard) to close the editor and save your changes</a:t>
+            </a:r>
+          </a:p>
+          <a:p>
+            <a:endParaRPr lang="en-GB" sz="2400" dirty="0">
+              <a:solidFill>
+                <a:prstClr val="black"/>
+              </a:solidFill>
+              <a:latin typeface="Atkinson Hyperlegible" pitchFamily="50" charset="0"/>
+              <a:ea typeface="+mj-ea"/>
+              <a:cs typeface="+mj-cs"/>
+            </a:endParaRPr>
+          </a:p>
+          <a:p>
+            <a:endParaRPr lang="en-GB" sz="3000" dirty="0">
+              <a:solidFill>
+                <a:prstClr val="black"/>
+              </a:solidFill>
+              <a:latin typeface="Atkinson Hyperlegible" pitchFamily="50" charset="0"/>
+              <a:ea typeface="+mj-ea"/>
+              <a:cs typeface="+mj-cs"/>
+            </a:endParaRPr>
+          </a:p>
+        </p:txBody>
+      </p:sp>
+    </p:spTree>
+    <p:extLst>
+      <p:ext uri="{BB962C8B-B14F-4D97-AF65-F5344CB8AC3E}">
+        <p14:creationId xmlns:p14="http://schemas.microsoft.com/office/powerpoint/2010/main" val="2176882249"/>
+      </p:ext>
+    </p:extLst>
+  </p:cSld>
+  <p:clrMapOvr>
+    <a:masterClrMapping/>
+  </p:clrMapOvr>
+</p:sld>
+</file>
+
+<file path=ppt/slides/slide3.xml><?xml version="1.0" encoding="utf-8"?>
+<p:sld xmlns:a="http://schemas.openxmlformats.org/drawingml/2006/main" xmlns:r="http://schemas.openxmlformats.org/officeDocument/2006/relationships" xmlns:p="http://schemas.openxmlformats.org/presentationml/2006/main">
+  <p:cSld>
+    <p:spTree>
+      <p:nvGrpSpPr>
+        <p:cNvPr id="1" name=""/>
+        <p:cNvGrpSpPr/>
+        <p:nvPr/>
+      </p:nvGrpSpPr>
+      <p:grpSpPr>
+        <a:xfrm>
+          <a:off x="0" y="0"/>
+          <a:ext cx="0" cy="0"/>
+          <a:chOff x="0" y="0"/>
+          <a:chExt cx="0" cy="0"/>
+        </a:xfrm>
+      </p:grpSpPr>
+      <p:sp>
+        <p:nvSpPr>
+          <p:cNvPr id="2" name="TextBox 1">
+            <a:extLst>
+              <a:ext uri="{FF2B5EF4-FFF2-40B4-BE49-F238E27FC236}">
+                <a16:creationId xmlns:a16="http://schemas.microsoft.com/office/drawing/2014/main" id="{ABB6BDA9-D3EC-48B2-8801-3CE10D1D5391}"/>
+              </a:ext>
+            </a:extLst>
+          </p:cNvPr>
+          <p:cNvSpPr txBox="1"/>
+          <p:nvPr/>
+        </p:nvSpPr>
+        <p:spPr>
+          <a:xfrm>
+            <a:off x="696000" y="729000"/>
+            <a:ext cx="10800000" cy="3293209"/>
+          </a:xfrm>
+          <a:prstGeom prst="rect">
+            <a:avLst/>
+          </a:prstGeom>
+          <a:noFill/>
+        </p:spPr>
+        <p:txBody>
+          <a:bodyPr wrap="square" rtlCol="0">
+            <a:spAutoFit/>
+          </a:bodyPr>
+          <a:lstStyle/>
+          <a:p>
+            <a:pPr marL="0" indent="0" algn="ctr">
+              <a:buNone/>
+            </a:pPr>
+            <a:r>
+              <a:rPr kumimoji="0" lang="en-GB" sz="4000" b="1" i="0" u="none" strike="noStrike" kern="1200" cap="none" spc="0" normalizeH="0" baseline="0" noProof="0" dirty="0">
+                <a:ln>
+                  <a:noFill/>
+                </a:ln>
+                <a:solidFill>
+                  <a:prstClr val="black"/>
+                </a:solidFill>
+                <a:effectLst/>
+                <a:uLnTx/>
+                <a:uFillTx/>
+                <a:latin typeface="Atkinson Hyperlegible" pitchFamily="50" charset="0"/>
+                <a:ea typeface="+mj-ea"/>
+                <a:cs typeface="+mj-cs"/>
+              </a:rPr>
+              <a:t>Task </a:t>
+            </a:r>
+            <a:fld id="{C4A595E0-68AA-423E-BAF3-3392370CE250}" type="slidenum">
+              <a:rPr kumimoji="0" lang="en-GB" sz="4000" b="1" i="0" u="none" strike="noStrike" kern="1200" cap="none" spc="0" normalizeH="0" baseline="0" noProof="0" smtClean="0">
+                <a:ln>
+                  <a:noFill/>
+                </a:ln>
+                <a:solidFill>
+                  <a:prstClr val="black"/>
+                </a:solidFill>
+                <a:effectLst/>
+                <a:uLnTx/>
+                <a:uFillTx/>
+                <a:latin typeface="Atkinson Hyperlegible" pitchFamily="50" charset="0"/>
+                <a:ea typeface="+mj-ea"/>
+                <a:cs typeface="+mj-cs"/>
+              </a:rPr>
+              <a:t>3</a:t>
+            </a:fld>
+            <a:endParaRPr kumimoji="0" lang="en-GB" sz="4000" b="1" i="0" u="none" strike="noStrike" kern="1200" cap="none" spc="0" normalizeH="0" baseline="0" noProof="0" dirty="0">
+              <a:ln>
+                <a:noFill/>
+              </a:ln>
+              <a:solidFill>
+                <a:prstClr val="black"/>
+              </a:solidFill>
+              <a:effectLst/>
+              <a:uLnTx/>
+              <a:uFillTx/>
+              <a:latin typeface="Atkinson Hyperlegible" pitchFamily="50" charset="0"/>
+              <a:ea typeface="+mj-ea"/>
+              <a:cs typeface="+mj-cs"/>
+            </a:endParaRPr>
+          </a:p>
+          <a:p>
+            <a:endParaRPr lang="en-GB" sz="2400" dirty="0">
+              <a:solidFill>
+                <a:prstClr val="black"/>
+              </a:solidFill>
+              <a:latin typeface="Atkinson Hyperlegible" pitchFamily="50" charset="0"/>
+              <a:ea typeface="+mj-ea"/>
+              <a:cs typeface="+mj-cs"/>
+            </a:endParaRPr>
+          </a:p>
+          <a:p>
+            <a:r>
+              <a:rPr lang="en-GB" sz="2400" dirty="0">
+                <a:solidFill>
+                  <a:prstClr val="black"/>
+                </a:solidFill>
+                <a:latin typeface="Atkinson Hyperlegible" pitchFamily="50" charset="0"/>
+                <a:ea typeface="+mj-ea"/>
+                <a:cs typeface="+mj-cs"/>
+              </a:rPr>
+              <a:t>Write a function Upper to convert a word into upper case.</a:t>
+            </a:r>
+          </a:p>
+          <a:p>
+            <a:endParaRPr lang="en-GB" sz="2400" dirty="0">
+              <a:solidFill>
+                <a:prstClr val="black"/>
+              </a:solidFill>
+              <a:latin typeface="Atkinson Hyperlegible" pitchFamily="50" charset="0"/>
+              <a:ea typeface="+mj-ea"/>
+              <a:cs typeface="+mj-cs"/>
+            </a:endParaRPr>
+          </a:p>
+          <a:p>
+            <a:r>
+              <a:rPr lang="en-US" sz="2400" dirty="0">
+                <a:solidFill>
+                  <a:prstClr val="black"/>
+                </a:solidFill>
+                <a:latin typeface="APL385 Unicode" panose="020B0709000202000203" pitchFamily="49" charset="0"/>
+                <a:ea typeface="+mj-ea"/>
+                <a:cs typeface="+mj-cs"/>
+              </a:rPr>
+              <a:t>      Upper '</a:t>
+            </a:r>
+            <a:r>
+              <a:rPr lang="en-US" sz="2400" dirty="0" err="1">
+                <a:solidFill>
+                  <a:prstClr val="black"/>
+                </a:solidFill>
+                <a:latin typeface="APL385 Unicode" panose="020B0709000202000203" pitchFamily="49" charset="0"/>
+                <a:ea typeface="+mj-ea"/>
+                <a:cs typeface="+mj-cs"/>
+              </a:rPr>
+              <a:t>apl</a:t>
+            </a:r>
+            <a:r>
+              <a:rPr lang="en-US" sz="2400" dirty="0">
+                <a:solidFill>
+                  <a:prstClr val="black"/>
+                </a:solidFill>
+                <a:latin typeface="APL385 Unicode" panose="020B0709000202000203" pitchFamily="49" charset="0"/>
+                <a:ea typeface="+mj-ea"/>
+                <a:cs typeface="+mj-cs"/>
+              </a:rPr>
+              <a:t>'</a:t>
+            </a:r>
+          </a:p>
+          <a:p>
+            <a:r>
+              <a:rPr lang="en-US" sz="2400" dirty="0">
+                <a:solidFill>
+                  <a:prstClr val="black"/>
+                </a:solidFill>
+                <a:latin typeface="APL385 Unicode" panose="020B0709000202000203" pitchFamily="49" charset="0"/>
+                <a:ea typeface="+mj-ea"/>
+                <a:cs typeface="+mj-cs"/>
+              </a:rPr>
+              <a:t>APL</a:t>
+            </a:r>
+          </a:p>
+          <a:p>
+            <a:r>
+              <a:rPr lang="en-US" sz="2400" dirty="0">
+                <a:solidFill>
+                  <a:prstClr val="black"/>
+                </a:solidFill>
+                <a:latin typeface="APL385 Unicode" panose="020B0709000202000203" pitchFamily="49" charset="0"/>
+                <a:ea typeface="+mj-ea"/>
+                <a:cs typeface="+mj-cs"/>
+              </a:rPr>
+              <a:t>      Upper 'works'</a:t>
+            </a:r>
+          </a:p>
+          <a:p>
+            <a:r>
+              <a:rPr lang="en-US" sz="2400" dirty="0">
+                <a:solidFill>
+                  <a:prstClr val="black"/>
+                </a:solidFill>
+                <a:latin typeface="APL385 Unicode" panose="020B0709000202000203" pitchFamily="49" charset="0"/>
+                <a:ea typeface="+mj-ea"/>
+                <a:cs typeface="+mj-cs"/>
+              </a:rPr>
+              <a:t>WORKS</a:t>
+            </a:r>
+          </a:p>
+        </p:txBody>
+      </p:sp>
+    </p:spTree>
+    <p:extLst>
+      <p:ext uri="{BB962C8B-B14F-4D97-AF65-F5344CB8AC3E}">
+        <p14:creationId xmlns:p14="http://schemas.microsoft.com/office/powerpoint/2010/main" val="86496824"/>
+      </p:ext>
+    </p:extLst>
+  </p:cSld>
+  <p:clrMapOvr>
+    <a:masterClrMapping/>
+  </p:clrMapOvr>
+</p:sld>
+</file>
+
+<file path=ppt/slides/slide4.xml><?xml version="1.0" encoding="utf-8"?>
+<p:sld xmlns:a="http://schemas.openxmlformats.org/drawingml/2006/main" xmlns:r="http://schemas.openxmlformats.org/officeDocument/2006/relationships" xmlns:p="http://schemas.openxmlformats.org/presentationml/2006/main">
+  <p:cSld>
+    <p:spTree>
+      <p:nvGrpSpPr>
+        <p:cNvPr id="1" name=""/>
+        <p:cNvGrpSpPr/>
+        <p:nvPr/>
+      </p:nvGrpSpPr>
+      <p:grpSpPr>
+        <a:xfrm>
+          <a:off x="0" y="0"/>
+          <a:ext cx="0" cy="0"/>
+          <a:chOff x="0" y="0"/>
+          <a:chExt cx="0" cy="0"/>
+        </a:xfrm>
+      </p:grpSpPr>
+      <p:sp>
+        <p:nvSpPr>
+          <p:cNvPr id="2" name="TextBox 1">
+            <a:extLst>
+              <a:ext uri="{FF2B5EF4-FFF2-40B4-BE49-F238E27FC236}">
+                <a16:creationId xmlns:a16="http://schemas.microsoft.com/office/drawing/2014/main" id="{ABB6BDA9-D3EC-48B2-8801-3CE10D1D5391}"/>
+              </a:ext>
+            </a:extLst>
+          </p:cNvPr>
+          <p:cNvSpPr txBox="1"/>
+          <p:nvPr/>
+        </p:nvSpPr>
+        <p:spPr>
+          <a:xfrm>
+            <a:off x="696000" y="729000"/>
+            <a:ext cx="10800000" cy="4031873"/>
+          </a:xfrm>
+          <a:prstGeom prst="rect">
+            <a:avLst/>
+          </a:prstGeom>
+          <a:noFill/>
+        </p:spPr>
+        <p:txBody>
+          <a:bodyPr wrap="square" rtlCol="0">
+            <a:spAutoFit/>
+          </a:bodyPr>
+          <a:lstStyle/>
+          <a:p>
+            <a:pPr marL="0" indent="0" algn="ctr">
+              <a:buNone/>
+            </a:pPr>
+            <a:r>
+              <a:rPr kumimoji="0" lang="en-GB" sz="4000" b="1" i="0" u="none" strike="noStrike" kern="1200" cap="none" spc="0" normalizeH="0" baseline="0" noProof="0" dirty="0">
+                <a:ln>
+                  <a:noFill/>
+                </a:ln>
+                <a:solidFill>
+                  <a:prstClr val="black"/>
+                </a:solidFill>
+                <a:effectLst/>
+                <a:uLnTx/>
+                <a:uFillTx/>
+                <a:latin typeface="Atkinson Hyperlegible" pitchFamily="50" charset="0"/>
+                <a:ea typeface="+mj-ea"/>
+                <a:cs typeface="+mj-cs"/>
+              </a:rPr>
+              <a:t>Task </a:t>
+            </a:r>
+            <a:fld id="{C4A595E0-68AA-423E-BAF3-3392370CE250}" type="slidenum">
+              <a:rPr kumimoji="0" lang="en-GB" sz="4000" b="1" i="0" u="none" strike="noStrike" kern="1200" cap="none" spc="0" normalizeH="0" baseline="0" noProof="0" smtClean="0">
+                <a:ln>
+                  <a:noFill/>
+                </a:ln>
+                <a:solidFill>
+                  <a:prstClr val="black"/>
+                </a:solidFill>
+                <a:effectLst/>
+                <a:uLnTx/>
+                <a:uFillTx/>
+                <a:latin typeface="Atkinson Hyperlegible" pitchFamily="50" charset="0"/>
+                <a:ea typeface="+mj-ea"/>
+                <a:cs typeface="+mj-cs"/>
+              </a:rPr>
+              <a:t>4</a:t>
+            </a:fld>
+            <a:endParaRPr kumimoji="0" lang="en-GB" sz="4000" b="1" i="0" u="none" strike="noStrike" kern="1200" cap="none" spc="0" normalizeH="0" baseline="0" noProof="0" dirty="0">
+              <a:ln>
+                <a:noFill/>
+              </a:ln>
+              <a:solidFill>
+                <a:prstClr val="black"/>
+              </a:solidFill>
+              <a:effectLst/>
+              <a:uLnTx/>
+              <a:uFillTx/>
+              <a:latin typeface="Atkinson Hyperlegible" pitchFamily="50" charset="0"/>
+              <a:ea typeface="+mj-ea"/>
+              <a:cs typeface="+mj-cs"/>
+            </a:endParaRPr>
+          </a:p>
+          <a:p>
+            <a:endParaRPr lang="en-GB" sz="2400" dirty="0">
+              <a:solidFill>
+                <a:prstClr val="black"/>
+              </a:solidFill>
+              <a:latin typeface="Atkinson Hyperlegible" pitchFamily="50" charset="0"/>
+              <a:ea typeface="+mj-ea"/>
+              <a:cs typeface="+mj-cs"/>
+            </a:endParaRPr>
+          </a:p>
+          <a:p>
+            <a:r>
+              <a:rPr lang="en-GB" sz="2400" dirty="0">
+                <a:solidFill>
+                  <a:prstClr val="black"/>
+                </a:solidFill>
+                <a:latin typeface="Atkinson Hyperlegible" pitchFamily="50" charset="0"/>
+                <a:ea typeface="+mj-ea"/>
+                <a:cs typeface="+mj-cs"/>
+              </a:rPr>
+              <a:t>Write a function Clean that changes all non-digits into stars:</a:t>
+            </a:r>
+          </a:p>
+          <a:p>
+            <a:endParaRPr lang="en-GB" sz="2400" dirty="0">
+              <a:solidFill>
+                <a:prstClr val="black"/>
+              </a:solidFill>
+              <a:latin typeface="Atkinson Hyperlegible" pitchFamily="50" charset="0"/>
+              <a:ea typeface="+mj-ea"/>
+              <a:cs typeface="+mj-cs"/>
+            </a:endParaRPr>
+          </a:p>
+          <a:p>
+            <a:r>
+              <a:rPr lang="en-US" sz="2400" dirty="0">
+                <a:solidFill>
+                  <a:prstClr val="black"/>
+                </a:solidFill>
+                <a:latin typeface="APL385 Unicode" panose="020B0709000202000203" pitchFamily="49" charset="0"/>
+                <a:ea typeface="+mj-ea"/>
+                <a:cs typeface="+mj-cs"/>
+              </a:rPr>
+              <a:t>      Clean 'Easy as 1, 2 and 3'</a:t>
+            </a:r>
+          </a:p>
+          <a:p>
+            <a:r>
+              <a:rPr lang="en-US" sz="2400" dirty="0">
+                <a:solidFill>
+                  <a:prstClr val="black"/>
+                </a:solidFill>
+                <a:latin typeface="APL385 Unicode" panose="020B0709000202000203" pitchFamily="49" charset="0"/>
+                <a:ea typeface="+mj-ea"/>
+                <a:cs typeface="+mj-cs"/>
+              </a:rPr>
+              <a:t>********1**2*****3</a:t>
+            </a:r>
+          </a:p>
+          <a:p>
+            <a:r>
+              <a:rPr lang="en-US" sz="2400" dirty="0">
+                <a:solidFill>
+                  <a:prstClr val="black"/>
+                </a:solidFill>
+                <a:latin typeface="APL385 Unicode" panose="020B0709000202000203" pitchFamily="49" charset="0"/>
+                <a:ea typeface="+mj-ea"/>
+                <a:cs typeface="+mj-cs"/>
+              </a:rPr>
+              <a:t>      Clean '1000'</a:t>
+            </a:r>
+          </a:p>
+          <a:p>
+            <a:r>
+              <a:rPr lang="en-US" sz="2400" dirty="0">
+                <a:solidFill>
+                  <a:prstClr val="black"/>
+                </a:solidFill>
+                <a:latin typeface="APL385 Unicode" panose="020B0709000202000203" pitchFamily="49" charset="0"/>
+                <a:ea typeface="+mj-ea"/>
+                <a:cs typeface="+mj-cs"/>
+              </a:rPr>
+              <a:t>1000</a:t>
+            </a:r>
+          </a:p>
+          <a:p>
+            <a:r>
+              <a:rPr lang="en-US" sz="2400" dirty="0">
+                <a:solidFill>
+                  <a:prstClr val="black"/>
+                </a:solidFill>
+                <a:latin typeface="APL385 Unicode" panose="020B0709000202000203" pitchFamily="49" charset="0"/>
+                <a:ea typeface="+mj-ea"/>
+                <a:cs typeface="+mj-cs"/>
+              </a:rPr>
+              <a:t>      Clean 'APL works!'</a:t>
+            </a:r>
+          </a:p>
+          <a:p>
+            <a:r>
+              <a:rPr lang="en-US" sz="2400" dirty="0">
+                <a:solidFill>
+                  <a:prstClr val="black"/>
+                </a:solidFill>
+                <a:latin typeface="APL385 Unicode" panose="020B0709000202000203" pitchFamily="49" charset="0"/>
+                <a:ea typeface="+mj-ea"/>
+                <a:cs typeface="+mj-cs"/>
+              </a:rPr>
+              <a:t>**********</a:t>
+            </a:r>
+          </a:p>
+        </p:txBody>
+      </p:sp>
+    </p:spTree>
+    <p:extLst>
+      <p:ext uri="{BB962C8B-B14F-4D97-AF65-F5344CB8AC3E}">
+        <p14:creationId xmlns:p14="http://schemas.microsoft.com/office/powerpoint/2010/main" val="2778456045"/>
+      </p:ext>
+    </p:extLst>
+  </p:cSld>
+  <p:clrMapOvr>
+    <a:masterClrMapping/>
+  </p:clrMapOvr>
+</p:sld>
+</file>
+
+<file path=ppt/slides/slide5.xml><?xml version="1.0" encoding="utf-8"?>
+<p:sld xmlns:a="http://schemas.openxmlformats.org/drawingml/2006/main" xmlns:r="http://schemas.openxmlformats.org/officeDocument/2006/relationships" xmlns:p="http://schemas.openxmlformats.org/presentationml/2006/main">
+  <p:cSld>
+    <p:spTree>
+      <p:nvGrpSpPr>
+        <p:cNvPr id="1" name=""/>
+        <p:cNvGrpSpPr/>
+        <p:nvPr/>
+      </p:nvGrpSpPr>
+      <p:grpSpPr>
+        <a:xfrm>
+          <a:off x="0" y="0"/>
+          <a:ext cx="0" cy="0"/>
+          <a:chOff x="0" y="0"/>
+          <a:chExt cx="0" cy="0"/>
+        </a:xfrm>
+      </p:grpSpPr>
+      <p:sp>
+        <p:nvSpPr>
+          <p:cNvPr id="2" name="TextBox 1">
+            <a:extLst>
+              <a:ext uri="{FF2B5EF4-FFF2-40B4-BE49-F238E27FC236}">
+                <a16:creationId xmlns:a16="http://schemas.microsoft.com/office/drawing/2014/main" id="{ABB6BDA9-D3EC-48B2-8801-3CE10D1D5391}"/>
+              </a:ext>
+            </a:extLst>
+          </p:cNvPr>
+          <p:cNvSpPr txBox="1"/>
+          <p:nvPr/>
+        </p:nvSpPr>
+        <p:spPr>
+          <a:xfrm>
+            <a:off x="696000" y="729000"/>
+            <a:ext cx="10800000" cy="3662541"/>
+          </a:xfrm>
+          <a:prstGeom prst="rect">
+            <a:avLst/>
+          </a:prstGeom>
+          <a:noFill/>
+        </p:spPr>
+        <p:txBody>
+          <a:bodyPr wrap="square" rtlCol="0">
+            <a:spAutoFit/>
+          </a:bodyPr>
+          <a:lstStyle/>
+          <a:p>
+            <a:pPr marL="0" indent="0" algn="ctr">
+              <a:buNone/>
+            </a:pPr>
+            <a:r>
+              <a:rPr kumimoji="0" lang="en-GB" sz="4000" b="1" i="0" u="none" strike="noStrike" kern="1200" cap="none" spc="0" normalizeH="0" baseline="0" noProof="0" dirty="0">
+                <a:ln>
+                  <a:noFill/>
+                </a:ln>
+                <a:solidFill>
+                  <a:prstClr val="black"/>
+                </a:solidFill>
+                <a:effectLst/>
+                <a:uLnTx/>
+                <a:uFillTx/>
+                <a:latin typeface="Atkinson Hyperlegible" pitchFamily="50" charset="0"/>
+                <a:ea typeface="+mj-ea"/>
+                <a:cs typeface="+mj-cs"/>
+              </a:rPr>
+              <a:t>Task </a:t>
+            </a:r>
+            <a:fld id="{C4A595E0-68AA-423E-BAF3-3392370CE250}" type="slidenum">
+              <a:rPr kumimoji="0" lang="en-GB" sz="4000" b="1" i="0" u="none" strike="noStrike" kern="1200" cap="none" spc="0" normalizeH="0" baseline="0" noProof="0" smtClean="0">
+                <a:ln>
+                  <a:noFill/>
+                </a:ln>
+                <a:solidFill>
+                  <a:prstClr val="black"/>
+                </a:solidFill>
+                <a:effectLst/>
+                <a:uLnTx/>
+                <a:uFillTx/>
+                <a:latin typeface="Atkinson Hyperlegible" pitchFamily="50" charset="0"/>
+                <a:ea typeface="+mj-ea"/>
+                <a:cs typeface="+mj-cs"/>
+              </a:rPr>
+              <a:t>5</a:t>
+            </a:fld>
+            <a:r>
+              <a:rPr kumimoji="0" lang="en-GB" sz="4000" b="1" i="0" u="none" strike="noStrike" kern="1200" cap="none" spc="0" normalizeH="0" baseline="0" noProof="0" dirty="0">
+                <a:ln>
+                  <a:noFill/>
+                </a:ln>
+                <a:solidFill>
+                  <a:prstClr val="black"/>
+                </a:solidFill>
+                <a:effectLst/>
+                <a:uLnTx/>
+                <a:uFillTx/>
+                <a:latin typeface="Atkinson Hyperlegible" pitchFamily="50" charset="0"/>
+                <a:ea typeface="+mj-ea"/>
+                <a:cs typeface="+mj-cs"/>
+              </a:rPr>
+              <a:t> (bonus task)</a:t>
+            </a:r>
+          </a:p>
+          <a:p>
+            <a:endParaRPr lang="en-GB" sz="2400" dirty="0">
+              <a:solidFill>
+                <a:prstClr val="black"/>
+              </a:solidFill>
+              <a:latin typeface="Atkinson Hyperlegible" pitchFamily="50" charset="0"/>
+              <a:ea typeface="+mj-ea"/>
+              <a:cs typeface="+mj-cs"/>
+            </a:endParaRPr>
+          </a:p>
+          <a:p>
+            <a:r>
+              <a:rPr lang="en-GB" sz="2400" dirty="0">
+                <a:solidFill>
+                  <a:prstClr val="black"/>
+                </a:solidFill>
+                <a:latin typeface="Atkinson Hyperlegible" pitchFamily="50" charset="0"/>
+                <a:ea typeface="+mj-ea"/>
+                <a:cs typeface="+mj-cs"/>
+              </a:rPr>
+              <a:t>Rewrite Upper to convert any character vector into upper case, even if the text contains spaces and punctuation:</a:t>
+            </a:r>
+          </a:p>
+          <a:p>
+            <a:endParaRPr lang="en-GB" sz="2400" dirty="0">
+              <a:solidFill>
+                <a:prstClr val="black"/>
+              </a:solidFill>
+              <a:latin typeface="Atkinson Hyperlegible" pitchFamily="50" charset="0"/>
+              <a:ea typeface="+mj-ea"/>
+              <a:cs typeface="+mj-cs"/>
+            </a:endParaRPr>
+          </a:p>
+          <a:p>
+            <a:r>
+              <a:rPr lang="en-US" sz="2400" dirty="0">
+                <a:solidFill>
+                  <a:prstClr val="black"/>
+                </a:solidFill>
+                <a:latin typeface="APL385 Unicode" panose="020B0709000202000203" pitchFamily="49" charset="0"/>
+                <a:ea typeface="+mj-ea"/>
+                <a:cs typeface="+mj-cs"/>
+              </a:rPr>
+              <a:t>      Upper '</a:t>
+            </a:r>
+            <a:r>
+              <a:rPr lang="en-US" sz="2400" dirty="0" err="1">
+                <a:solidFill>
+                  <a:prstClr val="black"/>
+                </a:solidFill>
+                <a:latin typeface="APL385 Unicode" panose="020B0709000202000203" pitchFamily="49" charset="0"/>
+                <a:ea typeface="+mj-ea"/>
+                <a:cs typeface="+mj-cs"/>
+              </a:rPr>
+              <a:t>apl</a:t>
+            </a:r>
+            <a:r>
+              <a:rPr lang="en-US" sz="2400" dirty="0">
+                <a:solidFill>
+                  <a:prstClr val="black"/>
+                </a:solidFill>
+                <a:latin typeface="APL385 Unicode" panose="020B0709000202000203" pitchFamily="49" charset="0"/>
+                <a:ea typeface="+mj-ea"/>
+                <a:cs typeface="+mj-cs"/>
+              </a:rPr>
+              <a:t> works!'</a:t>
+            </a:r>
+          </a:p>
+          <a:p>
+            <a:r>
+              <a:rPr lang="en-US" sz="2400" dirty="0">
+                <a:solidFill>
+                  <a:prstClr val="black"/>
+                </a:solidFill>
+                <a:latin typeface="APL385 Unicode" panose="020B0709000202000203" pitchFamily="49" charset="0"/>
+                <a:ea typeface="+mj-ea"/>
+                <a:cs typeface="+mj-cs"/>
+              </a:rPr>
+              <a:t>APL WORKS!</a:t>
+            </a:r>
+          </a:p>
+          <a:p>
+            <a:r>
+              <a:rPr lang="en-US" sz="2400" dirty="0">
+                <a:solidFill>
+                  <a:prstClr val="black"/>
+                </a:solidFill>
+                <a:latin typeface="APL385 Unicode" panose="020B0709000202000203" pitchFamily="49" charset="0"/>
+                <a:ea typeface="+mj-ea"/>
+                <a:cs typeface="+mj-cs"/>
+              </a:rPr>
+              <a:t>      Upper 'works'</a:t>
+            </a:r>
+          </a:p>
+          <a:p>
+            <a:r>
+              <a:rPr lang="en-US" sz="2400" dirty="0">
+                <a:solidFill>
+                  <a:prstClr val="black"/>
+                </a:solidFill>
+                <a:latin typeface="APL385 Unicode" panose="020B0709000202000203" pitchFamily="49" charset="0"/>
+                <a:ea typeface="+mj-ea"/>
+                <a:cs typeface="+mj-cs"/>
+              </a:rPr>
+              <a:t>WORKS</a:t>
+            </a:r>
+          </a:p>
+        </p:txBody>
+      </p:sp>
+    </p:spTree>
+    <p:extLst>
+      <p:ext uri="{BB962C8B-B14F-4D97-AF65-F5344CB8AC3E}">
+        <p14:creationId xmlns:p14="http://schemas.microsoft.com/office/powerpoint/2010/main" val="265089894"/>
+      </p:ext>
+    </p:extLst>
+  </p:cSld>
+  <p:clrMapOvr>
+    <a:masterClrMapping/>
+  </p:clrMapOvr>
+</p:sld>
+</file>
+
+<file path=ppt/slides/slide6.xml><?xml version="1.0" encoding="utf-8"?>
+<p:sld xmlns:a="http://schemas.openxmlformats.org/drawingml/2006/main" xmlns:r="http://schemas.openxmlformats.org/officeDocument/2006/relationships" xmlns:p="http://schemas.openxmlformats.org/presentationml/2006/main">
+  <p:cSld>
+    <p:spTree>
+      <p:nvGrpSpPr>
+        <p:cNvPr id="1" name=""/>
+        <p:cNvGrpSpPr/>
+        <p:nvPr/>
+      </p:nvGrpSpPr>
+      <p:grpSpPr>
+        <a:xfrm>
+          <a:off x="0" y="0"/>
+          <a:ext cx="0" cy="0"/>
+          <a:chOff x="0" y="0"/>
+          <a:chExt cx="0" cy="0"/>
+        </a:xfrm>
+      </p:grpSpPr>
+      <p:sp>
+        <p:nvSpPr>
+          <p:cNvPr id="2" name="TextBox 1">
+            <a:extLst>
+              <a:ext uri="{FF2B5EF4-FFF2-40B4-BE49-F238E27FC236}">
+                <a16:creationId xmlns:a16="http://schemas.microsoft.com/office/drawing/2014/main" id="{ABB6BDA9-D3EC-48B2-8801-3CE10D1D5391}"/>
+              </a:ext>
+            </a:extLst>
+          </p:cNvPr>
+          <p:cNvSpPr txBox="1"/>
+          <p:nvPr/>
+        </p:nvSpPr>
+        <p:spPr>
+          <a:xfrm>
+            <a:off x="696000" y="729000"/>
+            <a:ext cx="10800000" cy="4124206"/>
+          </a:xfrm>
+          <a:prstGeom prst="rect">
+            <a:avLst/>
+          </a:prstGeom>
+          <a:noFill/>
+        </p:spPr>
+        <p:txBody>
+          <a:bodyPr wrap="square" rtlCol="0">
+            <a:spAutoFit/>
+          </a:bodyPr>
+          <a:lstStyle/>
+          <a:p>
+            <a:pPr marL="0" indent="0" algn="ctr">
+              <a:buNone/>
+            </a:pPr>
+            <a:r>
+              <a:rPr kumimoji="0" lang="en-GB" sz="4000" b="1" i="0" u="none" strike="noStrike" kern="1200" cap="none" spc="0" normalizeH="0" baseline="0" noProof="0" dirty="0">
+                <a:ln>
+                  <a:noFill/>
+                </a:ln>
+                <a:solidFill>
+                  <a:prstClr val="black"/>
+                </a:solidFill>
+                <a:effectLst/>
+                <a:uLnTx/>
+                <a:uFillTx/>
+                <a:latin typeface="Atkinson Hyperlegible" pitchFamily="50" charset="0"/>
+                <a:ea typeface="+mj-ea"/>
+                <a:cs typeface="+mj-cs"/>
+              </a:rPr>
+              <a:t>Task </a:t>
+            </a:r>
+            <a:fld id="{C4A595E0-68AA-423E-BAF3-3392370CE250}" type="slidenum">
+              <a:rPr kumimoji="0" lang="en-GB" sz="4000" b="1" i="0" u="none" strike="noStrike" kern="1200" cap="none" spc="0" normalizeH="0" baseline="0" noProof="0" smtClean="0">
+                <a:ln>
+                  <a:noFill/>
+                </a:ln>
+                <a:solidFill>
+                  <a:prstClr val="black"/>
+                </a:solidFill>
+                <a:effectLst/>
+                <a:uLnTx/>
+                <a:uFillTx/>
+                <a:latin typeface="Atkinson Hyperlegible" pitchFamily="50" charset="0"/>
+                <a:ea typeface="+mj-ea"/>
+                <a:cs typeface="+mj-cs"/>
+              </a:rPr>
+              <a:t>6</a:t>
+            </a:fld>
+            <a:endParaRPr kumimoji="0" lang="en-GB" sz="4000" b="1" i="0" u="none" strike="noStrike" kern="1200" cap="none" spc="0" normalizeH="0" baseline="0" noProof="0" dirty="0">
+              <a:ln>
+                <a:noFill/>
+              </a:ln>
+              <a:solidFill>
+                <a:prstClr val="black"/>
+              </a:solidFill>
+              <a:effectLst/>
+              <a:uLnTx/>
+              <a:uFillTx/>
+              <a:latin typeface="Atkinson Hyperlegible" pitchFamily="50" charset="0"/>
+              <a:ea typeface="+mj-ea"/>
+              <a:cs typeface="+mj-cs"/>
+            </a:endParaRPr>
+          </a:p>
+          <a:p>
+            <a:r>
+              <a:rPr lang="en-GB" sz="3000" dirty="0">
+                <a:solidFill>
+                  <a:prstClr val="black"/>
+                </a:solidFill>
+                <a:latin typeface="Atkinson Hyperlegible" pitchFamily="50" charset="0"/>
+                <a:ea typeface="+mj-ea"/>
+                <a:cs typeface="+mj-cs"/>
+              </a:rPr>
+              <a:t>Define a function </a:t>
+            </a:r>
+            <a:r>
+              <a:rPr lang="en-GB" sz="3000" dirty="0" err="1">
+                <a:solidFill>
+                  <a:prstClr val="black"/>
+                </a:solidFill>
+                <a:latin typeface="Atkinson Hyperlegible" pitchFamily="50" charset="0"/>
+                <a:ea typeface="+mj-ea"/>
+                <a:cs typeface="+mj-cs"/>
+              </a:rPr>
+              <a:t>CountVowels</a:t>
+            </a:r>
+            <a:r>
+              <a:rPr lang="en-GB" sz="3000" dirty="0">
+                <a:solidFill>
+                  <a:prstClr val="black"/>
+                </a:solidFill>
+                <a:latin typeface="Atkinson Hyperlegible" pitchFamily="50" charset="0"/>
+                <a:ea typeface="+mj-ea"/>
+                <a:cs typeface="+mj-cs"/>
+              </a:rPr>
+              <a:t> to count the number of vowels in the character vector ⍵</a:t>
+            </a:r>
+          </a:p>
+          <a:p>
+            <a:endParaRPr lang="en-GB" sz="3000" dirty="0">
+              <a:solidFill>
+                <a:prstClr val="black"/>
+              </a:solidFill>
+              <a:latin typeface="Atkinson Hyperlegible" pitchFamily="50" charset="0"/>
+              <a:ea typeface="+mj-ea"/>
+              <a:cs typeface="+mj-cs"/>
+            </a:endParaRPr>
+          </a:p>
+          <a:p>
+            <a:r>
+              <a:rPr lang="en-US" sz="2200" dirty="0">
+                <a:solidFill>
+                  <a:prstClr val="black"/>
+                </a:solidFill>
+                <a:latin typeface="APL385 Unicode" panose="020B0709000202000203" pitchFamily="49" charset="0"/>
+                <a:ea typeface="+mj-ea"/>
+                <a:cs typeface="+mj-cs"/>
+              </a:rPr>
+              <a:t>      </a:t>
+            </a:r>
+            <a:r>
+              <a:rPr lang="en-US" sz="2200" dirty="0" err="1">
+                <a:solidFill>
+                  <a:prstClr val="black"/>
+                </a:solidFill>
+                <a:latin typeface="APL385 Unicode" panose="020B0709000202000203" pitchFamily="49" charset="0"/>
+                <a:ea typeface="+mj-ea"/>
+                <a:cs typeface="+mj-cs"/>
+              </a:rPr>
+              <a:t>CountVowels</a:t>
+            </a:r>
+            <a:r>
+              <a:rPr lang="en-US" sz="2200" dirty="0">
+                <a:solidFill>
+                  <a:prstClr val="black"/>
+                </a:solidFill>
+                <a:latin typeface="APL385 Unicode" panose="020B0709000202000203" pitchFamily="49" charset="0"/>
+                <a:ea typeface="+mj-ea"/>
+                <a:cs typeface="+mj-cs"/>
+              </a:rPr>
+              <a:t> '</a:t>
+            </a:r>
+            <a:r>
+              <a:rPr lang="en-US" sz="2200" dirty="0" err="1">
+                <a:solidFill>
+                  <a:prstClr val="black"/>
+                </a:solidFill>
+                <a:latin typeface="APL385 Unicode" panose="020B0709000202000203" pitchFamily="49" charset="0"/>
+                <a:ea typeface="+mj-ea"/>
+                <a:cs typeface="+mj-cs"/>
+              </a:rPr>
+              <a:t>AeiOU</a:t>
+            </a:r>
+            <a:r>
+              <a:rPr lang="en-US" sz="2200" dirty="0">
+                <a:solidFill>
+                  <a:prstClr val="black"/>
+                </a:solidFill>
+                <a:latin typeface="APL385 Unicode" panose="020B0709000202000203" pitchFamily="49" charset="0"/>
+                <a:ea typeface="+mj-ea"/>
+                <a:cs typeface="+mj-cs"/>
+              </a:rPr>
+              <a:t>'</a:t>
+            </a:r>
+          </a:p>
+          <a:p>
+            <a:r>
+              <a:rPr lang="en-US" sz="2200" dirty="0">
+                <a:solidFill>
+                  <a:prstClr val="black"/>
+                </a:solidFill>
+                <a:latin typeface="APL385 Unicode" panose="020B0709000202000203" pitchFamily="49" charset="0"/>
+                <a:ea typeface="+mj-ea"/>
+                <a:cs typeface="+mj-cs"/>
+              </a:rPr>
+              <a:t>5</a:t>
+            </a:r>
+          </a:p>
+          <a:p>
+            <a:r>
+              <a:rPr lang="en-US" sz="2200" dirty="0">
+                <a:solidFill>
+                  <a:prstClr val="black"/>
+                </a:solidFill>
+                <a:latin typeface="APL385 Unicode" panose="020B0709000202000203" pitchFamily="49" charset="0"/>
+                <a:ea typeface="+mj-ea"/>
+                <a:cs typeface="+mj-cs"/>
+              </a:rPr>
+              <a:t>      </a:t>
+            </a:r>
+            <a:r>
+              <a:rPr lang="en-US" sz="2200" dirty="0" err="1">
+                <a:solidFill>
+                  <a:prstClr val="black"/>
+                </a:solidFill>
+                <a:latin typeface="APL385 Unicode" panose="020B0709000202000203" pitchFamily="49" charset="0"/>
+                <a:ea typeface="+mj-ea"/>
+                <a:cs typeface="+mj-cs"/>
+              </a:rPr>
+              <a:t>CountVowels</a:t>
+            </a:r>
+            <a:r>
+              <a:rPr lang="en-US" sz="2200" dirty="0">
+                <a:solidFill>
+                  <a:prstClr val="black"/>
+                </a:solidFill>
+                <a:latin typeface="APL385 Unicode" panose="020B0709000202000203" pitchFamily="49" charset="0"/>
+                <a:ea typeface="+mj-ea"/>
+                <a:cs typeface="+mj-cs"/>
+              </a:rPr>
+              <a:t> 'Mississippi'</a:t>
+            </a:r>
+          </a:p>
+          <a:p>
+            <a:r>
+              <a:rPr lang="en-US" sz="2200" dirty="0">
+                <a:solidFill>
+                  <a:prstClr val="black"/>
+                </a:solidFill>
+                <a:latin typeface="APL385 Unicode" panose="020B0709000202000203" pitchFamily="49" charset="0"/>
+                <a:ea typeface="+mj-ea"/>
+                <a:cs typeface="+mj-cs"/>
+              </a:rPr>
+              <a:t>4</a:t>
+            </a:r>
+          </a:p>
+          <a:p>
+            <a:r>
+              <a:rPr lang="en-US" sz="2200" dirty="0">
+                <a:solidFill>
+                  <a:prstClr val="black"/>
+                </a:solidFill>
+                <a:latin typeface="APL385 Unicode" panose="020B0709000202000203" pitchFamily="49" charset="0"/>
+                <a:ea typeface="+mj-ea"/>
+                <a:cs typeface="+mj-cs"/>
+              </a:rPr>
+              <a:t>      </a:t>
+            </a:r>
+            <a:r>
+              <a:rPr lang="en-US" sz="2200" dirty="0" err="1">
+                <a:solidFill>
+                  <a:prstClr val="black"/>
+                </a:solidFill>
+                <a:latin typeface="APL385 Unicode" panose="020B0709000202000203" pitchFamily="49" charset="0"/>
+                <a:ea typeface="+mj-ea"/>
+                <a:cs typeface="+mj-cs"/>
+              </a:rPr>
+              <a:t>CountVowels</a:t>
+            </a:r>
+            <a:r>
+              <a:rPr lang="en-US" sz="2200" dirty="0">
+                <a:solidFill>
+                  <a:prstClr val="black"/>
+                </a:solidFill>
+                <a:latin typeface="APL385 Unicode" panose="020B0709000202000203" pitchFamily="49" charset="0"/>
+                <a:ea typeface="+mj-ea"/>
+                <a:cs typeface="+mj-cs"/>
+              </a:rPr>
+              <a:t> 'We have TWELVE vowels in this sentence.'</a:t>
+            </a:r>
+          </a:p>
+          <a:p>
+            <a:r>
+              <a:rPr lang="en-US" sz="2200" dirty="0">
+                <a:solidFill>
+                  <a:prstClr val="black"/>
+                </a:solidFill>
+                <a:latin typeface="APL385 Unicode" panose="020B0709000202000203" pitchFamily="49" charset="0"/>
+                <a:ea typeface="+mj-ea"/>
+                <a:cs typeface="+mj-cs"/>
+              </a:rPr>
+              <a:t>12</a:t>
+            </a:r>
+            <a:endParaRPr lang="en-GB" sz="2200" dirty="0">
+              <a:solidFill>
+                <a:prstClr val="black"/>
+              </a:solidFill>
+              <a:latin typeface="APL385 Unicode" panose="020B0709000202000203" pitchFamily="49" charset="0"/>
+              <a:ea typeface="+mj-ea"/>
+              <a:cs typeface="+mj-cs"/>
+            </a:endParaRPr>
+          </a:p>
+        </p:txBody>
+      </p:sp>
+    </p:spTree>
+    <p:extLst>
+      <p:ext uri="{BB962C8B-B14F-4D97-AF65-F5344CB8AC3E}">
+        <p14:creationId xmlns:p14="http://schemas.microsoft.com/office/powerpoint/2010/main" val="244844870"/>
+      </p:ext>
+    </p:extLst>
+  </p:cSld>
+  <p:clrMapOvr>
+    <a:masterClrMapping/>
+  </p:clrMapOvr>
+</p:sld>
+</file>
+
+<file path=ppt/slides/slide7.xml><?xml version="1.0" encoding="utf-8"?>
+<p:sld xmlns:a="http://schemas.openxmlformats.org/drawingml/2006/main" xmlns:r="http://schemas.openxmlformats.org/officeDocument/2006/relationships" xmlns:p="http://schemas.openxmlformats.org/presentationml/2006/main">
+  <p:cSld>
+    <p:spTree>
+      <p:nvGrpSpPr>
+        <p:cNvPr id="1" name=""/>
+        <p:cNvGrpSpPr/>
+        <p:nvPr/>
+      </p:nvGrpSpPr>
+      <p:grpSpPr>
+        <a:xfrm>
+          <a:off x="0" y="0"/>
+          <a:ext cx="0" cy="0"/>
+          <a:chOff x="0" y="0"/>
+          <a:chExt cx="0" cy="0"/>
+        </a:xfrm>
+      </p:grpSpPr>
+      <p:sp>
+        <p:nvSpPr>
+          <p:cNvPr id="2" name="TextBox 1">
+            <a:extLst>
+              <a:ext uri="{FF2B5EF4-FFF2-40B4-BE49-F238E27FC236}">
+                <a16:creationId xmlns:a16="http://schemas.microsoft.com/office/drawing/2014/main" id="{ABB6BDA9-D3EC-48B2-8801-3CE10D1D5391}"/>
+              </a:ext>
+            </a:extLst>
+          </p:cNvPr>
+          <p:cNvSpPr txBox="1"/>
+          <p:nvPr/>
+        </p:nvSpPr>
+        <p:spPr>
+          <a:xfrm>
+            <a:off x="696000" y="729000"/>
+            <a:ext cx="10800000" cy="5693866"/>
+          </a:xfrm>
+          <a:prstGeom prst="rect">
+            <a:avLst/>
+          </a:prstGeom>
+          <a:noFill/>
+        </p:spPr>
+        <p:txBody>
+          <a:bodyPr wrap="square" rtlCol="0">
+            <a:spAutoFit/>
+          </a:bodyPr>
+          <a:lstStyle/>
+          <a:p>
+            <a:pPr marL="0" indent="0" algn="ctr">
+              <a:buNone/>
+            </a:pPr>
+            <a:r>
+              <a:rPr kumimoji="0" lang="en-GB" sz="4000" b="1" i="0" u="none" strike="noStrike" kern="1200" cap="none" spc="0" normalizeH="0" baseline="0" noProof="0" dirty="0">
+                <a:ln>
+                  <a:noFill/>
+                </a:ln>
+                <a:solidFill>
+                  <a:prstClr val="black"/>
+                </a:solidFill>
+                <a:effectLst/>
+                <a:uLnTx/>
+                <a:uFillTx/>
+                <a:latin typeface="Atkinson Hyperlegible" pitchFamily="50" charset="0"/>
+                <a:ea typeface="+mj-ea"/>
+                <a:cs typeface="+mj-cs"/>
+              </a:rPr>
+              <a:t>Task </a:t>
+            </a:r>
+            <a:fld id="{C4A595E0-68AA-423E-BAF3-3392370CE250}" type="slidenum">
+              <a:rPr kumimoji="0" lang="en-GB" sz="4000" b="1" i="0" u="none" strike="noStrike" kern="1200" cap="none" spc="0" normalizeH="0" baseline="0" noProof="0" smtClean="0">
+                <a:ln>
+                  <a:noFill/>
+                </a:ln>
+                <a:solidFill>
+                  <a:prstClr val="black"/>
+                </a:solidFill>
+                <a:effectLst/>
+                <a:uLnTx/>
+                <a:uFillTx/>
+                <a:latin typeface="Atkinson Hyperlegible" pitchFamily="50" charset="0"/>
+                <a:ea typeface="+mj-ea"/>
+                <a:cs typeface="+mj-cs"/>
+              </a:rPr>
+              <a:t>7</a:t>
+            </a:fld>
+            <a:endParaRPr kumimoji="0" lang="en-GB" sz="4000" b="1" i="0" u="none" strike="noStrike" kern="1200" cap="none" spc="0" normalizeH="0" baseline="0" noProof="0" dirty="0">
+              <a:ln>
+                <a:noFill/>
+              </a:ln>
+              <a:solidFill>
+                <a:prstClr val="black"/>
+              </a:solidFill>
+              <a:effectLst/>
+              <a:uLnTx/>
+              <a:uFillTx/>
+              <a:latin typeface="Atkinson Hyperlegible" pitchFamily="50" charset="0"/>
+              <a:ea typeface="+mj-ea"/>
+              <a:cs typeface="+mj-cs"/>
+            </a:endParaRPr>
+          </a:p>
+          <a:p>
+            <a:r>
+              <a:rPr lang="en-GB" sz="3000" dirty="0">
+                <a:solidFill>
+                  <a:prstClr val="black"/>
+                </a:solidFill>
+                <a:latin typeface="Atkinson Hyperlegible" pitchFamily="50" charset="0"/>
+                <a:ea typeface="+mj-ea"/>
+                <a:cs typeface="+mj-cs"/>
+              </a:rPr>
+              <a:t>Define a function </a:t>
+            </a:r>
+            <a:r>
+              <a:rPr lang="en-GB" sz="3000" dirty="0" err="1">
+                <a:solidFill>
+                  <a:prstClr val="black"/>
+                </a:solidFill>
+                <a:latin typeface="APL385 Unicode" panose="020B0709000202000203" pitchFamily="49" charset="0"/>
+                <a:ea typeface="+mj-ea"/>
+                <a:cs typeface="+mj-cs"/>
+              </a:rPr>
+              <a:t>RowEquals</a:t>
+            </a:r>
+            <a:r>
+              <a:rPr lang="en-GB" sz="3000" dirty="0">
+                <a:solidFill>
+                  <a:prstClr val="black"/>
+                </a:solidFill>
+                <a:latin typeface="Atkinson Hyperlegible" pitchFamily="50" charset="0"/>
+                <a:ea typeface="+mj-ea"/>
+                <a:cs typeface="+mj-cs"/>
+              </a:rPr>
+              <a:t> to locate the vector ⍺ in the matrix ⍵ </a:t>
+            </a:r>
+          </a:p>
+          <a:p>
+            <a:endParaRPr lang="en-GB" sz="2200" dirty="0">
+              <a:solidFill>
+                <a:prstClr val="black"/>
+              </a:solidFill>
+              <a:latin typeface="Atkinson Hyperlegible" pitchFamily="50" charset="0"/>
+              <a:ea typeface="+mj-ea"/>
+              <a:cs typeface="+mj-cs"/>
+            </a:endParaRPr>
+          </a:p>
+          <a:p>
+            <a:r>
+              <a:rPr lang="en-GB" sz="2200" dirty="0">
+                <a:solidFill>
+                  <a:prstClr val="black"/>
+                </a:solidFill>
+                <a:latin typeface="APL385 Unicode" panose="020B0709000202000203" pitchFamily="49" charset="0"/>
+                <a:ea typeface="+mj-ea"/>
+                <a:cs typeface="+mj-cs"/>
+              </a:rPr>
+              <a:t>      text ← 3 5⍴'GREATGIANTTIGER'</a:t>
+            </a:r>
+          </a:p>
+          <a:p>
+            <a:r>
+              <a:rPr lang="en-GB" sz="2200" dirty="0">
+                <a:solidFill>
+                  <a:prstClr val="black"/>
+                </a:solidFill>
+                <a:latin typeface="APL385 Unicode" panose="020B0709000202000203" pitchFamily="49" charset="0"/>
+                <a:ea typeface="+mj-ea"/>
+                <a:cs typeface="+mj-cs"/>
+              </a:rPr>
+              <a:t>      'TIGER' </a:t>
+            </a:r>
+            <a:r>
+              <a:rPr lang="en-GB" sz="2200" dirty="0" err="1">
+                <a:solidFill>
+                  <a:prstClr val="black"/>
+                </a:solidFill>
+                <a:latin typeface="APL385 Unicode" panose="020B0709000202000203" pitchFamily="49" charset="0"/>
+                <a:ea typeface="+mj-ea"/>
+                <a:cs typeface="+mj-cs"/>
+              </a:rPr>
+              <a:t>RowEquals</a:t>
+            </a:r>
+            <a:r>
+              <a:rPr lang="en-GB" sz="2200" dirty="0">
+                <a:solidFill>
+                  <a:prstClr val="black"/>
+                </a:solidFill>
+                <a:latin typeface="APL385 Unicode" panose="020B0709000202000203" pitchFamily="49" charset="0"/>
+                <a:ea typeface="+mj-ea"/>
+                <a:cs typeface="+mj-cs"/>
+              </a:rPr>
+              <a:t> text</a:t>
+            </a:r>
+          </a:p>
+          <a:p>
+            <a:r>
+              <a:rPr lang="en-GB" sz="2200" dirty="0">
+                <a:solidFill>
+                  <a:prstClr val="black"/>
+                </a:solidFill>
+                <a:latin typeface="APL385 Unicode" panose="020B0709000202000203" pitchFamily="49" charset="0"/>
+                <a:ea typeface="+mj-ea"/>
+                <a:cs typeface="+mj-cs"/>
+              </a:rPr>
+              <a:t>0 0 1</a:t>
+            </a:r>
+          </a:p>
+          <a:p>
+            <a:r>
+              <a:rPr lang="en-GB" sz="2200" dirty="0">
+                <a:solidFill>
+                  <a:prstClr val="black"/>
+                </a:solidFill>
+                <a:latin typeface="APL385 Unicode" panose="020B0709000202000203" pitchFamily="49" charset="0"/>
+                <a:ea typeface="+mj-ea"/>
+                <a:cs typeface="+mj-cs"/>
+              </a:rPr>
+              <a:t>      'GREAT' </a:t>
+            </a:r>
+            <a:r>
+              <a:rPr lang="en-GB" sz="2200" dirty="0" err="1">
+                <a:solidFill>
+                  <a:prstClr val="black"/>
+                </a:solidFill>
+                <a:latin typeface="APL385 Unicode" panose="020B0709000202000203" pitchFamily="49" charset="0"/>
+                <a:ea typeface="+mj-ea"/>
+                <a:cs typeface="+mj-cs"/>
+              </a:rPr>
+              <a:t>RowEquals</a:t>
+            </a:r>
+            <a:r>
+              <a:rPr lang="en-GB" sz="2200" dirty="0">
+                <a:solidFill>
+                  <a:prstClr val="black"/>
+                </a:solidFill>
+                <a:latin typeface="APL385 Unicode" panose="020B0709000202000203" pitchFamily="49" charset="0"/>
+                <a:ea typeface="+mj-ea"/>
+                <a:cs typeface="+mj-cs"/>
+              </a:rPr>
+              <a:t> text</a:t>
+            </a:r>
+          </a:p>
+          <a:p>
+            <a:r>
+              <a:rPr lang="en-GB" sz="2200" dirty="0">
+                <a:solidFill>
+                  <a:prstClr val="black"/>
+                </a:solidFill>
+                <a:latin typeface="APL385 Unicode" panose="020B0709000202000203" pitchFamily="49" charset="0"/>
+                <a:ea typeface="+mj-ea"/>
+                <a:cs typeface="+mj-cs"/>
+              </a:rPr>
+              <a:t>1 0 0</a:t>
+            </a:r>
+          </a:p>
+          <a:p>
+            <a:endParaRPr lang="en-GB" sz="2200" dirty="0">
+              <a:solidFill>
+                <a:prstClr val="black"/>
+              </a:solidFill>
+              <a:latin typeface="APL385 Unicode" panose="020B0709000202000203" pitchFamily="49" charset="0"/>
+              <a:ea typeface="+mj-ea"/>
+              <a:cs typeface="+mj-cs"/>
+            </a:endParaRPr>
+          </a:p>
+          <a:p>
+            <a:r>
+              <a:rPr lang="en-GB" sz="2200" dirty="0">
+                <a:solidFill>
+                  <a:prstClr val="black"/>
+                </a:solidFill>
+                <a:latin typeface="APL385 Unicode" panose="020B0709000202000203" pitchFamily="49" charset="0"/>
+                <a:ea typeface="+mj-ea"/>
+                <a:cs typeface="+mj-cs"/>
+              </a:rPr>
+              <a:t>      fruits←3 7⍴'OrangesMangoesBananas'</a:t>
+            </a:r>
+          </a:p>
+          <a:p>
+            <a:r>
+              <a:rPr lang="en-GB" sz="2200" dirty="0">
+                <a:solidFill>
+                  <a:prstClr val="black"/>
+                </a:solidFill>
+                <a:latin typeface="APL385 Unicode" panose="020B0709000202000203" pitchFamily="49" charset="0"/>
+                <a:ea typeface="+mj-ea"/>
+                <a:cs typeface="+mj-cs"/>
+              </a:rPr>
+              <a:t>      'Bananas' </a:t>
+            </a:r>
+            <a:r>
+              <a:rPr lang="en-GB" sz="2200" dirty="0" err="1">
+                <a:solidFill>
+                  <a:prstClr val="black"/>
+                </a:solidFill>
+                <a:latin typeface="APL385 Unicode" panose="020B0709000202000203" pitchFamily="49" charset="0"/>
+                <a:ea typeface="+mj-ea"/>
+                <a:cs typeface="+mj-cs"/>
+              </a:rPr>
+              <a:t>RowEquals</a:t>
+            </a:r>
+            <a:r>
+              <a:rPr lang="en-GB" sz="2200" dirty="0">
+                <a:solidFill>
+                  <a:prstClr val="black"/>
+                </a:solidFill>
+                <a:latin typeface="APL385 Unicode" panose="020B0709000202000203" pitchFamily="49" charset="0"/>
+                <a:ea typeface="+mj-ea"/>
+                <a:cs typeface="+mj-cs"/>
+              </a:rPr>
+              <a:t> fruits</a:t>
+            </a:r>
+          </a:p>
+          <a:p>
+            <a:r>
+              <a:rPr lang="en-GB" sz="2200" dirty="0">
+                <a:solidFill>
+                  <a:prstClr val="black"/>
+                </a:solidFill>
+                <a:latin typeface="APL385 Unicode" panose="020B0709000202000203" pitchFamily="49" charset="0"/>
+                <a:ea typeface="+mj-ea"/>
+                <a:cs typeface="+mj-cs"/>
+              </a:rPr>
+              <a:t>0 0 1</a:t>
+            </a:r>
+          </a:p>
+          <a:p>
+            <a:r>
+              <a:rPr lang="en-GB" sz="2200" dirty="0">
+                <a:solidFill>
+                  <a:prstClr val="black"/>
+                </a:solidFill>
+                <a:latin typeface="APL385 Unicode" panose="020B0709000202000203" pitchFamily="49" charset="0"/>
+                <a:ea typeface="+mj-ea"/>
+                <a:cs typeface="+mj-cs"/>
+              </a:rPr>
+              <a:t>      'Carrots' </a:t>
+            </a:r>
+            <a:r>
+              <a:rPr lang="en-GB" sz="2200" dirty="0" err="1">
+                <a:solidFill>
+                  <a:prstClr val="black"/>
+                </a:solidFill>
+                <a:latin typeface="APL385 Unicode" panose="020B0709000202000203" pitchFamily="49" charset="0"/>
+                <a:ea typeface="+mj-ea"/>
+                <a:cs typeface="+mj-cs"/>
+              </a:rPr>
+              <a:t>RowEquals</a:t>
+            </a:r>
+            <a:r>
+              <a:rPr lang="en-GB" sz="2200" dirty="0">
+                <a:solidFill>
+                  <a:prstClr val="black"/>
+                </a:solidFill>
+                <a:latin typeface="APL385 Unicode" panose="020B0709000202000203" pitchFamily="49" charset="0"/>
+                <a:ea typeface="+mj-ea"/>
+                <a:cs typeface="+mj-cs"/>
+              </a:rPr>
+              <a:t> fruits</a:t>
+            </a:r>
+          </a:p>
+          <a:p>
+            <a:r>
+              <a:rPr lang="en-GB" sz="2200" dirty="0">
+                <a:solidFill>
+                  <a:prstClr val="black"/>
+                </a:solidFill>
+                <a:latin typeface="APL385 Unicode" panose="020B0709000202000203" pitchFamily="49" charset="0"/>
+                <a:ea typeface="+mj-ea"/>
+                <a:cs typeface="+mj-cs"/>
+              </a:rPr>
+              <a:t>0 0 0</a:t>
+            </a:r>
+          </a:p>
+        </p:txBody>
+      </p:sp>
+    </p:spTree>
+    <p:extLst>
+      <p:ext uri="{BB962C8B-B14F-4D97-AF65-F5344CB8AC3E}">
+        <p14:creationId xmlns:p14="http://schemas.microsoft.com/office/powerpoint/2010/main" val="3502027274"/>
+      </p:ext>
+    </p:extLst>
+  </p:cSld>
+  <p:clrMapOvr>
+    <a:masterClrMapping/>
+  </p:clrMapOvr>
+</p:sld>
+</file>
+
+<file path=ppt/slides/slide8.xml><?xml version="1.0" encoding="utf-8"?>
+<p:sld xmlns:a="http://schemas.openxmlformats.org/drawingml/2006/main" xmlns:r="http://schemas.openxmlformats.org/officeDocument/2006/relationships" xmlns:p="http://schemas.openxmlformats.org/presentationml/2006/main">
+  <p:cSld>
+    <p:spTree>
+      <p:nvGrpSpPr>
+        <p:cNvPr id="1" name=""/>
+        <p:cNvGrpSpPr/>
+        <p:nvPr/>
+      </p:nvGrpSpPr>
+      <p:grpSpPr>
+        <a:xfrm>
+          <a:off x="0" y="0"/>
+          <a:ext cx="0" cy="0"/>
+          <a:chOff x="0" y="0"/>
+          <a:chExt cx="0" cy="0"/>
+        </a:xfrm>
+      </p:grpSpPr>
+      <p:sp>
+        <p:nvSpPr>
+          <p:cNvPr id="2" name="TextBox 1">
+            <a:extLst>
+              <a:ext uri="{FF2B5EF4-FFF2-40B4-BE49-F238E27FC236}">
+                <a16:creationId xmlns:a16="http://schemas.microsoft.com/office/drawing/2014/main" id="{ABB6BDA9-D3EC-48B2-8801-3CE10D1D5391}"/>
+              </a:ext>
+            </a:extLst>
+          </p:cNvPr>
+          <p:cNvSpPr txBox="1"/>
+          <p:nvPr/>
+        </p:nvSpPr>
+        <p:spPr>
+          <a:xfrm>
+            <a:off x="696000" y="729000"/>
+            <a:ext cx="10800000" cy="4985980"/>
+          </a:xfrm>
+          <a:prstGeom prst="rect">
+            <a:avLst/>
+          </a:prstGeom>
+          <a:noFill/>
+        </p:spPr>
+        <p:txBody>
+          <a:bodyPr wrap="square" rtlCol="0">
+            <a:spAutoFit/>
+          </a:bodyPr>
+          <a:lstStyle/>
+          <a:p>
+            <a:pPr marL="0" indent="0" algn="ctr">
+              <a:buNone/>
+            </a:pPr>
+            <a:r>
+              <a:rPr kumimoji="0" lang="en-GB" sz="4000" b="1" i="0" u="none" strike="noStrike" kern="1200" cap="none" spc="0" normalizeH="0" baseline="0" noProof="0" dirty="0">
+                <a:ln>
+                  <a:noFill/>
+                </a:ln>
+                <a:solidFill>
+                  <a:prstClr val="black"/>
+                </a:solidFill>
+                <a:effectLst/>
+                <a:uLnTx/>
+                <a:uFillTx/>
+                <a:latin typeface="Atkinson Hyperlegible" pitchFamily="50" charset="0"/>
+                <a:ea typeface="+mj-ea"/>
+                <a:cs typeface="+mj-cs"/>
+              </a:rPr>
+              <a:t>Task </a:t>
+            </a:r>
+            <a:fld id="{C4A595E0-68AA-423E-BAF3-3392370CE250}" type="slidenum">
+              <a:rPr kumimoji="0" lang="en-GB" sz="4000" b="1" i="0" u="none" strike="noStrike" kern="1200" cap="none" spc="0" normalizeH="0" baseline="0" noProof="0" smtClean="0">
+                <a:ln>
+                  <a:noFill/>
+                </a:ln>
+                <a:solidFill>
+                  <a:prstClr val="black"/>
+                </a:solidFill>
+                <a:effectLst/>
+                <a:uLnTx/>
+                <a:uFillTx/>
+                <a:latin typeface="Atkinson Hyperlegible" pitchFamily="50" charset="0"/>
+                <a:ea typeface="+mj-ea"/>
+                <a:cs typeface="+mj-cs"/>
+              </a:rPr>
+              <a:t>8</a:t>
+            </a:fld>
+            <a:endParaRPr kumimoji="0" lang="en-GB" sz="4000" b="1" i="0" u="none" strike="noStrike" kern="1200" cap="none" spc="0" normalizeH="0" baseline="0" noProof="0" dirty="0">
+              <a:ln>
+                <a:noFill/>
+              </a:ln>
+              <a:solidFill>
+                <a:prstClr val="black"/>
+              </a:solidFill>
+              <a:effectLst/>
+              <a:uLnTx/>
+              <a:uFillTx/>
+              <a:latin typeface="Atkinson Hyperlegible" pitchFamily="50" charset="0"/>
+              <a:ea typeface="+mj-ea"/>
+              <a:cs typeface="+mj-cs"/>
+            </a:endParaRPr>
+          </a:p>
+          <a:p>
+            <a:r>
+              <a:rPr lang="en-GB" sz="2800" dirty="0">
+                <a:solidFill>
+                  <a:prstClr val="black"/>
+                </a:solidFill>
+                <a:latin typeface="Atkinson Hyperlegible" pitchFamily="50" charset="0"/>
+                <a:ea typeface="+mj-ea"/>
+                <a:cs typeface="+mj-cs"/>
+              </a:rPr>
+              <a:t>Define a function Up that accepts a vector of numbers and sorts them in increasing order:</a:t>
+            </a:r>
+          </a:p>
+          <a:p>
+            <a:endParaRPr lang="en-GB" sz="3000" dirty="0">
+              <a:solidFill>
+                <a:prstClr val="black"/>
+              </a:solidFill>
+              <a:latin typeface="Atkinson Hyperlegible" pitchFamily="50" charset="0"/>
+              <a:ea typeface="+mj-ea"/>
+              <a:cs typeface="+mj-cs"/>
+            </a:endParaRPr>
+          </a:p>
+          <a:p>
+            <a:r>
+              <a:rPr lang="en-US" sz="2200" dirty="0">
+                <a:solidFill>
+                  <a:prstClr val="black"/>
+                </a:solidFill>
+                <a:latin typeface="APL385 Unicode" panose="020B0709000202000203" pitchFamily="49" charset="0"/>
+                <a:ea typeface="+mj-ea"/>
+                <a:cs typeface="+mj-cs"/>
+              </a:rPr>
+              <a:t>      Up 0  ¯3  1.5  10  4.2</a:t>
+            </a:r>
+          </a:p>
+          <a:p>
+            <a:r>
+              <a:rPr lang="en-US" sz="2200" dirty="0">
+                <a:solidFill>
+                  <a:prstClr val="black"/>
+                </a:solidFill>
+                <a:latin typeface="APL385 Unicode" panose="020B0709000202000203" pitchFamily="49" charset="0"/>
+                <a:ea typeface="+mj-ea"/>
+                <a:cs typeface="+mj-cs"/>
+              </a:rPr>
+              <a:t>¯3  0  1.5  4.2  10</a:t>
+            </a:r>
+          </a:p>
+          <a:p>
+            <a:endParaRPr lang="en-US" sz="2200" dirty="0">
+              <a:solidFill>
+                <a:prstClr val="black"/>
+              </a:solidFill>
+              <a:latin typeface="APL385 Unicode" panose="020B0709000202000203" pitchFamily="49" charset="0"/>
+              <a:ea typeface="+mj-ea"/>
+              <a:cs typeface="+mj-cs"/>
+            </a:endParaRPr>
+          </a:p>
+          <a:p>
+            <a:r>
+              <a:rPr lang="en-US" sz="2800" dirty="0">
+                <a:solidFill>
+                  <a:prstClr val="black"/>
+                </a:solidFill>
+                <a:latin typeface="Atkinson Hyperlegible" pitchFamily="2" charset="0"/>
+                <a:ea typeface="+mj-ea"/>
+                <a:cs typeface="+mj-cs"/>
+              </a:rPr>
+              <a:t>Define a function Down that sorts the vector of numbers in decreasing order:</a:t>
+            </a:r>
+          </a:p>
+          <a:p>
+            <a:endParaRPr lang="en-US" sz="2200" dirty="0">
+              <a:solidFill>
+                <a:prstClr val="black"/>
+              </a:solidFill>
+              <a:latin typeface="APL385 Unicode" panose="020B0709000202000203" pitchFamily="49" charset="0"/>
+              <a:ea typeface="+mj-ea"/>
+              <a:cs typeface="+mj-cs"/>
+            </a:endParaRPr>
+          </a:p>
+          <a:p>
+            <a:r>
+              <a:rPr lang="en-US" sz="2200" dirty="0">
+                <a:solidFill>
+                  <a:prstClr val="black"/>
+                </a:solidFill>
+                <a:latin typeface="APL385 Unicode" panose="020B0709000202000203" pitchFamily="49" charset="0"/>
+                <a:ea typeface="+mj-ea"/>
+                <a:cs typeface="+mj-cs"/>
+              </a:rPr>
+              <a:t>      Down 0  ¯3  1.5  10  4.2</a:t>
+            </a:r>
+          </a:p>
+          <a:p>
+            <a:r>
+              <a:rPr lang="en-US" sz="2200" dirty="0">
+                <a:solidFill>
+                  <a:prstClr val="black"/>
+                </a:solidFill>
+                <a:latin typeface="APL385 Unicode" panose="020B0709000202000203" pitchFamily="49" charset="0"/>
+                <a:ea typeface="+mj-ea"/>
+                <a:cs typeface="+mj-cs"/>
+              </a:rPr>
+              <a:t>10  4.2  1.5  0  ¯3</a:t>
+            </a:r>
+            <a:endParaRPr lang="en-GB" sz="2200" dirty="0">
+              <a:solidFill>
+                <a:prstClr val="black"/>
+              </a:solidFill>
+              <a:latin typeface="APL385 Unicode" panose="020B0709000202000203" pitchFamily="49" charset="0"/>
+              <a:ea typeface="+mj-ea"/>
+              <a:cs typeface="+mj-cs"/>
+            </a:endParaRPr>
+          </a:p>
+        </p:txBody>
+      </p:sp>
+    </p:spTree>
+    <p:extLst>
+      <p:ext uri="{BB962C8B-B14F-4D97-AF65-F5344CB8AC3E}">
+        <p14:creationId xmlns:p14="http://schemas.microsoft.com/office/powerpoint/2010/main" val="548865191"/>
+      </p:ext>
+    </p:extLst>
+  </p:cSld>
+  <p:clrMapOvr>
+    <a:masterClrMapping/>
+  </p:clrMapOvr>
+</p:sld>
+</file>
+
+<file path=ppt/slides/slide9.xml><?xml version="1.0" encoding="utf-8"?>
+<p:sld xmlns:a="http://schemas.openxmlformats.org/drawingml/2006/main" xmlns:r="http://schemas.openxmlformats.org/officeDocument/2006/relationships" xmlns:p="http://schemas.openxmlformats.org/presentationml/2006/main">
+  <p:cSld>
+    <p:spTree>
+      <p:nvGrpSpPr>
+        <p:cNvPr id="1" name=""/>
+        <p:cNvGrpSpPr/>
+        <p:nvPr/>
+      </p:nvGrpSpPr>
+      <p:grpSpPr>
+        <a:xfrm>
+          <a:off x="0" y="0"/>
+          <a:ext cx="0" cy="0"/>
+          <a:chOff x="0" y="0"/>
+          <a:chExt cx="0" cy="0"/>
+        </a:xfrm>
+      </p:grpSpPr>
+      <p:sp>
+        <p:nvSpPr>
+          <p:cNvPr id="2" name="TextBox 1">
+            <a:extLst>
+              <a:ext uri="{FF2B5EF4-FFF2-40B4-BE49-F238E27FC236}">
+                <a16:creationId xmlns:a16="http://schemas.microsoft.com/office/drawing/2014/main" id="{ABB6BDA9-D3EC-48B2-8801-3CE10D1D5391}"/>
+              </a:ext>
+            </a:extLst>
+          </p:cNvPr>
+          <p:cNvSpPr txBox="1"/>
+          <p:nvPr/>
+        </p:nvSpPr>
+        <p:spPr>
+          <a:xfrm>
+            <a:off x="696000" y="729000"/>
+            <a:ext cx="10800000" cy="4862870"/>
+          </a:xfrm>
+          <a:prstGeom prst="rect">
+            <a:avLst/>
+          </a:prstGeom>
+          <a:noFill/>
+        </p:spPr>
+        <p:txBody>
+          <a:bodyPr wrap="square" rtlCol="0">
+            <a:spAutoFit/>
+          </a:bodyPr>
+          <a:lstStyle/>
+          <a:p>
+            <a:pPr marL="0" indent="0" algn="ctr">
+              <a:buNone/>
+            </a:pPr>
+            <a:r>
+              <a:rPr kumimoji="0" lang="en-GB" sz="4000" b="1" i="0" u="none" strike="noStrike" kern="1200" cap="none" spc="0" normalizeH="0" baseline="0" noProof="0" dirty="0">
+                <a:ln>
+                  <a:noFill/>
+                </a:ln>
+                <a:solidFill>
+                  <a:prstClr val="black"/>
+                </a:solidFill>
+                <a:effectLst/>
+                <a:uLnTx/>
+                <a:uFillTx/>
+                <a:latin typeface="Atkinson Hyperlegible" pitchFamily="50" charset="0"/>
+                <a:ea typeface="+mj-ea"/>
+                <a:cs typeface="+mj-cs"/>
+              </a:rPr>
+              <a:t>Task </a:t>
+            </a:r>
+            <a:fld id="{C4A595E0-68AA-423E-BAF3-3392370CE250}" type="slidenum">
+              <a:rPr kumimoji="0" lang="en-GB" sz="4000" b="1" i="0" u="none" strike="noStrike" kern="1200" cap="none" spc="0" normalizeH="0" baseline="0" noProof="0" smtClean="0">
+                <a:ln>
+                  <a:noFill/>
+                </a:ln>
+                <a:solidFill>
+                  <a:prstClr val="black"/>
+                </a:solidFill>
+                <a:effectLst/>
+                <a:uLnTx/>
+                <a:uFillTx/>
+                <a:latin typeface="Atkinson Hyperlegible" pitchFamily="50" charset="0"/>
+                <a:ea typeface="+mj-ea"/>
+                <a:cs typeface="+mj-cs"/>
+              </a:rPr>
               <a:t>9</a:t>
             </a:fld>
             <a:endParaRPr kumimoji="0" lang="en-GB" sz="4000" b="1" i="0" u="none" strike="noStrike" kern="1200" cap="none" spc="0" normalizeH="0" baseline="0" noProof="0" dirty="0">
@@ -6082,10 +7897,42 @@
             </a:endParaRPr>
           </a:p>
           <a:p>
-            <a:pPr marL="0" indent="0">
-              <a:buNone/>
-            </a:pPr>
-            <a:endParaRPr lang="en-GB" sz="3000" dirty="0">
+            <a:r>
+              <a:rPr lang="en-US" sz="2500" dirty="0">
+                <a:solidFill>
+                  <a:prstClr val="black"/>
+                </a:solidFill>
+                <a:latin typeface="Atkinson Hyperlegible" pitchFamily="50" charset="0"/>
+                <a:ea typeface="+mj-ea"/>
+                <a:cs typeface="+mj-cs"/>
+              </a:rPr>
+              <a:t>Define a function </a:t>
+            </a:r>
+            <a:r>
+              <a:rPr lang="en-US" sz="2500" dirty="0" err="1">
+                <a:solidFill>
+                  <a:prstClr val="black"/>
+                </a:solidFill>
+                <a:latin typeface="APL385 Unicode" panose="020B0709000202000203" pitchFamily="49" charset="0"/>
+                <a:ea typeface="+mj-ea"/>
+                <a:cs typeface="+mj-cs"/>
+              </a:rPr>
+              <a:t>SortedBy</a:t>
+            </a:r>
+            <a:r>
+              <a:rPr lang="en-US" sz="2500" dirty="0">
+                <a:solidFill>
+                  <a:prstClr val="black"/>
+                </a:solidFill>
+                <a:latin typeface="Atkinson Hyperlegible" pitchFamily="50" charset="0"/>
+                <a:ea typeface="+mj-ea"/>
+                <a:cs typeface="+mj-cs"/>
+              </a:rPr>
+              <a:t> that accepts a character vector (representing name initials) on the left and a vector of numbers (ages) on the right. Reorder the initials so that the youngest person comes first, and the oldest person comes last.</a:t>
+            </a:r>
+          </a:p>
+          <a:p>
+            <a:endParaRPr lang="en-US" sz="2500" dirty="0">
               <a:solidFill>
                 <a:prstClr val="black"/>
               </a:solidFill>
@@ -6095,50 +7942,55 @@
             </a:endParaRPr>
           </a:p>
           <a:p>
-            <a:pPr marL="0" indent="0">
-              <a:buNone/>
-            </a:pPr>
-            <a:r>
-              <a:rPr lang="en-GB" sz="3000" dirty="0">
-                <a:solidFill>
-                  <a:prstClr val="black"/>
-                </a:solidFill>
-                <a:latin typeface="Atkinson Hyperlegible" pitchFamily="50" charset="0"/>
-                <a:ea typeface="+mj-ea"/>
-                <a:cs typeface="+mj-cs"/>
-              </a:rPr>
-              <a:t>Save your workspace somewhere in your Documents folder</a:t>
-            </a:r>
-          </a:p>
-          <a:p>
-            <a:pPr marL="0" indent="0">
-              <a:buNone/>
-            </a:pPr>
-            <a:endParaRPr lang="en-GB" sz="3000" dirty="0">
-              <a:solidFill>
-                <a:prstClr val="black"/>
-              </a:solidFill>
-              <a:latin typeface="Atkinson Hyperlegible" pitchFamily="50" charset="0"/>
-              <a:ea typeface="+mj-ea"/>
-              <a:cs typeface="+mj-cs"/>
-            </a:endParaRPr>
-          </a:p>
-          <a:p>
-            <a:pPr marL="0" indent="0">
-              <a:buNone/>
-            </a:pPr>
-            <a:r>
-              <a:rPr lang="en-GB" sz="3000" dirty="0">
-                <a:solidFill>
-                  <a:prstClr val="black"/>
-                </a:solidFill>
-                <a:latin typeface="Atkinson Hyperlegible" pitchFamily="50" charset="0"/>
-                <a:ea typeface="+mj-ea"/>
-                <a:cs typeface="+mj-cs"/>
-              </a:rPr>
-              <a:t>Submit via Zoom chat</a:t>
-            </a:r>
-            <a:endParaRPr lang="en-GB" sz="3000" dirty="0">
+            <a:r>
+              <a:rPr lang="en-US" sz="2500" dirty="0">
+                <a:solidFill>
+                  <a:prstClr val="black"/>
+                </a:solidFill>
+                <a:latin typeface="APL385 Unicode" panose="020B0709000202000203" pitchFamily="49" charset="0"/>
+                <a:ea typeface="+mj-ea"/>
+                <a:cs typeface="+mj-cs"/>
+              </a:rPr>
+              <a:t>      'ABCDE' </a:t>
+            </a:r>
+            <a:r>
+              <a:rPr lang="en-US" sz="2500" dirty="0" err="1">
+                <a:solidFill>
+                  <a:prstClr val="black"/>
+                </a:solidFill>
+                <a:latin typeface="APL385 Unicode" panose="020B0709000202000203" pitchFamily="49" charset="0"/>
+                <a:ea typeface="+mj-ea"/>
+                <a:cs typeface="+mj-cs"/>
+              </a:rPr>
+              <a:t>SortedBy</a:t>
+            </a:r>
+            <a:r>
+              <a:rPr lang="en-US" sz="2500" dirty="0">
+                <a:solidFill>
+                  <a:prstClr val="black"/>
+                </a:solidFill>
+                <a:latin typeface="APL385 Unicode" panose="020B0709000202000203" pitchFamily="49" charset="0"/>
+                <a:ea typeface="+mj-ea"/>
+                <a:cs typeface="+mj-cs"/>
+              </a:rPr>
+              <a:t> 20 24 83 18 35</a:t>
+            </a:r>
+          </a:p>
+          <a:p>
+            <a:r>
+              <a:rPr lang="en-US" sz="2500" dirty="0">
+                <a:solidFill>
+                  <a:prstClr val="black"/>
+                </a:solidFill>
+                <a:latin typeface="APL385 Unicode" panose="020B0709000202000203" pitchFamily="49" charset="0"/>
+                <a:ea typeface="+mj-ea"/>
+                <a:cs typeface="+mj-cs"/>
+              </a:rPr>
+              <a:t>'DABEC'</a:t>
+            </a:r>
+          </a:p>
+          <a:p>
+            <a:endParaRPr lang="en-US" sz="2500" dirty="0">
               <a:solidFill>
                 <a:prstClr val="black"/>
               </a:solidFill>
@@ -6147,12 +7999,81 @@
               <a:cs typeface="+mj-cs"/>
             </a:endParaRPr>
           </a:p>
+          <a:p>
+            <a:r>
+              <a:rPr lang="en-US" sz="2000" dirty="0">
+                <a:solidFill>
+                  <a:prstClr val="black"/>
+                </a:solidFill>
+                <a:latin typeface="APL385 Unicode" panose="020B0709000202000203" pitchFamily="49" charset="0"/>
+                <a:ea typeface="+mj-ea"/>
+                <a:cs typeface="+mj-cs"/>
+              </a:rPr>
+              <a:t>⍝ A is for Adám, P is for Rich Park, and G is for Rodrigo Girão</a:t>
+            </a:r>
+          </a:p>
+          <a:p>
+            <a:r>
+              <a:rPr lang="en-US" sz="2500" dirty="0">
+                <a:solidFill>
+                  <a:prstClr val="black"/>
+                </a:solidFill>
+                <a:latin typeface="APL385 Unicode" panose="020B0709000202000203" pitchFamily="49" charset="0"/>
+                <a:ea typeface="+mj-ea"/>
+                <a:cs typeface="+mj-cs"/>
+              </a:rPr>
+              <a:t>      'APG' </a:t>
+            </a:r>
+            <a:r>
+              <a:rPr lang="en-US" sz="2500" dirty="0" err="1">
+                <a:solidFill>
+                  <a:prstClr val="black"/>
+                </a:solidFill>
+                <a:latin typeface="APL385 Unicode" panose="020B0709000202000203" pitchFamily="49" charset="0"/>
+                <a:ea typeface="+mj-ea"/>
+                <a:cs typeface="+mj-cs"/>
+              </a:rPr>
+              <a:t>SortedBy</a:t>
+            </a:r>
+            <a:r>
+              <a:rPr lang="en-US" sz="2500" dirty="0">
+                <a:solidFill>
+                  <a:prstClr val="black"/>
+                </a:solidFill>
+                <a:latin typeface="APL385 Unicode" panose="020B0709000202000203" pitchFamily="49" charset="0"/>
+                <a:ea typeface="+mj-ea"/>
+                <a:cs typeface="+mj-cs"/>
+              </a:rPr>
+              <a:t> 36 28 24      </a:t>
+            </a:r>
+          </a:p>
+          <a:p>
+            <a:r>
+              <a:rPr lang="en-US" sz="2500" dirty="0">
+                <a:solidFill>
+                  <a:prstClr val="black"/>
+                </a:solidFill>
+                <a:latin typeface="APL385 Unicode" panose="020B0709000202000203" pitchFamily="49" charset="0"/>
+                <a:ea typeface="+mj-ea"/>
+                <a:cs typeface="+mj-cs"/>
+              </a:rPr>
+              <a:t>'GPA'</a:t>
+            </a:r>
+            <a:endParaRPr lang="en-GB" sz="2500" dirty="0">
+              <a:solidFill>
+                <a:prstClr val="black"/>
+              </a:solidFill>
+              <a:latin typeface="APL385 Unicode" panose="020B0709000202000203" pitchFamily="49" charset="0"/>
+              <a:ea typeface="+mj-ea"/>
+              <a:cs typeface="+mj-cs"/>
+            </a:endParaRPr>
+          </a:p>
         </p:txBody>
       </p:sp>
     </p:spTree>
     <p:extLst>
       <p:ext uri="{BB962C8B-B14F-4D97-AF65-F5344CB8AC3E}">
-        <p14:creationId xmlns:p14="http://schemas.microsoft.com/office/powerpoint/2010/main" val="1439960758"/>
+        <p14:creationId xmlns:p14="http://schemas.microsoft.com/office/powerpoint/2010/main" val="1137938032"/>
       </p:ext>
     </p:extLst>
   </p:cSld>

--- a/tasks5.pptx
+++ b/tasks5.pptx
@@ -3383,7 +3383,7 @@
         <p:spPr>
           <a:xfrm>
             <a:off x="696000" y="729000"/>
-            <a:ext cx="10800000" cy="3016210"/>
+            <a:ext cx="10800000" cy="3631763"/>
           </a:xfrm>
           <a:prstGeom prst="rect">
             <a:avLst/>
@@ -3449,6 +3449,25 @@
             </a:endParaRPr>
           </a:p>
           <a:p>
+            <a:pPr marL="0" indent="0" algn="ctr">
+              <a:buNone/>
+            </a:pPr>
+            <a:endParaRPr kumimoji="0" lang="en-GB" sz="4000" b="1" i="0" u="none" strike="noStrike" kern="1200" cap="none" spc="0" normalizeH="0" baseline="0" noProof="0" dirty="0">
+              <a:ln>
+                <a:noFill/>
+              </a:ln>
+              <a:solidFill>
+                <a:prstClr val="black"/>
+              </a:solidFill>
+              <a:effectLst/>
+              <a:uLnTx/>
+              <a:uFillTx/>
+              <a:latin typeface="Atkinson Hyperlegible" pitchFamily="50" charset="0"/>
+              <a:ea typeface="+mj-ea"/>
+              <a:cs typeface="+mj-cs"/>
+            </a:endParaRPr>
+          </a:p>
+          <a:p>
             <a:pPr marL="742950" indent="-742950">
               <a:buFont typeface="+mj-lt"/>
               <a:buAutoNum type="arabicPeriod"/>
@@ -3458,11 +3477,22 @@
                 <a:solidFill>
                   <a:prstClr val="black"/>
                 </a:solidFill>
-                <a:latin typeface="Atkinson Hyperlegible" pitchFamily="50" charset="0"/>
-                <a:ea typeface="+mj-ea"/>
-                <a:cs typeface="+mj-cs"/>
-              </a:rPr>
-              <a:t>)CLEAR your workspace</a:t>
+                <a:latin typeface="APL385 Unicode" panose="020B0709000202000203" pitchFamily="49" charset="0"/>
+                <a:ea typeface="+mj-ea"/>
+                <a:cs typeface="+mj-cs"/>
+              </a:rPr>
+              <a:t>)CLEAR</a:t>
+            </a:r>
+            <a:r>
+              <a:rPr lang="en-GB" sz="3000" dirty="0">
+                <a:solidFill>
+                  <a:prstClr val="black"/>
+                </a:solidFill>
+                <a:latin typeface="Atkinson Hyperlegible" pitchFamily="50" charset="0"/>
+                <a:ea typeface="+mj-ea"/>
+                <a:cs typeface="+mj-cs"/>
+              </a:rPr>
+              <a:t> to clear your workspace</a:t>
             </a:r>
           </a:p>
           <a:p>
@@ -3489,11 +3519,22 @@
                 <a:solidFill>
                   <a:prstClr val="black"/>
                 </a:solidFill>
-                <a:latin typeface="Atkinson Hyperlegible" pitchFamily="50" charset="0"/>
-                <a:ea typeface="+mj-ea"/>
-                <a:cs typeface="+mj-cs"/>
-              </a:rPr>
-              <a:t>)SAVE your workspace with a workspace ID like </a:t>
+                <a:latin typeface="APL385 Unicode" panose="020B0709000202000203" pitchFamily="49" charset="0"/>
+                <a:ea typeface="+mj-ea"/>
+                <a:cs typeface="+mj-cs"/>
+              </a:rPr>
+              <a:t>)SAVE </a:t>
+            </a:r>
+            <a:r>
+              <a:rPr lang="en-GB" sz="3000" dirty="0">
+                <a:solidFill>
+                  <a:prstClr val="black"/>
+                </a:solidFill>
+                <a:latin typeface="Atkinson Hyperlegible" pitchFamily="50" charset="0"/>
+                <a:ea typeface="+mj-ea"/>
+                <a:cs typeface="+mj-cs"/>
+              </a:rPr>
+              <a:t>your workspace with a workspace ID like </a:t>
             </a:r>
             <a:r>
               <a:rPr lang="en-GB" sz="3000" b="1" dirty="0">
@@ -3576,7 +3617,7 @@
         <p:spPr>
           <a:xfrm>
             <a:off x="696000" y="369000"/>
-            <a:ext cx="10800000" cy="6124754"/>
+            <a:ext cx="10800000" cy="6463308"/>
           </a:xfrm>
           <a:prstGeom prst="rect">
             <a:avLst/>
@@ -3645,6 +3686,25 @@
             <a:pPr marL="0" indent="0">
               <a:buNone/>
             </a:pPr>
+            <a:endParaRPr kumimoji="0" lang="en-US" sz="2200" i="0" u="none" strike="noStrike" kern="1200" cap="none" spc="0" normalizeH="0" baseline="0" noProof="0" dirty="0">
+              <a:ln>
+                <a:noFill/>
+              </a:ln>
+              <a:solidFill>
+                <a:prstClr val="black"/>
+              </a:solidFill>
+              <a:effectLst/>
+              <a:uLnTx/>
+              <a:uFillTx/>
+              <a:latin typeface="Atkinson Hyperlegible" pitchFamily="50" charset="0"/>
+              <a:ea typeface="+mj-ea"/>
+              <a:cs typeface="+mj-cs"/>
+            </a:endParaRPr>
+          </a:p>
+          <a:p>
+            <a:pPr marL="0" indent="0">
+              <a:buNone/>
+            </a:pPr>
             <a:r>
               <a:rPr kumimoji="0" lang="en-US" sz="2200" i="0" u="none" strike="noStrike" kern="1200" cap="none" spc="0" normalizeH="0" baseline="0" noProof="0" dirty="0">
                 <a:ln>
@@ -3667,7 +3727,7 @@
                 <a:solidFill>
                   <a:prstClr val="black"/>
                 </a:solidFill>
-                <a:latin typeface="Atkinson Hyperlegible" pitchFamily="50" charset="0"/>
+                <a:latin typeface="APL385 Unicode" panose="020B0709000202000203" pitchFamily="49" charset="0"/>
                 <a:ea typeface="+mj-ea"/>
                 <a:cs typeface="+mj-cs"/>
               </a:rPr>
@@ -3767,7 +3827,7 @@
                 <a:solidFill>
                   <a:prstClr val="black"/>
                 </a:solidFill>
-                <a:latin typeface="Atkinson Hyperlegible" pitchFamily="50" charset="0"/>
+                <a:latin typeface="APL385 Unicode" panose="020B0709000202000203" pitchFamily="49" charset="0"/>
                 <a:ea typeface="+mj-ea"/>
                 <a:cs typeface="+mj-cs"/>
               </a:rPr>
@@ -3927,7 +3987,7 @@
                 <a:solidFill>
                   <a:prstClr val="black"/>
                 </a:solidFill>
-                <a:latin typeface="Atkinson Hyperlegible" pitchFamily="50" charset="0"/>
+                <a:latin typeface="APL385 Unicode" panose="020B0709000202000203" pitchFamily="49" charset="0"/>
                 <a:ea typeface="+mj-ea"/>
                 <a:cs typeface="+mj-cs"/>
               </a:rPr>
@@ -4122,7 +4182,7 @@
         <p:spPr>
           <a:xfrm>
             <a:off x="696000" y="729000"/>
-            <a:ext cx="10800000" cy="5447645"/>
+            <a:ext cx="10800000" cy="5786199"/>
           </a:xfrm>
           <a:prstGeom prst="rect">
             <a:avLst/>
@@ -4197,7 +4257,29 @@
                 <a:ea typeface="+mj-ea"/>
                 <a:cs typeface="+mj-cs"/>
               </a:rPr>
-              <a:t>The 3D array rain gives the monthly rainfall in millimetres over 7 years for 5 countries.</a:t>
+              <a:t>The 3D array </a:t>
+            </a:r>
+            <a:r>
+              <a:rPr lang="en-GB" sz="2200" dirty="0">
+                <a:solidFill>
+                  <a:prstClr val="black"/>
+                </a:solidFill>
+                <a:latin typeface="APL385 Unicode" panose="020B0709000202000203" pitchFamily="49" charset="0"/>
+                <a:ea typeface="+mj-ea"/>
+                <a:cs typeface="+mj-cs"/>
+              </a:rPr>
+              <a:t>rain</a:t>
+            </a:r>
+            <a:r>
+              <a:rPr lang="en-GB" sz="2200" dirty="0">
+                <a:solidFill>
+                  <a:prstClr val="black"/>
+                </a:solidFill>
+                <a:latin typeface="Atkinson Hyperlegible" pitchFamily="50" charset="0"/>
+                <a:ea typeface="+mj-ea"/>
+                <a:cs typeface="+mj-cs"/>
+              </a:rPr>
+              <a:t> gives the monthly rainfall in millimetres over 7 years for 5 countries.</a:t>
             </a:r>
           </a:p>
           <a:p>
@@ -4424,7 +4506,7 @@
         <p:spPr>
           <a:xfrm>
             <a:off x="696000" y="729000"/>
-            <a:ext cx="10800000" cy="3754874"/>
+            <a:ext cx="10800000" cy="5663089"/>
           </a:xfrm>
           <a:prstGeom prst="rect">
             <a:avLst/>
@@ -4490,19 +4572,6 @@
             </a:endParaRPr>
           </a:p>
           <a:p>
-            <a:r>
-              <a:rPr lang="en-GB" sz="2200" dirty="0">
-                <a:solidFill>
-                  <a:prstClr val="black"/>
-                </a:solidFill>
-                <a:latin typeface="Atkinson Hyperlegible" pitchFamily="50" charset="0"/>
-                <a:ea typeface="+mj-ea"/>
-                <a:cs typeface="+mj-cs"/>
-              </a:rPr>
-              <a:t>Assign scalar numeric values (single numbers) to the variables years, countries and months such that the rain data can be summarised as follows:</a:t>
-            </a:r>
-          </a:p>
-          <a:p>
             <a:endParaRPr lang="en-GB" sz="2200" dirty="0">
               <a:solidFill>
                 <a:prstClr val="black"/>
@@ -4514,86 +4583,186 @@
           </a:p>
           <a:p>
             <a:r>
-              <a:rPr lang="en-US" sz="2200" dirty="0">
-                <a:solidFill>
-                  <a:prstClr val="black"/>
-                </a:solidFill>
-                <a:latin typeface="Atkinson Hyperlegible" pitchFamily="50" charset="0"/>
-                <a:ea typeface="+mj-ea"/>
-                <a:cs typeface="+mj-cs"/>
-              </a:rPr>
-              <a:t> ⍴+/[years]rain   ⍝ Sum over years</a:t>
-            </a:r>
-          </a:p>
-          <a:p>
-            <a:r>
-              <a:rPr lang="en-US" sz="2200" dirty="0">
-                <a:solidFill>
-                  <a:prstClr val="black"/>
-                </a:solidFill>
-                <a:latin typeface="Atkinson Hyperlegible" pitchFamily="50" charset="0"/>
-                <a:ea typeface="+mj-ea"/>
-                <a:cs typeface="+mj-cs"/>
-              </a:rPr>
-              <a:t>5 12</a:t>
-            </a:r>
-          </a:p>
-          <a:p>
-            <a:r>
-              <a:rPr lang="en-US" sz="2200" dirty="0">
-                <a:solidFill>
-                  <a:prstClr val="black"/>
-                </a:solidFill>
-                <a:latin typeface="Atkinson Hyperlegible" pitchFamily="50" charset="0"/>
-                <a:ea typeface="+mj-ea"/>
-                <a:cs typeface="+mj-cs"/>
-              </a:rPr>
-              <a:t>      ⍴+/[countries]rain   ⍝ Sum over countries</a:t>
-            </a:r>
-          </a:p>
-          <a:p>
-            <a:r>
-              <a:rPr lang="en-US" sz="2200" dirty="0">
-                <a:solidFill>
-                  <a:prstClr val="black"/>
-                </a:solidFill>
-                <a:latin typeface="Atkinson Hyperlegible" pitchFamily="50" charset="0"/>
-                <a:ea typeface="+mj-ea"/>
-                <a:cs typeface="+mj-cs"/>
-              </a:rPr>
-              <a:t>7 12</a:t>
-            </a:r>
-          </a:p>
-          <a:p>
-            <a:r>
-              <a:rPr lang="en-US" sz="2200" dirty="0">
-                <a:solidFill>
-                  <a:prstClr val="black"/>
-                </a:solidFill>
-                <a:latin typeface="Atkinson Hyperlegible" pitchFamily="50" charset="0"/>
-                <a:ea typeface="+mj-ea"/>
-                <a:cs typeface="+mj-cs"/>
-              </a:rPr>
-              <a:t>      ⍴⌈/[months]rain   ⍝ Max over month</a:t>
-            </a:r>
-          </a:p>
-          <a:p>
-            <a:r>
-              <a:rPr lang="en-US" sz="2200" dirty="0">
-                <a:solidFill>
-                  <a:prstClr val="black"/>
-                </a:solidFill>
-                <a:latin typeface="Atkinson Hyperlegible" pitchFamily="50" charset="0"/>
-                <a:ea typeface="+mj-ea"/>
-                <a:cs typeface="+mj-cs"/>
-              </a:rPr>
-              <a:t>7 5</a:t>
-            </a:r>
-            <a:endParaRPr lang="en-GB" sz="2200" dirty="0">
+              <a:rPr lang="en-GB" sz="3000" dirty="0">
+                <a:solidFill>
+                  <a:prstClr val="black"/>
+                </a:solidFill>
+                <a:latin typeface="Atkinson Hyperlegible" pitchFamily="50" charset="0"/>
+                <a:ea typeface="+mj-ea"/>
+                <a:cs typeface="+mj-cs"/>
+              </a:rPr>
+              <a:t>Assign scalar numeric values (single numbers) to the variables </a:t>
+            </a:r>
+            <a:r>
+              <a:rPr lang="en-GB" sz="3000" dirty="0">
+                <a:solidFill>
+                  <a:prstClr val="black"/>
+                </a:solidFill>
+                <a:latin typeface="APL385 Unicode" panose="020B0709000202000203" pitchFamily="49" charset="0"/>
+                <a:ea typeface="+mj-ea"/>
+                <a:cs typeface="+mj-cs"/>
+              </a:rPr>
+              <a:t>years</a:t>
+            </a:r>
+            <a:r>
+              <a:rPr lang="en-GB" sz="3000" dirty="0">
+                <a:solidFill>
+                  <a:prstClr val="black"/>
+                </a:solidFill>
+                <a:latin typeface="Atkinson Hyperlegible" pitchFamily="50" charset="0"/>
+                <a:ea typeface="+mj-ea"/>
+                <a:cs typeface="+mj-cs"/>
+              </a:rPr>
+              <a:t>, </a:t>
+            </a:r>
+            <a:r>
+              <a:rPr lang="en-GB" sz="3000" dirty="0">
+                <a:solidFill>
+                  <a:prstClr val="black"/>
+                </a:solidFill>
+                <a:latin typeface="APL385 Unicode" panose="020B0709000202000203" pitchFamily="49" charset="0"/>
+                <a:ea typeface="+mj-ea"/>
+                <a:cs typeface="+mj-cs"/>
+              </a:rPr>
+              <a:t>countries</a:t>
+            </a:r>
+            <a:r>
+              <a:rPr lang="en-GB" sz="3000" dirty="0">
+                <a:solidFill>
+                  <a:prstClr val="black"/>
+                </a:solidFill>
+                <a:latin typeface="Atkinson Hyperlegible" pitchFamily="50" charset="0"/>
+                <a:ea typeface="+mj-ea"/>
+                <a:cs typeface="+mj-cs"/>
+              </a:rPr>
+              <a:t> and </a:t>
+            </a:r>
+            <a:r>
+              <a:rPr lang="en-GB" sz="3000" dirty="0">
+                <a:solidFill>
+                  <a:prstClr val="black"/>
+                </a:solidFill>
+                <a:latin typeface="APL385 Unicode" panose="020B0709000202000203" pitchFamily="49" charset="0"/>
+                <a:ea typeface="+mj-ea"/>
+                <a:cs typeface="+mj-cs"/>
+              </a:rPr>
+              <a:t>months</a:t>
+            </a:r>
+            <a:r>
+              <a:rPr lang="en-GB" sz="3000" dirty="0">
+                <a:solidFill>
+                  <a:prstClr val="black"/>
+                </a:solidFill>
+                <a:latin typeface="Atkinson Hyperlegible" pitchFamily="50" charset="0"/>
+                <a:ea typeface="+mj-ea"/>
+                <a:cs typeface="+mj-cs"/>
+              </a:rPr>
+              <a:t> such that the rain data can be summarised as follows:</a:t>
+            </a:r>
+          </a:p>
+          <a:p>
+            <a:endParaRPr lang="en-GB" sz="3000" dirty="0">
               <a:solidFill>
                 <a:prstClr val="black"/>
               </a:solidFill>
               <a:latin typeface="Atkinson Hyperlegible" pitchFamily="50" charset="0"/>
+              <a:ea typeface="+mj-ea"/>
+              <a:cs typeface="+mj-cs"/>
+            </a:endParaRPr>
+          </a:p>
+          <a:p>
+            <a:r>
+              <a:rPr lang="en-US" sz="3000" dirty="0">
+                <a:solidFill>
+                  <a:prstClr val="black"/>
+                </a:solidFill>
+                <a:latin typeface="Atkinson Hyperlegible" pitchFamily="50" charset="0"/>
+                <a:ea typeface="+mj-ea"/>
+                <a:cs typeface="+mj-cs"/>
+              </a:rPr>
+              <a:t>	</a:t>
+            </a:r>
+            <a:r>
+              <a:rPr lang="en-US" sz="3000" dirty="0">
+                <a:solidFill>
+                  <a:prstClr val="black"/>
+                </a:solidFill>
+                <a:latin typeface="APL385 Unicode" panose="020B0709000202000203" pitchFamily="49" charset="0"/>
+                <a:ea typeface="+mj-ea"/>
+                <a:cs typeface="+mj-cs"/>
+              </a:rPr>
+              <a:t>⍴+/[years]rain       ⍝ Sum over years</a:t>
+            </a:r>
+          </a:p>
+          <a:p>
+            <a:r>
+              <a:rPr lang="en-US" sz="3000" dirty="0">
+                <a:solidFill>
+                  <a:prstClr val="black"/>
+                </a:solidFill>
+                <a:latin typeface="APL385 Unicode" panose="020B0709000202000203" pitchFamily="49" charset="0"/>
+                <a:ea typeface="+mj-ea"/>
+                <a:cs typeface="+mj-cs"/>
+              </a:rPr>
+              <a:t>5 12</a:t>
+            </a:r>
+          </a:p>
+          <a:p>
+            <a:r>
+              <a:rPr lang="en-US" sz="3000" dirty="0">
+                <a:solidFill>
+                  <a:prstClr val="black"/>
+                </a:solidFill>
+                <a:latin typeface="APL385 Unicode" panose="020B0709000202000203" pitchFamily="49" charset="0"/>
+                <a:ea typeface="+mj-ea"/>
+                <a:cs typeface="+mj-cs"/>
+              </a:rPr>
+              <a:t>	⍴+/[countries]rain   ⍝ Sum over countries</a:t>
+            </a:r>
+          </a:p>
+          <a:p>
+            <a:r>
+              <a:rPr lang="en-US" sz="3000" dirty="0">
+                <a:solidFill>
+                  <a:prstClr val="black"/>
+                </a:solidFill>
+                <a:latin typeface="APL385 Unicode" panose="020B0709000202000203" pitchFamily="49" charset="0"/>
+                <a:ea typeface="+mj-ea"/>
+                <a:cs typeface="+mj-cs"/>
+              </a:rPr>
+              <a:t>7 12</a:t>
+            </a:r>
+          </a:p>
+          <a:p>
+            <a:r>
+              <a:rPr lang="en-US" sz="3000" dirty="0">
+                <a:solidFill>
+                  <a:prstClr val="black"/>
+                </a:solidFill>
+                <a:latin typeface="APL385 Unicode" panose="020B0709000202000203" pitchFamily="49" charset="0"/>
+                <a:ea typeface="+mj-ea"/>
+                <a:cs typeface="+mj-cs"/>
+              </a:rPr>
+              <a:t>	⍴⌈/[months]rain      ⍝ Max over month</a:t>
+            </a:r>
+          </a:p>
+          <a:p>
+            <a:r>
+              <a:rPr lang="en-US" sz="3000" dirty="0">
+                <a:solidFill>
+                  <a:prstClr val="black"/>
+                </a:solidFill>
+                <a:latin typeface="APL385 Unicode" panose="020B0709000202000203" pitchFamily="49" charset="0"/>
+                <a:ea typeface="+mj-ea"/>
+                <a:cs typeface="+mj-cs"/>
+              </a:rPr>
+              <a:t>7 5</a:t>
+            </a:r>
+            <a:endParaRPr lang="en-GB" sz="3000" dirty="0">
+              <a:solidFill>
+                <a:prstClr val="black"/>
+              </a:solidFill>
+              <a:latin typeface="APL385 Unicode" panose="020B0709000202000203" pitchFamily="49" charset="0"/>
               <a:ea typeface="+mj-ea"/>
               <a:cs typeface="+mj-cs"/>
             </a:endParaRPr>
@@ -4720,7 +4889,161 @@
                 <a:ea typeface="+mj-ea"/>
                 <a:cs typeface="+mj-cs"/>
               </a:rPr>
-              <a:t>Write a function to find the average over an axis specified by a character scalar ⍺, with 'Y' representing Years, 'C' representing Countries, and 'M' representing Months.</a:t>
+              <a:t>Write a function to find the average over an axis specified by a character scalar </a:t>
+            </a:r>
+            <a:r>
+              <a:rPr lang="en-GB" sz="2000" dirty="0">
+                <a:solidFill>
+                  <a:prstClr val="black"/>
+                </a:solidFill>
+                <a:latin typeface="APL385 Unicode" panose="020B0709000202000203" pitchFamily="49" charset="0"/>
+                <a:ea typeface="+mj-ea"/>
+                <a:cs typeface="+mj-cs"/>
+              </a:rPr>
+              <a:t>⍺</a:t>
+            </a:r>
+            <a:r>
+              <a:rPr lang="en-GB" sz="2000" dirty="0">
+                <a:solidFill>
+                  <a:prstClr val="black"/>
+                </a:solidFill>
+                <a:latin typeface="Atkinson Hyperlegible" pitchFamily="50" charset="0"/>
+                <a:ea typeface="+mj-ea"/>
+                <a:cs typeface="+mj-cs"/>
+              </a:rPr>
+              <a:t>, with </a:t>
+            </a:r>
+            <a:r>
+              <a:rPr lang="en-GB" sz="2000" dirty="0">
+                <a:solidFill>
+                  <a:prstClr val="black"/>
+                </a:solidFill>
+                <a:latin typeface="APL385 Unicode" panose="020B0709000202000203" pitchFamily="49" charset="0"/>
+                <a:ea typeface="+mj-ea"/>
+                <a:cs typeface="+mj-cs"/>
+              </a:rPr>
+              <a:t>'Y'</a:t>
+            </a:r>
+            <a:r>
+              <a:rPr lang="en-GB" sz="2000" dirty="0">
+                <a:solidFill>
+                  <a:prstClr val="black"/>
+                </a:solidFill>
+                <a:latin typeface="Atkinson Hyperlegible" pitchFamily="50" charset="0"/>
+                <a:ea typeface="+mj-ea"/>
+                <a:cs typeface="+mj-cs"/>
+              </a:rPr>
+              <a:t> representing </a:t>
+            </a:r>
+            <a:r>
+              <a:rPr lang="en-GB" sz="2000" dirty="0">
+                <a:solidFill>
+                  <a:prstClr val="black"/>
+                </a:solidFill>
+                <a:latin typeface="APL385 Unicode" panose="020B0709000202000203" pitchFamily="49" charset="0"/>
+                <a:ea typeface="+mj-ea"/>
+                <a:cs typeface="+mj-cs"/>
+              </a:rPr>
+              <a:t>years</a:t>
+            </a:r>
+            <a:r>
+              <a:rPr lang="en-GB" sz="2000" dirty="0">
+                <a:solidFill>
+                  <a:prstClr val="black"/>
+                </a:solidFill>
+                <a:latin typeface="Atkinson Hyperlegible" pitchFamily="50" charset="0"/>
+                <a:ea typeface="+mj-ea"/>
+                <a:cs typeface="+mj-cs"/>
+              </a:rPr>
+              <a:t>, </a:t>
+            </a:r>
+            <a:r>
+              <a:rPr lang="en-GB" sz="2000" dirty="0">
+                <a:solidFill>
+                  <a:prstClr val="black"/>
+                </a:solidFill>
+                <a:latin typeface="APL385 Unicode" panose="020B0709000202000203" pitchFamily="49" charset="0"/>
+                <a:ea typeface="+mj-ea"/>
+                <a:cs typeface="+mj-cs"/>
+              </a:rPr>
+              <a:t>'C'</a:t>
+            </a:r>
+            <a:r>
+              <a:rPr lang="en-GB" sz="2000" dirty="0">
+                <a:solidFill>
+                  <a:prstClr val="black"/>
+                </a:solidFill>
+                <a:latin typeface="Atkinson Hyperlegible" pitchFamily="50" charset="0"/>
+                <a:ea typeface="+mj-ea"/>
+                <a:cs typeface="+mj-cs"/>
+              </a:rPr>
+              <a:t> representing </a:t>
+            </a:r>
+            <a:r>
+              <a:rPr lang="en-GB" sz="2000" dirty="0">
+                <a:solidFill>
+                  <a:prstClr val="black"/>
+                </a:solidFill>
+                <a:latin typeface="APL385 Unicode" panose="020B0709000202000203" pitchFamily="49" charset="0"/>
+                <a:ea typeface="+mj-ea"/>
+                <a:cs typeface="+mj-cs"/>
+              </a:rPr>
+              <a:t>countries</a:t>
+            </a:r>
+            <a:r>
+              <a:rPr lang="en-GB" sz="2000" dirty="0">
+                <a:solidFill>
+                  <a:prstClr val="black"/>
+                </a:solidFill>
+                <a:latin typeface="Atkinson Hyperlegible" pitchFamily="50" charset="0"/>
+                <a:ea typeface="+mj-ea"/>
+                <a:cs typeface="+mj-cs"/>
+              </a:rPr>
+              <a:t>, and </a:t>
+            </a:r>
+            <a:r>
+              <a:rPr lang="en-GB" sz="2000" dirty="0">
+                <a:solidFill>
+                  <a:prstClr val="black"/>
+                </a:solidFill>
+                <a:latin typeface="APL385 Unicode" panose="020B0709000202000203" pitchFamily="49" charset="0"/>
+                <a:ea typeface="+mj-ea"/>
+                <a:cs typeface="+mj-cs"/>
+              </a:rPr>
+              <a:t>'M'</a:t>
+            </a:r>
+            <a:r>
+              <a:rPr lang="en-GB" sz="2000" dirty="0">
+                <a:solidFill>
+                  <a:prstClr val="black"/>
+                </a:solidFill>
+                <a:latin typeface="Atkinson Hyperlegible" pitchFamily="50" charset="0"/>
+                <a:ea typeface="+mj-ea"/>
+                <a:cs typeface="+mj-cs"/>
+              </a:rPr>
+              <a:t> representing </a:t>
+            </a:r>
+            <a:r>
+              <a:rPr lang="en-GB" sz="2000" dirty="0">
+                <a:solidFill>
+                  <a:prstClr val="black"/>
+                </a:solidFill>
+                <a:latin typeface="APL385 Unicode" panose="020B0709000202000203" pitchFamily="49" charset="0"/>
+                <a:ea typeface="+mj-ea"/>
+                <a:cs typeface="+mj-cs"/>
+              </a:rPr>
+              <a:t>months</a:t>
+            </a:r>
+            <a:r>
+              <a:rPr lang="en-GB" sz="2000" dirty="0">
+                <a:solidFill>
+                  <a:prstClr val="black"/>
+                </a:solidFill>
+                <a:latin typeface="Atkinson Hyperlegible" pitchFamily="50" charset="0"/>
+                <a:ea typeface="+mj-ea"/>
+                <a:cs typeface="+mj-cs"/>
+              </a:rPr>
+              <a:t>.</a:t>
             </a:r>
           </a:p>
           <a:p>
@@ -5008,7 +5331,7 @@
         <p:spPr>
           <a:xfrm>
             <a:off x="696000" y="729000"/>
-            <a:ext cx="10800000" cy="2862322"/>
+            <a:ext cx="10800000" cy="3600986"/>
           </a:xfrm>
           <a:prstGeom prst="rect">
             <a:avLst/>
@@ -5077,19 +5400,6 @@
             </a:r>
           </a:p>
           <a:p>
-            <a:r>
-              <a:rPr lang="en-GB" sz="2000" dirty="0">
-                <a:solidFill>
-                  <a:prstClr val="black"/>
-                </a:solidFill>
-                <a:latin typeface="Atkinson Hyperlegible" pitchFamily="50" charset="0"/>
-                <a:ea typeface="+mj-ea"/>
-                <a:cs typeface="+mj-cs"/>
-              </a:rPr>
-              <a:t>Define the following arrays in your workspace:</a:t>
-            </a:r>
-          </a:p>
-          <a:p>
             <a:endParaRPr lang="en-GB" sz="2000" dirty="0">
               <a:solidFill>
                 <a:prstClr val="black"/>
@@ -5101,18 +5411,41 @@
           </a:p>
           <a:p>
             <a:r>
-              <a:rPr lang="en-GB" sz="2000" dirty="0">
-                <a:solidFill>
-                  <a:prstClr val="black"/>
-                </a:solidFill>
-                <a:latin typeface="APL385 Unicode" panose="020B0709000202000203" pitchFamily="49" charset="0"/>
-                <a:ea typeface="+mj-ea"/>
-                <a:cs typeface="+mj-cs"/>
-              </a:rPr>
-              <a:t>	fruits←4 7⍴'Apples </a:t>
-            </a:r>
-            <a:r>
-              <a:rPr lang="en-GB" sz="2000" dirty="0" err="1">
+              <a:rPr lang="en-GB" sz="2800" dirty="0">
+                <a:solidFill>
+                  <a:prstClr val="black"/>
+                </a:solidFill>
+                <a:latin typeface="Atkinson Hyperlegible" pitchFamily="50" charset="0"/>
+                <a:ea typeface="+mj-ea"/>
+                <a:cs typeface="+mj-cs"/>
+              </a:rPr>
+              <a:t>Define the following arrays in your workspace:</a:t>
+            </a:r>
+          </a:p>
+          <a:p>
+            <a:endParaRPr lang="en-GB" sz="2800" dirty="0">
+              <a:solidFill>
+                <a:prstClr val="black"/>
+              </a:solidFill>
+              <a:latin typeface="Atkinson Hyperlegible" pitchFamily="50" charset="0"/>
+              <a:ea typeface="+mj-ea"/>
+              <a:cs typeface="+mj-cs"/>
+            </a:endParaRPr>
+          </a:p>
+          <a:p>
+            <a:r>
+              <a:rPr lang="en-GB" sz="2800" dirty="0">
+                <a:solidFill>
+                  <a:prstClr val="black"/>
+                </a:solidFill>
+                <a:latin typeface="APL385 Unicode" panose="020B0709000202000203" pitchFamily="49" charset="0"/>
+                <a:ea typeface="+mj-ea"/>
+                <a:cs typeface="+mj-cs"/>
+              </a:rPr>
+              <a:t>	fruits ← 4 7⍴'Apples </a:t>
+            </a:r>
+            <a:r>
+              <a:rPr lang="en-GB" sz="2800" dirty="0" err="1">
                 <a:solidFill>
                   <a:prstClr val="black"/>
                 </a:solidFill>
@@ -5123,7 +5456,7 @@
               <a:t>MangoesOrangesBananas</a:t>
             </a:r>
             <a:r>
-              <a:rPr lang="en-GB" sz="2000" dirty="0">
+              <a:rPr lang="en-GB" sz="2800" dirty="0">
                 <a:solidFill>
                   <a:prstClr val="black"/>
                 </a:solidFill>
@@ -5136,31 +5469,31 @@
           </a:p>
           <a:p>
             <a:r>
-              <a:rPr lang="en-GB" sz="2000" dirty="0">
-                <a:solidFill>
-                  <a:prstClr val="black"/>
-                </a:solidFill>
-                <a:latin typeface="APL385 Unicode" panose="020B0709000202000203" pitchFamily="49" charset="0"/>
-                <a:ea typeface="+mj-ea"/>
-                <a:cs typeface="+mj-cs"/>
-              </a:rPr>
-              <a:t>	days←7 3⍴'SunMonTueWedThuFriSat'</a:t>
-            </a:r>
-          </a:p>
-          <a:p>
-            <a:r>
-              <a:rPr lang="en-GB" sz="2000" dirty="0">
-                <a:solidFill>
-                  <a:prstClr val="black"/>
-                </a:solidFill>
-                <a:latin typeface="APL385 Unicode" panose="020B0709000202000203" pitchFamily="49" charset="0"/>
-                <a:ea typeface="+mj-ea"/>
-                <a:cs typeface="+mj-cs"/>
-              </a:rPr>
-              <a:t>	names←3 7⍴'Adam   </a:t>
-            </a:r>
-            <a:r>
-              <a:rPr lang="en-GB" sz="2000" dirty="0" err="1">
+              <a:rPr lang="en-GB" sz="2800" dirty="0">
+                <a:solidFill>
+                  <a:prstClr val="black"/>
+                </a:solidFill>
+                <a:latin typeface="APL385 Unicode" panose="020B0709000202000203" pitchFamily="49" charset="0"/>
+                <a:ea typeface="+mj-ea"/>
+                <a:cs typeface="+mj-cs"/>
+              </a:rPr>
+              <a:t>	days ← 7 3⍴'SunMonTueWedThuFriSat'</a:t>
+            </a:r>
+          </a:p>
+          <a:p>
+            <a:r>
+              <a:rPr lang="en-GB" sz="2800" dirty="0">
+                <a:solidFill>
+                  <a:prstClr val="black"/>
+                </a:solidFill>
+                <a:latin typeface="APL385 Unicode" panose="020B0709000202000203" pitchFamily="49" charset="0"/>
+                <a:ea typeface="+mj-ea"/>
+                <a:cs typeface="+mj-cs"/>
+              </a:rPr>
+              <a:t>	names ← 3 7⍴'Adam   </a:t>
+            </a:r>
+            <a:r>
+              <a:rPr lang="en-GB" sz="2800" dirty="0" err="1">
                 <a:solidFill>
                   <a:prstClr val="black"/>
                 </a:solidFill>
@@ -5171,7 +5504,7 @@
               <a:t>RodrigoRich</a:t>
             </a:r>
             <a:r>
-              <a:rPr lang="en-GB" sz="2000" dirty="0">
+              <a:rPr lang="en-GB" sz="2800" dirty="0">
                 <a:solidFill>
                   <a:prstClr val="black"/>
                 </a:solidFill>
@@ -5184,19 +5517,39 @@
           </a:p>
           <a:p>
             <a:r>
-              <a:rPr lang="en-GB" sz="2000" dirty="0">
-                <a:solidFill>
-                  <a:prstClr val="black"/>
-                </a:solidFill>
-                <a:latin typeface="APL385 Unicode" panose="020B0709000202000203" pitchFamily="49" charset="0"/>
-                <a:ea typeface="+mj-ea"/>
-                <a:cs typeface="+mj-cs"/>
-              </a:rPr>
-              <a:t>	⎕rl←42 ⋄ ate←?3 4 7⍴3</a:t>
-            </a:r>
-          </a:p>
-          <a:p>
-            <a:endParaRPr lang="en-GB" sz="2000" dirty="0">
+              <a:rPr lang="en-GB" sz="2800" dirty="0">
+                <a:solidFill>
+                  <a:prstClr val="black"/>
+                </a:solidFill>
+                <a:latin typeface="APL385 Unicode" panose="020B0709000202000203" pitchFamily="49" charset="0"/>
+                <a:ea typeface="+mj-ea"/>
+                <a:cs typeface="+mj-cs"/>
+              </a:rPr>
+              <a:t>	⎕</a:t>
+            </a:r>
+            <a:r>
+              <a:rPr lang="en-GB" sz="2800" dirty="0" err="1">
+                <a:solidFill>
+                  <a:prstClr val="black"/>
+                </a:solidFill>
+                <a:latin typeface="APL385 Unicode" panose="020B0709000202000203" pitchFamily="49" charset="0"/>
+                <a:ea typeface="+mj-ea"/>
+                <a:cs typeface="+mj-cs"/>
+              </a:rPr>
+              <a:t>rl</a:t>
+            </a:r>
+            <a:r>
+              <a:rPr lang="en-GB" sz="2800" dirty="0">
+                <a:solidFill>
+                  <a:prstClr val="black"/>
+                </a:solidFill>
+                <a:latin typeface="APL385 Unicode" panose="020B0709000202000203" pitchFamily="49" charset="0"/>
+                <a:ea typeface="+mj-ea"/>
+                <a:cs typeface="+mj-cs"/>
+              </a:rPr>
+              <a:t> ← 42 1 ⋄ ate ← ?3 4 7⍴3</a:t>
+            </a:r>
+            <a:endParaRPr lang="en-GB" sz="2800" dirty="0">
               <a:solidFill>
                 <a:prstClr val="black"/>
               </a:solidFill>
@@ -5252,7 +5605,7 @@
         <p:spPr>
           <a:xfrm>
             <a:off x="696000" y="729000"/>
-            <a:ext cx="10800000" cy="3939540"/>
+            <a:ext cx="10800000" cy="5632311"/>
           </a:xfrm>
           <a:prstGeom prst="rect">
             <a:avLst/>
@@ -5321,19 +5674,6 @@
             </a:r>
           </a:p>
           <a:p>
-            <a:r>
-              <a:rPr lang="en-GB" sz="2000" dirty="0">
-                <a:solidFill>
-                  <a:prstClr val="black"/>
-                </a:solidFill>
-                <a:latin typeface="Atkinson Hyperlegible" pitchFamily="50" charset="0"/>
-                <a:ea typeface="+mj-ea"/>
-                <a:cs typeface="+mj-cs"/>
-              </a:rPr>
-              <a:t>Write a function to determine who ate the most throughout the week, when only counting fruits listed in the character matrix ⍵.</a:t>
-            </a:r>
-          </a:p>
-          <a:p>
             <a:endParaRPr lang="en-GB" sz="2000" dirty="0">
               <a:solidFill>
                 <a:prstClr val="black"/>
@@ -5345,7 +5685,52 @@
           </a:p>
           <a:p>
             <a:r>
-              <a:rPr lang="en-GB" sz="2000" dirty="0">
+              <a:rPr lang="en-GB" sz="3000" dirty="0">
+                <a:solidFill>
+                  <a:prstClr val="black"/>
+                </a:solidFill>
+                <a:latin typeface="Atkinson Hyperlegible" pitchFamily="50" charset="0"/>
+                <a:ea typeface="+mj-ea"/>
+                <a:cs typeface="+mj-cs"/>
+              </a:rPr>
+              <a:t>Write a function to determine who ate the most throughout the week, when only counting fruits listed in the character matrix </a:t>
+            </a:r>
+            <a:r>
+              <a:rPr lang="en-GB" sz="3000" dirty="0">
+                <a:solidFill>
+                  <a:prstClr val="black"/>
+                </a:solidFill>
+                <a:latin typeface="APL385 Unicode" panose="020B0709000202000203" pitchFamily="49" charset="0"/>
+                <a:ea typeface="+mj-ea"/>
+                <a:cs typeface="+mj-cs"/>
+              </a:rPr>
+              <a:t>⍵</a:t>
+            </a:r>
+            <a:r>
+              <a:rPr lang="en-GB" sz="3000" dirty="0">
+                <a:solidFill>
+                  <a:prstClr val="black"/>
+                </a:solidFill>
+                <a:latin typeface="Atkinson Hyperlegible" pitchFamily="50" charset="0"/>
+                <a:ea typeface="+mj-ea"/>
+                <a:cs typeface="+mj-cs"/>
+              </a:rPr>
+              <a:t>.</a:t>
+            </a:r>
+          </a:p>
+          <a:p>
+            <a:endParaRPr lang="en-GB" sz="3000" dirty="0">
+              <a:solidFill>
+                <a:prstClr val="black"/>
+              </a:solidFill>
+              <a:latin typeface="Atkinson Hyperlegible" pitchFamily="50" charset="0"/>
+              <a:ea typeface="+mj-ea"/>
+              <a:cs typeface="+mj-cs"/>
+            </a:endParaRPr>
+          </a:p>
+          <a:p>
+            <a:r>
+              <a:rPr lang="en-GB" sz="3000" dirty="0">
                 <a:solidFill>
                   <a:prstClr val="black"/>
                 </a:solidFill>
@@ -5356,7 +5741,7 @@
               <a:t>      </a:t>
             </a:r>
             <a:r>
-              <a:rPr lang="en-GB" sz="2000" dirty="0" err="1">
+              <a:rPr lang="en-GB" sz="3000" dirty="0" err="1">
                 <a:solidFill>
                   <a:prstClr val="black"/>
                 </a:solidFill>
@@ -5367,7 +5752,7 @@
               <a:t>WhoAteMost</a:t>
             </a:r>
             <a:r>
-              <a:rPr lang="en-GB" sz="2000" dirty="0">
+              <a:rPr lang="en-GB" sz="3000" dirty="0">
                 <a:solidFill>
                   <a:prstClr val="black"/>
                 </a:solidFill>
@@ -5380,20 +5765,20 @@
           </a:p>
           <a:p>
             <a:r>
-              <a:rPr lang="en-GB" sz="2000" dirty="0">
-                <a:solidFill>
-                  <a:prstClr val="black"/>
-                </a:solidFill>
-                <a:latin typeface="APL385 Unicode" panose="020B0709000202000203" pitchFamily="49" charset="0"/>
-                <a:ea typeface="+mj-ea"/>
-                <a:cs typeface="+mj-cs"/>
-              </a:rPr>
-              <a:t>Rich   </a:t>
-            </a:r>
-          </a:p>
-          <a:p>
-            <a:r>
-              <a:rPr lang="en-GB" sz="2000" dirty="0">
+              <a:rPr lang="en-GB" sz="3000" dirty="0">
+                <a:solidFill>
+                  <a:prstClr val="black"/>
+                </a:solidFill>
+                <a:latin typeface="APL385 Unicode" panose="020B0709000202000203" pitchFamily="49" charset="0"/>
+                <a:ea typeface="+mj-ea"/>
+                <a:cs typeface="+mj-cs"/>
+              </a:rPr>
+              <a:t>Adam   </a:t>
+            </a:r>
+          </a:p>
+          <a:p>
+            <a:r>
+              <a:rPr lang="en-GB" sz="3000" dirty="0">
                 <a:solidFill>
                   <a:prstClr val="black"/>
                 </a:solidFill>
@@ -5404,7 +5789,7 @@
               <a:t>      </a:t>
             </a:r>
             <a:r>
-              <a:rPr lang="en-GB" sz="2000" dirty="0" err="1">
+              <a:rPr lang="en-GB" sz="3000" dirty="0" err="1">
                 <a:solidFill>
                   <a:prstClr val="black"/>
                 </a:solidFill>
@@ -5415,7 +5800,7 @@
               <a:t>WhoAteMost</a:t>
             </a:r>
             <a:r>
-              <a:rPr lang="en-GB" sz="2000" dirty="0">
+              <a:rPr lang="en-GB" sz="3000" dirty="0">
                 <a:solidFill>
                   <a:prstClr val="black"/>
                 </a:solidFill>
@@ -5428,20 +5813,20 @@
           </a:p>
           <a:p>
             <a:r>
-              <a:rPr lang="en-GB" sz="2000" dirty="0">
-                <a:solidFill>
-                  <a:prstClr val="black"/>
-                </a:solidFill>
-                <a:latin typeface="APL385 Unicode" panose="020B0709000202000203" pitchFamily="49" charset="0"/>
-                <a:ea typeface="+mj-ea"/>
-                <a:cs typeface="+mj-cs"/>
-              </a:rPr>
-              <a:t>Adam   </a:t>
-            </a:r>
-          </a:p>
-          <a:p>
-            <a:r>
-              <a:rPr lang="en-GB" sz="2000" dirty="0">
+              <a:rPr lang="en-GB" sz="3000" dirty="0">
+                <a:solidFill>
+                  <a:prstClr val="black"/>
+                </a:solidFill>
+                <a:latin typeface="APL385 Unicode" panose="020B0709000202000203" pitchFamily="49" charset="0"/>
+                <a:ea typeface="+mj-ea"/>
+                <a:cs typeface="+mj-cs"/>
+              </a:rPr>
+              <a:t>Rodrigo   </a:t>
+            </a:r>
+          </a:p>
+          <a:p>
+            <a:r>
+              <a:rPr lang="en-GB" sz="3000" dirty="0">
                 <a:solidFill>
                   <a:prstClr val="black"/>
                 </a:solidFill>
@@ -5452,7 +5837,7 @@
               <a:t>      </a:t>
             </a:r>
             <a:r>
-              <a:rPr lang="en-GB" sz="2000" dirty="0" err="1">
+              <a:rPr lang="en-GB" sz="3000" dirty="0" err="1">
                 <a:solidFill>
                   <a:prstClr val="black"/>
                 </a:solidFill>
@@ -5463,7 +5848,7 @@
               <a:t>WhoAteMost</a:t>
             </a:r>
             <a:r>
-              <a:rPr lang="en-GB" sz="2000" dirty="0">
+              <a:rPr lang="en-GB" sz="3000" dirty="0">
                 <a:solidFill>
                   <a:prstClr val="black"/>
                 </a:solidFill>
@@ -5476,7 +5861,7 @@
           </a:p>
           <a:p>
             <a:r>
-              <a:rPr lang="en-GB" sz="2000" dirty="0">
+              <a:rPr lang="en-GB" sz="3000" dirty="0">
                 <a:solidFill>
                   <a:prstClr val="black"/>
                 </a:solidFill>
@@ -5486,7 +5871,7 @@
               </a:rPr>
               <a:t>Adam </a:t>
             </a:r>
-            <a:endParaRPr lang="en-GB" sz="2000" dirty="0">
+            <a:endParaRPr lang="en-GB" sz="3000" dirty="0">
               <a:solidFill>
                 <a:prstClr val="black"/>
               </a:solidFill>
@@ -5552,7 +5937,7 @@
         <p:spPr>
           <a:xfrm>
             <a:off x="696000" y="729000"/>
-            <a:ext cx="10800000" cy="2092881"/>
+            <a:ext cx="10800000" cy="3877985"/>
           </a:xfrm>
           <a:prstGeom prst="rect">
             <a:avLst/>
@@ -5632,15 +6017,205 @@
           </a:p>
           <a:p>
             <a:r>
-              <a:rPr lang="en-US" sz="3000" dirty="0">
-                <a:solidFill>
-                  <a:prstClr val="black"/>
-                </a:solidFill>
-                <a:latin typeface="Atkinson Hyperlegible" pitchFamily="50" charset="0"/>
-                <a:ea typeface="+mj-ea"/>
-                <a:cs typeface="+mj-cs"/>
-              </a:rPr>
-              <a:t>Write a function to determine who ate the most fruit ⍵ on weekdays ⍺</a:t>
+              <a:rPr lang="en-US" sz="2200" dirty="0">
+                <a:solidFill>
+                  <a:prstClr val="black"/>
+                </a:solidFill>
+                <a:latin typeface="Atkinson Hyperlegible" pitchFamily="50" charset="0"/>
+                <a:ea typeface="+mj-ea"/>
+                <a:cs typeface="+mj-cs"/>
+              </a:rPr>
+              <a:t>Write a function </a:t>
+            </a:r>
+            <a:r>
+              <a:rPr lang="en-US" sz="2200" dirty="0" err="1">
+                <a:solidFill>
+                  <a:prstClr val="black"/>
+                </a:solidFill>
+                <a:latin typeface="APL385 Unicode" panose="020B0709000202000203" pitchFamily="49" charset="0"/>
+                <a:ea typeface="+mj-ea"/>
+                <a:cs typeface="+mj-cs"/>
+              </a:rPr>
+              <a:t>AteMostOnWeekdays</a:t>
+            </a:r>
+            <a:r>
+              <a:rPr lang="en-US" sz="2200" dirty="0">
+                <a:solidFill>
+                  <a:prstClr val="black"/>
+                </a:solidFill>
+                <a:latin typeface="Atkinson Hyperlegible" pitchFamily="50" charset="0"/>
+                <a:ea typeface="+mj-ea"/>
+                <a:cs typeface="+mj-cs"/>
+              </a:rPr>
+              <a:t> to determine who ate the most fruit </a:t>
+            </a:r>
+            <a:r>
+              <a:rPr lang="en-US" sz="2200" dirty="0">
+                <a:solidFill>
+                  <a:prstClr val="black"/>
+                </a:solidFill>
+                <a:latin typeface="APL385 Unicode" panose="020B0709000202000203" pitchFamily="49" charset="0"/>
+                <a:ea typeface="+mj-ea"/>
+                <a:cs typeface="+mj-cs"/>
+              </a:rPr>
+              <a:t>⍵</a:t>
+            </a:r>
+            <a:r>
+              <a:rPr lang="en-US" sz="2200" dirty="0">
+                <a:solidFill>
+                  <a:prstClr val="black"/>
+                </a:solidFill>
+                <a:latin typeface="Atkinson Hyperlegible" pitchFamily="50" charset="0"/>
+                <a:ea typeface="+mj-ea"/>
+                <a:cs typeface="+mj-cs"/>
+              </a:rPr>
+              <a:t> on weekdays </a:t>
+            </a:r>
+            <a:r>
+              <a:rPr lang="en-US" sz="2200" dirty="0">
+                <a:solidFill>
+                  <a:prstClr val="black"/>
+                </a:solidFill>
+                <a:latin typeface="APL385 Unicode" panose="020B0709000202000203" pitchFamily="49" charset="0"/>
+                <a:ea typeface="+mj-ea"/>
+                <a:cs typeface="+mj-cs"/>
+              </a:rPr>
+              <a:t>⍺</a:t>
+            </a:r>
+            <a:r>
+              <a:rPr lang="en-US" sz="2200" dirty="0">
+                <a:solidFill>
+                  <a:prstClr val="black"/>
+                </a:solidFill>
+                <a:latin typeface="Atkinson Hyperlegible" pitchFamily="2" charset="0"/>
+                <a:ea typeface="+mj-ea"/>
+                <a:cs typeface="+mj-cs"/>
+              </a:rPr>
+              <a:t>:</a:t>
+            </a:r>
+          </a:p>
+          <a:p>
+            <a:endParaRPr lang="en-US" sz="2200" dirty="0">
+              <a:solidFill>
+                <a:prstClr val="black"/>
+              </a:solidFill>
+              <a:latin typeface="APL385 Unicode" panose="020B0709000202000203" pitchFamily="49" charset="0"/>
+              <a:ea typeface="+mj-ea"/>
+              <a:cs typeface="+mj-cs"/>
+            </a:endParaRPr>
+          </a:p>
+          <a:p>
+            <a:endParaRPr lang="en-US" sz="2200" dirty="0">
+              <a:solidFill>
+                <a:prstClr val="black"/>
+              </a:solidFill>
+              <a:latin typeface="APL385 Unicode" panose="020B0709000202000203" pitchFamily="49" charset="0"/>
+              <a:ea typeface="+mj-ea"/>
+              <a:cs typeface="+mj-cs"/>
+            </a:endParaRPr>
+          </a:p>
+          <a:p>
+            <a:r>
+              <a:rPr lang="en-US" sz="2200" dirty="0">
+                <a:solidFill>
+                  <a:prstClr val="black"/>
+                </a:solidFill>
+                <a:latin typeface="APL385 Unicode" panose="020B0709000202000203" pitchFamily="49" charset="0"/>
+                <a:ea typeface="+mj-ea"/>
+                <a:cs typeface="+mj-cs"/>
+              </a:rPr>
+              <a:t>       (2 3⍴'WedTue') </a:t>
+            </a:r>
+            <a:r>
+              <a:rPr lang="en-US" sz="2200" dirty="0" err="1">
+                <a:solidFill>
+                  <a:prstClr val="black"/>
+                </a:solidFill>
+                <a:latin typeface="APL385 Unicode" panose="020B0709000202000203" pitchFamily="49" charset="0"/>
+                <a:ea typeface="+mj-ea"/>
+                <a:cs typeface="+mj-cs"/>
+              </a:rPr>
+              <a:t>AteMostOnWeekdays</a:t>
+            </a:r>
+            <a:r>
+              <a:rPr lang="en-US" sz="2200" dirty="0">
+                <a:solidFill>
+                  <a:prstClr val="black"/>
+                </a:solidFill>
+                <a:latin typeface="APL385 Unicode" panose="020B0709000202000203" pitchFamily="49" charset="0"/>
+                <a:ea typeface="+mj-ea"/>
+                <a:cs typeface="+mj-cs"/>
+              </a:rPr>
+              <a:t> 1 7⍴'Mangoes'</a:t>
+            </a:r>
+          </a:p>
+          <a:p>
+            <a:r>
+              <a:rPr lang="en-US" sz="2200" dirty="0">
+                <a:solidFill>
+                  <a:prstClr val="black"/>
+                </a:solidFill>
+                <a:latin typeface="APL385 Unicode" panose="020B0709000202000203" pitchFamily="49" charset="0"/>
+                <a:ea typeface="+mj-ea"/>
+                <a:cs typeface="+mj-cs"/>
+              </a:rPr>
+              <a:t>Rich</a:t>
+            </a:r>
+            <a:endParaRPr lang="en-US" sz="2000" dirty="0">
+              <a:solidFill>
+                <a:prstClr val="black"/>
+              </a:solidFill>
+              <a:latin typeface="APL385 Unicode" panose="020B0709000202000203" pitchFamily="49" charset="0"/>
+              <a:ea typeface="+mj-ea"/>
+              <a:cs typeface="+mj-cs"/>
+            </a:endParaRPr>
+          </a:p>
+          <a:p>
+            <a:r>
+              <a:rPr lang="en-US" sz="2200" dirty="0">
+                <a:solidFill>
+                  <a:prstClr val="black"/>
+                </a:solidFill>
+                <a:latin typeface="APL385 Unicode" panose="020B0709000202000203" pitchFamily="49" charset="0"/>
+                <a:ea typeface="+mj-ea"/>
+                <a:cs typeface="+mj-cs"/>
+              </a:rPr>
+              <a:t>       (3 3⍴'MonWedFri') </a:t>
+            </a:r>
+            <a:r>
+              <a:rPr lang="en-US" sz="2200" dirty="0" err="1">
+                <a:solidFill>
+                  <a:prstClr val="black"/>
+                </a:solidFill>
+                <a:latin typeface="APL385 Unicode" panose="020B0709000202000203" pitchFamily="49" charset="0"/>
+                <a:ea typeface="+mj-ea"/>
+                <a:cs typeface="+mj-cs"/>
+              </a:rPr>
+              <a:t>AteMostOnWeekdays</a:t>
+            </a:r>
+            <a:r>
+              <a:rPr lang="en-US" sz="2200" dirty="0">
+                <a:solidFill>
+                  <a:prstClr val="black"/>
+                </a:solidFill>
+                <a:latin typeface="APL385 Unicode" panose="020B0709000202000203" pitchFamily="49" charset="0"/>
+                <a:ea typeface="+mj-ea"/>
+                <a:cs typeface="+mj-cs"/>
+              </a:rPr>
+              <a:t> 2 7⍴'Apples Oranges'</a:t>
+            </a:r>
+          </a:p>
+          <a:p>
+            <a:r>
+              <a:rPr lang="en-US" sz="2200" dirty="0">
+                <a:solidFill>
+                  <a:prstClr val="black"/>
+                </a:solidFill>
+                <a:latin typeface="APL385 Unicode" panose="020B0709000202000203" pitchFamily="49" charset="0"/>
+                <a:ea typeface="+mj-ea"/>
+                <a:cs typeface="+mj-cs"/>
+              </a:rPr>
+              <a:t>Adam</a:t>
             </a:r>
           </a:p>
         </p:txBody>
@@ -5690,7 +6265,7 @@
         <p:spPr>
           <a:xfrm>
             <a:off x="696000" y="729000"/>
-            <a:ext cx="10800000" cy="2554545"/>
+            <a:ext cx="10800000" cy="3477875"/>
           </a:xfrm>
           <a:prstGeom prst="rect">
             <a:avLst/>
@@ -5770,19 +6345,85 @@
           </a:p>
           <a:p>
             <a:r>
-              <a:rPr lang="en-US" sz="3000" dirty="0">
-                <a:solidFill>
-                  <a:prstClr val="black"/>
-                </a:solidFill>
-                <a:latin typeface="Atkinson Hyperlegible" pitchFamily="50" charset="0"/>
-                <a:ea typeface="+mj-ea"/>
-                <a:cs typeface="+mj-cs"/>
-              </a:rPr>
-              <a:t>Write a function to determine the day on which people with names given in matrix ⍺ ate most of fruits given in matrix ⍵</a:t>
-            </a:r>
-          </a:p>
-          <a:p>
-            <a:endParaRPr lang="en-GB" sz="3000" dirty="0">
+              <a:rPr lang="en-US" sz="2400" dirty="0">
+                <a:solidFill>
+                  <a:prstClr val="black"/>
+                </a:solidFill>
+                <a:latin typeface="Atkinson Hyperlegible" pitchFamily="50" charset="0"/>
+                <a:ea typeface="+mj-ea"/>
+                <a:cs typeface="+mj-cs"/>
+              </a:rPr>
+              <a:t>Write a function </a:t>
+            </a:r>
+            <a:r>
+              <a:rPr lang="en-US" sz="2400" dirty="0" err="1">
+                <a:solidFill>
+                  <a:prstClr val="black"/>
+                </a:solidFill>
+                <a:latin typeface="APL385 Unicode" panose="020B0709000202000203" pitchFamily="49" charset="0"/>
+                <a:ea typeface="+mj-ea"/>
+                <a:cs typeface="+mj-cs"/>
+              </a:rPr>
+              <a:t>DayMostFruitEaten</a:t>
+            </a:r>
+            <a:r>
+              <a:rPr lang="en-US" sz="2400" dirty="0">
+                <a:solidFill>
+                  <a:prstClr val="black"/>
+                </a:solidFill>
+                <a:latin typeface="Atkinson Hyperlegible" pitchFamily="50" charset="0"/>
+                <a:ea typeface="+mj-ea"/>
+                <a:cs typeface="+mj-cs"/>
+              </a:rPr>
+              <a:t> to determine the day on which people with names given in matrix </a:t>
+            </a:r>
+            <a:r>
+              <a:rPr lang="en-US" sz="2400" dirty="0">
+                <a:solidFill>
+                  <a:prstClr val="black"/>
+                </a:solidFill>
+                <a:latin typeface="APL385 Unicode" panose="020B0709000202000203" pitchFamily="49" charset="0"/>
+                <a:ea typeface="+mj-ea"/>
+                <a:cs typeface="+mj-cs"/>
+              </a:rPr>
+              <a:t>⍺</a:t>
+            </a:r>
+            <a:r>
+              <a:rPr lang="en-US" sz="2400" dirty="0">
+                <a:solidFill>
+                  <a:prstClr val="black"/>
+                </a:solidFill>
+                <a:latin typeface="Atkinson Hyperlegible" pitchFamily="50" charset="0"/>
+                <a:ea typeface="+mj-ea"/>
+                <a:cs typeface="+mj-cs"/>
+              </a:rPr>
+              <a:t> ate most of fruits given in matrix </a:t>
+            </a:r>
+            <a:r>
+              <a:rPr lang="en-US" sz="2400" dirty="0">
+                <a:solidFill>
+                  <a:prstClr val="black"/>
+                </a:solidFill>
+                <a:latin typeface="APL385 Unicode" panose="020B0709000202000203" pitchFamily="49" charset="0"/>
+                <a:ea typeface="+mj-ea"/>
+                <a:cs typeface="+mj-cs"/>
+              </a:rPr>
+              <a:t>⍵</a:t>
+            </a:r>
+            <a:r>
+              <a:rPr lang="en-US" sz="2400" dirty="0">
+                <a:solidFill>
+                  <a:prstClr val="black"/>
+                </a:solidFill>
+                <a:latin typeface="Atkinson Hyperlegible" pitchFamily="50" charset="0"/>
+                <a:ea typeface="+mj-ea"/>
+                <a:cs typeface="+mj-cs"/>
+              </a:rPr>
+              <a:t>:</a:t>
+            </a:r>
+          </a:p>
+          <a:p>
+            <a:endParaRPr lang="en-GB" sz="2200" dirty="0">
               <a:solidFill>
                 <a:prstClr val="black"/>
               </a:solidFill>
@@ -5790,6 +6431,102 @@
               <a:ea typeface="+mj-ea"/>
               <a:cs typeface="+mj-cs"/>
             </a:endParaRPr>
+          </a:p>
+          <a:p>
+            <a:r>
+              <a:rPr lang="en-GB" sz="2000" dirty="0">
+                <a:solidFill>
+                  <a:prstClr val="black"/>
+                </a:solidFill>
+                <a:latin typeface="APL385 Unicode" panose="020B0709000202000203" pitchFamily="49" charset="0"/>
+                <a:ea typeface="+mj-ea"/>
+                <a:cs typeface="+mj-cs"/>
+              </a:rPr>
+              <a:t>      (2 7⍴'RodrigoRich   ') </a:t>
+            </a:r>
+            <a:r>
+              <a:rPr lang="en-GB" sz="2000" dirty="0" err="1">
+                <a:solidFill>
+                  <a:prstClr val="black"/>
+                </a:solidFill>
+                <a:latin typeface="APL385 Unicode" panose="020B0709000202000203" pitchFamily="49" charset="0"/>
+                <a:ea typeface="+mj-ea"/>
+                <a:cs typeface="+mj-cs"/>
+              </a:rPr>
+              <a:t>DayMostFruitEaten</a:t>
+            </a:r>
+            <a:r>
+              <a:rPr lang="en-GB" sz="2000" dirty="0">
+                <a:solidFill>
+                  <a:prstClr val="black"/>
+                </a:solidFill>
+                <a:latin typeface="APL385 Unicode" panose="020B0709000202000203" pitchFamily="49" charset="0"/>
+                <a:ea typeface="+mj-ea"/>
+                <a:cs typeface="+mj-cs"/>
+              </a:rPr>
+              <a:t> 2 7⍴'OrangesMangoes'</a:t>
+            </a:r>
+          </a:p>
+          <a:p>
+            <a:r>
+              <a:rPr lang="en-GB" sz="2000" dirty="0">
+                <a:solidFill>
+                  <a:prstClr val="black"/>
+                </a:solidFill>
+                <a:latin typeface="APL385 Unicode" panose="020B0709000202000203" pitchFamily="49" charset="0"/>
+                <a:ea typeface="+mj-ea"/>
+                <a:cs typeface="+mj-cs"/>
+              </a:rPr>
+              <a:t>Wed</a:t>
+            </a:r>
+          </a:p>
+          <a:p>
+            <a:r>
+              <a:rPr lang="en-GB" sz="2000" dirty="0">
+                <a:solidFill>
+                  <a:prstClr val="black"/>
+                </a:solidFill>
+                <a:latin typeface="APL385 Unicode" panose="020B0709000202000203" pitchFamily="49" charset="0"/>
+                <a:ea typeface="+mj-ea"/>
+                <a:cs typeface="+mj-cs"/>
+              </a:rPr>
+              <a:t>      names </a:t>
+            </a:r>
+            <a:r>
+              <a:rPr lang="en-GB" sz="2000" dirty="0" err="1">
+                <a:solidFill>
+                  <a:prstClr val="black"/>
+                </a:solidFill>
+                <a:latin typeface="APL385 Unicode" panose="020B0709000202000203" pitchFamily="49" charset="0"/>
+                <a:ea typeface="+mj-ea"/>
+                <a:cs typeface="+mj-cs"/>
+              </a:rPr>
+              <a:t>DayMostFruitEaten</a:t>
+            </a:r>
+            <a:r>
+              <a:rPr lang="en-GB" sz="2000" dirty="0">
+                <a:solidFill>
+                  <a:prstClr val="black"/>
+                </a:solidFill>
+                <a:latin typeface="APL385 Unicode" panose="020B0709000202000203" pitchFamily="49" charset="0"/>
+                <a:ea typeface="+mj-ea"/>
+                <a:cs typeface="+mj-cs"/>
+              </a:rPr>
+              <a:t> fruits</a:t>
+            </a:r>
+          </a:p>
+          <a:p>
+            <a:r>
+              <a:rPr lang="en-GB" sz="2000" dirty="0">
+                <a:solidFill>
+                  <a:prstClr val="black"/>
+                </a:solidFill>
+                <a:latin typeface="APL385 Unicode" panose="020B0709000202000203" pitchFamily="49" charset="0"/>
+                <a:ea typeface="+mj-ea"/>
+                <a:cs typeface="+mj-cs"/>
+              </a:rPr>
+              <a:t>Tue</a:t>
+            </a:r>
           </a:p>
         </p:txBody>
       </p:sp>
@@ -5917,7 +6654,29 @@
                 <a:ea typeface="+mj-ea"/>
                 <a:cs typeface="+mj-cs"/>
               </a:rPr>
-              <a:t>Create a character vector called "task2"</a:t>
+              <a:t>Create a character vector called "</a:t>
+            </a:r>
+            <a:r>
+              <a:rPr lang="en-GB" sz="2400" dirty="0">
+                <a:solidFill>
+                  <a:prstClr val="black"/>
+                </a:solidFill>
+                <a:latin typeface="APL385 Unicode" panose="020B0709000202000203" pitchFamily="49" charset="0"/>
+                <a:ea typeface="+mj-ea"/>
+                <a:cs typeface="+mj-cs"/>
+              </a:rPr>
+              <a:t>task2</a:t>
+            </a:r>
+            <a:r>
+              <a:rPr lang="en-GB" sz="2400" dirty="0">
+                <a:solidFill>
+                  <a:prstClr val="black"/>
+                </a:solidFill>
+                <a:latin typeface="Atkinson Hyperlegible" pitchFamily="50" charset="0"/>
+                <a:ea typeface="+mj-ea"/>
+                <a:cs typeface="+mj-cs"/>
+              </a:rPr>
+              <a:t>"</a:t>
             </a:r>
           </a:p>
           <a:p>
@@ -6223,7 +6982,7 @@
         <p:spPr>
           <a:xfrm>
             <a:off x="696000" y="729000"/>
-            <a:ext cx="10800000" cy="3293209"/>
+            <a:ext cx="10800000" cy="3847207"/>
           </a:xfrm>
           <a:prstGeom prst="rect">
             <a:avLst/>
@@ -6300,19 +7059,41 @@
           </a:p>
           <a:p>
             <a:r>
-              <a:rPr lang="en-GB" sz="2400" dirty="0">
-                <a:solidFill>
-                  <a:prstClr val="black"/>
-                </a:solidFill>
-                <a:latin typeface="Atkinson Hyperlegible" pitchFamily="50" charset="0"/>
-                <a:ea typeface="+mj-ea"/>
-                <a:cs typeface="+mj-cs"/>
-              </a:rPr>
-              <a:t>Write a function Upper to convert a word into upper case.</a:t>
-            </a:r>
-          </a:p>
-          <a:p>
-            <a:endParaRPr lang="en-GB" sz="2400" dirty="0">
+              <a:rPr lang="en-GB" sz="3000" dirty="0">
+                <a:solidFill>
+                  <a:prstClr val="black"/>
+                </a:solidFill>
+                <a:latin typeface="Atkinson Hyperlegible" pitchFamily="50" charset="0"/>
+                <a:ea typeface="+mj-ea"/>
+                <a:cs typeface="+mj-cs"/>
+              </a:rPr>
+              <a:t>Write a function </a:t>
+            </a:r>
+            <a:r>
+              <a:rPr lang="en-GB" sz="3000" dirty="0">
+                <a:solidFill>
+                  <a:prstClr val="black"/>
+                </a:solidFill>
+                <a:latin typeface="APL385 Unicode" panose="020B0709000202000203" pitchFamily="49" charset="0"/>
+                <a:ea typeface="+mj-ea"/>
+                <a:cs typeface="+mj-cs"/>
+              </a:rPr>
+              <a:t>Upper</a:t>
+            </a:r>
+            <a:r>
+              <a:rPr lang="en-GB" sz="3000" dirty="0">
+                <a:solidFill>
+                  <a:prstClr val="black"/>
+                </a:solidFill>
+                <a:latin typeface="Atkinson Hyperlegible" pitchFamily="50" charset="0"/>
+                <a:ea typeface="+mj-ea"/>
+                <a:cs typeface="+mj-cs"/>
+              </a:rPr>
+              <a:t> to convert a word into upper case.</a:t>
+            </a:r>
+          </a:p>
+          <a:p>
+            <a:endParaRPr lang="en-GB" sz="3000" dirty="0">
               <a:solidFill>
                 <a:prstClr val="black"/>
               </a:solidFill>
@@ -6323,7 +7104,7 @@
           </a:p>
           <a:p>
             <a:r>
-              <a:rPr lang="en-US" sz="2400" dirty="0">
+              <a:rPr lang="en-US" sz="3000" dirty="0">
                 <a:solidFill>
                   <a:prstClr val="black"/>
                 </a:solidFill>
@@ -6334,7 +7115,7 @@
               <a:t>      Upper '</a:t>
             </a:r>
             <a:r>
-              <a:rPr lang="en-US" sz="2400" dirty="0" err="1">
+              <a:rPr lang="en-US" sz="3000" dirty="0" err="1">
                 <a:solidFill>
                   <a:prstClr val="black"/>
                 </a:solidFill>
@@ -6345,7 +7126,7 @@
               <a:t>apl</a:t>
             </a:r>
             <a:r>
-              <a:rPr lang="en-US" sz="2400" dirty="0">
+              <a:rPr lang="en-US" sz="3000" dirty="0">
                 <a:solidFill>
                   <a:prstClr val="black"/>
                 </a:solidFill>
@@ -6358,7 +7139,7 @@
           </a:p>
           <a:p>
             <a:r>
-              <a:rPr lang="en-US" sz="2400" dirty="0">
+              <a:rPr lang="en-US" sz="3000" dirty="0">
                 <a:solidFill>
                   <a:prstClr val="black"/>
                 </a:solidFill>
@@ -6371,7 +7152,7 @@
           </a:p>
           <a:p>
             <a:r>
-              <a:rPr lang="en-US" sz="2400" dirty="0">
+              <a:rPr lang="en-US" sz="3000" dirty="0">
                 <a:solidFill>
                   <a:prstClr val="black"/>
                 </a:solidFill>
@@ -6384,7 +7165,7 @@
           </a:p>
           <a:p>
             <a:r>
-              <a:rPr lang="en-US" sz="2400" dirty="0">
+              <a:rPr lang="en-US" sz="3000" dirty="0">
                 <a:solidFill>
                   <a:prstClr val="black"/>
                 </a:solidFill>
@@ -6442,7 +7223,7 @@
         <p:spPr>
           <a:xfrm>
             <a:off x="696000" y="729000"/>
-            <a:ext cx="10800000" cy="4031873"/>
+            <a:ext cx="10800000" cy="4770537"/>
           </a:xfrm>
           <a:prstGeom prst="rect">
             <a:avLst/>
@@ -6519,19 +7300,41 @@
           </a:p>
           <a:p>
             <a:r>
-              <a:rPr lang="en-GB" sz="2400" dirty="0">
-                <a:solidFill>
-                  <a:prstClr val="black"/>
-                </a:solidFill>
-                <a:latin typeface="Atkinson Hyperlegible" pitchFamily="50" charset="0"/>
-                <a:ea typeface="+mj-ea"/>
-                <a:cs typeface="+mj-cs"/>
-              </a:rPr>
-              <a:t>Write a function Clean that changes all non-digits into stars:</a:t>
-            </a:r>
-          </a:p>
-          <a:p>
-            <a:endParaRPr lang="en-GB" sz="2400" dirty="0">
+              <a:rPr lang="en-GB" sz="3000" dirty="0">
+                <a:solidFill>
+                  <a:prstClr val="black"/>
+                </a:solidFill>
+                <a:latin typeface="Atkinson Hyperlegible" pitchFamily="50" charset="0"/>
+                <a:ea typeface="+mj-ea"/>
+                <a:cs typeface="+mj-cs"/>
+              </a:rPr>
+              <a:t>Write a function </a:t>
+            </a:r>
+            <a:r>
+              <a:rPr lang="en-GB" sz="3000" dirty="0">
+                <a:solidFill>
+                  <a:prstClr val="black"/>
+                </a:solidFill>
+                <a:latin typeface="APL385 Unicode" panose="020B0709000202000203" pitchFamily="49" charset="0"/>
+                <a:ea typeface="+mj-ea"/>
+                <a:cs typeface="+mj-cs"/>
+              </a:rPr>
+              <a:t>Clean</a:t>
+            </a:r>
+            <a:r>
+              <a:rPr lang="en-GB" sz="3000" dirty="0">
+                <a:solidFill>
+                  <a:prstClr val="black"/>
+                </a:solidFill>
+                <a:latin typeface="Atkinson Hyperlegible" pitchFamily="50" charset="0"/>
+                <a:ea typeface="+mj-ea"/>
+                <a:cs typeface="+mj-cs"/>
+              </a:rPr>
+              <a:t> that changes all non-digits into stars:</a:t>
+            </a:r>
+          </a:p>
+          <a:p>
+            <a:endParaRPr lang="en-GB" sz="3000" dirty="0">
               <a:solidFill>
                 <a:prstClr val="black"/>
               </a:solidFill>
@@ -6542,7 +7345,7 @@
           </a:p>
           <a:p>
             <a:r>
-              <a:rPr lang="en-US" sz="2400" dirty="0">
+              <a:rPr lang="en-US" sz="3000" dirty="0">
                 <a:solidFill>
                   <a:prstClr val="black"/>
                 </a:solidFill>
@@ -6555,7 +7358,7 @@
           </a:p>
           <a:p>
             <a:r>
-              <a:rPr lang="en-US" sz="2400" dirty="0">
+              <a:rPr lang="en-US" sz="3000" dirty="0">
                 <a:solidFill>
                   <a:prstClr val="black"/>
                 </a:solidFill>
@@ -6568,7 +7371,7 @@
           </a:p>
           <a:p>
             <a:r>
-              <a:rPr lang="en-US" sz="2400" dirty="0">
+              <a:rPr lang="en-US" sz="3000" dirty="0">
                 <a:solidFill>
                   <a:prstClr val="black"/>
                 </a:solidFill>
@@ -6581,7 +7384,7 @@
           </a:p>
           <a:p>
             <a:r>
-              <a:rPr lang="en-US" sz="2400" dirty="0">
+              <a:rPr lang="en-US" sz="3000" dirty="0">
                 <a:solidFill>
                   <a:prstClr val="black"/>
                 </a:solidFill>
@@ -6594,7 +7397,7 @@
           </a:p>
           <a:p>
             <a:r>
-              <a:rPr lang="en-US" sz="2400" dirty="0">
+              <a:rPr lang="en-US" sz="3000" dirty="0">
                 <a:solidFill>
                   <a:prstClr val="black"/>
                 </a:solidFill>
@@ -6607,7 +7410,7 @@
           </a:p>
           <a:p>
             <a:r>
-              <a:rPr lang="en-US" sz="2400" dirty="0">
+              <a:rPr lang="en-US" sz="3000" dirty="0">
                 <a:solidFill>
                   <a:prstClr val="black"/>
                 </a:solidFill>
@@ -6665,7 +7468,7 @@
         <p:spPr>
           <a:xfrm>
             <a:off x="696000" y="729000"/>
-            <a:ext cx="10800000" cy="3662541"/>
+            <a:ext cx="10800000" cy="4308872"/>
           </a:xfrm>
           <a:prstGeom prst="rect">
             <a:avLst/>
@@ -6745,19 +7548,41 @@
           </a:p>
           <a:p>
             <a:r>
-              <a:rPr lang="en-GB" sz="2400" dirty="0">
-                <a:solidFill>
-                  <a:prstClr val="black"/>
-                </a:solidFill>
-                <a:latin typeface="Atkinson Hyperlegible" pitchFamily="50" charset="0"/>
-                <a:ea typeface="+mj-ea"/>
-                <a:cs typeface="+mj-cs"/>
-              </a:rPr>
-              <a:t>Rewrite Upper to convert any character vector into upper case, even if the text contains spaces and punctuation:</a:t>
-            </a:r>
-          </a:p>
-          <a:p>
-            <a:endParaRPr lang="en-GB" sz="2400" dirty="0">
+              <a:rPr lang="en-GB" sz="3000" dirty="0">
+                <a:solidFill>
+                  <a:prstClr val="black"/>
+                </a:solidFill>
+                <a:latin typeface="Atkinson Hyperlegible" pitchFamily="50" charset="0"/>
+                <a:ea typeface="+mj-ea"/>
+                <a:cs typeface="+mj-cs"/>
+              </a:rPr>
+              <a:t>Rewrite </a:t>
+            </a:r>
+            <a:r>
+              <a:rPr lang="en-GB" sz="3000" dirty="0">
+                <a:solidFill>
+                  <a:prstClr val="black"/>
+                </a:solidFill>
+                <a:latin typeface="APL385 Unicode" panose="020B0709000202000203" pitchFamily="49" charset="0"/>
+                <a:ea typeface="+mj-ea"/>
+                <a:cs typeface="+mj-cs"/>
+              </a:rPr>
+              <a:t>Upper</a:t>
+            </a:r>
+            <a:r>
+              <a:rPr lang="en-GB" sz="3000" dirty="0">
+                <a:solidFill>
+                  <a:prstClr val="black"/>
+                </a:solidFill>
+                <a:latin typeface="Atkinson Hyperlegible" pitchFamily="50" charset="0"/>
+                <a:ea typeface="+mj-ea"/>
+                <a:cs typeface="+mj-cs"/>
+              </a:rPr>
+              <a:t> to convert any character vector into upper case, even if the text contains spaces and punctuation:</a:t>
+            </a:r>
+          </a:p>
+          <a:p>
+            <a:endParaRPr lang="en-GB" sz="3000" dirty="0">
               <a:solidFill>
                 <a:prstClr val="black"/>
               </a:solidFill>
@@ -6768,7 +7593,7 @@
           </a:p>
           <a:p>
             <a:r>
-              <a:rPr lang="en-US" sz="2400" dirty="0">
+              <a:rPr lang="en-US" sz="3000" dirty="0">
                 <a:solidFill>
                   <a:prstClr val="black"/>
                 </a:solidFill>
@@ -6779,7 +7604,7 @@
               <a:t>      Upper '</a:t>
             </a:r>
             <a:r>
-              <a:rPr lang="en-US" sz="2400" dirty="0" err="1">
+              <a:rPr lang="en-US" sz="3000" dirty="0" err="1">
                 <a:solidFill>
                   <a:prstClr val="black"/>
                 </a:solidFill>
@@ -6790,7 +7615,7 @@
               <a:t>apl</a:t>
             </a:r>
             <a:r>
-              <a:rPr lang="en-US" sz="2400" dirty="0">
+              <a:rPr lang="en-US" sz="3000" dirty="0">
                 <a:solidFill>
                   <a:prstClr val="black"/>
                 </a:solidFill>
@@ -6803,7 +7628,7 @@
           </a:p>
           <a:p>
             <a:r>
-              <a:rPr lang="en-US" sz="2400" dirty="0">
+              <a:rPr lang="en-US" sz="3000" dirty="0">
                 <a:solidFill>
                   <a:prstClr val="black"/>
                 </a:solidFill>
@@ -6816,7 +7641,7 @@
           </a:p>
           <a:p>
             <a:r>
-              <a:rPr lang="en-US" sz="2400" dirty="0">
+              <a:rPr lang="en-US" sz="3000" dirty="0">
                 <a:solidFill>
                   <a:prstClr val="black"/>
                 </a:solidFill>
@@ -6829,7 +7654,7 @@
           </a:p>
           <a:p>
             <a:r>
-              <a:rPr lang="en-US" sz="2400" dirty="0">
+              <a:rPr lang="en-US" sz="3000" dirty="0">
                 <a:solidFill>
                   <a:prstClr val="black"/>
                 </a:solidFill>
@@ -6887,7 +7712,7 @@
         <p:spPr>
           <a:xfrm>
             <a:off x="696000" y="729000"/>
-            <a:ext cx="10800000" cy="4124206"/>
+            <a:ext cx="10800000" cy="4739759"/>
           </a:xfrm>
           <a:prstGeom prst="rect">
             <a:avLst/>
@@ -6953,6 +7778,16 @@
             </a:endParaRPr>
           </a:p>
           <a:p>
+            <a:endParaRPr lang="en-GB" sz="4000" b="1" dirty="0">
+              <a:solidFill>
+                <a:prstClr val="black"/>
+              </a:solidFill>
+              <a:latin typeface="Atkinson Hyperlegible" pitchFamily="50" charset="0"/>
+              <a:ea typeface="+mj-ea"/>
+              <a:cs typeface="+mj-cs"/>
+            </a:endParaRPr>
+          </a:p>
+          <a:p>
             <a:r>
               <a:rPr lang="en-GB" sz="3000" dirty="0">
                 <a:solidFill>
@@ -6965,11 +7800,11 @@
               <a:t>Define a function </a:t>
             </a:r>
             <a:r>
-              <a:rPr lang="en-GB" sz="3000" dirty="0" err="1">
-                <a:solidFill>
-                  <a:prstClr val="black"/>
-                </a:solidFill>
-                <a:latin typeface="Atkinson Hyperlegible" pitchFamily="50" charset="0"/>
+              <a:rPr lang="en-GB" sz="2400" dirty="0" err="1">
+                <a:solidFill>
+                  <a:prstClr val="black"/>
+                </a:solidFill>
+                <a:latin typeface="APL385 Unicode" panose="020B0709000202000203" pitchFamily="49" charset="0"/>
                 <a:ea typeface="+mj-ea"/>
                 <a:cs typeface="+mj-cs"/>
               </a:rPr>
@@ -6984,7 +7819,18 @@
                 <a:ea typeface="+mj-ea"/>
                 <a:cs typeface="+mj-cs"/>
               </a:rPr>
-              <a:t> to count the number of vowels in the character vector ⍵</a:t>
+              <a:t> to count the number of vowels in the character vector </a:t>
+            </a:r>
+            <a:r>
+              <a:rPr lang="en-GB" sz="2400" dirty="0">
+                <a:solidFill>
+                  <a:prstClr val="black"/>
+                </a:solidFill>
+                <a:latin typeface="APL385 Unicode" panose="020B0709000202000203" pitchFamily="49" charset="0"/>
+                <a:ea typeface="+mj-ea"/>
+                <a:cs typeface="+mj-cs"/>
+              </a:rPr>
+              <a:t>⍵</a:t>
             </a:r>
           </a:p>
           <a:p>
@@ -7218,7 +8064,7 @@
         <p:spPr>
           <a:xfrm>
             <a:off x="696000" y="729000"/>
-            <a:ext cx="10800000" cy="5693866"/>
+            <a:ext cx="10800000" cy="5878532"/>
           </a:xfrm>
           <a:prstGeom prst="rect">
             <a:avLst/>
@@ -7284,42 +8130,7 @@
             </a:endParaRPr>
           </a:p>
           <a:p>
-            <a:r>
-              <a:rPr lang="en-GB" sz="3000" dirty="0">
-                <a:solidFill>
-                  <a:prstClr val="black"/>
-                </a:solidFill>
-                <a:latin typeface="Atkinson Hyperlegible" pitchFamily="50" charset="0"/>
-                <a:ea typeface="+mj-ea"/>
-                <a:cs typeface="+mj-cs"/>
-              </a:rPr>
-              <a:t>Define a function </a:t>
-            </a:r>
-            <a:r>
-              <a:rPr lang="en-GB" sz="3000" dirty="0" err="1">
-                <a:solidFill>
-                  <a:prstClr val="black"/>
-                </a:solidFill>
-                <a:latin typeface="APL385 Unicode" panose="020B0709000202000203" pitchFamily="49" charset="0"/>
-                <a:ea typeface="+mj-ea"/>
-                <a:cs typeface="+mj-cs"/>
-              </a:rPr>
-              <a:t>RowEquals</a:t>
-            </a:r>
-            <a:r>
-              <a:rPr lang="en-GB" sz="3000" dirty="0">
-                <a:solidFill>
-                  <a:prstClr val="black"/>
-                </a:solidFill>
-                <a:latin typeface="Atkinson Hyperlegible" pitchFamily="50" charset="0"/>
-                <a:ea typeface="+mj-ea"/>
-                <a:cs typeface="+mj-cs"/>
-              </a:rPr>
-              <a:t> to locate the vector ⍺ in the matrix ⍵ </a:t>
-            </a:r>
-          </a:p>
-          <a:p>
-            <a:endParaRPr lang="en-GB" sz="2200" dirty="0">
+            <a:endParaRPr lang="en-GB" sz="2400" dirty="0">
               <a:solidFill>
                 <a:prstClr val="black"/>
               </a:solidFill>
@@ -7330,31 +8141,18 @@
           </a:p>
           <a:p>
             <a:r>
-              <a:rPr lang="en-GB" sz="2200" dirty="0">
-                <a:solidFill>
-                  <a:prstClr val="black"/>
-                </a:solidFill>
-                <a:latin typeface="APL385 Unicode" panose="020B0709000202000203" pitchFamily="49" charset="0"/>
-                <a:ea typeface="+mj-ea"/>
-                <a:cs typeface="+mj-cs"/>
-              </a:rPr>
-              <a:t>      text ← 3 5⍴'GREATGIANTTIGER'</a:t>
-            </a:r>
-          </a:p>
-          <a:p>
-            <a:r>
-              <a:rPr lang="en-GB" sz="2200" dirty="0">
-                <a:solidFill>
-                  <a:prstClr val="black"/>
-                </a:solidFill>
-                <a:latin typeface="APL385 Unicode" panose="020B0709000202000203" pitchFamily="49" charset="0"/>
-                <a:ea typeface="+mj-ea"/>
-                <a:cs typeface="+mj-cs"/>
-              </a:rPr>
-              <a:t>      'TIGER' </a:t>
-            </a:r>
-            <a:r>
-              <a:rPr lang="en-GB" sz="2200" dirty="0" err="1">
+              <a:rPr lang="en-GB" sz="2400" dirty="0">
+                <a:solidFill>
+                  <a:prstClr val="black"/>
+                </a:solidFill>
+                <a:latin typeface="Atkinson Hyperlegible" pitchFamily="50" charset="0"/>
+                <a:ea typeface="+mj-ea"/>
+                <a:cs typeface="+mj-cs"/>
+              </a:rPr>
+              <a:t>Define a function </a:t>
+            </a:r>
+            <a:r>
+              <a:rPr lang="en-GB" sz="2400" dirty="0" err="1">
                 <a:solidFill>
                   <a:prstClr val="black"/>
                 </a:solidFill>
@@ -7365,80 +8163,63 @@
               <a:t>RowEquals</a:t>
             </a:r>
             <a:r>
-              <a:rPr lang="en-GB" sz="2200" dirty="0">
-                <a:solidFill>
-                  <a:prstClr val="black"/>
-                </a:solidFill>
-                <a:latin typeface="APL385 Unicode" panose="020B0709000202000203" pitchFamily="49" charset="0"/>
-                <a:ea typeface="+mj-ea"/>
-                <a:cs typeface="+mj-cs"/>
-              </a:rPr>
-              <a:t> text</a:t>
-            </a:r>
-          </a:p>
-          <a:p>
-            <a:r>
-              <a:rPr lang="en-GB" sz="2200" dirty="0">
-                <a:solidFill>
-                  <a:prstClr val="black"/>
-                </a:solidFill>
-                <a:latin typeface="APL385 Unicode" panose="020B0709000202000203" pitchFamily="49" charset="0"/>
-                <a:ea typeface="+mj-ea"/>
-                <a:cs typeface="+mj-cs"/>
-              </a:rPr>
-              <a:t>0 0 1</a:t>
-            </a:r>
-          </a:p>
-          <a:p>
-            <a:r>
-              <a:rPr lang="en-GB" sz="2200" dirty="0">
-                <a:solidFill>
-                  <a:prstClr val="black"/>
-                </a:solidFill>
-                <a:latin typeface="APL385 Unicode" panose="020B0709000202000203" pitchFamily="49" charset="0"/>
-                <a:ea typeface="+mj-ea"/>
-                <a:cs typeface="+mj-cs"/>
-              </a:rPr>
-              <a:t>      'GREAT' </a:t>
-            </a:r>
-            <a:r>
-              <a:rPr lang="en-GB" sz="2200" dirty="0" err="1">
-                <a:solidFill>
-                  <a:prstClr val="black"/>
-                </a:solidFill>
-                <a:latin typeface="APL385 Unicode" panose="020B0709000202000203" pitchFamily="49" charset="0"/>
-                <a:ea typeface="+mj-ea"/>
-                <a:cs typeface="+mj-cs"/>
-              </a:rPr>
-              <a:t>RowEquals</a:t>
-            </a:r>
-            <a:r>
-              <a:rPr lang="en-GB" sz="2200" dirty="0">
-                <a:solidFill>
-                  <a:prstClr val="black"/>
-                </a:solidFill>
-                <a:latin typeface="APL385 Unicode" panose="020B0709000202000203" pitchFamily="49" charset="0"/>
-                <a:ea typeface="+mj-ea"/>
-                <a:cs typeface="+mj-cs"/>
-              </a:rPr>
-              <a:t> text</a:t>
-            </a:r>
-          </a:p>
-          <a:p>
-            <a:r>
-              <a:rPr lang="en-GB" sz="2200" dirty="0">
-                <a:solidFill>
-                  <a:prstClr val="black"/>
-                </a:solidFill>
-                <a:latin typeface="APL385 Unicode" panose="020B0709000202000203" pitchFamily="49" charset="0"/>
-                <a:ea typeface="+mj-ea"/>
-                <a:cs typeface="+mj-cs"/>
-              </a:rPr>
-              <a:t>1 0 0</a:t>
-            </a:r>
-          </a:p>
-          <a:p>
-            <a:endParaRPr lang="en-GB" sz="2200" dirty="0">
+              <a:rPr lang="en-GB" sz="2400" dirty="0">
+                <a:solidFill>
+                  <a:prstClr val="black"/>
+                </a:solidFill>
+                <a:latin typeface="Atkinson Hyperlegible" pitchFamily="50" charset="0"/>
+                <a:ea typeface="+mj-ea"/>
+                <a:cs typeface="+mj-cs"/>
+              </a:rPr>
+              <a:t> to locate the vector </a:t>
+            </a:r>
+            <a:r>
+              <a:rPr lang="en-GB" sz="2400" dirty="0">
+                <a:solidFill>
+                  <a:prstClr val="black"/>
+                </a:solidFill>
+                <a:latin typeface="APL385 Unicode" panose="020B0709000202000203" pitchFamily="49" charset="0"/>
+                <a:ea typeface="+mj-ea"/>
+                <a:cs typeface="+mj-cs"/>
+              </a:rPr>
+              <a:t>⍺</a:t>
+            </a:r>
+            <a:r>
+              <a:rPr lang="en-GB" sz="2400" dirty="0">
+                <a:solidFill>
+                  <a:prstClr val="black"/>
+                </a:solidFill>
+                <a:latin typeface="Atkinson Hyperlegible" pitchFamily="50" charset="0"/>
+                <a:ea typeface="+mj-ea"/>
+                <a:cs typeface="+mj-cs"/>
+              </a:rPr>
+              <a:t> in the matrix </a:t>
+            </a:r>
+            <a:r>
+              <a:rPr lang="en-GB" sz="2400" dirty="0">
+                <a:solidFill>
+                  <a:prstClr val="black"/>
+                </a:solidFill>
+                <a:latin typeface="APL385 Unicode" panose="020B0709000202000203" pitchFamily="49" charset="0"/>
+                <a:ea typeface="+mj-ea"/>
+                <a:cs typeface="+mj-cs"/>
+              </a:rPr>
+              <a:t>⍵</a:t>
+            </a:r>
+            <a:r>
+              <a:rPr lang="en-GB" sz="2400" dirty="0">
+                <a:solidFill>
+                  <a:prstClr val="black"/>
+                </a:solidFill>
+                <a:latin typeface="Atkinson Hyperlegible" pitchFamily="50" charset="0"/>
+                <a:ea typeface="+mj-ea"/>
+                <a:cs typeface="+mj-cs"/>
+              </a:rPr>
+              <a:t> </a:t>
+            </a:r>
+          </a:p>
+          <a:p>
+            <a:endParaRPr lang="en-GB" sz="2400" dirty="0">
               <a:solidFill>
                 <a:prstClr val="black"/>
               </a:solidFill>
@@ -7449,7 +8230,126 @@
           </a:p>
           <a:p>
             <a:r>
-              <a:rPr lang="en-GB" sz="2200" dirty="0">
+              <a:rPr lang="en-GB" sz="2400" dirty="0">
+                <a:solidFill>
+                  <a:prstClr val="black"/>
+                </a:solidFill>
+                <a:latin typeface="APL385 Unicode" panose="020B0709000202000203" pitchFamily="49" charset="0"/>
+                <a:ea typeface="+mj-ea"/>
+                <a:cs typeface="+mj-cs"/>
+              </a:rPr>
+              <a:t>      text ← 3 5⍴'GREATGIANTTIGER'</a:t>
+            </a:r>
+          </a:p>
+          <a:p>
+            <a:r>
+              <a:rPr lang="en-GB" sz="2400" dirty="0">
+                <a:solidFill>
+                  <a:prstClr val="black"/>
+                </a:solidFill>
+                <a:latin typeface="APL385 Unicode" panose="020B0709000202000203" pitchFamily="49" charset="0"/>
+                <a:ea typeface="+mj-ea"/>
+                <a:cs typeface="+mj-cs"/>
+              </a:rPr>
+              <a:t>      'TIGER' </a:t>
+            </a:r>
+            <a:r>
+              <a:rPr lang="en-GB" sz="2400" dirty="0" err="1">
+                <a:solidFill>
+                  <a:prstClr val="black"/>
+                </a:solidFill>
+                <a:latin typeface="APL385 Unicode" panose="020B0709000202000203" pitchFamily="49" charset="0"/>
+                <a:ea typeface="+mj-ea"/>
+                <a:cs typeface="+mj-cs"/>
+              </a:rPr>
+              <a:t>RowEquals</a:t>
+            </a:r>
+            <a:r>
+              <a:rPr lang="en-GB" sz="2400" dirty="0">
+                <a:solidFill>
+                  <a:prstClr val="black"/>
+                </a:solidFill>
+                <a:latin typeface="APL385 Unicode" panose="020B0709000202000203" pitchFamily="49" charset="0"/>
+                <a:ea typeface="+mj-ea"/>
+                <a:cs typeface="+mj-cs"/>
+              </a:rPr>
+              <a:t> text</a:t>
+            </a:r>
+          </a:p>
+          <a:p>
+            <a:r>
+              <a:rPr lang="en-GB" sz="2400" dirty="0">
+                <a:solidFill>
+                  <a:prstClr val="black"/>
+                </a:solidFill>
+                <a:latin typeface="APL385 Unicode" panose="020B0709000202000203" pitchFamily="49" charset="0"/>
+                <a:ea typeface="+mj-ea"/>
+                <a:cs typeface="+mj-cs"/>
+              </a:rPr>
+              <a:t>0 0 1</a:t>
+            </a:r>
+          </a:p>
+          <a:p>
+            <a:r>
+              <a:rPr lang="en-GB" sz="2400" dirty="0">
+                <a:solidFill>
+                  <a:prstClr val="black"/>
+                </a:solidFill>
+                <a:latin typeface="APL385 Unicode" panose="020B0709000202000203" pitchFamily="49" charset="0"/>
+                <a:ea typeface="+mj-ea"/>
+                <a:cs typeface="+mj-cs"/>
+              </a:rPr>
+              <a:t>      'GREAT' </a:t>
+            </a:r>
+            <a:r>
+              <a:rPr lang="en-GB" sz="2400" dirty="0" err="1">
+                <a:solidFill>
+                  <a:prstClr val="black"/>
+                </a:solidFill>
+                <a:latin typeface="APL385 Unicode" panose="020B0709000202000203" pitchFamily="49" charset="0"/>
+                <a:ea typeface="+mj-ea"/>
+                <a:cs typeface="+mj-cs"/>
+              </a:rPr>
+              <a:t>RowEquals</a:t>
+            </a:r>
+            <a:r>
+              <a:rPr lang="en-GB" sz="2400" dirty="0">
+                <a:solidFill>
+                  <a:prstClr val="black"/>
+                </a:solidFill>
+                <a:latin typeface="APL385 Unicode" panose="020B0709000202000203" pitchFamily="49" charset="0"/>
+                <a:ea typeface="+mj-ea"/>
+                <a:cs typeface="+mj-cs"/>
+              </a:rPr>
+              <a:t> text</a:t>
+            </a:r>
+          </a:p>
+          <a:p>
+            <a:r>
+              <a:rPr lang="en-GB" sz="2400" dirty="0">
+                <a:solidFill>
+                  <a:prstClr val="black"/>
+                </a:solidFill>
+                <a:latin typeface="APL385 Unicode" panose="020B0709000202000203" pitchFamily="49" charset="0"/>
+                <a:ea typeface="+mj-ea"/>
+                <a:cs typeface="+mj-cs"/>
+              </a:rPr>
+              <a:t>1 0 0</a:t>
+            </a:r>
+          </a:p>
+          <a:p>
+            <a:endParaRPr lang="en-GB" sz="2400" dirty="0">
+              <a:solidFill>
+                <a:prstClr val="black"/>
+              </a:solidFill>
+              <a:latin typeface="APL385 Unicode" panose="020B0709000202000203" pitchFamily="49" charset="0"/>
+              <a:ea typeface="+mj-ea"/>
+              <a:cs typeface="+mj-cs"/>
+            </a:endParaRPr>
+          </a:p>
+          <a:p>
+            <a:r>
+              <a:rPr lang="en-GB" sz="2400" dirty="0">
                 <a:solidFill>
                   <a:prstClr val="black"/>
                 </a:solidFill>
@@ -7462,7 +8362,7 @@
           </a:p>
           <a:p>
             <a:r>
-              <a:rPr lang="en-GB" sz="2200" dirty="0">
+              <a:rPr lang="en-GB" sz="2400" dirty="0">
                 <a:solidFill>
                   <a:prstClr val="black"/>
                 </a:solidFill>
@@ -7473,7 +8373,7 @@
               <a:t>      'Bananas' </a:t>
             </a:r>
             <a:r>
-              <a:rPr lang="en-GB" sz="2200" dirty="0" err="1">
+              <a:rPr lang="en-GB" sz="2400" dirty="0" err="1">
                 <a:solidFill>
                   <a:prstClr val="black"/>
                 </a:solidFill>
@@ -7484,7 +8384,7 @@
               <a:t>RowEquals</a:t>
             </a:r>
             <a:r>
-              <a:rPr lang="en-GB" sz="2200" dirty="0">
+              <a:rPr lang="en-GB" sz="2400" dirty="0">
                 <a:solidFill>
                   <a:prstClr val="black"/>
                 </a:solidFill>
@@ -7497,7 +8397,7 @@
           </a:p>
           <a:p>
             <a:r>
-              <a:rPr lang="en-GB" sz="2200" dirty="0">
+              <a:rPr lang="en-GB" sz="2400" dirty="0">
                 <a:solidFill>
                   <a:prstClr val="black"/>
                 </a:solidFill>
@@ -7510,7 +8410,7 @@
           </a:p>
           <a:p>
             <a:r>
-              <a:rPr lang="en-GB" sz="2200" dirty="0">
+              <a:rPr lang="en-GB" sz="2400" dirty="0">
                 <a:solidFill>
                   <a:prstClr val="black"/>
                 </a:solidFill>
@@ -7521,7 +8421,7 @@
               <a:t>      'Carrots' </a:t>
             </a:r>
             <a:r>
-              <a:rPr lang="en-GB" sz="2200" dirty="0" err="1">
+              <a:rPr lang="en-GB" sz="2400" dirty="0" err="1">
                 <a:solidFill>
                   <a:prstClr val="black"/>
                 </a:solidFill>
@@ -7532,7 +8432,7 @@
               <a:t>RowEquals</a:t>
             </a:r>
             <a:r>
-              <a:rPr lang="en-GB" sz="2200" dirty="0">
+              <a:rPr lang="en-GB" sz="2400" dirty="0">
                 <a:solidFill>
                   <a:prstClr val="black"/>
                 </a:solidFill>
@@ -7545,7 +8445,7 @@
           </a:p>
           <a:p>
             <a:r>
-              <a:rPr lang="en-GB" sz="2200" dirty="0">
+              <a:rPr lang="en-GB" sz="2400" dirty="0">
                 <a:solidFill>
                   <a:prstClr val="black"/>
                 </a:solidFill>
@@ -7603,7 +8503,7 @@
         <p:spPr>
           <a:xfrm>
             <a:off x="696000" y="729000"/>
-            <a:ext cx="10800000" cy="4985980"/>
+            <a:ext cx="10800000" cy="5786199"/>
           </a:xfrm>
           <a:prstGeom prst="rect">
             <a:avLst/>
@@ -7670,15 +8570,37 @@
           </a:p>
           <a:p>
             <a:r>
-              <a:rPr lang="en-GB" sz="2800" dirty="0">
-                <a:solidFill>
-                  <a:prstClr val="black"/>
-                </a:solidFill>
-                <a:latin typeface="Atkinson Hyperlegible" pitchFamily="50" charset="0"/>
-                <a:ea typeface="+mj-ea"/>
-                <a:cs typeface="+mj-cs"/>
-              </a:rPr>
-              <a:t>Define a function Up that accepts a vector of numbers and sorts them in increasing order:</a:t>
+              <a:rPr lang="en-GB" sz="3000" dirty="0">
+                <a:solidFill>
+                  <a:prstClr val="black"/>
+                </a:solidFill>
+                <a:latin typeface="Atkinson Hyperlegible" pitchFamily="50" charset="0"/>
+                <a:ea typeface="+mj-ea"/>
+                <a:cs typeface="+mj-cs"/>
+              </a:rPr>
+              <a:t>Define a function </a:t>
+            </a:r>
+            <a:r>
+              <a:rPr lang="en-GB" sz="3000" dirty="0">
+                <a:solidFill>
+                  <a:prstClr val="black"/>
+                </a:solidFill>
+                <a:latin typeface="APL385 Unicode" panose="020B0709000202000203" pitchFamily="49" charset="0"/>
+                <a:ea typeface="+mj-ea"/>
+                <a:cs typeface="+mj-cs"/>
+              </a:rPr>
+              <a:t>Up</a:t>
+            </a:r>
+            <a:r>
+              <a:rPr lang="en-GB" sz="3000" dirty="0">
+                <a:solidFill>
+                  <a:prstClr val="black"/>
+                </a:solidFill>
+                <a:latin typeface="Atkinson Hyperlegible" pitchFamily="50" charset="0"/>
+                <a:ea typeface="+mj-ea"/>
+                <a:cs typeface="+mj-cs"/>
+              </a:rPr>
+              <a:t> that accepts a vector of numbers and sorts them in increasing order:</a:t>
             </a:r>
           </a:p>
           <a:p>
@@ -7693,7 +8615,7 @@
           </a:p>
           <a:p>
             <a:r>
-              <a:rPr lang="en-US" sz="2200" dirty="0">
+              <a:rPr lang="en-US" sz="3000" dirty="0">
                 <a:solidFill>
                   <a:prstClr val="black"/>
                 </a:solidFill>
@@ -7706,7 +8628,7 @@
           </a:p>
           <a:p>
             <a:r>
-              <a:rPr lang="en-US" sz="2200" dirty="0">
+              <a:rPr lang="en-US" sz="3000" dirty="0">
                 <a:solidFill>
                   <a:prstClr val="black"/>
                 </a:solidFill>
@@ -7718,7 +8640,7 @@
             </a:r>
           </a:p>
           <a:p>
-            <a:endParaRPr lang="en-US" sz="2200" dirty="0">
+            <a:endParaRPr lang="en-US" sz="3000" dirty="0">
               <a:solidFill>
                 <a:prstClr val="black"/>
               </a:solidFill>
@@ -7729,7 +8651,7 @@
           </a:p>
           <a:p>
             <a:r>
-              <a:rPr lang="en-US" sz="2800" dirty="0">
+              <a:rPr lang="en-US" sz="3000" dirty="0">
                 <a:solidFill>
                   <a:prstClr val="black"/>
                 </a:solidFill>
@@ -7737,11 +8659,33 @@
                 <a:ea typeface="+mj-ea"/>
                 <a:cs typeface="+mj-cs"/>
               </a:rPr>
-              <a:t>Define a function Down that sorts the vector of numbers in decreasing order:</a:t>
-            </a:r>
-          </a:p>
-          <a:p>
-            <a:endParaRPr lang="en-US" sz="2200" dirty="0">
+              <a:t>Define a function </a:t>
+            </a:r>
+            <a:r>
+              <a:rPr lang="en-US" sz="3000" dirty="0">
+                <a:solidFill>
+                  <a:prstClr val="black"/>
+                </a:solidFill>
+                <a:latin typeface="APL385 Unicode" panose="020B0709000202000203" pitchFamily="49" charset="0"/>
+                <a:ea typeface="+mj-ea"/>
+                <a:cs typeface="+mj-cs"/>
+              </a:rPr>
+              <a:t>Down</a:t>
+            </a:r>
+            <a:r>
+              <a:rPr lang="en-US" sz="3000" dirty="0">
+                <a:solidFill>
+                  <a:prstClr val="black"/>
+                </a:solidFill>
+                <a:latin typeface="Atkinson Hyperlegible" pitchFamily="2" charset="0"/>
+                <a:ea typeface="+mj-ea"/>
+                <a:cs typeface="+mj-cs"/>
+              </a:rPr>
+              <a:t> that sorts the vector of numbers in decreasing order:</a:t>
+            </a:r>
+          </a:p>
+          <a:p>
+            <a:endParaRPr lang="en-US" sz="3000" dirty="0">
               <a:solidFill>
                 <a:prstClr val="black"/>
               </a:solidFill>
@@ -7752,7 +8696,7 @@
           </a:p>
           <a:p>
             <a:r>
-              <a:rPr lang="en-US" sz="2200" dirty="0">
+              <a:rPr lang="en-US" sz="3000" dirty="0">
                 <a:solidFill>
                   <a:prstClr val="black"/>
                 </a:solidFill>
@@ -7765,7 +8709,7 @@
           </a:p>
           <a:p>
             <a:r>
-              <a:rPr lang="en-US" sz="2200" dirty="0">
+              <a:rPr lang="en-US" sz="3000" dirty="0">
                 <a:solidFill>
                   <a:prstClr val="black"/>
                 </a:solidFill>
@@ -7775,7 +8719,7 @@
               </a:rPr>
               <a:t>10  4.2  1.5  0  ¯3</a:t>
             </a:r>
-            <a:endParaRPr lang="en-GB" sz="2200" dirty="0">
+            <a:endParaRPr lang="en-GB" sz="3000" dirty="0">
               <a:solidFill>
                 <a:prstClr val="black"/>
               </a:solidFill>
@@ -7831,7 +8775,7 @@
         <p:spPr>
           <a:xfrm>
             <a:off x="696000" y="729000"/>
-            <a:ext cx="10800000" cy="4862870"/>
+            <a:ext cx="10800000" cy="5478423"/>
           </a:xfrm>
           <a:prstGeom prst="rect">
             <a:avLst/>
@@ -7891,6 +8835,16 @@
               <a:effectLst/>
               <a:uLnTx/>
               <a:uFillTx/>
+              <a:latin typeface="Atkinson Hyperlegible" pitchFamily="50" charset="0"/>
+              <a:ea typeface="+mj-ea"/>
+              <a:cs typeface="+mj-cs"/>
+            </a:endParaRPr>
+          </a:p>
+          <a:p>
+            <a:endParaRPr lang="en-GB" sz="4000" b="1" dirty="0">
+              <a:solidFill>
+                <a:prstClr val="black"/>
+              </a:solidFill>
               <a:latin typeface="Atkinson Hyperlegible" pitchFamily="50" charset="0"/>
               <a:ea typeface="+mj-ea"/>
               <a:cs typeface="+mj-cs"/>

--- a/tasks5.pptx
+++ b/tasks5.pptx
@@ -6,22 +6,21 @@
   </p:sldMasterIdLst>
   <p:sldIdLst>
     <p:sldId id="260" r:id="rId2"/>
-    <p:sldId id="261" r:id="rId3"/>
-    <p:sldId id="264" r:id="rId4"/>
-    <p:sldId id="277" r:id="rId5"/>
-    <p:sldId id="276" r:id="rId6"/>
-    <p:sldId id="265" r:id="rId7"/>
-    <p:sldId id="268" r:id="rId8"/>
-    <p:sldId id="272" r:id="rId9"/>
-    <p:sldId id="273" r:id="rId10"/>
-    <p:sldId id="274" r:id="rId11"/>
-    <p:sldId id="267" r:id="rId12"/>
-    <p:sldId id="271" r:id="rId13"/>
-    <p:sldId id="269" r:id="rId14"/>
-    <p:sldId id="263" r:id="rId15"/>
-    <p:sldId id="278" r:id="rId16"/>
-    <p:sldId id="275" r:id="rId17"/>
-    <p:sldId id="279" r:id="rId18"/>
+    <p:sldId id="264" r:id="rId3"/>
+    <p:sldId id="277" r:id="rId4"/>
+    <p:sldId id="276" r:id="rId5"/>
+    <p:sldId id="265" r:id="rId6"/>
+    <p:sldId id="268" r:id="rId7"/>
+    <p:sldId id="272" r:id="rId8"/>
+    <p:sldId id="273" r:id="rId9"/>
+    <p:sldId id="274" r:id="rId10"/>
+    <p:sldId id="267" r:id="rId11"/>
+    <p:sldId id="271" r:id="rId12"/>
+    <p:sldId id="269" r:id="rId13"/>
+    <p:sldId id="263" r:id="rId14"/>
+    <p:sldId id="278" r:id="rId15"/>
+    <p:sldId id="275" r:id="rId16"/>
+    <p:sldId id="279" r:id="rId17"/>
   </p:sldIdLst>
   <p:sldSz cx="12192000" cy="6858000"/>
   <p:notesSz cx="6858000" cy="9144000"/>
@@ -3616,8 +3615,8 @@
         </p:nvSpPr>
         <p:spPr>
           <a:xfrm>
-            <a:off x="696000" y="369000"/>
-            <a:ext cx="10800000" cy="6463308"/>
+            <a:off x="696000" y="729000"/>
+            <a:ext cx="10800000" cy="5786199"/>
           </a:xfrm>
           <a:prstGeom prst="rect">
             <a:avLst/>
@@ -3683,571 +3682,6 @@
             </a:endParaRPr>
           </a:p>
           <a:p>
-            <a:pPr marL="0" indent="0">
-              <a:buNone/>
-            </a:pPr>
-            <a:endParaRPr kumimoji="0" lang="en-US" sz="2200" i="0" u="none" strike="noStrike" kern="1200" cap="none" spc="0" normalizeH="0" baseline="0" noProof="0" dirty="0">
-              <a:ln>
-                <a:noFill/>
-              </a:ln>
-              <a:solidFill>
-                <a:prstClr val="black"/>
-              </a:solidFill>
-              <a:effectLst/>
-              <a:uLnTx/>
-              <a:uFillTx/>
-              <a:latin typeface="Atkinson Hyperlegible" pitchFamily="50" charset="0"/>
-              <a:ea typeface="+mj-ea"/>
-              <a:cs typeface="+mj-cs"/>
-            </a:endParaRPr>
-          </a:p>
-          <a:p>
-            <a:pPr marL="0" indent="0">
-              <a:buNone/>
-            </a:pPr>
-            <a:r>
-              <a:rPr kumimoji="0" lang="en-US" sz="2200" i="0" u="none" strike="noStrike" kern="1200" cap="none" spc="0" normalizeH="0" baseline="0" noProof="0" dirty="0">
-                <a:ln>
-                  <a:noFill/>
-                </a:ln>
-                <a:solidFill>
-                  <a:prstClr val="black"/>
-                </a:solidFill>
-                <a:effectLst/>
-                <a:uLnTx/>
-                <a:uFillTx/>
-                <a:latin typeface="Atkinson Hyperlegible" pitchFamily="50" charset="0"/>
-                <a:ea typeface="+mj-ea"/>
-                <a:cs typeface="+mj-cs"/>
-              </a:rPr>
-              <a:t>Define a function </a:t>
-            </a:r>
-            <a:r>
-              <a:rPr lang="en-US" sz="2200" dirty="0" err="1">
-                <a:solidFill>
-                  <a:prstClr val="black"/>
-                </a:solidFill>
-                <a:latin typeface="APL385 Unicode" panose="020B0709000202000203" pitchFamily="49" charset="0"/>
-                <a:ea typeface="+mj-ea"/>
-                <a:cs typeface="+mj-cs"/>
-              </a:rPr>
-              <a:t>MatrixSortedDownBy</a:t>
-            </a:r>
-            <a:r>
-              <a:rPr kumimoji="0" lang="en-US" sz="2200" i="0" u="none" strike="noStrike" kern="1200" cap="none" spc="0" normalizeH="0" baseline="0" noProof="0" dirty="0">
-                <a:ln>
-                  <a:noFill/>
-                </a:ln>
-                <a:solidFill>
-                  <a:prstClr val="black"/>
-                </a:solidFill>
-                <a:effectLst/>
-                <a:uLnTx/>
-                <a:uFillTx/>
-                <a:latin typeface="Atkinson Hyperlegible" pitchFamily="50" charset="0"/>
-                <a:ea typeface="+mj-ea"/>
-                <a:cs typeface="+mj-cs"/>
-              </a:rPr>
-              <a:t> that takes a character matrix on the left and a numeric vector on the right. It should reorder the rows of the matrix </a:t>
-            </a:r>
-            <a:r>
-              <a:rPr lang="en-US" sz="2200" dirty="0">
-                <a:solidFill>
-                  <a:prstClr val="black"/>
-                </a:solidFill>
-                <a:latin typeface="Atkinson Hyperlegible" pitchFamily="50" charset="0"/>
-                <a:ea typeface="+mj-ea"/>
-                <a:cs typeface="+mj-cs"/>
-              </a:rPr>
-              <a:t>so that the row corresponding to the highest number comes first</a:t>
-            </a:r>
-            <a:r>
-              <a:rPr kumimoji="0" lang="en-US" sz="2200" i="0" u="none" strike="noStrike" kern="1200" cap="none" spc="0" normalizeH="0" baseline="0" noProof="0" dirty="0">
-                <a:ln>
-                  <a:noFill/>
-                </a:ln>
-                <a:solidFill>
-                  <a:prstClr val="black"/>
-                </a:solidFill>
-                <a:effectLst/>
-                <a:uLnTx/>
-                <a:uFillTx/>
-                <a:latin typeface="Atkinson Hyperlegible" pitchFamily="50" charset="0"/>
-                <a:ea typeface="+mj-ea"/>
-                <a:cs typeface="+mj-cs"/>
-              </a:rPr>
-              <a:t>.</a:t>
-            </a:r>
-          </a:p>
-          <a:p>
-            <a:pPr marL="0" indent="0">
-              <a:buNone/>
-            </a:pPr>
-            <a:r>
-              <a:rPr kumimoji="0" lang="en-US" sz="2200" i="0" u="none" strike="noStrike" kern="1200" cap="none" spc="0" normalizeH="0" baseline="0" noProof="0" dirty="0">
-                <a:ln>
-                  <a:noFill/>
-                </a:ln>
-                <a:solidFill>
-                  <a:prstClr val="black"/>
-                </a:solidFill>
-                <a:effectLst/>
-                <a:uLnTx/>
-                <a:uFillTx/>
-                <a:latin typeface="APL385 Unicode" panose="020B0709000202000203" pitchFamily="49" charset="0"/>
-                <a:ea typeface="+mj-ea"/>
-                <a:cs typeface="+mj-cs"/>
-              </a:rPr>
-              <a:t>      products ← 5 6⍴'coffeebread curry beans milk  '</a:t>
-            </a:r>
-          </a:p>
-          <a:p>
-            <a:pPr marL="0" indent="0">
-              <a:buNone/>
-            </a:pPr>
-            <a:r>
-              <a:rPr kumimoji="0" lang="en-US" sz="2200" i="0" u="none" strike="noStrike" kern="1200" cap="none" spc="0" normalizeH="0" baseline="0" noProof="0" dirty="0">
-                <a:ln>
-                  <a:noFill/>
-                </a:ln>
-                <a:solidFill>
-                  <a:prstClr val="black"/>
-                </a:solidFill>
-                <a:effectLst/>
-                <a:uLnTx/>
-                <a:uFillTx/>
-                <a:latin typeface="APL385 Unicode" panose="020B0709000202000203" pitchFamily="49" charset="0"/>
-                <a:ea typeface="+mj-ea"/>
-                <a:cs typeface="+mj-cs"/>
-              </a:rPr>
-              <a:t>      products </a:t>
-            </a:r>
-            <a:r>
-              <a:rPr lang="en-US" sz="2200" dirty="0" err="1">
-                <a:solidFill>
-                  <a:prstClr val="black"/>
-                </a:solidFill>
-                <a:latin typeface="APL385 Unicode" panose="020B0709000202000203" pitchFamily="49" charset="0"/>
-                <a:ea typeface="+mj-ea"/>
-                <a:cs typeface="+mj-cs"/>
-              </a:rPr>
-              <a:t>MatrixSortedDownBy</a:t>
-            </a:r>
-            <a:r>
-              <a:rPr kumimoji="0" lang="en-US" sz="2200" i="0" u="none" strike="noStrike" kern="1200" cap="none" spc="0" normalizeH="0" baseline="0" noProof="0" dirty="0">
-                <a:ln>
-                  <a:noFill/>
-                </a:ln>
-                <a:solidFill>
-                  <a:prstClr val="black"/>
-                </a:solidFill>
-                <a:effectLst/>
-                <a:uLnTx/>
-                <a:uFillTx/>
-                <a:latin typeface="APL385 Unicode" panose="020B0709000202000203" pitchFamily="49" charset="0"/>
-                <a:ea typeface="+mj-ea"/>
-                <a:cs typeface="+mj-cs"/>
-              </a:rPr>
-              <a:t> 1 2 3 4 5</a:t>
-            </a:r>
-          </a:p>
-          <a:p>
-            <a:pPr marL="0" indent="0">
-              <a:buNone/>
-            </a:pPr>
-            <a:r>
-              <a:rPr kumimoji="0" lang="en-US" sz="2200" i="0" u="none" strike="noStrike" kern="1200" cap="none" spc="0" normalizeH="0" baseline="0" noProof="0" dirty="0">
-                <a:ln>
-                  <a:noFill/>
-                </a:ln>
-                <a:solidFill>
-                  <a:prstClr val="black"/>
-                </a:solidFill>
-                <a:effectLst/>
-                <a:uLnTx/>
-                <a:uFillTx/>
-                <a:latin typeface="APL385 Unicode" panose="020B0709000202000203" pitchFamily="49" charset="0"/>
-                <a:ea typeface="+mj-ea"/>
-                <a:cs typeface="+mj-cs"/>
-              </a:rPr>
-              <a:t>milk</a:t>
-            </a:r>
-          </a:p>
-          <a:p>
-            <a:pPr marL="0" indent="0">
-              <a:buNone/>
-            </a:pPr>
-            <a:r>
-              <a:rPr kumimoji="0" lang="en-US" sz="2200" i="0" u="none" strike="noStrike" kern="1200" cap="none" spc="0" normalizeH="0" baseline="0" noProof="0" dirty="0">
-                <a:ln>
-                  <a:noFill/>
-                </a:ln>
-                <a:solidFill>
-                  <a:prstClr val="black"/>
-                </a:solidFill>
-                <a:effectLst/>
-                <a:uLnTx/>
-                <a:uFillTx/>
-                <a:latin typeface="APL385 Unicode" panose="020B0709000202000203" pitchFamily="49" charset="0"/>
-                <a:ea typeface="+mj-ea"/>
-                <a:cs typeface="+mj-cs"/>
-              </a:rPr>
-              <a:t>beans</a:t>
-            </a:r>
-          </a:p>
-          <a:p>
-            <a:pPr marL="0" indent="0">
-              <a:buNone/>
-            </a:pPr>
-            <a:r>
-              <a:rPr kumimoji="0" lang="en-US" sz="2200" i="0" u="none" strike="noStrike" kern="1200" cap="none" spc="0" normalizeH="0" baseline="0" noProof="0" dirty="0">
-                <a:ln>
-                  <a:noFill/>
-                </a:ln>
-                <a:solidFill>
-                  <a:prstClr val="black"/>
-                </a:solidFill>
-                <a:effectLst/>
-                <a:uLnTx/>
-                <a:uFillTx/>
-                <a:latin typeface="APL385 Unicode" panose="020B0709000202000203" pitchFamily="49" charset="0"/>
-                <a:ea typeface="+mj-ea"/>
-                <a:cs typeface="+mj-cs"/>
-              </a:rPr>
-              <a:t>curry</a:t>
-            </a:r>
-          </a:p>
-          <a:p>
-            <a:pPr marL="0" indent="0">
-              <a:buNone/>
-            </a:pPr>
-            <a:r>
-              <a:rPr kumimoji="0" lang="en-US" sz="2200" i="0" u="none" strike="noStrike" kern="1200" cap="none" spc="0" normalizeH="0" baseline="0" noProof="0" dirty="0">
-                <a:ln>
-                  <a:noFill/>
-                </a:ln>
-                <a:solidFill>
-                  <a:prstClr val="black"/>
-                </a:solidFill>
-                <a:effectLst/>
-                <a:uLnTx/>
-                <a:uFillTx/>
-                <a:latin typeface="APL385 Unicode" panose="020B0709000202000203" pitchFamily="49" charset="0"/>
-                <a:ea typeface="+mj-ea"/>
-                <a:cs typeface="+mj-cs"/>
-              </a:rPr>
-              <a:t>bread</a:t>
-            </a:r>
-          </a:p>
-          <a:p>
-            <a:pPr marL="0" indent="0">
-              <a:buNone/>
-            </a:pPr>
-            <a:r>
-              <a:rPr kumimoji="0" lang="en-US" sz="2200" i="0" u="none" strike="noStrike" kern="1200" cap="none" spc="0" normalizeH="0" baseline="0" noProof="0" dirty="0">
-                <a:ln>
-                  <a:noFill/>
-                </a:ln>
-                <a:solidFill>
-                  <a:prstClr val="black"/>
-                </a:solidFill>
-                <a:effectLst/>
-                <a:uLnTx/>
-                <a:uFillTx/>
-                <a:latin typeface="APL385 Unicode" panose="020B0709000202000203" pitchFamily="49" charset="0"/>
-                <a:ea typeface="+mj-ea"/>
-                <a:cs typeface="+mj-cs"/>
-              </a:rPr>
-              <a:t>coffee</a:t>
-            </a:r>
-          </a:p>
-          <a:p>
-            <a:pPr marL="0" indent="0">
-              <a:buNone/>
-            </a:pPr>
-            <a:r>
-              <a:rPr kumimoji="0" lang="en-US" sz="2200" i="0" u="none" strike="noStrike" kern="1200" cap="none" spc="0" normalizeH="0" baseline="0" noProof="0" dirty="0">
-                <a:ln>
-                  <a:noFill/>
-                </a:ln>
-                <a:solidFill>
-                  <a:prstClr val="black"/>
-                </a:solidFill>
-                <a:effectLst/>
-                <a:uLnTx/>
-                <a:uFillTx/>
-                <a:latin typeface="APL385 Unicode" panose="020B0709000202000203" pitchFamily="49" charset="0"/>
-                <a:ea typeface="+mj-ea"/>
-                <a:cs typeface="+mj-cs"/>
-              </a:rPr>
-              <a:t>      products </a:t>
-            </a:r>
-            <a:r>
-              <a:rPr lang="en-US" sz="2200" dirty="0" err="1">
-                <a:solidFill>
-                  <a:prstClr val="black"/>
-                </a:solidFill>
-                <a:latin typeface="APL385 Unicode" panose="020B0709000202000203" pitchFamily="49" charset="0"/>
-                <a:ea typeface="+mj-ea"/>
-                <a:cs typeface="+mj-cs"/>
-              </a:rPr>
-              <a:t>MatrixSortedDownBy</a:t>
-            </a:r>
-            <a:r>
-              <a:rPr kumimoji="0" lang="en-US" sz="2200" i="0" u="none" strike="noStrike" kern="1200" cap="none" spc="0" normalizeH="0" baseline="0" noProof="0" dirty="0">
-                <a:ln>
-                  <a:noFill/>
-                </a:ln>
-                <a:solidFill>
-                  <a:prstClr val="black"/>
-                </a:solidFill>
-                <a:effectLst/>
-                <a:uLnTx/>
-                <a:uFillTx/>
-                <a:latin typeface="APL385 Unicode" panose="020B0709000202000203" pitchFamily="49" charset="0"/>
-                <a:ea typeface="+mj-ea"/>
-                <a:cs typeface="+mj-cs"/>
-              </a:rPr>
-              <a:t> 5 1 3 4 2</a:t>
-            </a:r>
-          </a:p>
-          <a:p>
-            <a:pPr marL="0" indent="0">
-              <a:buNone/>
-            </a:pPr>
-            <a:r>
-              <a:rPr kumimoji="0" lang="en-US" sz="2200" i="0" u="none" strike="noStrike" kern="1200" cap="none" spc="0" normalizeH="0" baseline="0" noProof="0" dirty="0">
-                <a:ln>
-                  <a:noFill/>
-                </a:ln>
-                <a:solidFill>
-                  <a:prstClr val="black"/>
-                </a:solidFill>
-                <a:effectLst/>
-                <a:uLnTx/>
-                <a:uFillTx/>
-                <a:latin typeface="APL385 Unicode" panose="020B0709000202000203" pitchFamily="49" charset="0"/>
-                <a:ea typeface="+mj-ea"/>
-                <a:cs typeface="+mj-cs"/>
-              </a:rPr>
-              <a:t>coffee</a:t>
-            </a:r>
-          </a:p>
-          <a:p>
-            <a:pPr marL="0" indent="0">
-              <a:buNone/>
-            </a:pPr>
-            <a:r>
-              <a:rPr kumimoji="0" lang="en-US" sz="2200" i="0" u="none" strike="noStrike" kern="1200" cap="none" spc="0" normalizeH="0" baseline="0" noProof="0" dirty="0">
-                <a:ln>
-                  <a:noFill/>
-                </a:ln>
-                <a:solidFill>
-                  <a:prstClr val="black"/>
-                </a:solidFill>
-                <a:effectLst/>
-                <a:uLnTx/>
-                <a:uFillTx/>
-                <a:latin typeface="APL385 Unicode" panose="020B0709000202000203" pitchFamily="49" charset="0"/>
-                <a:ea typeface="+mj-ea"/>
-                <a:cs typeface="+mj-cs"/>
-              </a:rPr>
-              <a:t>beans</a:t>
-            </a:r>
-          </a:p>
-          <a:p>
-            <a:pPr marL="0" indent="0">
-              <a:buNone/>
-            </a:pPr>
-            <a:r>
-              <a:rPr kumimoji="0" lang="en-US" sz="2200" i="0" u="none" strike="noStrike" kern="1200" cap="none" spc="0" normalizeH="0" baseline="0" noProof="0" dirty="0">
-                <a:ln>
-                  <a:noFill/>
-                </a:ln>
-                <a:solidFill>
-                  <a:prstClr val="black"/>
-                </a:solidFill>
-                <a:effectLst/>
-                <a:uLnTx/>
-                <a:uFillTx/>
-                <a:latin typeface="APL385 Unicode" panose="020B0709000202000203" pitchFamily="49" charset="0"/>
-                <a:ea typeface="+mj-ea"/>
-                <a:cs typeface="+mj-cs"/>
-              </a:rPr>
-              <a:t>curry</a:t>
-            </a:r>
-          </a:p>
-          <a:p>
-            <a:pPr marL="0" indent="0">
-              <a:buNone/>
-            </a:pPr>
-            <a:r>
-              <a:rPr kumimoji="0" lang="en-US" sz="2200" i="0" u="none" strike="noStrike" kern="1200" cap="none" spc="0" normalizeH="0" baseline="0" noProof="0" dirty="0">
-                <a:ln>
-                  <a:noFill/>
-                </a:ln>
-                <a:solidFill>
-                  <a:prstClr val="black"/>
-                </a:solidFill>
-                <a:effectLst/>
-                <a:uLnTx/>
-                <a:uFillTx/>
-                <a:latin typeface="APL385 Unicode" panose="020B0709000202000203" pitchFamily="49" charset="0"/>
-                <a:ea typeface="+mj-ea"/>
-                <a:cs typeface="+mj-cs"/>
-              </a:rPr>
-              <a:t>milk</a:t>
-            </a:r>
-          </a:p>
-          <a:p>
-            <a:pPr marL="0" indent="0">
-              <a:buNone/>
-            </a:pPr>
-            <a:r>
-              <a:rPr kumimoji="0" lang="en-US" sz="2200" i="0" u="none" strike="noStrike" kern="1200" cap="none" spc="0" normalizeH="0" baseline="0" noProof="0" dirty="0">
-                <a:ln>
-                  <a:noFill/>
-                </a:ln>
-                <a:solidFill>
-                  <a:prstClr val="black"/>
-                </a:solidFill>
-                <a:effectLst/>
-                <a:uLnTx/>
-                <a:uFillTx/>
-                <a:latin typeface="APL385 Unicode" panose="020B0709000202000203" pitchFamily="49" charset="0"/>
-                <a:ea typeface="+mj-ea"/>
-                <a:cs typeface="+mj-cs"/>
-              </a:rPr>
-              <a:t>bread</a:t>
-            </a:r>
-            <a:endParaRPr kumimoji="0" lang="en-GB" sz="2200" i="0" u="none" strike="noStrike" kern="1200" cap="none" spc="0" normalizeH="0" baseline="0" noProof="0" dirty="0">
-              <a:ln>
-                <a:noFill/>
-              </a:ln>
-              <a:solidFill>
-                <a:prstClr val="black"/>
-              </a:solidFill>
-              <a:effectLst/>
-              <a:uLnTx/>
-              <a:uFillTx/>
-              <a:latin typeface="APL385 Unicode" panose="020B0709000202000203" pitchFamily="49" charset="0"/>
-              <a:ea typeface="+mj-ea"/>
-              <a:cs typeface="+mj-cs"/>
-            </a:endParaRPr>
-          </a:p>
-        </p:txBody>
-      </p:sp>
-    </p:spTree>
-    <p:extLst>
-      <p:ext uri="{BB962C8B-B14F-4D97-AF65-F5344CB8AC3E}">
-        <p14:creationId xmlns:p14="http://schemas.microsoft.com/office/powerpoint/2010/main" val="3799855510"/>
-      </p:ext>
-    </p:extLst>
-  </p:cSld>
-  <p:clrMapOvr>
-    <a:masterClrMapping/>
-  </p:clrMapOvr>
-</p:sld>
-</file>
-
-<file path=ppt/slides/slide11.xml><?xml version="1.0" encoding="utf-8"?>
-<p:sld xmlns:a="http://schemas.openxmlformats.org/drawingml/2006/main" xmlns:r="http://schemas.openxmlformats.org/officeDocument/2006/relationships" xmlns:p="http://schemas.openxmlformats.org/presentationml/2006/main">
-  <p:cSld>
-    <p:spTree>
-      <p:nvGrpSpPr>
-        <p:cNvPr id="1" name=""/>
-        <p:cNvGrpSpPr/>
-        <p:nvPr/>
-      </p:nvGrpSpPr>
-      <p:grpSpPr>
-        <a:xfrm>
-          <a:off x="0" y="0"/>
-          <a:ext cx="0" cy="0"/>
-          <a:chOff x="0" y="0"/>
-          <a:chExt cx="0" cy="0"/>
-        </a:xfrm>
-      </p:grpSpPr>
-      <p:sp>
-        <p:nvSpPr>
-          <p:cNvPr id="2" name="TextBox 1">
-            <a:extLst>
-              <a:ext uri="{FF2B5EF4-FFF2-40B4-BE49-F238E27FC236}">
-                <a16:creationId xmlns:a16="http://schemas.microsoft.com/office/drawing/2014/main" id="{ABB6BDA9-D3EC-48B2-8801-3CE10D1D5391}"/>
-              </a:ext>
-            </a:extLst>
-          </p:cNvPr>
-          <p:cNvSpPr txBox="1"/>
-          <p:nvPr/>
-        </p:nvSpPr>
-        <p:spPr>
-          <a:xfrm>
-            <a:off x="696000" y="729000"/>
-            <a:ext cx="10800000" cy="5786199"/>
-          </a:xfrm>
-          <a:prstGeom prst="rect">
-            <a:avLst/>
-          </a:prstGeom>
-          <a:noFill/>
-        </p:spPr>
-        <p:txBody>
-          <a:bodyPr wrap="square" rtlCol="0">
-            <a:spAutoFit/>
-          </a:bodyPr>
-          <a:lstStyle/>
-          <a:p>
-            <a:pPr marL="0" indent="0" algn="ctr">
-              <a:buNone/>
-            </a:pPr>
-            <a:r>
-              <a:rPr kumimoji="0" lang="en-GB" sz="4000" b="1" i="0" u="none" strike="noStrike" kern="1200" cap="none" spc="0" normalizeH="0" baseline="0" noProof="0" dirty="0">
-                <a:ln>
-                  <a:noFill/>
-                </a:ln>
-                <a:solidFill>
-                  <a:prstClr val="black"/>
-                </a:solidFill>
-                <a:effectLst/>
-                <a:uLnTx/>
-                <a:uFillTx/>
-                <a:latin typeface="Atkinson Hyperlegible" pitchFamily="50" charset="0"/>
-                <a:ea typeface="+mj-ea"/>
-                <a:cs typeface="+mj-cs"/>
-              </a:rPr>
-              <a:t>Task </a:t>
-            </a:r>
-            <a:fld id="{C4A595E0-68AA-423E-BAF3-3392370CE250}" type="slidenum">
-              <a:rPr kumimoji="0" lang="en-GB" sz="4000" b="1" i="0" u="none" strike="noStrike" kern="1200" cap="none" spc="0" normalizeH="0" baseline="0" noProof="0" smtClean="0">
-                <a:ln>
-                  <a:noFill/>
-                </a:ln>
-                <a:solidFill>
-                  <a:prstClr val="black"/>
-                </a:solidFill>
-                <a:effectLst/>
-                <a:uLnTx/>
-                <a:uFillTx/>
-                <a:latin typeface="Atkinson Hyperlegible" pitchFamily="50" charset="0"/>
-                <a:ea typeface="+mj-ea"/>
-                <a:cs typeface="+mj-cs"/>
-              </a:rPr>
-              <a:t>11</a:t>
-            </a:fld>
-            <a:endParaRPr kumimoji="0" lang="en-GB" sz="4000" b="1" i="0" u="none" strike="noStrike" kern="1200" cap="none" spc="0" normalizeH="0" baseline="0" noProof="0" dirty="0">
-              <a:ln>
-                <a:noFill/>
-              </a:ln>
-              <a:solidFill>
-                <a:prstClr val="black"/>
-              </a:solidFill>
-              <a:effectLst/>
-              <a:uLnTx/>
-              <a:uFillTx/>
-              <a:latin typeface="Atkinson Hyperlegible" pitchFamily="50" charset="0"/>
-              <a:ea typeface="+mj-ea"/>
-              <a:cs typeface="+mj-cs"/>
-            </a:endParaRPr>
-          </a:p>
-          <a:p>
             <a:r>
               <a:rPr lang="en-GB" sz="2200" dirty="0">
                 <a:solidFill>
@@ -4474,7 +3908,7 @@
 </p:sld>
 </file>
 
-<file path=ppt/slides/slide12.xml><?xml version="1.0" encoding="utf-8"?>
+<file path=ppt/slides/slide11.xml><?xml version="1.0" encoding="utf-8"?>
 <p:sld xmlns:a="http://schemas.openxmlformats.org/drawingml/2006/main" xmlns:r="http://schemas.openxmlformats.org/officeDocument/2006/relationships" xmlns:p="http://schemas.openxmlformats.org/presentationml/2006/main">
   <p:cSld>
     <p:spTree>
@@ -4554,7 +3988,7 @@
                 <a:ea typeface="+mj-ea"/>
                 <a:cs typeface="+mj-cs"/>
               </a:rPr>
-              <a:t>12</a:t>
+              <a:t>11</a:t>
             </a:fld>
             <a:endParaRPr kumimoji="0" lang="en-GB" sz="4000" b="1" i="0" u="none" strike="noStrike" kern="1200" cap="none" spc="0" normalizeH="0" baseline="0" noProof="0" dirty="0">
               <a:ln>
@@ -4782,7 +4216,7 @@
 </p:sld>
 </file>
 
-<file path=ppt/slides/slide13.xml><?xml version="1.0" encoding="utf-8"?>
+<file path=ppt/slides/slide12.xml><?xml version="1.0" encoding="utf-8"?>
 <p:sld xmlns:a="http://schemas.openxmlformats.org/drawingml/2006/main" xmlns:r="http://schemas.openxmlformats.org/officeDocument/2006/relationships" xmlns:p="http://schemas.openxmlformats.org/presentationml/2006/main">
   <p:cSld>
     <p:spTree>
@@ -4862,7 +4296,7 @@
                 <a:ea typeface="+mj-ea"/>
                 <a:cs typeface="+mj-cs"/>
               </a:rPr>
-              <a:t>13</a:t>
+              <a:t>12</a:t>
             </a:fld>
             <a:endParaRPr kumimoji="0" lang="en-GB" sz="4000" b="1" i="0" u="none" strike="noStrike" kern="1200" cap="none" spc="0" normalizeH="0" baseline="0" noProof="0" dirty="0">
               <a:ln>
@@ -5299,7 +4733,7 @@
 </p:sld>
 </file>
 
-<file path=ppt/slides/slide14.xml><?xml version="1.0" encoding="utf-8"?>
+<file path=ppt/slides/slide13.xml><?xml version="1.0" encoding="utf-8"?>
 <p:sld xmlns:a="http://schemas.openxmlformats.org/drawingml/2006/main" xmlns:r="http://schemas.openxmlformats.org/officeDocument/2006/relationships" xmlns:p="http://schemas.openxmlformats.org/presentationml/2006/main">
   <p:cSld>
     <p:spTree>
@@ -5379,7 +4813,7 @@
                 <a:ea typeface="+mj-ea"/>
                 <a:cs typeface="+mj-cs"/>
               </a:rPr>
-              <a:t>14</a:t>
+              <a:t>13</a:t>
             </a:fld>
             <a:r>
               <a:rPr kumimoji="0" lang="en-GB" sz="4000" b="1" i="0" u="none" strike="noStrike" kern="1200" cap="none" spc="0" normalizeH="0" baseline="0" noProof="0" dirty="0">
@@ -5573,7 +5007,7 @@
 </p:sld>
 </file>
 
-<file path=ppt/slides/slide15.xml><?xml version="1.0" encoding="utf-8"?>
+<file path=ppt/slides/slide14.xml><?xml version="1.0" encoding="utf-8"?>
 <p:sld xmlns:a="http://schemas.openxmlformats.org/drawingml/2006/main" xmlns:r="http://schemas.openxmlformats.org/officeDocument/2006/relationships" xmlns:p="http://schemas.openxmlformats.org/presentationml/2006/main">
   <p:cSld>
     <p:spTree>
@@ -5653,7 +5087,7 @@
                 <a:ea typeface="+mj-ea"/>
                 <a:cs typeface="+mj-cs"/>
               </a:rPr>
-              <a:t>15</a:t>
+              <a:t>14</a:t>
             </a:fld>
             <a:r>
               <a:rPr kumimoji="0" lang="en-GB" sz="4000" b="1" i="0" u="none" strike="noStrike" kern="1200" cap="none" spc="0" normalizeH="0" baseline="0" noProof="0" dirty="0">
@@ -5905,7 +5339,7 @@
 </p:sld>
 </file>
 
-<file path=ppt/slides/slide16.xml><?xml version="1.0" encoding="utf-8"?>
+<file path=ppt/slides/slide15.xml><?xml version="1.0" encoding="utf-8"?>
 <p:sld xmlns:a="http://schemas.openxmlformats.org/drawingml/2006/main" xmlns:r="http://schemas.openxmlformats.org/officeDocument/2006/relationships" xmlns:p="http://schemas.openxmlformats.org/presentationml/2006/main">
   <p:cSld>
     <p:spTree>
@@ -5985,7 +5419,7 @@
                 <a:ea typeface="+mj-ea"/>
                 <a:cs typeface="+mj-cs"/>
               </a:rPr>
-              <a:t>16</a:t>
+              <a:t>15</a:t>
             </a:fld>
             <a:r>
               <a:rPr kumimoji="0" lang="en-GB" sz="4000" b="1" i="0" u="none" strike="noStrike" kern="1200" cap="none" spc="0" normalizeH="0" baseline="0" noProof="0" dirty="0">
@@ -6233,7 +5667,7 @@
 </p:sld>
 </file>
 
-<file path=ppt/slides/slide17.xml><?xml version="1.0" encoding="utf-8"?>
+<file path=ppt/slides/slide16.xml><?xml version="1.0" encoding="utf-8"?>
 <p:sld xmlns:a="http://schemas.openxmlformats.org/drawingml/2006/main" xmlns:r="http://schemas.openxmlformats.org/officeDocument/2006/relationships" xmlns:p="http://schemas.openxmlformats.org/presentationml/2006/main">
   <p:cSld>
     <p:spTree>
@@ -6313,7 +5747,7 @@
                 <a:ea typeface="+mj-ea"/>
                 <a:cs typeface="+mj-cs"/>
               </a:rPr>
-              <a:t>17</a:t>
+              <a:t>16</a:t>
             </a:fld>
             <a:r>
               <a:rPr kumimoji="0" lang="en-GB" sz="4000" b="1" i="0" u="none" strike="noStrike" kern="1200" cap="none" spc="0" normalizeH="0" baseline="0" noProof="0" dirty="0">
@@ -6575,7 +6009,7 @@
         <p:spPr>
           <a:xfrm>
             <a:off x="696000" y="729000"/>
-            <a:ext cx="10800000" cy="6709529"/>
+            <a:ext cx="10800000" cy="3847207"/>
           </a:xfrm>
           <a:prstGeom prst="rect">
             <a:avLst/>
@@ -6641,413 +6075,6 @@
             </a:endParaRPr>
           </a:p>
           <a:p>
-            <a:pPr marL="742950" indent="-742950">
-              <a:buFont typeface="+mj-lt"/>
-              <a:buAutoNum type="arabicPeriod"/>
-            </a:pPr>
-            <a:r>
-              <a:rPr lang="en-GB" sz="2400" dirty="0">
-                <a:solidFill>
-                  <a:prstClr val="black"/>
-                </a:solidFill>
-                <a:latin typeface="Atkinson Hyperlegible" pitchFamily="50" charset="0"/>
-                <a:ea typeface="+mj-ea"/>
-                <a:cs typeface="+mj-cs"/>
-              </a:rPr>
-              <a:t>Create a character vector called "</a:t>
-            </a:r>
-            <a:r>
-              <a:rPr lang="en-GB" sz="2400" dirty="0">
-                <a:solidFill>
-                  <a:prstClr val="black"/>
-                </a:solidFill>
-                <a:latin typeface="APL385 Unicode" panose="020B0709000202000203" pitchFamily="49" charset="0"/>
-                <a:ea typeface="+mj-ea"/>
-                <a:cs typeface="+mj-cs"/>
-              </a:rPr>
-              <a:t>task2</a:t>
-            </a:r>
-            <a:r>
-              <a:rPr lang="en-GB" sz="2400" dirty="0">
-                <a:solidFill>
-                  <a:prstClr val="black"/>
-                </a:solidFill>
-                <a:latin typeface="Atkinson Hyperlegible" pitchFamily="50" charset="0"/>
-                <a:ea typeface="+mj-ea"/>
-                <a:cs typeface="+mj-cs"/>
-              </a:rPr>
-              <a:t>"</a:t>
-            </a:r>
-          </a:p>
-          <a:p>
-            <a:pPr marL="742950" indent="-742950">
-              <a:buFont typeface="+mj-lt"/>
-              <a:buAutoNum type="arabicPeriod"/>
-            </a:pPr>
-            <a:r>
-              <a:rPr lang="en-GB" sz="2400" dirty="0">
-                <a:solidFill>
-                  <a:prstClr val="black"/>
-                </a:solidFill>
-                <a:latin typeface="Atkinson Hyperlegible" pitchFamily="50" charset="0"/>
-                <a:ea typeface="+mj-ea"/>
-                <a:cs typeface="+mj-cs"/>
-              </a:rPr>
-              <a:t>Do </a:t>
-            </a:r>
-            <a:r>
-              <a:rPr lang="en-GB" sz="2400" dirty="0">
-                <a:solidFill>
-                  <a:prstClr val="black"/>
-                </a:solidFill>
-                <a:latin typeface="APL385 Unicode" panose="020B0709000202000203" pitchFamily="49" charset="0"/>
-                <a:ea typeface="+mj-ea"/>
-                <a:cs typeface="+mj-cs"/>
-              </a:rPr>
-              <a:t>)ED task2</a:t>
-            </a:r>
-          </a:p>
-          <a:p>
-            <a:pPr marL="742950" indent="-742950">
-              <a:buFont typeface="+mj-lt"/>
-              <a:buAutoNum type="arabicPeriod"/>
-            </a:pPr>
-            <a:r>
-              <a:rPr lang="en-GB" sz="2400" dirty="0">
-                <a:solidFill>
-                  <a:prstClr val="black"/>
-                </a:solidFill>
-                <a:latin typeface="Atkinson Hyperlegible" pitchFamily="50" charset="0"/>
-                <a:ea typeface="+mj-ea"/>
-                <a:cs typeface="+mj-cs"/>
-              </a:rPr>
-              <a:t>Write 2 APL expressions which return the following vectors and matrix:</a:t>
-            </a:r>
-          </a:p>
-          <a:p>
-            <a:pPr lvl="1"/>
-            <a:endParaRPr lang="en-GB" sz="2400" dirty="0">
-              <a:solidFill>
-                <a:prstClr val="black"/>
-              </a:solidFill>
-              <a:latin typeface="APL385 Unicode" panose="020B0709000202000203" pitchFamily="49" charset="0"/>
-              <a:ea typeface="+mj-ea"/>
-              <a:cs typeface="+mj-cs"/>
-            </a:endParaRPr>
-          </a:p>
-          <a:p>
-            <a:pPr lvl="1"/>
-            <a:r>
-              <a:rPr lang="en-GB" sz="2400" dirty="0">
-                <a:solidFill>
-                  <a:prstClr val="black"/>
-                </a:solidFill>
-                <a:latin typeface="APL385 Unicode" panose="020B0709000202000203" pitchFamily="49" charset="0"/>
-                <a:ea typeface="+mj-ea"/>
-                <a:cs typeface="+mj-cs"/>
-              </a:rPr>
-              <a:t>1 2 3 4 5 11 12 13 14 15 21 22 23 24 25</a:t>
-            </a:r>
-          </a:p>
-          <a:p>
-            <a:pPr lvl="1"/>
-            <a:endParaRPr lang="en-GB" sz="2400" dirty="0">
-              <a:solidFill>
-                <a:prstClr val="black"/>
-              </a:solidFill>
-              <a:latin typeface="APL385 Unicode" panose="020B0709000202000203" pitchFamily="49" charset="0"/>
-              <a:ea typeface="+mj-ea"/>
-              <a:cs typeface="+mj-cs"/>
-            </a:endParaRPr>
-          </a:p>
-          <a:p>
-            <a:pPr lvl="1"/>
-            <a:r>
-              <a:rPr lang="en-GB" sz="2400" dirty="0" err="1">
-                <a:solidFill>
-                  <a:prstClr val="black"/>
-                </a:solidFill>
-                <a:latin typeface="APL385 Unicode" panose="020B0709000202000203" pitchFamily="49" charset="0"/>
-                <a:ea typeface="+mj-ea"/>
-                <a:cs typeface="+mj-cs"/>
-              </a:rPr>
-              <a:t>eee</a:t>
-            </a:r>
-            <a:endParaRPr lang="en-GB" sz="2400" dirty="0">
-              <a:solidFill>
-                <a:prstClr val="black"/>
-              </a:solidFill>
-              <a:latin typeface="APL385 Unicode" panose="020B0709000202000203" pitchFamily="49" charset="0"/>
-              <a:ea typeface="+mj-ea"/>
-              <a:cs typeface="+mj-cs"/>
-            </a:endParaRPr>
-          </a:p>
-          <a:p>
-            <a:pPr lvl="1"/>
-            <a:r>
-              <a:rPr lang="en-GB" sz="2400" dirty="0" err="1">
-                <a:solidFill>
-                  <a:prstClr val="black"/>
-                </a:solidFill>
-                <a:latin typeface="APL385 Unicode" panose="020B0709000202000203" pitchFamily="49" charset="0"/>
-                <a:ea typeface="+mj-ea"/>
-                <a:cs typeface="+mj-cs"/>
-              </a:rPr>
-              <a:t>eeH</a:t>
-            </a:r>
-            <a:endParaRPr lang="en-GB" sz="2400" dirty="0">
-              <a:solidFill>
-                <a:prstClr val="black"/>
-              </a:solidFill>
-              <a:latin typeface="APL385 Unicode" panose="020B0709000202000203" pitchFamily="49" charset="0"/>
-              <a:ea typeface="+mj-ea"/>
-              <a:cs typeface="+mj-cs"/>
-            </a:endParaRPr>
-          </a:p>
-          <a:p>
-            <a:pPr lvl="1"/>
-            <a:r>
-              <a:rPr lang="en-GB" sz="2400" dirty="0" err="1">
-                <a:solidFill>
-                  <a:prstClr val="black"/>
-                </a:solidFill>
-                <a:latin typeface="APL385 Unicode" panose="020B0709000202000203" pitchFamily="49" charset="0"/>
-                <a:ea typeface="+mj-ea"/>
-                <a:cs typeface="+mj-cs"/>
-              </a:rPr>
-              <a:t>HHd</a:t>
-            </a:r>
-            <a:endParaRPr lang="en-GB" sz="2400" dirty="0">
-              <a:solidFill>
-                <a:prstClr val="black"/>
-              </a:solidFill>
-              <a:latin typeface="APL385 Unicode" panose="020B0709000202000203" pitchFamily="49" charset="0"/>
-              <a:ea typeface="+mj-ea"/>
-              <a:cs typeface="+mj-cs"/>
-            </a:endParaRPr>
-          </a:p>
-          <a:p>
-            <a:pPr lvl="1"/>
-            <a:r>
-              <a:rPr lang="en-GB" sz="2400" dirty="0" err="1">
-                <a:solidFill>
-                  <a:prstClr val="black"/>
-                </a:solidFill>
-                <a:latin typeface="APL385 Unicode" panose="020B0709000202000203" pitchFamily="49" charset="0"/>
-                <a:ea typeface="+mj-ea"/>
-                <a:cs typeface="+mj-cs"/>
-              </a:rPr>
-              <a:t>ddd</a:t>
-            </a:r>
-            <a:endParaRPr lang="en-GB" sz="2400" dirty="0">
-              <a:solidFill>
-                <a:prstClr val="black"/>
-              </a:solidFill>
-              <a:latin typeface="APL385 Unicode" panose="020B0709000202000203" pitchFamily="49" charset="0"/>
-              <a:ea typeface="+mj-ea"/>
-              <a:cs typeface="+mj-cs"/>
-            </a:endParaRPr>
-          </a:p>
-          <a:p>
-            <a:pPr lvl="1"/>
-            <a:r>
-              <a:rPr lang="en-GB" sz="2400" dirty="0" err="1">
-                <a:solidFill>
-                  <a:prstClr val="black"/>
-                </a:solidFill>
-                <a:latin typeface="APL385 Unicode" panose="020B0709000202000203" pitchFamily="49" charset="0"/>
-                <a:ea typeface="+mj-ea"/>
-                <a:cs typeface="+mj-cs"/>
-              </a:rPr>
-              <a:t>ddd</a:t>
-            </a:r>
-            <a:endParaRPr lang="en-GB" sz="2400" dirty="0">
-              <a:solidFill>
-                <a:prstClr val="black"/>
-              </a:solidFill>
-              <a:latin typeface="APL385 Unicode" panose="020B0709000202000203" pitchFamily="49" charset="0"/>
-              <a:ea typeface="+mj-ea"/>
-              <a:cs typeface="+mj-cs"/>
-            </a:endParaRPr>
-          </a:p>
-          <a:p>
-            <a:pPr lvl="1"/>
-            <a:endParaRPr lang="en-GB" sz="2400" dirty="0">
-              <a:solidFill>
-                <a:prstClr val="black"/>
-              </a:solidFill>
-              <a:latin typeface="Atkinson Hyperlegible" pitchFamily="50" charset="0"/>
-              <a:ea typeface="+mj-ea"/>
-              <a:cs typeface="+mj-cs"/>
-            </a:endParaRPr>
-          </a:p>
-          <a:p>
-            <a:pPr marL="742950" indent="-742950">
-              <a:buFont typeface="+mj-lt"/>
-              <a:buAutoNum type="arabicPeriod"/>
-            </a:pPr>
-            <a:r>
-              <a:rPr lang="en-GB" sz="2400" dirty="0">
-                <a:solidFill>
-                  <a:prstClr val="black"/>
-                </a:solidFill>
-                <a:latin typeface="Atkinson Hyperlegible" pitchFamily="50" charset="0"/>
-                <a:ea typeface="+mj-ea"/>
-                <a:cs typeface="+mj-cs"/>
-              </a:rPr>
-              <a:t>Try to make your code as short as possible</a:t>
-            </a:r>
-          </a:p>
-          <a:p>
-            <a:pPr marL="742950" indent="-742950">
-              <a:buFont typeface="+mj-lt"/>
-              <a:buAutoNum type="arabicPeriod"/>
-            </a:pPr>
-            <a:r>
-              <a:rPr lang="en-GB" sz="2400" dirty="0">
-                <a:solidFill>
-                  <a:prstClr val="black"/>
-                </a:solidFill>
-                <a:latin typeface="Atkinson Hyperlegible" pitchFamily="50" charset="0"/>
-                <a:ea typeface="+mj-ea"/>
-                <a:cs typeface="+mj-cs"/>
-              </a:rPr>
-              <a:t>Press Esc (top-left of keyboard) to close the editor and save your changes</a:t>
-            </a:r>
-          </a:p>
-          <a:p>
-            <a:endParaRPr lang="en-GB" sz="2400" dirty="0">
-              <a:solidFill>
-                <a:prstClr val="black"/>
-              </a:solidFill>
-              <a:latin typeface="Atkinson Hyperlegible" pitchFamily="50" charset="0"/>
-              <a:ea typeface="+mj-ea"/>
-              <a:cs typeface="+mj-cs"/>
-            </a:endParaRPr>
-          </a:p>
-          <a:p>
-            <a:endParaRPr lang="en-GB" sz="3000" dirty="0">
-              <a:solidFill>
-                <a:prstClr val="black"/>
-              </a:solidFill>
-              <a:latin typeface="Atkinson Hyperlegible" pitchFamily="50" charset="0"/>
-              <a:ea typeface="+mj-ea"/>
-              <a:cs typeface="+mj-cs"/>
-            </a:endParaRPr>
-          </a:p>
-        </p:txBody>
-      </p:sp>
-    </p:spTree>
-    <p:extLst>
-      <p:ext uri="{BB962C8B-B14F-4D97-AF65-F5344CB8AC3E}">
-        <p14:creationId xmlns:p14="http://schemas.microsoft.com/office/powerpoint/2010/main" val="2176882249"/>
-      </p:ext>
-    </p:extLst>
-  </p:cSld>
-  <p:clrMapOvr>
-    <a:masterClrMapping/>
-  </p:clrMapOvr>
-</p:sld>
-</file>
-
-<file path=ppt/slides/slide3.xml><?xml version="1.0" encoding="utf-8"?>
-<p:sld xmlns:a="http://schemas.openxmlformats.org/drawingml/2006/main" xmlns:r="http://schemas.openxmlformats.org/officeDocument/2006/relationships" xmlns:p="http://schemas.openxmlformats.org/presentationml/2006/main">
-  <p:cSld>
-    <p:spTree>
-      <p:nvGrpSpPr>
-        <p:cNvPr id="1" name=""/>
-        <p:cNvGrpSpPr/>
-        <p:nvPr/>
-      </p:nvGrpSpPr>
-      <p:grpSpPr>
-        <a:xfrm>
-          <a:off x="0" y="0"/>
-          <a:ext cx="0" cy="0"/>
-          <a:chOff x="0" y="0"/>
-          <a:chExt cx="0" cy="0"/>
-        </a:xfrm>
-      </p:grpSpPr>
-      <p:sp>
-        <p:nvSpPr>
-          <p:cNvPr id="2" name="TextBox 1">
-            <a:extLst>
-              <a:ext uri="{FF2B5EF4-FFF2-40B4-BE49-F238E27FC236}">
-                <a16:creationId xmlns:a16="http://schemas.microsoft.com/office/drawing/2014/main" id="{ABB6BDA9-D3EC-48B2-8801-3CE10D1D5391}"/>
-              </a:ext>
-            </a:extLst>
-          </p:cNvPr>
-          <p:cNvSpPr txBox="1"/>
-          <p:nvPr/>
-        </p:nvSpPr>
-        <p:spPr>
-          <a:xfrm>
-            <a:off x="696000" y="729000"/>
-            <a:ext cx="10800000" cy="3847207"/>
-          </a:xfrm>
-          <a:prstGeom prst="rect">
-            <a:avLst/>
-          </a:prstGeom>
-          <a:noFill/>
-        </p:spPr>
-        <p:txBody>
-          <a:bodyPr wrap="square" rtlCol="0">
-            <a:spAutoFit/>
-          </a:bodyPr>
-          <a:lstStyle/>
-          <a:p>
-            <a:pPr marL="0" indent="0" algn="ctr">
-              <a:buNone/>
-            </a:pPr>
-            <a:r>
-              <a:rPr kumimoji="0" lang="en-GB" sz="4000" b="1" i="0" u="none" strike="noStrike" kern="1200" cap="none" spc="0" normalizeH="0" baseline="0" noProof="0" dirty="0">
-                <a:ln>
-                  <a:noFill/>
-                </a:ln>
-                <a:solidFill>
-                  <a:prstClr val="black"/>
-                </a:solidFill>
-                <a:effectLst/>
-                <a:uLnTx/>
-                <a:uFillTx/>
-                <a:latin typeface="Atkinson Hyperlegible" pitchFamily="50" charset="0"/>
-                <a:ea typeface="+mj-ea"/>
-                <a:cs typeface="+mj-cs"/>
-              </a:rPr>
-              <a:t>Task </a:t>
-            </a:r>
-            <a:fld id="{C4A595E0-68AA-423E-BAF3-3392370CE250}" type="slidenum">
-              <a:rPr kumimoji="0" lang="en-GB" sz="4000" b="1" i="0" u="none" strike="noStrike" kern="1200" cap="none" spc="0" normalizeH="0" baseline="0" noProof="0" smtClean="0">
-                <a:ln>
-                  <a:noFill/>
-                </a:ln>
-                <a:solidFill>
-                  <a:prstClr val="black"/>
-                </a:solidFill>
-                <a:effectLst/>
-                <a:uLnTx/>
-                <a:uFillTx/>
-                <a:latin typeface="Atkinson Hyperlegible" pitchFamily="50" charset="0"/>
-                <a:ea typeface="+mj-ea"/>
-                <a:cs typeface="+mj-cs"/>
-              </a:rPr>
-              <a:t>3</a:t>
-            </a:fld>
-            <a:endParaRPr kumimoji="0" lang="en-GB" sz="4000" b="1" i="0" u="none" strike="noStrike" kern="1200" cap="none" spc="0" normalizeH="0" baseline="0" noProof="0" dirty="0">
-              <a:ln>
-                <a:noFill/>
-              </a:ln>
-              <a:solidFill>
-                <a:prstClr val="black"/>
-              </a:solidFill>
-              <a:effectLst/>
-              <a:uLnTx/>
-              <a:uFillTx/>
-              <a:latin typeface="Atkinson Hyperlegible" pitchFamily="50" charset="0"/>
-              <a:ea typeface="+mj-ea"/>
-              <a:cs typeface="+mj-cs"/>
-            </a:endParaRPr>
-          </a:p>
-          <a:p>
             <a:endParaRPr lang="en-GB" sz="2400" dirty="0">
               <a:solidFill>
                 <a:prstClr val="black"/>
@@ -7191,7 +6218,7 @@
 </p:sld>
 </file>
 
-<file path=ppt/slides/slide4.xml><?xml version="1.0" encoding="utf-8"?>
+<file path=ppt/slides/slide3.xml><?xml version="1.0" encoding="utf-8"?>
 <p:sld xmlns:a="http://schemas.openxmlformats.org/drawingml/2006/main" xmlns:r="http://schemas.openxmlformats.org/officeDocument/2006/relationships" xmlns:p="http://schemas.openxmlformats.org/presentationml/2006/main">
   <p:cSld>
     <p:spTree>
@@ -7271,7 +6298,7 @@
                 <a:ea typeface="+mj-ea"/>
                 <a:cs typeface="+mj-cs"/>
               </a:rPr>
-              <a:t>4</a:t>
+              <a:t>3</a:t>
             </a:fld>
             <a:endParaRPr kumimoji="0" lang="en-GB" sz="4000" b="1" i="0" u="none" strike="noStrike" kern="1200" cap="none" spc="0" normalizeH="0" baseline="0" noProof="0" dirty="0">
               <a:ln>
@@ -7436,7 +6463,7 @@
 </p:sld>
 </file>
 
-<file path=ppt/slides/slide5.xml><?xml version="1.0" encoding="utf-8"?>
+<file path=ppt/slides/slide4.xml><?xml version="1.0" encoding="utf-8"?>
 <p:sld xmlns:a="http://schemas.openxmlformats.org/drawingml/2006/main" xmlns:r="http://schemas.openxmlformats.org/officeDocument/2006/relationships" xmlns:p="http://schemas.openxmlformats.org/presentationml/2006/main">
   <p:cSld>
     <p:spTree>
@@ -7516,7 +6543,7 @@
                 <a:ea typeface="+mj-ea"/>
                 <a:cs typeface="+mj-cs"/>
               </a:rPr>
-              <a:t>5</a:t>
+              <a:t>4</a:t>
             </a:fld>
             <a:r>
               <a:rPr kumimoji="0" lang="en-GB" sz="4000" b="1" i="0" u="none" strike="noStrike" kern="1200" cap="none" spc="0" normalizeH="0" baseline="0" noProof="0" dirty="0">
@@ -7680,7 +6707,7 @@
 </p:sld>
 </file>
 
-<file path=ppt/slides/slide6.xml><?xml version="1.0" encoding="utf-8"?>
+<file path=ppt/slides/slide5.xml><?xml version="1.0" encoding="utf-8"?>
 <p:sld xmlns:a="http://schemas.openxmlformats.org/drawingml/2006/main" xmlns:r="http://schemas.openxmlformats.org/officeDocument/2006/relationships" xmlns:p="http://schemas.openxmlformats.org/presentationml/2006/main">
   <p:cSld>
     <p:spTree>
@@ -7760,7 +6787,7 @@
                 <a:ea typeface="+mj-ea"/>
                 <a:cs typeface="+mj-cs"/>
               </a:rPr>
-              <a:t>6</a:t>
+              <a:t>5</a:t>
             </a:fld>
             <a:endParaRPr kumimoji="0" lang="en-GB" sz="4000" b="1" i="0" u="none" strike="noStrike" kern="1200" cap="none" spc="0" normalizeH="0" baseline="0" noProof="0" dirty="0">
               <a:ln>
@@ -8032,7 +7059,7 @@
 </p:sld>
 </file>
 
-<file path=ppt/slides/slide7.xml><?xml version="1.0" encoding="utf-8"?>
+<file path=ppt/slides/slide6.xml><?xml version="1.0" encoding="utf-8"?>
 <p:sld xmlns:a="http://schemas.openxmlformats.org/drawingml/2006/main" xmlns:r="http://schemas.openxmlformats.org/officeDocument/2006/relationships" xmlns:p="http://schemas.openxmlformats.org/presentationml/2006/main">
   <p:cSld>
     <p:spTree>
@@ -8112,7 +7139,7 @@
                 <a:ea typeface="+mj-ea"/>
                 <a:cs typeface="+mj-cs"/>
               </a:rPr>
-              <a:t>7</a:t>
+              <a:t>6</a:t>
             </a:fld>
             <a:endParaRPr kumimoji="0" lang="en-GB" sz="4000" b="1" i="0" u="none" strike="noStrike" kern="1200" cap="none" spc="0" normalizeH="0" baseline="0" noProof="0" dirty="0">
               <a:ln>
@@ -8471,7 +7498,7 @@
 </p:sld>
 </file>
 
-<file path=ppt/slides/slide8.xml><?xml version="1.0" encoding="utf-8"?>
+<file path=ppt/slides/slide7.xml><?xml version="1.0" encoding="utf-8"?>
 <p:sld xmlns:a="http://schemas.openxmlformats.org/drawingml/2006/main" xmlns:r="http://schemas.openxmlformats.org/officeDocument/2006/relationships" xmlns:p="http://schemas.openxmlformats.org/presentationml/2006/main">
   <p:cSld>
     <p:spTree>
@@ -8551,7 +7578,7 @@
                 <a:ea typeface="+mj-ea"/>
                 <a:cs typeface="+mj-cs"/>
               </a:rPr>
-              <a:t>8</a:t>
+              <a:t>7</a:t>
             </a:fld>
             <a:endParaRPr kumimoji="0" lang="en-GB" sz="4000" b="1" i="0" u="none" strike="noStrike" kern="1200" cap="none" spc="0" normalizeH="0" baseline="0" noProof="0" dirty="0">
               <a:ln>
@@ -8743,7 +7770,7 @@
 </p:sld>
 </file>
 
-<file path=ppt/slides/slide9.xml><?xml version="1.0" encoding="utf-8"?>
+<file path=ppt/slides/slide8.xml><?xml version="1.0" encoding="utf-8"?>
 <p:sld xmlns:a="http://schemas.openxmlformats.org/drawingml/2006/main" xmlns:r="http://schemas.openxmlformats.org/officeDocument/2006/relationships" xmlns:p="http://schemas.openxmlformats.org/presentationml/2006/main">
   <p:cSld>
     <p:spTree>
@@ -8823,6 +7850,300 @@
                 <a:ea typeface="+mj-ea"/>
                 <a:cs typeface="+mj-cs"/>
               </a:rPr>
+              <a:t>8</a:t>
+            </a:fld>
+            <a:endParaRPr kumimoji="0" lang="en-GB" sz="4000" b="1" i="0" u="none" strike="noStrike" kern="1200" cap="none" spc="0" normalizeH="0" baseline="0" noProof="0" dirty="0">
+              <a:ln>
+                <a:noFill/>
+              </a:ln>
+              <a:solidFill>
+                <a:prstClr val="black"/>
+              </a:solidFill>
+              <a:effectLst/>
+              <a:uLnTx/>
+              <a:uFillTx/>
+              <a:latin typeface="Atkinson Hyperlegible" pitchFamily="50" charset="0"/>
+              <a:ea typeface="+mj-ea"/>
+              <a:cs typeface="+mj-cs"/>
+            </a:endParaRPr>
+          </a:p>
+          <a:p>
+            <a:endParaRPr lang="en-GB" sz="4000" b="1" dirty="0">
+              <a:solidFill>
+                <a:prstClr val="black"/>
+              </a:solidFill>
+              <a:latin typeface="Atkinson Hyperlegible" pitchFamily="50" charset="0"/>
+              <a:ea typeface="+mj-ea"/>
+              <a:cs typeface="+mj-cs"/>
+            </a:endParaRPr>
+          </a:p>
+          <a:p>
+            <a:r>
+              <a:rPr lang="en-US" sz="2500" dirty="0">
+                <a:solidFill>
+                  <a:prstClr val="black"/>
+                </a:solidFill>
+                <a:latin typeface="Atkinson Hyperlegible" pitchFamily="50" charset="0"/>
+                <a:ea typeface="+mj-ea"/>
+                <a:cs typeface="+mj-cs"/>
+              </a:rPr>
+              <a:t>Define a function </a:t>
+            </a:r>
+            <a:r>
+              <a:rPr lang="en-US" sz="2500" dirty="0" err="1">
+                <a:solidFill>
+                  <a:prstClr val="black"/>
+                </a:solidFill>
+                <a:latin typeface="APL385 Unicode" panose="020B0709000202000203" pitchFamily="49" charset="0"/>
+                <a:ea typeface="+mj-ea"/>
+                <a:cs typeface="+mj-cs"/>
+              </a:rPr>
+              <a:t>SortedBy</a:t>
+            </a:r>
+            <a:r>
+              <a:rPr lang="en-US" sz="2500" dirty="0">
+                <a:solidFill>
+                  <a:prstClr val="black"/>
+                </a:solidFill>
+                <a:latin typeface="Atkinson Hyperlegible" pitchFamily="50" charset="0"/>
+                <a:ea typeface="+mj-ea"/>
+                <a:cs typeface="+mj-cs"/>
+              </a:rPr>
+              <a:t> that accepts a character vector (representing name initials) on the left and a vector of numbers (ages) on the right. Reorder the initials so that the youngest person comes first, and the oldest person comes last.</a:t>
+            </a:r>
+          </a:p>
+          <a:p>
+            <a:endParaRPr lang="en-US" sz="2500" dirty="0">
+              <a:solidFill>
+                <a:prstClr val="black"/>
+              </a:solidFill>
+              <a:latin typeface="Atkinson Hyperlegible" pitchFamily="50" charset="0"/>
+              <a:ea typeface="+mj-ea"/>
+              <a:cs typeface="+mj-cs"/>
+            </a:endParaRPr>
+          </a:p>
+          <a:p>
+            <a:r>
+              <a:rPr lang="en-US" sz="2500" dirty="0">
+                <a:solidFill>
+                  <a:prstClr val="black"/>
+                </a:solidFill>
+                <a:latin typeface="APL385 Unicode" panose="020B0709000202000203" pitchFamily="49" charset="0"/>
+                <a:ea typeface="+mj-ea"/>
+                <a:cs typeface="+mj-cs"/>
+              </a:rPr>
+              <a:t>      'ABCDE' </a:t>
+            </a:r>
+            <a:r>
+              <a:rPr lang="en-US" sz="2500" dirty="0" err="1">
+                <a:solidFill>
+                  <a:prstClr val="black"/>
+                </a:solidFill>
+                <a:latin typeface="APL385 Unicode" panose="020B0709000202000203" pitchFamily="49" charset="0"/>
+                <a:ea typeface="+mj-ea"/>
+                <a:cs typeface="+mj-cs"/>
+              </a:rPr>
+              <a:t>SortedBy</a:t>
+            </a:r>
+            <a:r>
+              <a:rPr lang="en-US" sz="2500" dirty="0">
+                <a:solidFill>
+                  <a:prstClr val="black"/>
+                </a:solidFill>
+                <a:latin typeface="APL385 Unicode" panose="020B0709000202000203" pitchFamily="49" charset="0"/>
+                <a:ea typeface="+mj-ea"/>
+                <a:cs typeface="+mj-cs"/>
+              </a:rPr>
+              <a:t> 20 24 83 18 35</a:t>
+            </a:r>
+          </a:p>
+          <a:p>
+            <a:r>
+              <a:rPr lang="en-US" sz="2500" dirty="0">
+                <a:solidFill>
+                  <a:prstClr val="black"/>
+                </a:solidFill>
+                <a:latin typeface="APL385 Unicode" panose="020B0709000202000203" pitchFamily="49" charset="0"/>
+                <a:ea typeface="+mj-ea"/>
+                <a:cs typeface="+mj-cs"/>
+              </a:rPr>
+              <a:t>'DABEC'</a:t>
+            </a:r>
+          </a:p>
+          <a:p>
+            <a:endParaRPr lang="en-US" sz="2500" dirty="0">
+              <a:solidFill>
+                <a:prstClr val="black"/>
+              </a:solidFill>
+              <a:latin typeface="APL385 Unicode" panose="020B0709000202000203" pitchFamily="49" charset="0"/>
+              <a:ea typeface="+mj-ea"/>
+              <a:cs typeface="+mj-cs"/>
+            </a:endParaRPr>
+          </a:p>
+          <a:p>
+            <a:r>
+              <a:rPr lang="en-US" sz="2000" dirty="0">
+                <a:solidFill>
+                  <a:prstClr val="black"/>
+                </a:solidFill>
+                <a:latin typeface="APL385 Unicode" panose="020B0709000202000203" pitchFamily="49" charset="0"/>
+                <a:ea typeface="+mj-ea"/>
+                <a:cs typeface="+mj-cs"/>
+              </a:rPr>
+              <a:t>⍝ A is for Adám, P is for Rich Park, and G is for Rodrigo Girão</a:t>
+            </a:r>
+          </a:p>
+          <a:p>
+            <a:r>
+              <a:rPr lang="en-US" sz="2500" dirty="0">
+                <a:solidFill>
+                  <a:prstClr val="black"/>
+                </a:solidFill>
+                <a:latin typeface="APL385 Unicode" panose="020B0709000202000203" pitchFamily="49" charset="0"/>
+                <a:ea typeface="+mj-ea"/>
+                <a:cs typeface="+mj-cs"/>
+              </a:rPr>
+              <a:t>      'APG' </a:t>
+            </a:r>
+            <a:r>
+              <a:rPr lang="en-US" sz="2500" dirty="0" err="1">
+                <a:solidFill>
+                  <a:prstClr val="black"/>
+                </a:solidFill>
+                <a:latin typeface="APL385 Unicode" panose="020B0709000202000203" pitchFamily="49" charset="0"/>
+                <a:ea typeface="+mj-ea"/>
+                <a:cs typeface="+mj-cs"/>
+              </a:rPr>
+              <a:t>SortedBy</a:t>
+            </a:r>
+            <a:r>
+              <a:rPr lang="en-US" sz="2500" dirty="0">
+                <a:solidFill>
+                  <a:prstClr val="black"/>
+                </a:solidFill>
+                <a:latin typeface="APL385 Unicode" panose="020B0709000202000203" pitchFamily="49" charset="0"/>
+                <a:ea typeface="+mj-ea"/>
+                <a:cs typeface="+mj-cs"/>
+              </a:rPr>
+              <a:t> 36 28 24      </a:t>
+            </a:r>
+          </a:p>
+          <a:p>
+            <a:r>
+              <a:rPr lang="en-US" sz="2500" dirty="0">
+                <a:solidFill>
+                  <a:prstClr val="black"/>
+                </a:solidFill>
+                <a:latin typeface="APL385 Unicode" panose="020B0709000202000203" pitchFamily="49" charset="0"/>
+                <a:ea typeface="+mj-ea"/>
+                <a:cs typeface="+mj-cs"/>
+              </a:rPr>
+              <a:t>'GPA'</a:t>
+            </a:r>
+            <a:endParaRPr lang="en-GB" sz="2500" dirty="0">
+              <a:solidFill>
+                <a:prstClr val="black"/>
+              </a:solidFill>
+              <a:latin typeface="APL385 Unicode" panose="020B0709000202000203" pitchFamily="49" charset="0"/>
+              <a:ea typeface="+mj-ea"/>
+              <a:cs typeface="+mj-cs"/>
+            </a:endParaRPr>
+          </a:p>
+        </p:txBody>
+      </p:sp>
+    </p:spTree>
+    <p:extLst>
+      <p:ext uri="{BB962C8B-B14F-4D97-AF65-F5344CB8AC3E}">
+        <p14:creationId xmlns:p14="http://schemas.microsoft.com/office/powerpoint/2010/main" val="1137938032"/>
+      </p:ext>
+    </p:extLst>
+  </p:cSld>
+  <p:clrMapOvr>
+    <a:masterClrMapping/>
+  </p:clrMapOvr>
+</p:sld>
+</file>
+
+<file path=ppt/slides/slide9.xml><?xml version="1.0" encoding="utf-8"?>
+<p:sld xmlns:a="http://schemas.openxmlformats.org/drawingml/2006/main" xmlns:r="http://schemas.openxmlformats.org/officeDocument/2006/relationships" xmlns:p="http://schemas.openxmlformats.org/presentationml/2006/main">
+  <p:cSld>
+    <p:spTree>
+      <p:nvGrpSpPr>
+        <p:cNvPr id="1" name=""/>
+        <p:cNvGrpSpPr/>
+        <p:nvPr/>
+      </p:nvGrpSpPr>
+      <p:grpSpPr>
+        <a:xfrm>
+          <a:off x="0" y="0"/>
+          <a:ext cx="0" cy="0"/>
+          <a:chOff x="0" y="0"/>
+          <a:chExt cx="0" cy="0"/>
+        </a:xfrm>
+      </p:grpSpPr>
+      <p:sp>
+        <p:nvSpPr>
+          <p:cNvPr id="2" name="TextBox 1">
+            <a:extLst>
+              <a:ext uri="{FF2B5EF4-FFF2-40B4-BE49-F238E27FC236}">
+                <a16:creationId xmlns:a16="http://schemas.microsoft.com/office/drawing/2014/main" id="{ABB6BDA9-D3EC-48B2-8801-3CE10D1D5391}"/>
+              </a:ext>
+            </a:extLst>
+          </p:cNvPr>
+          <p:cNvSpPr txBox="1"/>
+          <p:nvPr/>
+        </p:nvSpPr>
+        <p:spPr>
+          <a:xfrm>
+            <a:off x="696000" y="369000"/>
+            <a:ext cx="10800000" cy="6463308"/>
+          </a:xfrm>
+          <a:prstGeom prst="rect">
+            <a:avLst/>
+          </a:prstGeom>
+          <a:noFill/>
+        </p:spPr>
+        <p:txBody>
+          <a:bodyPr wrap="square" rtlCol="0">
+            <a:spAutoFit/>
+          </a:bodyPr>
+          <a:lstStyle/>
+          <a:p>
+            <a:pPr marL="0" indent="0" algn="ctr">
+              <a:buNone/>
+            </a:pPr>
+            <a:r>
+              <a:rPr kumimoji="0" lang="en-GB" sz="4000" b="1" i="0" u="none" strike="noStrike" kern="1200" cap="none" spc="0" normalizeH="0" baseline="0" noProof="0" dirty="0">
+                <a:ln>
+                  <a:noFill/>
+                </a:ln>
+                <a:solidFill>
+                  <a:prstClr val="black"/>
+                </a:solidFill>
+                <a:effectLst/>
+                <a:uLnTx/>
+                <a:uFillTx/>
+                <a:latin typeface="Atkinson Hyperlegible" pitchFamily="50" charset="0"/>
+                <a:ea typeface="+mj-ea"/>
+                <a:cs typeface="+mj-cs"/>
+              </a:rPr>
+              <a:t>Task </a:t>
+            </a:r>
+            <a:fld id="{C4A595E0-68AA-423E-BAF3-3392370CE250}" type="slidenum">
+              <a:rPr kumimoji="0" lang="en-GB" sz="4000" b="1" i="0" u="none" strike="noStrike" kern="1200" cap="none" spc="0" normalizeH="0" baseline="0" noProof="0" smtClean="0">
+                <a:ln>
+                  <a:noFill/>
+                </a:ln>
+                <a:solidFill>
+                  <a:prstClr val="black"/>
+                </a:solidFill>
+                <a:effectLst/>
+                <a:uLnTx/>
+                <a:uFillTx/>
+                <a:latin typeface="Atkinson Hyperlegible" pitchFamily="50" charset="0"/>
+                <a:ea typeface="+mj-ea"/>
+                <a:cs typeface="+mj-cs"/>
+              </a:rPr>
               <a:t>9</a:t>
             </a:fld>
             <a:endParaRPr kumimoji="0" lang="en-GB" sz="4000" b="1" i="0" u="none" strike="noStrike" kern="1200" cap="none" spc="0" normalizeH="0" baseline="0" noProof="0" dirty="0">
@@ -8841,21 +8162,39 @@
             </a:endParaRPr>
           </a:p>
           <a:p>
-            <a:endParaRPr lang="en-GB" sz="4000" b="1" dirty="0">
+            <a:pPr marL="0" indent="0">
+              <a:buNone/>
+            </a:pPr>
+            <a:endParaRPr kumimoji="0" lang="en-US" sz="2200" i="0" u="none" strike="noStrike" kern="1200" cap="none" spc="0" normalizeH="0" baseline="0" noProof="0" dirty="0">
+              <a:ln>
+                <a:noFill/>
+              </a:ln>
               <a:solidFill>
                 <a:prstClr val="black"/>
               </a:solidFill>
+              <a:effectLst/>
+              <a:uLnTx/>
+              <a:uFillTx/>
               <a:latin typeface="Atkinson Hyperlegible" pitchFamily="50" charset="0"/>
               <a:ea typeface="+mj-ea"/>
               <a:cs typeface="+mj-cs"/>
             </a:endParaRPr>
           </a:p>
           <a:p>
-            <a:r>
-              <a:rPr lang="en-US" sz="2500" dirty="0">
-                <a:solidFill>
-                  <a:prstClr val="black"/>
-                </a:solidFill>
+            <a:pPr marL="0" indent="0">
+              <a:buNone/>
+            </a:pPr>
+            <a:r>
+              <a:rPr kumimoji="0" lang="en-US" sz="2200" i="0" u="none" strike="noStrike" kern="1200" cap="none" spc="0" normalizeH="0" baseline="0" noProof="0" dirty="0">
+                <a:ln>
+                  <a:noFill/>
+                </a:ln>
+                <a:solidFill>
+                  <a:prstClr val="black"/>
+                </a:solidFill>
+                <a:effectLst/>
+                <a:uLnTx/>
+                <a:uFillTx/>
                 <a:latin typeface="Atkinson Hyperlegible" pitchFamily="50" charset="0"/>
                 <a:ea typeface="+mj-ea"/>
                 <a:cs typeface="+mj-cs"/>
@@ -8863,160 +8202,413 @@
               <a:t>Define a function </a:t>
             </a:r>
             <a:r>
-              <a:rPr lang="en-US" sz="2500" dirty="0" err="1">
-                <a:solidFill>
-                  <a:prstClr val="black"/>
-                </a:solidFill>
-                <a:latin typeface="APL385 Unicode" panose="020B0709000202000203" pitchFamily="49" charset="0"/>
-                <a:ea typeface="+mj-ea"/>
-                <a:cs typeface="+mj-cs"/>
-              </a:rPr>
-              <a:t>SortedBy</a:t>
-            </a:r>
-            <a:r>
-              <a:rPr lang="en-US" sz="2500" dirty="0">
-                <a:solidFill>
-                  <a:prstClr val="black"/>
-                </a:solidFill>
+              <a:rPr lang="en-US" sz="2200" dirty="0" err="1">
+                <a:solidFill>
+                  <a:prstClr val="black"/>
+                </a:solidFill>
+                <a:latin typeface="APL385 Unicode" panose="020B0709000202000203" pitchFamily="49" charset="0"/>
+                <a:ea typeface="+mj-ea"/>
+                <a:cs typeface="+mj-cs"/>
+              </a:rPr>
+              <a:t>MatrixSortedDownBy</a:t>
+            </a:r>
+            <a:r>
+              <a:rPr kumimoji="0" lang="en-US" sz="2200" i="0" u="none" strike="noStrike" kern="1200" cap="none" spc="0" normalizeH="0" baseline="0" noProof="0" dirty="0">
+                <a:ln>
+                  <a:noFill/>
+                </a:ln>
+                <a:solidFill>
+                  <a:prstClr val="black"/>
+                </a:solidFill>
+                <a:effectLst/>
+                <a:uLnTx/>
+                <a:uFillTx/>
                 <a:latin typeface="Atkinson Hyperlegible" pitchFamily="50" charset="0"/>
                 <a:ea typeface="+mj-ea"/>
                 <a:cs typeface="+mj-cs"/>
               </a:rPr>
-              <a:t> that accepts a character vector (representing name initials) on the left and a vector of numbers (ages) on the right. Reorder the initials so that the youngest person comes first, and the oldest person comes last.</a:t>
-            </a:r>
-          </a:p>
-          <a:p>
-            <a:endParaRPr lang="en-US" sz="2500" dirty="0">
+              <a:t> that takes a character matrix on the left and a numeric vector on the right. It should reorder the rows of the matrix </a:t>
+            </a:r>
+            <a:r>
+              <a:rPr lang="en-US" sz="2200" dirty="0">
+                <a:solidFill>
+                  <a:prstClr val="black"/>
+                </a:solidFill>
+                <a:latin typeface="Atkinson Hyperlegible" pitchFamily="50" charset="0"/>
+                <a:ea typeface="+mj-ea"/>
+                <a:cs typeface="+mj-cs"/>
+              </a:rPr>
+              <a:t>so that the row corresponding to the highest number comes first</a:t>
+            </a:r>
+            <a:r>
+              <a:rPr kumimoji="0" lang="en-US" sz="2200" i="0" u="none" strike="noStrike" kern="1200" cap="none" spc="0" normalizeH="0" baseline="0" noProof="0" dirty="0">
+                <a:ln>
+                  <a:noFill/>
+                </a:ln>
+                <a:solidFill>
+                  <a:prstClr val="black"/>
+                </a:solidFill>
+                <a:effectLst/>
+                <a:uLnTx/>
+                <a:uFillTx/>
+                <a:latin typeface="Atkinson Hyperlegible" pitchFamily="50" charset="0"/>
+                <a:ea typeface="+mj-ea"/>
+                <a:cs typeface="+mj-cs"/>
+              </a:rPr>
+              <a:t>.</a:t>
+            </a:r>
+          </a:p>
+          <a:p>
+            <a:pPr marL="0" indent="0">
+              <a:buNone/>
+            </a:pPr>
+            <a:r>
+              <a:rPr kumimoji="0" lang="en-US" sz="2200" i="0" u="none" strike="noStrike" kern="1200" cap="none" spc="0" normalizeH="0" baseline="0" noProof="0" dirty="0">
+                <a:ln>
+                  <a:noFill/>
+                </a:ln>
+                <a:solidFill>
+                  <a:prstClr val="black"/>
+                </a:solidFill>
+                <a:effectLst/>
+                <a:uLnTx/>
+                <a:uFillTx/>
+                <a:latin typeface="APL385 Unicode" panose="020B0709000202000203" pitchFamily="49" charset="0"/>
+                <a:ea typeface="+mj-ea"/>
+                <a:cs typeface="+mj-cs"/>
+              </a:rPr>
+              <a:t>      products ← 5 6⍴'coffeebread curry beans milk  '</a:t>
+            </a:r>
+          </a:p>
+          <a:p>
+            <a:pPr marL="0" indent="0">
+              <a:buNone/>
+            </a:pPr>
+            <a:r>
+              <a:rPr kumimoji="0" lang="en-US" sz="2200" i="0" u="none" strike="noStrike" kern="1200" cap="none" spc="0" normalizeH="0" baseline="0" noProof="0" dirty="0">
+                <a:ln>
+                  <a:noFill/>
+                </a:ln>
+                <a:solidFill>
+                  <a:prstClr val="black"/>
+                </a:solidFill>
+                <a:effectLst/>
+                <a:uLnTx/>
+                <a:uFillTx/>
+                <a:latin typeface="APL385 Unicode" panose="020B0709000202000203" pitchFamily="49" charset="0"/>
+                <a:ea typeface="+mj-ea"/>
+                <a:cs typeface="+mj-cs"/>
+              </a:rPr>
+              <a:t>      products </a:t>
+            </a:r>
+            <a:r>
+              <a:rPr lang="en-US" sz="2200" dirty="0" err="1">
+                <a:solidFill>
+                  <a:prstClr val="black"/>
+                </a:solidFill>
+                <a:latin typeface="APL385 Unicode" panose="020B0709000202000203" pitchFamily="49" charset="0"/>
+                <a:ea typeface="+mj-ea"/>
+                <a:cs typeface="+mj-cs"/>
+              </a:rPr>
+              <a:t>MatrixSortedDownBy</a:t>
+            </a:r>
+            <a:r>
+              <a:rPr kumimoji="0" lang="en-US" sz="2200" i="0" u="none" strike="noStrike" kern="1200" cap="none" spc="0" normalizeH="0" baseline="0" noProof="0" dirty="0">
+                <a:ln>
+                  <a:noFill/>
+                </a:ln>
+                <a:solidFill>
+                  <a:prstClr val="black"/>
+                </a:solidFill>
+                <a:effectLst/>
+                <a:uLnTx/>
+                <a:uFillTx/>
+                <a:latin typeface="APL385 Unicode" panose="020B0709000202000203" pitchFamily="49" charset="0"/>
+                <a:ea typeface="+mj-ea"/>
+                <a:cs typeface="+mj-cs"/>
+              </a:rPr>
+              <a:t> 1 2 3 4 5</a:t>
+            </a:r>
+          </a:p>
+          <a:p>
+            <a:pPr marL="0" indent="0">
+              <a:buNone/>
+            </a:pPr>
+            <a:r>
+              <a:rPr kumimoji="0" lang="en-US" sz="2200" i="0" u="none" strike="noStrike" kern="1200" cap="none" spc="0" normalizeH="0" baseline="0" noProof="0" dirty="0">
+                <a:ln>
+                  <a:noFill/>
+                </a:ln>
+                <a:solidFill>
+                  <a:prstClr val="black"/>
+                </a:solidFill>
+                <a:effectLst/>
+                <a:uLnTx/>
+                <a:uFillTx/>
+                <a:latin typeface="APL385 Unicode" panose="020B0709000202000203" pitchFamily="49" charset="0"/>
+                <a:ea typeface="+mj-ea"/>
+                <a:cs typeface="+mj-cs"/>
+              </a:rPr>
+              <a:t>milk</a:t>
+            </a:r>
+          </a:p>
+          <a:p>
+            <a:pPr marL="0" indent="0">
+              <a:buNone/>
+            </a:pPr>
+            <a:r>
+              <a:rPr kumimoji="0" lang="en-US" sz="2200" i="0" u="none" strike="noStrike" kern="1200" cap="none" spc="0" normalizeH="0" baseline="0" noProof="0" dirty="0">
+                <a:ln>
+                  <a:noFill/>
+                </a:ln>
+                <a:solidFill>
+                  <a:prstClr val="black"/>
+                </a:solidFill>
+                <a:effectLst/>
+                <a:uLnTx/>
+                <a:uFillTx/>
+                <a:latin typeface="APL385 Unicode" panose="020B0709000202000203" pitchFamily="49" charset="0"/>
+                <a:ea typeface="+mj-ea"/>
+                <a:cs typeface="+mj-cs"/>
+              </a:rPr>
+              <a:t>beans</a:t>
+            </a:r>
+          </a:p>
+          <a:p>
+            <a:pPr marL="0" indent="0">
+              <a:buNone/>
+            </a:pPr>
+            <a:r>
+              <a:rPr kumimoji="0" lang="en-US" sz="2200" i="0" u="none" strike="noStrike" kern="1200" cap="none" spc="0" normalizeH="0" baseline="0" noProof="0" dirty="0">
+                <a:ln>
+                  <a:noFill/>
+                </a:ln>
+                <a:solidFill>
+                  <a:prstClr val="black"/>
+                </a:solidFill>
+                <a:effectLst/>
+                <a:uLnTx/>
+                <a:uFillTx/>
+                <a:latin typeface="APL385 Unicode" panose="020B0709000202000203" pitchFamily="49" charset="0"/>
+                <a:ea typeface="+mj-ea"/>
+                <a:cs typeface="+mj-cs"/>
+              </a:rPr>
+              <a:t>curry</a:t>
+            </a:r>
+          </a:p>
+          <a:p>
+            <a:pPr marL="0" indent="0">
+              <a:buNone/>
+            </a:pPr>
+            <a:r>
+              <a:rPr kumimoji="0" lang="en-US" sz="2200" i="0" u="none" strike="noStrike" kern="1200" cap="none" spc="0" normalizeH="0" baseline="0" noProof="0" dirty="0">
+                <a:ln>
+                  <a:noFill/>
+                </a:ln>
+                <a:solidFill>
+                  <a:prstClr val="black"/>
+                </a:solidFill>
+                <a:effectLst/>
+                <a:uLnTx/>
+                <a:uFillTx/>
+                <a:latin typeface="APL385 Unicode" panose="020B0709000202000203" pitchFamily="49" charset="0"/>
+                <a:ea typeface="+mj-ea"/>
+                <a:cs typeface="+mj-cs"/>
+              </a:rPr>
+              <a:t>bread</a:t>
+            </a:r>
+          </a:p>
+          <a:p>
+            <a:pPr marL="0" indent="0">
+              <a:buNone/>
+            </a:pPr>
+            <a:r>
+              <a:rPr kumimoji="0" lang="en-US" sz="2200" i="0" u="none" strike="noStrike" kern="1200" cap="none" spc="0" normalizeH="0" baseline="0" noProof="0" dirty="0">
+                <a:ln>
+                  <a:noFill/>
+                </a:ln>
+                <a:solidFill>
+                  <a:prstClr val="black"/>
+                </a:solidFill>
+                <a:effectLst/>
+                <a:uLnTx/>
+                <a:uFillTx/>
+                <a:latin typeface="APL385 Unicode" panose="020B0709000202000203" pitchFamily="49" charset="0"/>
+                <a:ea typeface="+mj-ea"/>
+                <a:cs typeface="+mj-cs"/>
+              </a:rPr>
+              <a:t>coffee</a:t>
+            </a:r>
+          </a:p>
+          <a:p>
+            <a:pPr marL="0" indent="0">
+              <a:buNone/>
+            </a:pPr>
+            <a:r>
+              <a:rPr kumimoji="0" lang="en-US" sz="2200" i="0" u="none" strike="noStrike" kern="1200" cap="none" spc="0" normalizeH="0" baseline="0" noProof="0" dirty="0">
+                <a:ln>
+                  <a:noFill/>
+                </a:ln>
+                <a:solidFill>
+                  <a:prstClr val="black"/>
+                </a:solidFill>
+                <a:effectLst/>
+                <a:uLnTx/>
+                <a:uFillTx/>
+                <a:latin typeface="APL385 Unicode" panose="020B0709000202000203" pitchFamily="49" charset="0"/>
+                <a:ea typeface="+mj-ea"/>
+                <a:cs typeface="+mj-cs"/>
+              </a:rPr>
+              <a:t>      products </a:t>
+            </a:r>
+            <a:r>
+              <a:rPr lang="en-US" sz="2200" dirty="0" err="1">
+                <a:solidFill>
+                  <a:prstClr val="black"/>
+                </a:solidFill>
+                <a:latin typeface="APL385 Unicode" panose="020B0709000202000203" pitchFamily="49" charset="0"/>
+                <a:ea typeface="+mj-ea"/>
+                <a:cs typeface="+mj-cs"/>
+              </a:rPr>
+              <a:t>MatrixSortedDownBy</a:t>
+            </a:r>
+            <a:r>
+              <a:rPr kumimoji="0" lang="en-US" sz="2200" i="0" u="none" strike="noStrike" kern="1200" cap="none" spc="0" normalizeH="0" baseline="0" noProof="0" dirty="0">
+                <a:ln>
+                  <a:noFill/>
+                </a:ln>
+                <a:solidFill>
+                  <a:prstClr val="black"/>
+                </a:solidFill>
+                <a:effectLst/>
+                <a:uLnTx/>
+                <a:uFillTx/>
+                <a:latin typeface="APL385 Unicode" panose="020B0709000202000203" pitchFamily="49" charset="0"/>
+                <a:ea typeface="+mj-ea"/>
+                <a:cs typeface="+mj-cs"/>
+              </a:rPr>
+              <a:t> 5 1 3 4 2</a:t>
+            </a:r>
+          </a:p>
+          <a:p>
+            <a:pPr marL="0" indent="0">
+              <a:buNone/>
+            </a:pPr>
+            <a:r>
+              <a:rPr kumimoji="0" lang="en-US" sz="2200" i="0" u="none" strike="noStrike" kern="1200" cap="none" spc="0" normalizeH="0" baseline="0" noProof="0" dirty="0">
+                <a:ln>
+                  <a:noFill/>
+                </a:ln>
+                <a:solidFill>
+                  <a:prstClr val="black"/>
+                </a:solidFill>
+                <a:effectLst/>
+                <a:uLnTx/>
+                <a:uFillTx/>
+                <a:latin typeface="APL385 Unicode" panose="020B0709000202000203" pitchFamily="49" charset="0"/>
+                <a:ea typeface="+mj-ea"/>
+                <a:cs typeface="+mj-cs"/>
+              </a:rPr>
+              <a:t>coffee</a:t>
+            </a:r>
+          </a:p>
+          <a:p>
+            <a:pPr marL="0" indent="0">
+              <a:buNone/>
+            </a:pPr>
+            <a:r>
+              <a:rPr kumimoji="0" lang="en-US" sz="2200" i="0" u="none" strike="noStrike" kern="1200" cap="none" spc="0" normalizeH="0" baseline="0" noProof="0" dirty="0">
+                <a:ln>
+                  <a:noFill/>
+                </a:ln>
+                <a:solidFill>
+                  <a:prstClr val="black"/>
+                </a:solidFill>
+                <a:effectLst/>
+                <a:uLnTx/>
+                <a:uFillTx/>
+                <a:latin typeface="APL385 Unicode" panose="020B0709000202000203" pitchFamily="49" charset="0"/>
+                <a:ea typeface="+mj-ea"/>
+                <a:cs typeface="+mj-cs"/>
+              </a:rPr>
+              <a:t>beans</a:t>
+            </a:r>
+          </a:p>
+          <a:p>
+            <a:pPr marL="0" indent="0">
+              <a:buNone/>
+            </a:pPr>
+            <a:r>
+              <a:rPr kumimoji="0" lang="en-US" sz="2200" i="0" u="none" strike="noStrike" kern="1200" cap="none" spc="0" normalizeH="0" baseline="0" noProof="0" dirty="0">
+                <a:ln>
+                  <a:noFill/>
+                </a:ln>
+                <a:solidFill>
+                  <a:prstClr val="black"/>
+                </a:solidFill>
+                <a:effectLst/>
+                <a:uLnTx/>
+                <a:uFillTx/>
+                <a:latin typeface="APL385 Unicode" panose="020B0709000202000203" pitchFamily="49" charset="0"/>
+                <a:ea typeface="+mj-ea"/>
+                <a:cs typeface="+mj-cs"/>
+              </a:rPr>
+              <a:t>curry</a:t>
+            </a:r>
+          </a:p>
+          <a:p>
+            <a:pPr marL="0" indent="0">
+              <a:buNone/>
+            </a:pPr>
+            <a:r>
+              <a:rPr kumimoji="0" lang="en-US" sz="2200" i="0" u="none" strike="noStrike" kern="1200" cap="none" spc="0" normalizeH="0" baseline="0" noProof="0" dirty="0">
+                <a:ln>
+                  <a:noFill/>
+                </a:ln>
+                <a:solidFill>
+                  <a:prstClr val="black"/>
+                </a:solidFill>
+                <a:effectLst/>
+                <a:uLnTx/>
+                <a:uFillTx/>
+                <a:latin typeface="APL385 Unicode" panose="020B0709000202000203" pitchFamily="49" charset="0"/>
+                <a:ea typeface="+mj-ea"/>
+                <a:cs typeface="+mj-cs"/>
+              </a:rPr>
+              <a:t>milk</a:t>
+            </a:r>
+          </a:p>
+          <a:p>
+            <a:pPr marL="0" indent="0">
+              <a:buNone/>
+            </a:pPr>
+            <a:r>
+              <a:rPr kumimoji="0" lang="en-US" sz="2200" i="0" u="none" strike="noStrike" kern="1200" cap="none" spc="0" normalizeH="0" baseline="0" noProof="0" dirty="0">
+                <a:ln>
+                  <a:noFill/>
+                </a:ln>
+                <a:solidFill>
+                  <a:prstClr val="black"/>
+                </a:solidFill>
+                <a:effectLst/>
+                <a:uLnTx/>
+                <a:uFillTx/>
+                <a:latin typeface="APL385 Unicode" panose="020B0709000202000203" pitchFamily="49" charset="0"/>
+                <a:ea typeface="+mj-ea"/>
+                <a:cs typeface="+mj-cs"/>
+              </a:rPr>
+              <a:t>bread</a:t>
+            </a:r>
+            <a:endParaRPr kumimoji="0" lang="en-GB" sz="2200" i="0" u="none" strike="noStrike" kern="1200" cap="none" spc="0" normalizeH="0" baseline="0" noProof="0" dirty="0">
+              <a:ln>
+                <a:noFill/>
+              </a:ln>
               <a:solidFill>
                 <a:prstClr val="black"/>
               </a:solidFill>
-              <a:latin typeface="Atkinson Hyperlegible" pitchFamily="50" charset="0"/>
-              <a:ea typeface="+mj-ea"/>
-              <a:cs typeface="+mj-cs"/>
-            </a:endParaRPr>
-          </a:p>
-          <a:p>
-            <a:r>
-              <a:rPr lang="en-US" sz="2500" dirty="0">
-                <a:solidFill>
-                  <a:prstClr val="black"/>
-                </a:solidFill>
-                <a:latin typeface="APL385 Unicode" panose="020B0709000202000203" pitchFamily="49" charset="0"/>
-                <a:ea typeface="+mj-ea"/>
-                <a:cs typeface="+mj-cs"/>
-              </a:rPr>
-              <a:t>      'ABCDE' </a:t>
-            </a:r>
-            <a:r>
-              <a:rPr lang="en-US" sz="2500" dirty="0" err="1">
-                <a:solidFill>
-                  <a:prstClr val="black"/>
-                </a:solidFill>
-                <a:latin typeface="APL385 Unicode" panose="020B0709000202000203" pitchFamily="49" charset="0"/>
-                <a:ea typeface="+mj-ea"/>
-                <a:cs typeface="+mj-cs"/>
-              </a:rPr>
-              <a:t>SortedBy</a:t>
-            </a:r>
-            <a:r>
-              <a:rPr lang="en-US" sz="2500" dirty="0">
-                <a:solidFill>
-                  <a:prstClr val="black"/>
-                </a:solidFill>
-                <a:latin typeface="APL385 Unicode" panose="020B0709000202000203" pitchFamily="49" charset="0"/>
-                <a:ea typeface="+mj-ea"/>
-                <a:cs typeface="+mj-cs"/>
-              </a:rPr>
-              <a:t> 20 24 83 18 35</a:t>
-            </a:r>
-          </a:p>
-          <a:p>
-            <a:r>
-              <a:rPr lang="en-US" sz="2500" dirty="0">
-                <a:solidFill>
-                  <a:prstClr val="black"/>
-                </a:solidFill>
-                <a:latin typeface="APL385 Unicode" panose="020B0709000202000203" pitchFamily="49" charset="0"/>
-                <a:ea typeface="+mj-ea"/>
-                <a:cs typeface="+mj-cs"/>
-              </a:rPr>
-              <a:t>'DABEC'</a:t>
-            </a:r>
-          </a:p>
-          <a:p>
-            <a:endParaRPr lang="en-US" sz="2500" dirty="0">
-              <a:solidFill>
-                <a:prstClr val="black"/>
-              </a:solidFill>
-              <a:latin typeface="APL385 Unicode" panose="020B0709000202000203" pitchFamily="49" charset="0"/>
-              <a:ea typeface="+mj-ea"/>
-              <a:cs typeface="+mj-cs"/>
-            </a:endParaRPr>
-          </a:p>
-          <a:p>
-            <a:r>
-              <a:rPr lang="en-US" sz="2000" dirty="0">
-                <a:solidFill>
-                  <a:prstClr val="black"/>
-                </a:solidFill>
-                <a:latin typeface="APL385 Unicode" panose="020B0709000202000203" pitchFamily="49" charset="0"/>
-                <a:ea typeface="+mj-ea"/>
-                <a:cs typeface="+mj-cs"/>
-              </a:rPr>
-              <a:t>⍝ A is for Adám, P is for Rich Park, and G is for Rodrigo Girão</a:t>
-            </a:r>
-          </a:p>
-          <a:p>
-            <a:r>
-              <a:rPr lang="en-US" sz="2500" dirty="0">
-                <a:solidFill>
-                  <a:prstClr val="black"/>
-                </a:solidFill>
-                <a:latin typeface="APL385 Unicode" panose="020B0709000202000203" pitchFamily="49" charset="0"/>
-                <a:ea typeface="+mj-ea"/>
-                <a:cs typeface="+mj-cs"/>
-              </a:rPr>
-              <a:t>      'APG' </a:t>
-            </a:r>
-            <a:r>
-              <a:rPr lang="en-US" sz="2500" dirty="0" err="1">
-                <a:solidFill>
-                  <a:prstClr val="black"/>
-                </a:solidFill>
-                <a:latin typeface="APL385 Unicode" panose="020B0709000202000203" pitchFamily="49" charset="0"/>
-                <a:ea typeface="+mj-ea"/>
-                <a:cs typeface="+mj-cs"/>
-              </a:rPr>
-              <a:t>SortedBy</a:t>
-            </a:r>
-            <a:r>
-              <a:rPr lang="en-US" sz="2500" dirty="0">
-                <a:solidFill>
-                  <a:prstClr val="black"/>
-                </a:solidFill>
-                <a:latin typeface="APL385 Unicode" panose="020B0709000202000203" pitchFamily="49" charset="0"/>
-                <a:ea typeface="+mj-ea"/>
-                <a:cs typeface="+mj-cs"/>
-              </a:rPr>
-              <a:t> 36 28 24      </a:t>
-            </a:r>
-          </a:p>
-          <a:p>
-            <a:r>
-              <a:rPr lang="en-US" sz="2500" dirty="0">
-                <a:solidFill>
-                  <a:prstClr val="black"/>
-                </a:solidFill>
-                <a:latin typeface="APL385 Unicode" panose="020B0709000202000203" pitchFamily="49" charset="0"/>
-                <a:ea typeface="+mj-ea"/>
-                <a:cs typeface="+mj-cs"/>
-              </a:rPr>
-              <a:t>'GPA'</a:t>
-            </a:r>
-            <a:endParaRPr lang="en-GB" sz="2500" dirty="0">
-              <a:solidFill>
-                <a:prstClr val="black"/>
-              </a:solidFill>
+              <a:effectLst/>
+              <a:uLnTx/>
+              <a:uFillTx/>
               <a:latin typeface="APL385 Unicode" panose="020B0709000202000203" pitchFamily="49" charset="0"/>
               <a:ea typeface="+mj-ea"/>
               <a:cs typeface="+mj-cs"/>
@@ -9027,7 +8619,7 @@
     </p:spTree>
     <p:extLst>
       <p:ext uri="{BB962C8B-B14F-4D97-AF65-F5344CB8AC3E}">
-        <p14:creationId xmlns:p14="http://schemas.microsoft.com/office/powerpoint/2010/main" val="1137938032"/>
+        <p14:creationId xmlns:p14="http://schemas.microsoft.com/office/powerpoint/2010/main" val="3799855510"/>
       </p:ext>
     </p:extLst>
   </p:cSld>

--- a/tasks5.pptx
+++ b/tasks5.pptx
@@ -276,7 +276,7 @@
           <a:p>
             <a:fld id="{4C324CBA-B5F8-49E4-A74D-FDDDFCEF0F4B}" type="datetimeFigureOut">
               <a:rPr lang="en-GB" smtClean="0"/>
-              <a:t>25/08/2021</a:t>
+              <a:t>29/08/2021</a:t>
             </a:fld>
             <a:endParaRPr lang="en-GB"/>
           </a:p>
@@ -476,7 +476,7 @@
           <a:p>
             <a:fld id="{4C324CBA-B5F8-49E4-A74D-FDDDFCEF0F4B}" type="datetimeFigureOut">
               <a:rPr lang="en-GB" smtClean="0"/>
-              <a:t>25/08/2021</a:t>
+              <a:t>29/08/2021</a:t>
             </a:fld>
             <a:endParaRPr lang="en-GB"/>
           </a:p>
@@ -686,7 +686,7 @@
           <a:p>
             <a:fld id="{4C324CBA-B5F8-49E4-A74D-FDDDFCEF0F4B}" type="datetimeFigureOut">
               <a:rPr lang="en-GB" smtClean="0"/>
-              <a:t>25/08/2021</a:t>
+              <a:t>29/08/2021</a:t>
             </a:fld>
             <a:endParaRPr lang="en-GB"/>
           </a:p>
@@ -886,7 +886,7 @@
           <a:p>
             <a:fld id="{4C324CBA-B5F8-49E4-A74D-FDDDFCEF0F4B}" type="datetimeFigureOut">
               <a:rPr lang="en-GB" smtClean="0"/>
-              <a:t>25/08/2021</a:t>
+              <a:t>29/08/2021</a:t>
             </a:fld>
             <a:endParaRPr lang="en-GB"/>
           </a:p>
@@ -1162,7 +1162,7 @@
           <a:p>
             <a:fld id="{4C324CBA-B5F8-49E4-A74D-FDDDFCEF0F4B}" type="datetimeFigureOut">
               <a:rPr lang="en-GB" smtClean="0"/>
-              <a:t>25/08/2021</a:t>
+              <a:t>29/08/2021</a:t>
             </a:fld>
             <a:endParaRPr lang="en-GB"/>
           </a:p>
@@ -1430,7 +1430,7 @@
           <a:p>
             <a:fld id="{4C324CBA-B5F8-49E4-A74D-FDDDFCEF0F4B}" type="datetimeFigureOut">
               <a:rPr lang="en-GB" smtClean="0"/>
-              <a:t>25/08/2021</a:t>
+              <a:t>29/08/2021</a:t>
             </a:fld>
             <a:endParaRPr lang="en-GB"/>
           </a:p>
@@ -1845,7 +1845,7 @@
           <a:p>
             <a:fld id="{4C324CBA-B5F8-49E4-A74D-FDDDFCEF0F4B}" type="datetimeFigureOut">
               <a:rPr lang="en-GB" smtClean="0"/>
-              <a:t>25/08/2021</a:t>
+              <a:t>29/08/2021</a:t>
             </a:fld>
             <a:endParaRPr lang="en-GB"/>
           </a:p>
@@ -1987,7 +1987,7 @@
           <a:p>
             <a:fld id="{4C324CBA-B5F8-49E4-A74D-FDDDFCEF0F4B}" type="datetimeFigureOut">
               <a:rPr lang="en-GB" smtClean="0"/>
-              <a:t>25/08/2021</a:t>
+              <a:t>29/08/2021</a:t>
             </a:fld>
             <a:endParaRPr lang="en-GB"/>
           </a:p>
@@ -2100,7 +2100,7 @@
           <a:p>
             <a:fld id="{4C324CBA-B5F8-49E4-A74D-FDDDFCEF0F4B}" type="datetimeFigureOut">
               <a:rPr lang="en-GB" smtClean="0"/>
-              <a:t>25/08/2021</a:t>
+              <a:t>29/08/2021</a:t>
             </a:fld>
             <a:endParaRPr lang="en-GB"/>
           </a:p>
@@ -2413,7 +2413,7 @@
           <a:p>
             <a:fld id="{4C324CBA-B5F8-49E4-A74D-FDDDFCEF0F4B}" type="datetimeFigureOut">
               <a:rPr lang="en-GB" smtClean="0"/>
-              <a:t>25/08/2021</a:t>
+              <a:t>29/08/2021</a:t>
             </a:fld>
             <a:endParaRPr lang="en-GB"/>
           </a:p>
@@ -2702,7 +2702,7 @@
           <a:p>
             <a:fld id="{4C324CBA-B5F8-49E4-A74D-FDDDFCEF0F4B}" type="datetimeFigureOut">
               <a:rPr lang="en-GB" smtClean="0"/>
-              <a:t>25/08/2021</a:t>
+              <a:t>29/08/2021</a:t>
             </a:fld>
             <a:endParaRPr lang="en-GB"/>
           </a:p>
@@ -2947,7 +2947,7 @@
             <a:fld id="{4C324CBA-B5F8-49E4-A74D-FDDDFCEF0F4B}" type="datetimeFigureOut">
               <a:rPr lang="en-GB" smtClean="0"/>
               <a:pPr/>
-              <a:t>25/08/2021</a:t>
+              <a:t>29/08/2021</a:t>
             </a:fld>
             <a:endParaRPr lang="en-GB" dirty="0"/>
           </a:p>
@@ -5207,6 +5207,54 @@
                 <a:ea typeface="+mj-ea"/>
                 <a:cs typeface="+mj-cs"/>
               </a:rPr>
+              <a:t>Rich   </a:t>
+            </a:r>
+          </a:p>
+          <a:p>
+            <a:r>
+              <a:rPr lang="en-GB" sz="3000" dirty="0">
+                <a:solidFill>
+                  <a:prstClr val="black"/>
+                </a:solidFill>
+                <a:latin typeface="APL385 Unicode" panose="020B0709000202000203" pitchFamily="49" charset="0"/>
+                <a:ea typeface="+mj-ea"/>
+                <a:cs typeface="+mj-cs"/>
+              </a:rPr>
+              <a:t>      </a:t>
+            </a:r>
+            <a:r>
+              <a:rPr lang="en-GB" sz="3000" dirty="0" err="1">
+                <a:solidFill>
+                  <a:prstClr val="black"/>
+                </a:solidFill>
+                <a:latin typeface="APL385 Unicode" panose="020B0709000202000203" pitchFamily="49" charset="0"/>
+                <a:ea typeface="+mj-ea"/>
+                <a:cs typeface="+mj-cs"/>
+              </a:rPr>
+              <a:t>WhoAteMost</a:t>
+            </a:r>
+            <a:r>
+              <a:rPr lang="en-GB" sz="3000" dirty="0">
+                <a:solidFill>
+                  <a:prstClr val="black"/>
+                </a:solidFill>
+                <a:latin typeface="APL385 Unicode" panose="020B0709000202000203" pitchFamily="49" charset="0"/>
+                <a:ea typeface="+mj-ea"/>
+                <a:cs typeface="+mj-cs"/>
+              </a:rPr>
+              <a:t> 3 7⍴'OrangesBananasMangoes'</a:t>
+            </a:r>
+          </a:p>
+          <a:p>
+            <a:r>
+              <a:rPr lang="en-GB" sz="3000" dirty="0">
+                <a:solidFill>
+                  <a:prstClr val="black"/>
+                </a:solidFill>
+                <a:latin typeface="APL385 Unicode" panose="020B0709000202000203" pitchFamily="49" charset="0"/>
+                <a:ea typeface="+mj-ea"/>
+                <a:cs typeface="+mj-cs"/>
+              </a:rPr>
               <a:t>Adam   </a:t>
             </a:r>
           </a:p>
@@ -5242,7 +5290,7 @@
                 <a:ea typeface="+mj-ea"/>
                 <a:cs typeface="+mj-cs"/>
               </a:rPr>
-              <a:t> 2 7⍴'OrangesMangoes'</a:t>
+              <a:t> 1 7⍴'Mangoes'</a:t>
             </a:r>
           </a:p>
           <a:p>
@@ -5255,7 +5303,7 @@
                 <a:ea typeface="+mj-ea"/>
                 <a:cs typeface="+mj-cs"/>
               </a:rPr>
-              <a:t>Rodrigo   </a:t>
+              <a:t>Adam   </a:t>
             </a:r>
           </a:p>
           <a:p>
@@ -5268,61 +5316,8 @@
                 <a:ea typeface="+mj-ea"/>
                 <a:cs typeface="+mj-cs"/>
               </a:rPr>
-              <a:t>      </a:t>
-            </a:r>
-            <a:r>
-              <a:rPr lang="en-GB" sz="3000" dirty="0" err="1">
-                <a:solidFill>
-                  <a:prstClr val="black"/>
-                </a:solidFill>
-                <a:latin typeface="APL385 Unicode" panose="020B0709000202000203" pitchFamily="49" charset="0"/>
-                <a:ea typeface="+mj-ea"/>
-                <a:cs typeface="+mj-cs"/>
-              </a:rPr>
-              <a:t>WhoAteMost</a:t>
-            </a:r>
-            <a:r>
-              <a:rPr lang="en-GB" sz="3000" dirty="0">
-                <a:solidFill>
-                  <a:prstClr val="black"/>
-                </a:solidFill>
-                <a:latin typeface="APL385 Unicode" panose="020B0709000202000203" pitchFamily="49" charset="0"/>
-                <a:ea typeface="+mj-ea"/>
-                <a:cs typeface="+mj-cs"/>
-              </a:rPr>
-              <a:t> 1 7⍴'Oranges'</a:t>
-            </a:r>
-          </a:p>
-          <a:p>
-            <a:r>
-              <a:rPr lang="en-GB" sz="3000" dirty="0">
-                <a:solidFill>
-                  <a:prstClr val="black"/>
-                </a:solidFill>
-                <a:latin typeface="APL385 Unicode" panose="020B0709000202000203" pitchFamily="49" charset="0"/>
-                <a:ea typeface="+mj-ea"/>
-                <a:cs typeface="+mj-cs"/>
-              </a:rPr>
-              <a:t>Adam </a:t>
-            </a:r>
-            <a:endParaRPr lang="en-GB" sz="3000" dirty="0">
-              <a:solidFill>
-                <a:prstClr val="black"/>
-              </a:solidFill>
-              <a:latin typeface="Atkinson Hyperlegible" pitchFamily="50" charset="0"/>
-              <a:ea typeface="+mj-ea"/>
-              <a:cs typeface="+mj-cs"/>
-            </a:endParaRPr>
-          </a:p>
-          <a:p>
-            <a:endParaRPr lang="en-GB" sz="3000" dirty="0">
-              <a:solidFill>
-                <a:prstClr val="black"/>
-              </a:solidFill>
-              <a:latin typeface="Atkinson Hyperlegible" pitchFamily="50" charset="0"/>
-              <a:ea typeface="+mj-ea"/>
-              <a:cs typeface="+mj-cs"/>
-            </a:endParaRPr>
+              <a:t>Rich </a:t>
+            </a:r>
           </a:p>
         </p:txBody>
       </p:sp>
@@ -5371,7 +5366,7 @@
         <p:spPr>
           <a:xfrm>
             <a:off x="696000" y="729000"/>
-            <a:ext cx="10800000" cy="3877985"/>
+            <a:ext cx="10800000" cy="4985980"/>
           </a:xfrm>
           <a:prstGeom prst="rect">
             <a:avLst/>
@@ -5550,18 +5545,18 @@
           </a:p>
           <a:p>
             <a:r>
-              <a:rPr lang="en-US" sz="2200" dirty="0">
-                <a:solidFill>
-                  <a:prstClr val="black"/>
-                </a:solidFill>
-                <a:latin typeface="APL385 Unicode" panose="020B0709000202000203" pitchFamily="49" charset="0"/>
-                <a:ea typeface="+mj-ea"/>
-                <a:cs typeface="+mj-cs"/>
-              </a:rPr>
-              <a:t>       (2 3⍴'WedTue') </a:t>
-            </a:r>
-            <a:r>
-              <a:rPr lang="en-US" sz="2200" dirty="0" err="1">
+              <a:rPr lang="en-US" sz="2000" dirty="0">
+                <a:solidFill>
+                  <a:prstClr val="black"/>
+                </a:solidFill>
+                <a:latin typeface="APL385 Unicode" panose="020B0709000202000203" pitchFamily="49" charset="0"/>
+                <a:ea typeface="+mj-ea"/>
+                <a:cs typeface="+mj-cs"/>
+              </a:rPr>
+              <a:t>      (2 3⍴'WedTue') </a:t>
+            </a:r>
+            <a:r>
+              <a:rPr lang="en-US" sz="2000" dirty="0" err="1">
                 <a:solidFill>
                   <a:prstClr val="black"/>
                 </a:solidFill>
@@ -5572,7 +5567,7 @@
               <a:t>AteMostOnWeekdays</a:t>
             </a:r>
             <a:r>
-              <a:rPr lang="en-US" sz="2200" dirty="0">
+              <a:rPr lang="en-US" sz="2000" dirty="0">
                 <a:solidFill>
                   <a:prstClr val="black"/>
                 </a:solidFill>
@@ -5585,16 +5580,18 @@
           </a:p>
           <a:p>
             <a:r>
-              <a:rPr lang="en-US" sz="2200" dirty="0">
-                <a:solidFill>
-                  <a:prstClr val="black"/>
-                </a:solidFill>
-                <a:latin typeface="APL385 Unicode" panose="020B0709000202000203" pitchFamily="49" charset="0"/>
-                <a:ea typeface="+mj-ea"/>
-                <a:cs typeface="+mj-cs"/>
-              </a:rPr>
-              <a:t>Rich</a:t>
-            </a:r>
+              <a:rPr lang="en-US" sz="2000" dirty="0">
+                <a:solidFill>
+                  <a:prstClr val="black"/>
+                </a:solidFill>
+                <a:latin typeface="APL385 Unicode" panose="020B0709000202000203" pitchFamily="49" charset="0"/>
+                <a:ea typeface="+mj-ea"/>
+                <a:cs typeface="+mj-cs"/>
+              </a:rPr>
+              <a:t>Rodrigo</a:t>
+            </a:r>
+          </a:p>
+          <a:p>
             <a:endParaRPr lang="en-US" sz="2000" dirty="0">
               <a:solidFill>
                 <a:prstClr val="black"/>
@@ -5606,18 +5603,18 @@
           </a:p>
           <a:p>
             <a:r>
-              <a:rPr lang="en-US" sz="2200" dirty="0">
-                <a:solidFill>
-                  <a:prstClr val="black"/>
-                </a:solidFill>
-                <a:latin typeface="APL385 Unicode" panose="020B0709000202000203" pitchFamily="49" charset="0"/>
-                <a:ea typeface="+mj-ea"/>
-                <a:cs typeface="+mj-cs"/>
-              </a:rPr>
-              <a:t>       (3 3⍴'MonWedFri') </a:t>
-            </a:r>
-            <a:r>
-              <a:rPr lang="en-US" sz="2200" dirty="0" err="1">
+              <a:rPr lang="en-US" sz="2000" dirty="0">
+                <a:solidFill>
+                  <a:prstClr val="black"/>
+                </a:solidFill>
+                <a:latin typeface="APL385 Unicode" panose="020B0709000202000203" pitchFamily="49" charset="0"/>
+                <a:ea typeface="+mj-ea"/>
+                <a:cs typeface="+mj-cs"/>
+              </a:rPr>
+              <a:t>      (3 3⍴'MonWedFri') </a:t>
+            </a:r>
+            <a:r>
+              <a:rPr lang="en-US" sz="2000" dirty="0" err="1">
                 <a:solidFill>
                   <a:prstClr val="black"/>
                 </a:solidFill>
@@ -5628,28 +5625,86 @@
               <a:t>AteMostOnWeekdays</a:t>
             </a:r>
             <a:r>
-              <a:rPr lang="en-US" sz="2200" dirty="0">
-                <a:solidFill>
-                  <a:prstClr val="black"/>
-                </a:solidFill>
-                <a:latin typeface="APL385 Unicode" panose="020B0709000202000203" pitchFamily="49" charset="0"/>
-                <a:ea typeface="+mj-ea"/>
-                <a:cs typeface="+mj-cs"/>
-              </a:rPr>
-              <a:t> 2 7⍴'Apples Oranges'</a:t>
-            </a:r>
-          </a:p>
-          <a:p>
-            <a:r>
-              <a:rPr lang="en-US" sz="2200" dirty="0">
-                <a:solidFill>
-                  <a:prstClr val="black"/>
-                </a:solidFill>
-                <a:latin typeface="APL385 Unicode" panose="020B0709000202000203" pitchFamily="49" charset="0"/>
-                <a:ea typeface="+mj-ea"/>
-                <a:cs typeface="+mj-cs"/>
-              </a:rPr>
-              <a:t>Adam</a:t>
+              <a:rPr lang="en-US" sz="2000" dirty="0">
+                <a:solidFill>
+                  <a:prstClr val="black"/>
+                </a:solidFill>
+                <a:latin typeface="APL385 Unicode" panose="020B0709000202000203" pitchFamily="49" charset="0"/>
+                <a:ea typeface="+mj-ea"/>
+                <a:cs typeface="+mj-cs"/>
+              </a:rPr>
+              <a:t> 3 7⍴'OrangesBananasMangoes'</a:t>
+            </a:r>
+          </a:p>
+          <a:p>
+            <a:r>
+              <a:rPr lang="en-US" sz="2000" dirty="0">
+                <a:solidFill>
+                  <a:prstClr val="black"/>
+                </a:solidFill>
+                <a:latin typeface="APL385 Unicode" panose="020B0709000202000203" pitchFamily="49" charset="0"/>
+                <a:ea typeface="+mj-ea"/>
+                <a:cs typeface="+mj-cs"/>
+              </a:rPr>
+              <a:t>Adam   </a:t>
+            </a:r>
+          </a:p>
+          <a:p>
+            <a:endParaRPr lang="en-US" sz="2000" dirty="0">
+              <a:solidFill>
+                <a:prstClr val="black"/>
+              </a:solidFill>
+              <a:latin typeface="APL385 Unicode" panose="020B0709000202000203" pitchFamily="49" charset="0"/>
+              <a:ea typeface="+mj-ea"/>
+              <a:cs typeface="+mj-cs"/>
+            </a:endParaRPr>
+          </a:p>
+          <a:p>
+            <a:r>
+              <a:rPr lang="en-US" sz="2000" dirty="0">
+                <a:solidFill>
+                  <a:prstClr val="black"/>
+                </a:solidFill>
+                <a:latin typeface="APL385 Unicode" panose="020B0709000202000203" pitchFamily="49" charset="0"/>
+                <a:ea typeface="+mj-ea"/>
+                <a:cs typeface="+mj-cs"/>
+              </a:rPr>
+              <a:t>      (3 3⍴'MonThuFri') </a:t>
+            </a:r>
+            <a:r>
+              <a:rPr lang="en-US" sz="2000" dirty="0" err="1">
+                <a:solidFill>
+                  <a:prstClr val="black"/>
+                </a:solidFill>
+                <a:latin typeface="APL385 Unicode" panose="020B0709000202000203" pitchFamily="49" charset="0"/>
+                <a:ea typeface="+mj-ea"/>
+                <a:cs typeface="+mj-cs"/>
+              </a:rPr>
+              <a:t>AteMostOnWeekdays</a:t>
+            </a:r>
+            <a:r>
+              <a:rPr lang="en-US" sz="2000" dirty="0">
+                <a:solidFill>
+                  <a:prstClr val="black"/>
+                </a:solidFill>
+                <a:latin typeface="APL385 Unicode" panose="020B0709000202000203" pitchFamily="49" charset="0"/>
+                <a:ea typeface="+mj-ea"/>
+                <a:cs typeface="+mj-cs"/>
+              </a:rPr>
+              <a:t> 2 7⍴'BananasMangoes'</a:t>
+            </a:r>
+          </a:p>
+          <a:p>
+            <a:r>
+              <a:rPr lang="en-US" sz="2000" dirty="0">
+                <a:solidFill>
+                  <a:prstClr val="black"/>
+                </a:solidFill>
+                <a:latin typeface="APL385 Unicode" panose="020B0709000202000203" pitchFamily="49" charset="0"/>
+                <a:ea typeface="+mj-ea"/>
+                <a:cs typeface="+mj-cs"/>
+              </a:rPr>
+              <a:t>Rich </a:t>
             </a:r>
           </a:p>
         </p:txBody>
@@ -5699,7 +5754,7 @@
         <p:spPr>
           <a:xfrm>
             <a:off x="696000" y="729000"/>
-            <a:ext cx="10800000" cy="3477875"/>
+            <a:ext cx="10800000" cy="5570756"/>
           </a:xfrm>
           <a:prstGeom prst="rect">
             <a:avLst/>
@@ -5868,7 +5923,7 @@
           </a:p>
           <a:p>
             <a:r>
-              <a:rPr lang="en-GB" sz="2000" dirty="0">
+              <a:rPr lang="en-GB" dirty="0">
                 <a:solidFill>
                   <a:prstClr val="black"/>
                 </a:solidFill>
@@ -5879,7 +5934,7 @@
               <a:t>      (2 7⍴'RodrigoRich   ') </a:t>
             </a:r>
             <a:r>
-              <a:rPr lang="en-GB" sz="2000" dirty="0" err="1">
+              <a:rPr lang="en-GB" dirty="0" err="1">
                 <a:solidFill>
                   <a:prstClr val="black"/>
                 </a:solidFill>
@@ -5890,44 +5945,67 @@
               <a:t>DayMostFruitEaten</a:t>
             </a:r>
             <a:r>
-              <a:rPr lang="en-GB" sz="2000" dirty="0">
-                <a:solidFill>
-                  <a:prstClr val="black"/>
-                </a:solidFill>
-                <a:latin typeface="APL385 Unicode" panose="020B0709000202000203" pitchFamily="49" charset="0"/>
-                <a:ea typeface="+mj-ea"/>
-                <a:cs typeface="+mj-cs"/>
-              </a:rPr>
-              <a:t> 2 7⍴'OrangesMangoes'</a:t>
-            </a:r>
-          </a:p>
-          <a:p>
-            <a:r>
-              <a:rPr lang="en-GB" sz="2000" dirty="0">
-                <a:solidFill>
-                  <a:prstClr val="black"/>
-                </a:solidFill>
-                <a:latin typeface="APL385 Unicode" panose="020B0709000202000203" pitchFamily="49" charset="0"/>
-                <a:ea typeface="+mj-ea"/>
-                <a:cs typeface="+mj-cs"/>
-              </a:rPr>
-              <a:t>Wed</a:t>
-            </a:r>
-          </a:p>
-          <a:p>
-            <a:r>
-              <a:rPr lang="en-GB" sz="2000" dirty="0">
-                <a:solidFill>
-                  <a:prstClr val="black"/>
-                </a:solidFill>
-                <a:latin typeface="APL385 Unicode" panose="020B0709000202000203" pitchFamily="49" charset="0"/>
-                <a:ea typeface="+mj-ea"/>
-                <a:cs typeface="+mj-cs"/>
-              </a:rPr>
-              <a:t>      names </a:t>
-            </a:r>
-            <a:r>
-              <a:rPr lang="en-GB" sz="2000" dirty="0" err="1">
+              <a:rPr lang="en-GB" dirty="0">
+                <a:solidFill>
+                  <a:prstClr val="black"/>
+                </a:solidFill>
+                <a:latin typeface="APL385 Unicode" panose="020B0709000202000203" pitchFamily="49" charset="0"/>
+                <a:ea typeface="+mj-ea"/>
+                <a:cs typeface="+mj-cs"/>
+              </a:rPr>
+              <a:t> 3 7⍴'OrangesMangoesBananas'</a:t>
+            </a:r>
+          </a:p>
+          <a:p>
+            <a:r>
+              <a:rPr lang="en-GB" dirty="0">
+                <a:solidFill>
+                  <a:prstClr val="black"/>
+                </a:solidFill>
+                <a:latin typeface="APL385 Unicode" panose="020B0709000202000203" pitchFamily="49" charset="0"/>
+                <a:ea typeface="+mj-ea"/>
+                <a:cs typeface="+mj-cs"/>
+              </a:rPr>
+              <a:t>Tue</a:t>
+            </a:r>
+          </a:p>
+          <a:p>
+            <a:r>
+              <a:rPr lang="en-GB" dirty="0">
+                <a:solidFill>
+                  <a:prstClr val="black"/>
+                </a:solidFill>
+                <a:latin typeface="APL385 Unicode" panose="020B0709000202000203" pitchFamily="49" charset="0"/>
+                <a:ea typeface="+mj-ea"/>
+                <a:cs typeface="+mj-cs"/>
+              </a:rPr>
+              <a:t>Thu</a:t>
+            </a:r>
+          </a:p>
+          <a:p>
+            <a:endParaRPr lang="en-GB" dirty="0">
+              <a:solidFill>
+                <a:prstClr val="black"/>
+              </a:solidFill>
+              <a:latin typeface="APL385 Unicode" panose="020B0709000202000203" pitchFamily="49" charset="0"/>
+              <a:ea typeface="+mj-ea"/>
+              <a:cs typeface="+mj-cs"/>
+            </a:endParaRPr>
+          </a:p>
+          <a:p>
+            <a:r>
+              <a:rPr lang="en-GB" dirty="0">
+                <a:solidFill>
+                  <a:prstClr val="black"/>
+                </a:solidFill>
+                <a:latin typeface="APL385 Unicode" panose="020B0709000202000203" pitchFamily="49" charset="0"/>
+                <a:ea typeface="+mj-ea"/>
+                <a:cs typeface="+mj-cs"/>
+              </a:rPr>
+              <a:t>      (2 7⍴'Adam   Rich   ') </a:t>
+            </a:r>
+            <a:r>
+              <a:rPr lang="en-GB" dirty="0" err="1">
                 <a:solidFill>
                   <a:prstClr val="black"/>
                 </a:solidFill>
@@ -5938,20 +6016,91 @@
               <a:t>DayMostFruitEaten</a:t>
             </a:r>
             <a:r>
-              <a:rPr lang="en-GB" sz="2000" dirty="0">
-                <a:solidFill>
-                  <a:prstClr val="black"/>
-                </a:solidFill>
-                <a:latin typeface="APL385 Unicode" panose="020B0709000202000203" pitchFamily="49" charset="0"/>
-                <a:ea typeface="+mj-ea"/>
-                <a:cs typeface="+mj-cs"/>
-              </a:rPr>
-              <a:t> fruits</a:t>
-            </a:r>
-          </a:p>
-          <a:p>
-            <a:r>
-              <a:rPr lang="en-GB" sz="2000" dirty="0">
+              <a:rPr lang="en-GB" dirty="0">
+                <a:solidFill>
+                  <a:prstClr val="black"/>
+                </a:solidFill>
+                <a:latin typeface="APL385 Unicode" panose="020B0709000202000203" pitchFamily="49" charset="0"/>
+                <a:ea typeface="+mj-ea"/>
+                <a:cs typeface="+mj-cs"/>
+              </a:rPr>
+              <a:t> 3 7⍴'OrangesApples '</a:t>
+            </a:r>
+          </a:p>
+          <a:p>
+            <a:r>
+              <a:rPr lang="en-GB" dirty="0">
+                <a:solidFill>
+                  <a:prstClr val="black"/>
+                </a:solidFill>
+                <a:latin typeface="APL385 Unicode" panose="020B0709000202000203" pitchFamily="49" charset="0"/>
+                <a:ea typeface="+mj-ea"/>
+                <a:cs typeface="+mj-cs"/>
+              </a:rPr>
+              <a:t>Sun</a:t>
+            </a:r>
+          </a:p>
+          <a:p>
+            <a:endParaRPr lang="en-GB" dirty="0">
+              <a:solidFill>
+                <a:prstClr val="black"/>
+              </a:solidFill>
+              <a:latin typeface="APL385 Unicode" panose="020B0709000202000203" pitchFamily="49" charset="0"/>
+              <a:ea typeface="+mj-ea"/>
+              <a:cs typeface="+mj-cs"/>
+            </a:endParaRPr>
+          </a:p>
+          <a:p>
+            <a:r>
+              <a:rPr lang="en-GB" dirty="0">
+                <a:solidFill>
+                  <a:prstClr val="black"/>
+                </a:solidFill>
+                <a:latin typeface="APL385 Unicode" panose="020B0709000202000203" pitchFamily="49" charset="0"/>
+                <a:ea typeface="+mj-ea"/>
+                <a:cs typeface="+mj-cs"/>
+              </a:rPr>
+              <a:t>      (1 7⍴'Adam   ') </a:t>
+            </a:r>
+            <a:r>
+              <a:rPr lang="en-GB" dirty="0" err="1">
+                <a:solidFill>
+                  <a:prstClr val="black"/>
+                </a:solidFill>
+                <a:latin typeface="APL385 Unicode" panose="020B0709000202000203" pitchFamily="49" charset="0"/>
+                <a:ea typeface="+mj-ea"/>
+                <a:cs typeface="+mj-cs"/>
+              </a:rPr>
+              <a:t>DayMostFruitEaten</a:t>
+            </a:r>
+            <a:r>
+              <a:rPr lang="en-GB" dirty="0">
+                <a:solidFill>
+                  <a:prstClr val="black"/>
+                </a:solidFill>
+                <a:latin typeface="APL385 Unicode" panose="020B0709000202000203" pitchFamily="49" charset="0"/>
+                <a:ea typeface="+mj-ea"/>
+                <a:cs typeface="+mj-cs"/>
+              </a:rPr>
+              <a:t> 3 7⍴'Mangoes'</a:t>
+            </a:r>
+          </a:p>
+          <a:p>
+            <a:r>
+              <a:rPr lang="en-GB" dirty="0">
+                <a:solidFill>
+                  <a:prstClr val="black"/>
+                </a:solidFill>
+                <a:latin typeface="APL385 Unicode" panose="020B0709000202000203" pitchFamily="49" charset="0"/>
+                <a:ea typeface="+mj-ea"/>
+                <a:cs typeface="+mj-cs"/>
+              </a:rPr>
+              <a:t>Mon</a:t>
+            </a:r>
+          </a:p>
+          <a:p>
+            <a:r>
+              <a:rPr lang="en-GB" dirty="0">
                 <a:solidFill>
                   <a:prstClr val="black"/>
                 </a:solidFill>
@@ -5960,6 +6109,32 @@
                 <a:cs typeface="+mj-cs"/>
               </a:rPr>
               <a:t>Tue</a:t>
+            </a:r>
+          </a:p>
+          <a:p>
+            <a:r>
+              <a:rPr lang="en-GB" dirty="0">
+                <a:solidFill>
+                  <a:prstClr val="black"/>
+                </a:solidFill>
+                <a:latin typeface="APL385 Unicode" panose="020B0709000202000203" pitchFamily="49" charset="0"/>
+                <a:ea typeface="+mj-ea"/>
+                <a:cs typeface="+mj-cs"/>
+              </a:rPr>
+              <a:t>Thu</a:t>
+            </a:r>
+          </a:p>
+          <a:p>
+            <a:r>
+              <a:rPr lang="en-GB" dirty="0">
+                <a:solidFill>
+                  <a:prstClr val="black"/>
+                </a:solidFill>
+                <a:latin typeface="APL385 Unicode" panose="020B0709000202000203" pitchFamily="49" charset="0"/>
+                <a:ea typeface="+mj-ea"/>
+                <a:cs typeface="+mj-cs"/>
+              </a:rPr>
+              <a:t>Fri</a:t>
             </a:r>
           </a:p>
         </p:txBody>

--- a/tasks5.pptx
+++ b/tasks5.pptx
@@ -276,7 +276,7 @@
           <a:p>
             <a:fld id="{4C324CBA-B5F8-49E4-A74D-FDDDFCEF0F4B}" type="datetimeFigureOut">
               <a:rPr lang="en-GB" smtClean="0"/>
-              <a:t>29/08/2021</a:t>
+              <a:t>02/09/2021</a:t>
             </a:fld>
             <a:endParaRPr lang="en-GB"/>
           </a:p>
@@ -476,7 +476,7 @@
           <a:p>
             <a:fld id="{4C324CBA-B5F8-49E4-A74D-FDDDFCEF0F4B}" type="datetimeFigureOut">
               <a:rPr lang="en-GB" smtClean="0"/>
-              <a:t>29/08/2021</a:t>
+              <a:t>02/09/2021</a:t>
             </a:fld>
             <a:endParaRPr lang="en-GB"/>
           </a:p>
@@ -686,7 +686,7 @@
           <a:p>
             <a:fld id="{4C324CBA-B5F8-49E4-A74D-FDDDFCEF0F4B}" type="datetimeFigureOut">
               <a:rPr lang="en-GB" smtClean="0"/>
-              <a:t>29/08/2021</a:t>
+              <a:t>02/09/2021</a:t>
             </a:fld>
             <a:endParaRPr lang="en-GB"/>
           </a:p>
@@ -886,7 +886,7 @@
           <a:p>
             <a:fld id="{4C324CBA-B5F8-49E4-A74D-FDDDFCEF0F4B}" type="datetimeFigureOut">
               <a:rPr lang="en-GB" smtClean="0"/>
-              <a:t>29/08/2021</a:t>
+              <a:t>02/09/2021</a:t>
             </a:fld>
             <a:endParaRPr lang="en-GB"/>
           </a:p>
@@ -1162,7 +1162,7 @@
           <a:p>
             <a:fld id="{4C324CBA-B5F8-49E4-A74D-FDDDFCEF0F4B}" type="datetimeFigureOut">
               <a:rPr lang="en-GB" smtClean="0"/>
-              <a:t>29/08/2021</a:t>
+              <a:t>02/09/2021</a:t>
             </a:fld>
             <a:endParaRPr lang="en-GB"/>
           </a:p>
@@ -1430,7 +1430,7 @@
           <a:p>
             <a:fld id="{4C324CBA-B5F8-49E4-A74D-FDDDFCEF0F4B}" type="datetimeFigureOut">
               <a:rPr lang="en-GB" smtClean="0"/>
-              <a:t>29/08/2021</a:t>
+              <a:t>02/09/2021</a:t>
             </a:fld>
             <a:endParaRPr lang="en-GB"/>
           </a:p>
@@ -1845,7 +1845,7 @@
           <a:p>
             <a:fld id="{4C324CBA-B5F8-49E4-A74D-FDDDFCEF0F4B}" type="datetimeFigureOut">
               <a:rPr lang="en-GB" smtClean="0"/>
-              <a:t>29/08/2021</a:t>
+              <a:t>02/09/2021</a:t>
             </a:fld>
             <a:endParaRPr lang="en-GB"/>
           </a:p>
@@ -1987,7 +1987,7 @@
           <a:p>
             <a:fld id="{4C324CBA-B5F8-49E4-A74D-FDDDFCEF0F4B}" type="datetimeFigureOut">
               <a:rPr lang="en-GB" smtClean="0"/>
-              <a:t>29/08/2021</a:t>
+              <a:t>02/09/2021</a:t>
             </a:fld>
             <a:endParaRPr lang="en-GB"/>
           </a:p>
@@ -2100,7 +2100,7 @@
           <a:p>
             <a:fld id="{4C324CBA-B5F8-49E4-A74D-FDDDFCEF0F4B}" type="datetimeFigureOut">
               <a:rPr lang="en-GB" smtClean="0"/>
-              <a:t>29/08/2021</a:t>
+              <a:t>02/09/2021</a:t>
             </a:fld>
             <a:endParaRPr lang="en-GB"/>
           </a:p>
@@ -2413,7 +2413,7 @@
           <a:p>
             <a:fld id="{4C324CBA-B5F8-49E4-A74D-FDDDFCEF0F4B}" type="datetimeFigureOut">
               <a:rPr lang="en-GB" smtClean="0"/>
-              <a:t>29/08/2021</a:t>
+              <a:t>02/09/2021</a:t>
             </a:fld>
             <a:endParaRPr lang="en-GB"/>
           </a:p>
@@ -2702,7 +2702,7 @@
           <a:p>
             <a:fld id="{4C324CBA-B5F8-49E4-A74D-FDDDFCEF0F4B}" type="datetimeFigureOut">
               <a:rPr lang="en-GB" smtClean="0"/>
-              <a:t>29/08/2021</a:t>
+              <a:t>02/09/2021</a:t>
             </a:fld>
             <a:endParaRPr lang="en-GB"/>
           </a:p>
@@ -2947,7 +2947,7 @@
             <a:fld id="{4C324CBA-B5F8-49E4-A74D-FDDDFCEF0F4B}" type="datetimeFigureOut">
               <a:rPr lang="en-GB" smtClean="0"/>
               <a:pPr/>
-              <a:t>29/08/2021</a:t>
+              <a:t>02/09/2021</a:t>
             </a:fld>
             <a:endParaRPr lang="en-GB" dirty="0"/>
           </a:p>
@@ -7705,7 +7705,7 @@
         <p:spPr>
           <a:xfrm>
             <a:off x="696000" y="729000"/>
-            <a:ext cx="10800000" cy="5786199"/>
+            <a:ext cx="10800000" cy="5940088"/>
           </a:xfrm>
           <a:prstGeom prst="rect">
             <a:avLst/>
@@ -7772,7 +7772,7 @@
           </a:p>
           <a:p>
             <a:r>
-              <a:rPr lang="en-GB" sz="3000" dirty="0">
+              <a:rPr lang="en-GB" sz="2000" dirty="0">
                 <a:solidFill>
                   <a:prstClr val="black"/>
                 </a:solidFill>
@@ -7783,7 +7783,7 @@
               <a:t>Define a function </a:t>
             </a:r>
             <a:r>
-              <a:rPr lang="en-GB" sz="3000" dirty="0">
+              <a:rPr lang="en-GB" sz="2000" dirty="0">
                 <a:solidFill>
                   <a:prstClr val="black"/>
                 </a:solidFill>
@@ -7794,7 +7794,7 @@
               <a:t>Up</a:t>
             </a:r>
             <a:r>
-              <a:rPr lang="en-GB" sz="3000" dirty="0">
+              <a:rPr lang="en-GB" sz="2000" dirty="0">
                 <a:solidFill>
                   <a:prstClr val="black"/>
                 </a:solidFill>
@@ -7806,7 +7806,7 @@
             </a:r>
           </a:p>
           <a:p>
-            <a:endParaRPr lang="en-GB" sz="3000" dirty="0">
+            <a:endParaRPr lang="en-GB" sz="2000" dirty="0">
               <a:solidFill>
                 <a:prstClr val="black"/>
               </a:solidFill>
@@ -7817,7 +7817,7 @@
           </a:p>
           <a:p>
             <a:r>
-              <a:rPr lang="en-US" sz="3000" dirty="0">
+              <a:rPr lang="en-US" sz="2000" dirty="0">
                 <a:solidFill>
                   <a:prstClr val="black"/>
                 </a:solidFill>
@@ -7830,7 +7830,7 @@
           </a:p>
           <a:p>
             <a:r>
-              <a:rPr lang="en-US" sz="3000" dirty="0">
+              <a:rPr lang="en-US" sz="2000" dirty="0">
                 <a:solidFill>
                   <a:prstClr val="black"/>
                 </a:solidFill>
@@ -7842,7 +7842,59 @@
             </a:r>
           </a:p>
           <a:p>
-            <a:endParaRPr lang="en-US" sz="3000" dirty="0">
+            <a:r>
+              <a:rPr lang="en-US" sz="2000" dirty="0">
+                <a:solidFill>
+                  <a:prstClr val="black"/>
+                </a:solidFill>
+                <a:latin typeface="APL385 Unicode" panose="020B0709000202000203" pitchFamily="49" charset="0"/>
+                <a:ea typeface="+mj-ea"/>
+                <a:cs typeface="+mj-cs"/>
+              </a:rPr>
+              <a:t>      Up 5 ¯2 0 2</a:t>
+            </a:r>
+          </a:p>
+          <a:p>
+            <a:r>
+              <a:rPr lang="en-US" sz="2000" dirty="0">
+                <a:solidFill>
+                  <a:prstClr val="black"/>
+                </a:solidFill>
+                <a:latin typeface="APL385 Unicode" panose="020B0709000202000203" pitchFamily="49" charset="0"/>
+                <a:ea typeface="+mj-ea"/>
+                <a:cs typeface="+mj-cs"/>
+              </a:rPr>
+              <a:t>¯2 0 2 5</a:t>
+            </a:r>
+          </a:p>
+          <a:p>
+            <a:r>
+              <a:rPr lang="en-US" sz="2000" dirty="0">
+                <a:solidFill>
+                  <a:prstClr val="black"/>
+                </a:solidFill>
+                <a:latin typeface="APL385 Unicode" panose="020B0709000202000203" pitchFamily="49" charset="0"/>
+                <a:ea typeface="+mj-ea"/>
+                <a:cs typeface="+mj-cs"/>
+              </a:rPr>
+              <a:t>      Up ¯4 1 ¯3 ¯3 1 3 1 2 0 3</a:t>
+            </a:r>
+          </a:p>
+          <a:p>
+            <a:r>
+              <a:rPr lang="en-US" sz="2000" dirty="0">
+                <a:solidFill>
+                  <a:prstClr val="black"/>
+                </a:solidFill>
+                <a:latin typeface="APL385 Unicode" panose="020B0709000202000203" pitchFamily="49" charset="0"/>
+                <a:ea typeface="+mj-ea"/>
+                <a:cs typeface="+mj-cs"/>
+              </a:rPr>
+              <a:t>¯4 ¯3 ¯3 0 1 1 1 2 3 3</a:t>
+            </a:r>
+          </a:p>
+          <a:p>
+            <a:endParaRPr lang="en-US" sz="2000" dirty="0">
               <a:solidFill>
                 <a:prstClr val="black"/>
               </a:solidFill>
@@ -7853,7 +7905,7 @@
           </a:p>
           <a:p>
             <a:r>
-              <a:rPr lang="en-US" sz="3000" dirty="0">
+              <a:rPr lang="en-US" sz="2000" dirty="0">
                 <a:solidFill>
                   <a:prstClr val="black"/>
                 </a:solidFill>
@@ -7864,7 +7916,7 @@
               <a:t>Define a function </a:t>
             </a:r>
             <a:r>
-              <a:rPr lang="en-US" sz="3000" dirty="0">
+              <a:rPr lang="en-US" sz="2000" dirty="0">
                 <a:solidFill>
                   <a:prstClr val="black"/>
                 </a:solidFill>
@@ -7875,7 +7927,7 @@
               <a:t>Down</a:t>
             </a:r>
             <a:r>
-              <a:rPr lang="en-US" sz="3000" dirty="0">
+              <a:rPr lang="en-US" sz="2000" dirty="0">
                 <a:solidFill>
                   <a:prstClr val="black"/>
                 </a:solidFill>
@@ -7887,7 +7939,7 @@
             </a:r>
           </a:p>
           <a:p>
-            <a:endParaRPr lang="en-US" sz="3000" dirty="0">
+            <a:endParaRPr lang="en-US" sz="2000" dirty="0">
               <a:solidFill>
                 <a:prstClr val="black"/>
               </a:solidFill>
@@ -7898,7 +7950,7 @@
           </a:p>
           <a:p>
             <a:r>
-              <a:rPr lang="en-US" sz="3000" dirty="0">
+              <a:rPr lang="en-US" sz="2000" dirty="0">
                 <a:solidFill>
                   <a:prstClr val="black"/>
                 </a:solidFill>
@@ -7911,7 +7963,7 @@
           </a:p>
           <a:p>
             <a:r>
-              <a:rPr lang="en-US" sz="3000" dirty="0">
+              <a:rPr lang="en-US" sz="2000" dirty="0">
                 <a:solidFill>
                   <a:prstClr val="black"/>
                 </a:solidFill>
@@ -7921,7 +7973,59 @@
               </a:rPr>
               <a:t>10  4.2  1.5  0  ¯3</a:t>
             </a:r>
-            <a:endParaRPr lang="en-GB" sz="3000" dirty="0">
+          </a:p>
+          <a:p>
+            <a:r>
+              <a:rPr lang="en-US" sz="2000" dirty="0">
+                <a:solidFill>
+                  <a:prstClr val="black"/>
+                </a:solidFill>
+                <a:latin typeface="APL385 Unicode" panose="020B0709000202000203" pitchFamily="49" charset="0"/>
+                <a:ea typeface="+mj-ea"/>
+                <a:cs typeface="+mj-cs"/>
+              </a:rPr>
+              <a:t>      Down 5 ¯2 0 2</a:t>
+            </a:r>
+          </a:p>
+          <a:p>
+            <a:r>
+              <a:rPr lang="en-US" sz="2000" dirty="0">
+                <a:solidFill>
+                  <a:prstClr val="black"/>
+                </a:solidFill>
+                <a:latin typeface="APL385 Unicode" panose="020B0709000202000203" pitchFamily="49" charset="0"/>
+                <a:ea typeface="+mj-ea"/>
+                <a:cs typeface="+mj-cs"/>
+              </a:rPr>
+              <a:t>5 2 0 ¯2</a:t>
+            </a:r>
+          </a:p>
+          <a:p>
+            <a:r>
+              <a:rPr lang="en-US" sz="2000" dirty="0">
+                <a:solidFill>
+                  <a:prstClr val="black"/>
+                </a:solidFill>
+                <a:latin typeface="APL385 Unicode" panose="020B0709000202000203" pitchFamily="49" charset="0"/>
+                <a:ea typeface="+mj-ea"/>
+                <a:cs typeface="+mj-cs"/>
+              </a:rPr>
+              <a:t>      Down ¯4 1 ¯3 ¯3 1 3 1 2 0 3</a:t>
+            </a:r>
+          </a:p>
+          <a:p>
+            <a:r>
+              <a:rPr lang="en-US" sz="2000" dirty="0">
+                <a:solidFill>
+                  <a:prstClr val="black"/>
+                </a:solidFill>
+                <a:latin typeface="APL385 Unicode" panose="020B0709000202000203" pitchFamily="49" charset="0"/>
+                <a:ea typeface="+mj-ea"/>
+                <a:cs typeface="+mj-cs"/>
+              </a:rPr>
+              <a:t>3 3 2 1 1 1 0 ¯3 ¯3 ¯4</a:t>
+            </a:r>
+            <a:endParaRPr lang="en-GB" sz="2000" dirty="0">
               <a:solidFill>
                 <a:prstClr val="black"/>
               </a:solidFill>
@@ -7977,7 +8081,7 @@
         <p:spPr>
           <a:xfrm>
             <a:off x="696000" y="729000"/>
-            <a:ext cx="10800000" cy="5478423"/>
+            <a:ext cx="10800000" cy="5324535"/>
           </a:xfrm>
           <a:prstGeom prst="rect">
             <a:avLst/>
@@ -8043,7 +8147,7 @@
             </a:endParaRPr>
           </a:p>
           <a:p>
-            <a:endParaRPr lang="en-GB" sz="4000" b="1" dirty="0">
+            <a:endParaRPr lang="en-GB" sz="2000" b="1" dirty="0">
               <a:solidFill>
                 <a:prstClr val="black"/>
               </a:solidFill>
@@ -8054,7 +8158,7 @@
           </a:p>
           <a:p>
             <a:r>
-              <a:rPr lang="en-US" sz="2500" dirty="0">
+              <a:rPr lang="en-US" sz="2000" dirty="0">
                 <a:solidFill>
                   <a:prstClr val="black"/>
                 </a:solidFill>
@@ -8065,7 +8169,7 @@
               <a:t>Define a function </a:t>
             </a:r>
             <a:r>
-              <a:rPr lang="en-US" sz="2500" dirty="0" err="1">
+              <a:rPr lang="en-US" sz="2000" dirty="0" err="1">
                 <a:solidFill>
                   <a:prstClr val="black"/>
                 </a:solidFill>
@@ -8076,7 +8180,7 @@
               <a:t>SortedBy</a:t>
             </a:r>
             <a:r>
-              <a:rPr lang="en-US" sz="2500" dirty="0">
+              <a:rPr lang="en-US" sz="2000" dirty="0">
                 <a:solidFill>
                   <a:prstClr val="black"/>
                 </a:solidFill>
@@ -8088,7 +8192,7 @@
             </a:r>
           </a:p>
           <a:p>
-            <a:endParaRPr lang="en-US" sz="2500" dirty="0">
+            <a:endParaRPr lang="en-US" sz="2000" dirty="0">
               <a:solidFill>
                 <a:prstClr val="black"/>
               </a:solidFill>
@@ -8099,7 +8203,7 @@
           </a:p>
           <a:p>
             <a:r>
-              <a:rPr lang="en-US" sz="2500" dirty="0">
+              <a:rPr lang="en-US" sz="2000" dirty="0">
                 <a:solidFill>
                   <a:prstClr val="black"/>
                 </a:solidFill>
@@ -8110,7 +8214,7 @@
               <a:t>      'ABCDE' </a:t>
             </a:r>
             <a:r>
-              <a:rPr lang="en-US" sz="2500" dirty="0" err="1">
+              <a:rPr lang="en-US" sz="2000" dirty="0" err="1">
                 <a:solidFill>
                   <a:prstClr val="black"/>
                 </a:solidFill>
@@ -8121,7 +8225,7 @@
               <a:t>SortedBy</a:t>
             </a:r>
             <a:r>
-              <a:rPr lang="en-US" sz="2500" dirty="0">
+              <a:rPr lang="en-US" sz="2000" dirty="0">
                 <a:solidFill>
                   <a:prstClr val="black"/>
                 </a:solidFill>
@@ -8134,7 +8238,7 @@
           </a:p>
           <a:p>
             <a:r>
-              <a:rPr lang="en-US" sz="2500" dirty="0">
+              <a:rPr lang="en-US" sz="2000" dirty="0">
                 <a:solidFill>
                   <a:prstClr val="black"/>
                 </a:solidFill>
@@ -8146,16 +8250,6 @@
             </a:r>
           </a:p>
           <a:p>
-            <a:endParaRPr lang="en-US" sz="2500" dirty="0">
-              <a:solidFill>
-                <a:prstClr val="black"/>
-              </a:solidFill>
-              <a:latin typeface="APL385 Unicode" panose="020B0709000202000203" pitchFamily="49" charset="0"/>
-              <a:ea typeface="+mj-ea"/>
-              <a:cs typeface="+mj-cs"/>
-            </a:endParaRPr>
-          </a:p>
-          <a:p>
             <a:r>
               <a:rPr lang="en-US" sz="2000" dirty="0">
                 <a:solidFill>
@@ -8165,23 +8259,10 @@
                 <a:ea typeface="+mj-ea"/>
                 <a:cs typeface="+mj-cs"/>
               </a:rPr>
-              <a:t>⍝ A is for Adám, P is for Rich Park, and G is for Rodrigo Girão</a:t>
-            </a:r>
-          </a:p>
-          <a:p>
-            <a:r>
-              <a:rPr lang="en-US" sz="2500" dirty="0">
-                <a:solidFill>
-                  <a:prstClr val="black"/>
-                </a:solidFill>
-                <a:latin typeface="APL385 Unicode" panose="020B0709000202000203" pitchFamily="49" charset="0"/>
-                <a:ea typeface="+mj-ea"/>
-                <a:cs typeface="+mj-cs"/>
-              </a:rPr>
-              <a:t>      'APG' </a:t>
-            </a:r>
-            <a:r>
-              <a:rPr lang="en-US" sz="2500" dirty="0" err="1">
+              <a:t>      1 5 5 3 2 8 </a:t>
+            </a:r>
+            <a:r>
+              <a:rPr lang="en-US" sz="2000" dirty="0" err="1">
                 <a:solidFill>
                   <a:prstClr val="black"/>
                 </a:solidFill>
@@ -8192,37 +8273,173 @@
               <a:t>SortedBy</a:t>
             </a:r>
             <a:r>
-              <a:rPr lang="en-US" sz="2500" dirty="0">
-                <a:solidFill>
-                  <a:prstClr val="black"/>
-                </a:solidFill>
-                <a:latin typeface="APL385 Unicode" panose="020B0709000202000203" pitchFamily="49" charset="0"/>
-                <a:ea typeface="+mj-ea"/>
-                <a:cs typeface="+mj-cs"/>
-              </a:rPr>
-              <a:t> 36 28 24      </a:t>
-            </a:r>
-          </a:p>
-          <a:p>
-            <a:r>
-              <a:rPr lang="en-US" sz="2500" dirty="0">
-                <a:solidFill>
-                  <a:prstClr val="black"/>
-                </a:solidFill>
-                <a:latin typeface="APL385 Unicode" panose="020B0709000202000203" pitchFamily="49" charset="0"/>
-                <a:ea typeface="+mj-ea"/>
-                <a:cs typeface="+mj-cs"/>
-              </a:rPr>
-              <a:t>'GPA'</a:t>
-            </a:r>
-            <a:endParaRPr lang="en-GB" sz="2500" dirty="0">
-              <a:solidFill>
-                <a:prstClr val="black"/>
-              </a:solidFill>
-              <a:latin typeface="APL385 Unicode" panose="020B0709000202000203" pitchFamily="49" charset="0"/>
-              <a:ea typeface="+mj-ea"/>
-              <a:cs typeface="+mj-cs"/>
-            </a:endParaRPr>
+              <a:rPr lang="en-US" sz="2000" dirty="0">
+                <a:solidFill>
+                  <a:prstClr val="black"/>
+                </a:solidFill>
+                <a:latin typeface="APL385 Unicode" panose="020B0709000202000203" pitchFamily="49" charset="0"/>
+                <a:ea typeface="+mj-ea"/>
+                <a:cs typeface="+mj-cs"/>
+              </a:rPr>
+              <a:t> 'ABCYXZ'</a:t>
+            </a:r>
+          </a:p>
+          <a:p>
+            <a:r>
+              <a:rPr lang="en-US" sz="2000" dirty="0">
+                <a:solidFill>
+                  <a:prstClr val="black"/>
+                </a:solidFill>
+                <a:latin typeface="APL385 Unicode" panose="020B0709000202000203" pitchFamily="49" charset="0"/>
+                <a:ea typeface="+mj-ea"/>
+                <a:cs typeface="+mj-cs"/>
+              </a:rPr>
+              <a:t>1 5 5 2 3 8</a:t>
+            </a:r>
+          </a:p>
+          <a:p>
+            <a:r>
+              <a:rPr lang="en-US" sz="2000" dirty="0">
+                <a:solidFill>
+                  <a:prstClr val="black"/>
+                </a:solidFill>
+                <a:latin typeface="APL385 Unicode" panose="020B0709000202000203" pitchFamily="49" charset="0"/>
+                <a:ea typeface="+mj-ea"/>
+                <a:cs typeface="+mj-cs"/>
+              </a:rPr>
+              <a:t>      1 5 5 3 2 8 </a:t>
+            </a:r>
+            <a:r>
+              <a:rPr lang="en-US" sz="2000" dirty="0" err="1">
+                <a:solidFill>
+                  <a:prstClr val="black"/>
+                </a:solidFill>
+                <a:latin typeface="APL385 Unicode" panose="020B0709000202000203" pitchFamily="49" charset="0"/>
+                <a:ea typeface="+mj-ea"/>
+                <a:cs typeface="+mj-cs"/>
+              </a:rPr>
+              <a:t>SortedBy</a:t>
+            </a:r>
+            <a:r>
+              <a:rPr lang="en-US" sz="2000" dirty="0">
+                <a:solidFill>
+                  <a:prstClr val="black"/>
+                </a:solidFill>
+                <a:latin typeface="APL385 Unicode" panose="020B0709000202000203" pitchFamily="49" charset="0"/>
+                <a:ea typeface="+mj-ea"/>
+                <a:cs typeface="+mj-cs"/>
+              </a:rPr>
+              <a:t> 'CBAYXZ'</a:t>
+            </a:r>
+          </a:p>
+          <a:p>
+            <a:r>
+              <a:rPr lang="en-US" sz="2000" dirty="0">
+                <a:solidFill>
+                  <a:prstClr val="black"/>
+                </a:solidFill>
+                <a:latin typeface="APL385 Unicode" panose="020B0709000202000203" pitchFamily="49" charset="0"/>
+                <a:ea typeface="+mj-ea"/>
+                <a:cs typeface="+mj-cs"/>
+              </a:rPr>
+              <a:t>5 5 1 2 3 8</a:t>
+            </a:r>
+          </a:p>
+          <a:p>
+            <a:r>
+              <a:rPr lang="en-US" sz="2000" dirty="0">
+                <a:solidFill>
+                  <a:prstClr val="black"/>
+                </a:solidFill>
+                <a:latin typeface="APL385 Unicode" panose="020B0709000202000203" pitchFamily="49" charset="0"/>
+                <a:ea typeface="+mj-ea"/>
+                <a:cs typeface="+mj-cs"/>
+              </a:rPr>
+              <a:t>      'AABCBBA' </a:t>
+            </a:r>
+            <a:r>
+              <a:rPr lang="en-US" sz="2000" dirty="0" err="1">
+                <a:solidFill>
+                  <a:prstClr val="black"/>
+                </a:solidFill>
+                <a:latin typeface="APL385 Unicode" panose="020B0709000202000203" pitchFamily="49" charset="0"/>
+                <a:ea typeface="+mj-ea"/>
+                <a:cs typeface="+mj-cs"/>
+              </a:rPr>
+              <a:t>SortedBy</a:t>
+            </a:r>
+            <a:r>
+              <a:rPr lang="en-US" sz="2000" dirty="0">
+                <a:solidFill>
+                  <a:prstClr val="black"/>
+                </a:solidFill>
+                <a:latin typeface="APL385 Unicode" panose="020B0709000202000203" pitchFamily="49" charset="0"/>
+                <a:ea typeface="+mj-ea"/>
+                <a:cs typeface="+mj-cs"/>
+              </a:rPr>
+              <a:t> 10 5 12 13 5 3 6</a:t>
+            </a:r>
+          </a:p>
+          <a:p>
+            <a:r>
+              <a:rPr lang="en-US" sz="2000" dirty="0">
+                <a:solidFill>
+                  <a:prstClr val="black"/>
+                </a:solidFill>
+                <a:latin typeface="APL385 Unicode" panose="020B0709000202000203" pitchFamily="49" charset="0"/>
+                <a:ea typeface="+mj-ea"/>
+                <a:cs typeface="+mj-cs"/>
+              </a:rPr>
+              <a:t>BABAABC</a:t>
+            </a:r>
+          </a:p>
+          <a:p>
+            <a:r>
+              <a:rPr lang="en-US" sz="2000" dirty="0">
+                <a:solidFill>
+                  <a:prstClr val="black"/>
+                </a:solidFill>
+                <a:latin typeface="APL385 Unicode" panose="020B0709000202000203" pitchFamily="49" charset="0"/>
+                <a:ea typeface="+mj-ea"/>
+                <a:cs typeface="+mj-cs"/>
+              </a:rPr>
+              <a:t>       'ABBCDBA' </a:t>
+            </a:r>
+            <a:r>
+              <a:rPr lang="en-US" sz="2000" dirty="0" err="1">
+                <a:solidFill>
+                  <a:prstClr val="black"/>
+                </a:solidFill>
+                <a:latin typeface="APL385 Unicode" panose="020B0709000202000203" pitchFamily="49" charset="0"/>
+                <a:ea typeface="+mj-ea"/>
+                <a:cs typeface="+mj-cs"/>
+              </a:rPr>
+              <a:t>SortedBy</a:t>
+            </a:r>
+            <a:r>
+              <a:rPr lang="en-US" sz="2000" dirty="0">
+                <a:solidFill>
+                  <a:prstClr val="black"/>
+                </a:solidFill>
+                <a:latin typeface="APL385 Unicode" panose="020B0709000202000203" pitchFamily="49" charset="0"/>
+                <a:ea typeface="+mj-ea"/>
+                <a:cs typeface="+mj-cs"/>
+              </a:rPr>
+              <a:t> ⌽⍳7</a:t>
+            </a:r>
+          </a:p>
+          <a:p>
+            <a:r>
+              <a:rPr lang="en-US" sz="2000" dirty="0">
+                <a:solidFill>
+                  <a:prstClr val="black"/>
+                </a:solidFill>
+                <a:latin typeface="APL385 Unicode" panose="020B0709000202000203" pitchFamily="49" charset="0"/>
+                <a:ea typeface="+mj-ea"/>
+                <a:cs typeface="+mj-cs"/>
+              </a:rPr>
+              <a:t>ABDCBBA</a:t>
+            </a:r>
           </a:p>
         </p:txBody>
       </p:sp>
